--- a/IPVC-EI-IA-TrabPratico1-Pesquisa_solucoes_jogos-24585-24589.pptx
+++ b/IPVC-EI-IA-TrabPratico1-Pesquisa_solucoes_jogos-24585-24589.pptx
@@ -5,10 +5,10 @@
     <p:sldMasterId id="2147483648" r:id="rId1"/>
   </p:sldMasterIdLst>
   <p:notesMasterIdLst>
-    <p:notesMasterId r:id="rId29"/>
+    <p:notesMasterId r:id="rId31"/>
   </p:notesMasterIdLst>
   <p:handoutMasterIdLst>
-    <p:handoutMasterId r:id="rId30"/>
+    <p:handoutMasterId r:id="rId32"/>
   </p:handoutMasterIdLst>
   <p:sldIdLst>
     <p:sldId id="309" r:id="rId2"/>
@@ -33,11 +33,13 @@
     <p:sldId id="359" r:id="rId21"/>
     <p:sldId id="360" r:id="rId22"/>
     <p:sldId id="362" r:id="rId23"/>
-    <p:sldId id="363" r:id="rId24"/>
-    <p:sldId id="364" r:id="rId25"/>
-    <p:sldId id="365" r:id="rId26"/>
-    <p:sldId id="344" r:id="rId27"/>
-    <p:sldId id="260" r:id="rId28"/>
+    <p:sldId id="366" r:id="rId24"/>
+    <p:sldId id="367" r:id="rId25"/>
+    <p:sldId id="363" r:id="rId26"/>
+    <p:sldId id="364" r:id="rId27"/>
+    <p:sldId id="365" r:id="rId28"/>
+    <p:sldId id="344" r:id="rId29"/>
+    <p:sldId id="260" r:id="rId30"/>
   </p:sldIdLst>
   <p:sldSz cx="9144000" cy="6858000" type="screen4x3"/>
   <p:notesSz cx="7099300" cy="10234613"/>
@@ -238,7 +240,7 @@
             <a:fld id="{ADB6FF1F-555E-4388-A8B0-D1E524B355D1}" type="datetimeFigureOut">
               <a:rPr lang="pt-PT" smtClean="0"/>
               <a:pPr/>
-              <a:t>30/04/2023</a:t>
+              <a:t>04/05/2023</a:t>
             </a:fld>
             <a:endParaRPr lang="pt-PT"/>
           </a:p>
@@ -405,7 +407,7 @@
             <a:fld id="{E77E319B-B046-487F-8D03-B96E4F1A43D0}" type="datetimeFigureOut">
               <a:rPr lang="pt-PT" smtClean="0"/>
               <a:pPr/>
-              <a:t>30/04/2023</a:t>
+              <a:t>04/05/2023</a:t>
             </a:fld>
             <a:endParaRPr lang="pt-PT"/>
           </a:p>
@@ -2150,7 +2152,7 @@
     </p:spTree>
     <p:extLst>
       <p:ext uri="{BB962C8B-B14F-4D97-AF65-F5344CB8AC3E}">
-        <p14:creationId xmlns:p14="http://schemas.microsoft.com/office/powerpoint/2010/main" val="1041980208"/>
+        <p14:creationId xmlns:p14="http://schemas.microsoft.com/office/powerpoint/2010/main" val="808379932"/>
       </p:ext>
     </p:extLst>
   </p:cSld>
@@ -2249,7 +2251,7 @@
     </p:spTree>
     <p:extLst>
       <p:ext uri="{BB962C8B-B14F-4D97-AF65-F5344CB8AC3E}">
-        <p14:creationId xmlns:p14="http://schemas.microsoft.com/office/powerpoint/2010/main" val="421569680"/>
+        <p14:creationId xmlns:p14="http://schemas.microsoft.com/office/powerpoint/2010/main" val="2444633028"/>
       </p:ext>
     </p:extLst>
   </p:cSld>
@@ -2348,7 +2350,7 @@
     </p:spTree>
     <p:extLst>
       <p:ext uri="{BB962C8B-B14F-4D97-AF65-F5344CB8AC3E}">
-        <p14:creationId xmlns:p14="http://schemas.microsoft.com/office/powerpoint/2010/main" val="527030451"/>
+        <p14:creationId xmlns:p14="http://schemas.microsoft.com/office/powerpoint/2010/main" val="1041980208"/>
       </p:ext>
     </p:extLst>
   </p:cSld>
@@ -2398,6 +2400,204 @@
               </a:rPr>
               <a:pPr/>
               <a:t>26</a:t>
+            </a:fld>
+            <a:endParaRPr lang="pt-PT">
+              <a:latin typeface="Arial" pitchFamily="34" charset="0"/>
+            </a:endParaRPr>
+          </a:p>
+        </p:txBody>
+      </p:sp>
+      <p:sp>
+        <p:nvSpPr>
+          <p:cNvPr id="93187" name="Rectangle 2"/>
+          <p:cNvSpPr>
+            <a:spLocks noGrp="1" noRot="1" noChangeAspect="1" noChangeArrowheads="1" noTextEdit="1"/>
+          </p:cNvSpPr>
+          <p:nvPr>
+            <p:ph type="sldImg"/>
+          </p:nvPr>
+        </p:nvSpPr>
+        <p:spPr>
+          <a:ln/>
+        </p:spPr>
+      </p:sp>
+      <p:sp>
+        <p:nvSpPr>
+          <p:cNvPr id="93188" name="Rectangle 3"/>
+          <p:cNvSpPr>
+            <a:spLocks noGrp="1" noChangeArrowheads="1"/>
+          </p:cNvSpPr>
+          <p:nvPr>
+            <p:ph type="body" idx="1"/>
+          </p:nvPr>
+        </p:nvSpPr>
+        <p:spPr>
+          <a:noFill/>
+          <a:ln/>
+        </p:spPr>
+        <p:txBody>
+          <a:bodyPr/>
+          <a:lstStyle/>
+          <a:p>
+            <a:pPr eaLnBrk="1" hangingPunct="1"/>
+            <a:endParaRPr lang="pt-PT">
+              <a:latin typeface="Arial" pitchFamily="34" charset="0"/>
+            </a:endParaRPr>
+          </a:p>
+        </p:txBody>
+      </p:sp>
+    </p:spTree>
+    <p:extLst>
+      <p:ext uri="{BB962C8B-B14F-4D97-AF65-F5344CB8AC3E}">
+        <p14:creationId xmlns:p14="http://schemas.microsoft.com/office/powerpoint/2010/main" val="421569680"/>
+      </p:ext>
+    </p:extLst>
+  </p:cSld>
+  <p:clrMapOvr>
+    <a:masterClrMapping/>
+  </p:clrMapOvr>
+</p:notes>
+</file>
+
+<file path=ppt/notesSlides/notesSlide26.xml><?xml version="1.0" encoding="utf-8"?>
+<p:notes xmlns:a="http://schemas.openxmlformats.org/drawingml/2006/main" xmlns:r="http://schemas.openxmlformats.org/officeDocument/2006/relationships" xmlns:p="http://schemas.openxmlformats.org/presentationml/2006/main">
+  <p:cSld>
+    <p:spTree>
+      <p:nvGrpSpPr>
+        <p:cNvPr id="1" name=""/>
+        <p:cNvGrpSpPr/>
+        <p:nvPr/>
+      </p:nvGrpSpPr>
+      <p:grpSpPr>
+        <a:xfrm>
+          <a:off x="0" y="0"/>
+          <a:ext cx="0" cy="0"/>
+          <a:chOff x="0" y="0"/>
+          <a:chExt cx="0" cy="0"/>
+        </a:xfrm>
+      </p:grpSpPr>
+      <p:sp>
+        <p:nvSpPr>
+          <p:cNvPr id="93186" name="Rectangle 7"/>
+          <p:cNvSpPr>
+            <a:spLocks noGrp="1" noChangeArrowheads="1"/>
+          </p:cNvSpPr>
+          <p:nvPr>
+            <p:ph type="sldNum" sz="quarter" idx="5"/>
+          </p:nvPr>
+        </p:nvSpPr>
+        <p:spPr>
+          <a:noFill/>
+        </p:spPr>
+        <p:txBody>
+          <a:bodyPr/>
+          <a:lstStyle/>
+          <a:p>
+            <a:fld id="{497D1F5F-AB60-452E-AA79-64E25350F70B}" type="slidenum">
+              <a:rPr lang="pt-PT" smtClean="0">
+                <a:latin typeface="Arial" pitchFamily="34" charset="0"/>
+              </a:rPr>
+              <a:pPr/>
+              <a:t>27</a:t>
+            </a:fld>
+            <a:endParaRPr lang="pt-PT">
+              <a:latin typeface="Arial" pitchFamily="34" charset="0"/>
+            </a:endParaRPr>
+          </a:p>
+        </p:txBody>
+      </p:sp>
+      <p:sp>
+        <p:nvSpPr>
+          <p:cNvPr id="93187" name="Rectangle 2"/>
+          <p:cNvSpPr>
+            <a:spLocks noGrp="1" noRot="1" noChangeAspect="1" noChangeArrowheads="1" noTextEdit="1"/>
+          </p:cNvSpPr>
+          <p:nvPr>
+            <p:ph type="sldImg"/>
+          </p:nvPr>
+        </p:nvSpPr>
+        <p:spPr>
+          <a:ln/>
+        </p:spPr>
+      </p:sp>
+      <p:sp>
+        <p:nvSpPr>
+          <p:cNvPr id="93188" name="Rectangle 3"/>
+          <p:cNvSpPr>
+            <a:spLocks noGrp="1" noChangeArrowheads="1"/>
+          </p:cNvSpPr>
+          <p:nvPr>
+            <p:ph type="body" idx="1"/>
+          </p:nvPr>
+        </p:nvSpPr>
+        <p:spPr>
+          <a:noFill/>
+          <a:ln/>
+        </p:spPr>
+        <p:txBody>
+          <a:bodyPr/>
+          <a:lstStyle/>
+          <a:p>
+            <a:pPr eaLnBrk="1" hangingPunct="1"/>
+            <a:endParaRPr lang="pt-PT">
+              <a:latin typeface="Arial" pitchFamily="34" charset="0"/>
+            </a:endParaRPr>
+          </a:p>
+        </p:txBody>
+      </p:sp>
+    </p:spTree>
+    <p:extLst>
+      <p:ext uri="{BB962C8B-B14F-4D97-AF65-F5344CB8AC3E}">
+        <p14:creationId xmlns:p14="http://schemas.microsoft.com/office/powerpoint/2010/main" val="527030451"/>
+      </p:ext>
+    </p:extLst>
+  </p:cSld>
+  <p:clrMapOvr>
+    <a:masterClrMapping/>
+  </p:clrMapOvr>
+</p:notes>
+</file>
+
+<file path=ppt/notesSlides/notesSlide27.xml><?xml version="1.0" encoding="utf-8"?>
+<p:notes xmlns:a="http://schemas.openxmlformats.org/drawingml/2006/main" xmlns:r="http://schemas.openxmlformats.org/officeDocument/2006/relationships" xmlns:p="http://schemas.openxmlformats.org/presentationml/2006/main">
+  <p:cSld>
+    <p:spTree>
+      <p:nvGrpSpPr>
+        <p:cNvPr id="1" name=""/>
+        <p:cNvGrpSpPr/>
+        <p:nvPr/>
+      </p:nvGrpSpPr>
+      <p:grpSpPr>
+        <a:xfrm>
+          <a:off x="0" y="0"/>
+          <a:ext cx="0" cy="0"/>
+          <a:chOff x="0" y="0"/>
+          <a:chExt cx="0" cy="0"/>
+        </a:xfrm>
+      </p:grpSpPr>
+      <p:sp>
+        <p:nvSpPr>
+          <p:cNvPr id="93186" name="Rectangle 7"/>
+          <p:cNvSpPr>
+            <a:spLocks noGrp="1" noChangeArrowheads="1"/>
+          </p:cNvSpPr>
+          <p:nvPr>
+            <p:ph type="sldNum" sz="quarter" idx="5"/>
+          </p:nvPr>
+        </p:nvSpPr>
+        <p:spPr>
+          <a:noFill/>
+        </p:spPr>
+        <p:txBody>
+          <a:bodyPr/>
+          <a:lstStyle/>
+          <a:p>
+            <a:fld id="{497D1F5F-AB60-452E-AA79-64E25350F70B}" type="slidenum">
+              <a:rPr lang="pt-PT" smtClean="0">
+                <a:latin typeface="Arial" pitchFamily="34" charset="0"/>
+              </a:rPr>
+              <a:pPr/>
+              <a:t>28</a:t>
             </a:fld>
             <a:endParaRPr lang="pt-PT">
               <a:latin typeface="Arial" pitchFamily="34" charset="0"/>
@@ -3332,7 +3532,7 @@
             <a:fld id="{A4A3E61B-3AB3-490F-90D4-269C8A444AE7}" type="datetimeFigureOut">
               <a:rPr lang="en-US" smtClean="0"/>
               <a:pPr/>
-              <a:t>4/30/2023</a:t>
+              <a:t>5/4/2023</a:t>
             </a:fld>
             <a:endParaRPr lang="en-US"/>
           </a:p>
@@ -3499,7 +3699,7 @@
             <a:fld id="{A4A3E61B-3AB3-490F-90D4-269C8A444AE7}" type="datetimeFigureOut">
               <a:rPr lang="en-US" smtClean="0"/>
               <a:pPr/>
-              <a:t>4/30/2023</a:t>
+              <a:t>5/4/2023</a:t>
             </a:fld>
             <a:endParaRPr lang="en-US"/>
           </a:p>
@@ -3676,7 +3876,7 @@
             <a:fld id="{A4A3E61B-3AB3-490F-90D4-269C8A444AE7}" type="datetimeFigureOut">
               <a:rPr lang="en-US" smtClean="0"/>
               <a:pPr/>
-              <a:t>4/30/2023</a:t>
+              <a:t>5/4/2023</a:t>
             </a:fld>
             <a:endParaRPr lang="en-US"/>
           </a:p>
@@ -3843,7 +4043,7 @@
             <a:fld id="{A4A3E61B-3AB3-490F-90D4-269C8A444AE7}" type="datetimeFigureOut">
               <a:rPr lang="en-US" smtClean="0"/>
               <a:pPr/>
-              <a:t>4/30/2023</a:t>
+              <a:t>5/4/2023</a:t>
             </a:fld>
             <a:endParaRPr lang="en-US"/>
           </a:p>
@@ -4086,7 +4286,7 @@
             <a:fld id="{A4A3E61B-3AB3-490F-90D4-269C8A444AE7}" type="datetimeFigureOut">
               <a:rPr lang="en-US" smtClean="0"/>
               <a:pPr/>
-              <a:t>4/30/2023</a:t>
+              <a:t>5/4/2023</a:t>
             </a:fld>
             <a:endParaRPr lang="en-US"/>
           </a:p>
@@ -4371,7 +4571,7 @@
             <a:fld id="{A4A3E61B-3AB3-490F-90D4-269C8A444AE7}" type="datetimeFigureOut">
               <a:rPr lang="en-US" smtClean="0"/>
               <a:pPr/>
-              <a:t>4/30/2023</a:t>
+              <a:t>5/4/2023</a:t>
             </a:fld>
             <a:endParaRPr lang="en-US"/>
           </a:p>
@@ -4790,7 +4990,7 @@
             <a:fld id="{A4A3E61B-3AB3-490F-90D4-269C8A444AE7}" type="datetimeFigureOut">
               <a:rPr lang="en-US" smtClean="0"/>
               <a:pPr/>
-              <a:t>4/30/2023</a:t>
+              <a:t>5/4/2023</a:t>
             </a:fld>
             <a:endParaRPr lang="en-US"/>
           </a:p>
@@ -4905,7 +5105,7 @@
             <a:fld id="{A4A3E61B-3AB3-490F-90D4-269C8A444AE7}" type="datetimeFigureOut">
               <a:rPr lang="en-US" smtClean="0"/>
               <a:pPr/>
-              <a:t>4/30/2023</a:t>
+              <a:t>5/4/2023</a:t>
             </a:fld>
             <a:endParaRPr lang="en-US"/>
           </a:p>
@@ -4997,7 +5197,7 @@
             <a:fld id="{A4A3E61B-3AB3-490F-90D4-269C8A444AE7}" type="datetimeFigureOut">
               <a:rPr lang="en-US" smtClean="0"/>
               <a:pPr/>
-              <a:t>4/30/2023</a:t>
+              <a:t>5/4/2023</a:t>
             </a:fld>
             <a:endParaRPr lang="en-US"/>
           </a:p>
@@ -5271,7 +5471,7 @@
             <a:fld id="{A4A3E61B-3AB3-490F-90D4-269C8A444AE7}" type="datetimeFigureOut">
               <a:rPr lang="en-US" smtClean="0"/>
               <a:pPr/>
-              <a:t>4/30/2023</a:t>
+              <a:t>5/4/2023</a:t>
             </a:fld>
             <a:endParaRPr lang="en-US"/>
           </a:p>
@@ -5521,7 +5721,7 @@
             <a:fld id="{A4A3E61B-3AB3-490F-90D4-269C8A444AE7}" type="datetimeFigureOut">
               <a:rPr lang="en-US" smtClean="0"/>
               <a:pPr/>
-              <a:t>4/30/2023</a:t>
+              <a:t>5/4/2023</a:t>
             </a:fld>
             <a:endParaRPr lang="en-US"/>
           </a:p>
@@ -5731,7 +5931,7 @@
             <a:fld id="{A4A3E61B-3AB3-490F-90D4-269C8A444AE7}" type="datetimeFigureOut">
               <a:rPr lang="en-US" smtClean="0"/>
               <a:pPr/>
-              <a:t>4/30/2023</a:t>
+              <a:t>5/4/2023</a:t>
             </a:fld>
             <a:endParaRPr lang="en-US"/>
           </a:p>
@@ -9045,8 +9245,8 @@
         </p:nvSpPr>
         <p:spPr bwMode="auto">
           <a:xfrm>
-            <a:off x="398473" y="2845923"/>
-            <a:ext cx="5618924" cy="1480085"/>
+            <a:off x="306388" y="4046147"/>
+            <a:ext cx="5618924" cy="1757084"/>
           </a:xfrm>
           <a:prstGeom prst="rect">
             <a:avLst/>
@@ -9211,43 +9411,31 @@
               <a:rPr lang="pt-PT" altLang="pt-PT" sz="1200" dirty="0">
                 <a:cs typeface="Arial" panose="020B0604020202020204" pitchFamily="34" charset="0"/>
               </a:rPr>
-              <a:t>O método </a:t>
+              <a:t>Antes de podermos realizar o cálculo do valor de cada mão, é necessário combinar as </a:t>
             </a:r>
             <a:r>
               <a:rPr lang="pt-PT" altLang="pt-PT" sz="1200" dirty="0" err="1">
                 <a:cs typeface="Arial" panose="020B0604020202020204" pitchFamily="34" charset="0"/>
               </a:rPr>
-              <a:t>parse_hands</a:t>
+              <a:t>community</a:t>
             </a:r>
             <a:r>
               <a:rPr lang="pt-PT" altLang="pt-PT" sz="1200" dirty="0">
                 <a:cs typeface="Arial" panose="020B0604020202020204" pitchFamily="34" charset="0"/>
               </a:rPr>
-              <a:t>, foi resultado de usarmos as cartas como </a:t>
+              <a:t> </a:t>
             </a:r>
             <a:r>
               <a:rPr lang="pt-PT" altLang="pt-PT" sz="1200" dirty="0" err="1">
                 <a:cs typeface="Arial" panose="020B0604020202020204" pitchFamily="34" charset="0"/>
               </a:rPr>
-              <a:t>strings</a:t>
+              <a:t>cards</a:t>
             </a:r>
             <a:r>
               <a:rPr lang="pt-PT" altLang="pt-PT" sz="1200" dirty="0">
                 <a:cs typeface="Arial" panose="020B0604020202020204" pitchFamily="34" charset="0"/>
               </a:rPr>
-              <a:t> e não objetos do tipo </a:t>
-            </a:r>
-            <a:r>
-              <a:rPr lang="pt-PT" altLang="pt-PT" sz="1200" dirty="0" err="1">
-                <a:cs typeface="Arial" panose="020B0604020202020204" pitchFamily="34" charset="0"/>
-              </a:rPr>
-              <a:t>TexasCard</a:t>
-            </a:r>
-            <a:r>
-              <a:rPr lang="pt-PT" altLang="pt-PT" sz="1200" dirty="0">
-                <a:cs typeface="Arial" panose="020B0604020202020204" pitchFamily="34" charset="0"/>
-              </a:rPr>
-              <a:t>. </a:t>
+              <a:t> da mesa, com as mãos dos jogadores.</a:t>
             </a:r>
           </a:p>
           <a:p>
@@ -9260,7 +9448,91 @@
               <a:rPr lang="pt-PT" altLang="pt-PT" sz="1200" dirty="0">
                 <a:cs typeface="Arial" panose="020B0604020202020204" pitchFamily="34" charset="0"/>
               </a:rPr>
-              <a:t>Tivemos de criar este método para voltar a converter as cartas e depois para juntar a cada mão as cartas comunitárias para realizar a avaliação de cada mão.</a:t>
+              <a:t>Com este método, em cada </a:t>
+            </a:r>
+            <a:r>
+              <a:rPr lang="pt-PT" altLang="pt-PT" sz="1200" dirty="0" err="1">
+                <a:cs typeface="Arial" panose="020B0604020202020204" pitchFamily="34" charset="0"/>
+              </a:rPr>
+              <a:t>update</a:t>
+            </a:r>
+            <a:r>
+              <a:rPr lang="pt-PT" altLang="pt-PT" sz="1200" dirty="0">
+                <a:cs typeface="Arial" panose="020B0604020202020204" pitchFamily="34" charset="0"/>
+              </a:rPr>
+              <a:t> limpamos o atributo self.__</a:t>
+            </a:r>
+            <a:r>
+              <a:rPr lang="pt-PT" altLang="pt-PT" sz="1200" dirty="0" err="1">
+                <a:cs typeface="Arial" panose="020B0604020202020204" pitchFamily="34" charset="0"/>
+              </a:rPr>
+              <a:t>combine_hc_cc</a:t>
+            </a:r>
+            <a:r>
+              <a:rPr lang="pt-PT" altLang="pt-PT" sz="1200" dirty="0">
+                <a:cs typeface="Arial" panose="020B0604020202020204" pitchFamily="34" charset="0"/>
+              </a:rPr>
+              <a:t>[] e fazemos </a:t>
+            </a:r>
+            <a:r>
+              <a:rPr lang="pt-PT" altLang="pt-PT" sz="1200" dirty="0" err="1">
+                <a:cs typeface="Arial" panose="020B0604020202020204" pitchFamily="34" charset="0"/>
+              </a:rPr>
+              <a:t>append</a:t>
+            </a:r>
+            <a:r>
+              <a:rPr lang="pt-PT" altLang="pt-PT" sz="1200" dirty="0">
+                <a:cs typeface="Arial" panose="020B0604020202020204" pitchFamily="34" charset="0"/>
+              </a:rPr>
+              <a:t> das mãos dos jogadores e das </a:t>
+            </a:r>
+            <a:r>
+              <a:rPr lang="pt-PT" altLang="pt-PT" sz="1200" dirty="0" err="1">
+                <a:cs typeface="Arial" panose="020B0604020202020204" pitchFamily="34" charset="0"/>
+              </a:rPr>
+              <a:t>community</a:t>
+            </a:r>
+            <a:r>
+              <a:rPr lang="pt-PT" altLang="pt-PT" sz="1200" dirty="0">
+                <a:cs typeface="Arial" panose="020B0604020202020204" pitchFamily="34" charset="0"/>
+              </a:rPr>
+              <a:t> </a:t>
+            </a:r>
+            <a:r>
+              <a:rPr lang="pt-PT" altLang="pt-PT" sz="1200" dirty="0" err="1">
+                <a:cs typeface="Arial" panose="020B0604020202020204" pitchFamily="34" charset="0"/>
+              </a:rPr>
+              <a:t>cards</a:t>
+            </a:r>
+            <a:r>
+              <a:rPr lang="pt-PT" altLang="pt-PT" sz="1200" dirty="0">
+                <a:cs typeface="Arial" panose="020B0604020202020204" pitchFamily="34" charset="0"/>
+              </a:rPr>
+              <a:t> a cada mão, excluindo os valores “</a:t>
+            </a:r>
+            <a:r>
+              <a:rPr lang="pt-PT" altLang="pt-PT" sz="1200" dirty="0" err="1">
+                <a:cs typeface="Arial" panose="020B0604020202020204" pitchFamily="34" charset="0"/>
+              </a:rPr>
+              <a:t>None</a:t>
+            </a:r>
+            <a:r>
+              <a:rPr lang="pt-PT" altLang="pt-PT" sz="1200" dirty="0">
+                <a:cs typeface="Arial" panose="020B0604020202020204" pitchFamily="34" charset="0"/>
+              </a:rPr>
+              <a:t>” do atributo __</a:t>
+            </a:r>
+            <a:r>
+              <a:rPr lang="pt-PT" altLang="pt-PT" sz="1200" dirty="0" err="1">
+                <a:cs typeface="Arial" panose="020B0604020202020204" pitchFamily="34" charset="0"/>
+              </a:rPr>
+              <a:t>community_cards</a:t>
+            </a:r>
+            <a:r>
+              <a:rPr lang="pt-PT" altLang="pt-PT" sz="1200" dirty="0">
+                <a:cs typeface="Arial" panose="020B0604020202020204" pitchFamily="34" charset="0"/>
+              </a:rPr>
+              <a:t>.</a:t>
             </a:r>
           </a:p>
         </p:txBody>
@@ -9967,10 +10239,10 @@
       </p:sp>
       <p:pic>
         <p:nvPicPr>
-          <p:cNvPr id="6" name="Imagem 5" descr="Uma imagem com texto&#10;&#10;Descrição gerada automaticamente">
+          <p:cNvPr id="5" name="Imagem 4">
             <a:extLst>
               <a:ext uri="{FF2B5EF4-FFF2-40B4-BE49-F238E27FC236}">
-                <a16:creationId xmlns:a16="http://schemas.microsoft.com/office/drawing/2014/main" id="{840655B1-AB1B-D72C-EDFA-3815A6CC62E1}"/>
+                <a16:creationId xmlns:a16="http://schemas.microsoft.com/office/drawing/2014/main" id="{497F8018-577C-7DCA-6104-B1CDD56DF1D5}"/>
               </a:ext>
             </a:extLst>
           </p:cNvPr>
@@ -9980,21 +10252,15 @@
           <p:nvPr/>
         </p:nvPicPr>
         <p:blipFill>
-          <a:blip r:embed="rId7">
-            <a:extLst>
-              <a:ext uri="{28A0092B-C50C-407E-A947-70E740481C1C}">
-                <a14:useLocalDpi xmlns:a14="http://schemas.microsoft.com/office/drawing/2010/main" val="0"/>
-              </a:ext>
-            </a:extLst>
-          </a:blip>
+          <a:blip r:embed="rId7"/>
           <a:stretch>
             <a:fillRect/>
           </a:stretch>
         </p:blipFill>
         <p:spPr>
           <a:xfrm>
-            <a:off x="6367102" y="1160919"/>
-            <a:ext cx="2452222" cy="5210973"/>
+            <a:off x="3797300" y="1388420"/>
+            <a:ext cx="5052498" cy="2491956"/>
           </a:xfrm>
           <a:prstGeom prst="rect">
             <a:avLst/>
@@ -21982,7 +22248,31 @@
                 <a:latin typeface="Arial"/>
                 <a:cs typeface="Arial"/>
               </a:rPr>
-              <a:t> Execução</a:t>
+              <a:t> Código (</a:t>
+            </a:r>
+            <a:r>
+              <a:rPr lang="pt-PT" sz="2000" b="1" dirty="0" err="1">
+                <a:effectLst>
+                  <a:outerShdw blurRad="38100" dist="38100" dir="2700000" algn="tl">
+                    <a:srgbClr val="C0C0C0"/>
+                  </a:outerShdw>
+                </a:effectLst>
+                <a:latin typeface="Arial"/>
+                <a:cs typeface="Arial"/>
+              </a:rPr>
+              <a:t>IA’s</a:t>
+            </a:r>
+            <a:r>
+              <a:rPr lang="pt-PT" sz="2000" b="1" dirty="0">
+                <a:effectLst>
+                  <a:outerShdw blurRad="38100" dist="38100" dir="2700000" algn="tl">
+                    <a:srgbClr val="C0C0C0"/>
+                  </a:outerShdw>
+                </a:effectLst>
+                <a:latin typeface="Arial"/>
+                <a:cs typeface="Arial"/>
+              </a:rPr>
+              <a:t>/Jogadores)</a:t>
             </a:r>
             <a:endParaRPr lang="pt-PT" sz="2000" b="1" dirty="0">
               <a:effectLst>
@@ -22207,7 +22497,7 @@
         <p:spPr bwMode="auto">
           <a:xfrm>
             <a:off x="352350" y="1383316"/>
-            <a:ext cx="8372475" cy="698717"/>
+            <a:ext cx="8372475" cy="375552"/>
           </a:xfrm>
           <a:prstGeom prst="rect">
             <a:avLst/>
@@ -22372,7 +22662,7 @@
               <a:rPr lang="pt-PT" altLang="pt-PT" sz="1400" dirty="0">
                 <a:cs typeface="Arial" panose="020B0604020202020204" pitchFamily="34" charset="0"/>
               </a:rPr>
-              <a:t>Se corrermos o jogo, temos 3 inputs iniciais que são obrigatórios, o número de iterações, o tipo de </a:t>
+              <a:t>CFR </a:t>
             </a:r>
             <a:r>
               <a:rPr lang="pt-PT" altLang="pt-PT" sz="1400" dirty="0" err="1">
@@ -22384,19 +22674,31 @@
               <a:rPr lang="pt-PT" altLang="pt-PT" sz="1400" dirty="0">
                 <a:cs typeface="Arial" panose="020B0604020202020204" pitchFamily="34" charset="0"/>
               </a:rPr>
-              <a:t> 1 e o tipo de </a:t>
+              <a:t> </a:t>
             </a:r>
             <a:r>
               <a:rPr lang="pt-PT" altLang="pt-PT" sz="1400" dirty="0" err="1">
                 <a:cs typeface="Arial" panose="020B0604020202020204" pitchFamily="34" charset="0"/>
               </a:rPr>
-              <a:t>player</a:t>
+              <a:t>class</a:t>
             </a:r>
             <a:r>
               <a:rPr lang="pt-PT" altLang="pt-PT" sz="1400" dirty="0">
                 <a:cs typeface="Arial" panose="020B0604020202020204" pitchFamily="34" charset="0"/>
               </a:rPr>
-              <a:t> 2, que são escolhidos tendo em conta a lista apresentada.</a:t>
+              <a:t> </a:t>
+            </a:r>
+            <a:r>
+              <a:rPr lang="pt-PT" altLang="pt-PT" sz="1400" dirty="0" err="1">
+                <a:cs typeface="Arial" panose="020B0604020202020204" pitchFamily="34" charset="0"/>
+              </a:rPr>
+              <a:t>easy</a:t>
+            </a:r>
+            <a:r>
+              <a:rPr lang="pt-PT" altLang="pt-PT" sz="1400" dirty="0">
+                <a:cs typeface="Arial" panose="020B0604020202020204" pitchFamily="34" charset="0"/>
+              </a:rPr>
+              <a:t> e hard.</a:t>
             </a:r>
           </a:p>
         </p:txBody>
@@ -22831,40 +23133,10 @@
           </a:p>
         </p:txBody>
       </p:sp>
-      <p:pic>
-        <p:nvPicPr>
-          <p:cNvPr id="5" name="Imagem 4">
-            <a:extLst>
-              <a:ext uri="{FF2B5EF4-FFF2-40B4-BE49-F238E27FC236}">
-                <a16:creationId xmlns:a16="http://schemas.microsoft.com/office/drawing/2014/main" id="{9A02A697-D3F5-D5E7-9625-B54168FE42B0}"/>
-              </a:ext>
-            </a:extLst>
-          </p:cNvPr>
-          <p:cNvPicPr>
-            <a:picLocks noChangeAspect="1"/>
-          </p:cNvPicPr>
-          <p:nvPr/>
-        </p:nvPicPr>
-        <p:blipFill>
-          <a:blip r:embed="rId7"/>
-          <a:stretch>
-            <a:fillRect/>
-          </a:stretch>
-        </p:blipFill>
-        <p:spPr>
-          <a:xfrm>
-            <a:off x="303021" y="2361861"/>
-            <a:ext cx="8610600" cy="2816907"/>
-          </a:xfrm>
-          <a:prstGeom prst="rect">
-            <a:avLst/>
-          </a:prstGeom>
-        </p:spPr>
-      </p:pic>
     </p:spTree>
     <p:extLst>
       <p:ext uri="{BB962C8B-B14F-4D97-AF65-F5344CB8AC3E}">
-        <p14:creationId xmlns:p14="http://schemas.microsoft.com/office/powerpoint/2010/main" val="2477214102"/>
+        <p14:creationId xmlns:p14="http://schemas.microsoft.com/office/powerpoint/2010/main" val="1809434451"/>
       </p:ext>
     </p:extLst>
   </p:cSld>
@@ -22953,7 +23225,31 @@
                 <a:latin typeface="Arial"/>
                 <a:cs typeface="Arial"/>
               </a:rPr>
-              <a:t> Execução</a:t>
+              <a:t> Código (</a:t>
+            </a:r>
+            <a:r>
+              <a:rPr lang="pt-PT" sz="2000" b="1" dirty="0" err="1">
+                <a:effectLst>
+                  <a:outerShdw blurRad="38100" dist="38100" dir="2700000" algn="tl">
+                    <a:srgbClr val="C0C0C0"/>
+                  </a:outerShdw>
+                </a:effectLst>
+                <a:latin typeface="Arial"/>
+                <a:cs typeface="Arial"/>
+              </a:rPr>
+              <a:t>IA’s</a:t>
+            </a:r>
+            <a:r>
+              <a:rPr lang="pt-PT" sz="2000" b="1" dirty="0">
+                <a:effectLst>
+                  <a:outerShdw blurRad="38100" dist="38100" dir="2700000" algn="tl">
+                    <a:srgbClr val="C0C0C0"/>
+                  </a:outerShdw>
+                </a:effectLst>
+                <a:latin typeface="Arial"/>
+                <a:cs typeface="Arial"/>
+              </a:rPr>
+              <a:t>/Jogadores)</a:t>
             </a:r>
             <a:endParaRPr lang="pt-PT" sz="2000" b="1" dirty="0">
               <a:effectLst>
@@ -23177,8 +23473,8 @@
         </p:nvSpPr>
         <p:spPr bwMode="auto">
           <a:xfrm>
-            <a:off x="2987212" y="1375027"/>
-            <a:ext cx="5639985" cy="1711302"/>
+            <a:off x="352350" y="1371600"/>
+            <a:ext cx="8372475" cy="375552"/>
           </a:xfrm>
           <a:prstGeom prst="rect">
             <a:avLst/>
@@ -23343,80 +23639,31 @@
               <a:rPr lang="pt-PT" altLang="pt-PT" sz="1400" dirty="0">
                 <a:cs typeface="Arial" panose="020B0604020202020204" pitchFamily="34" charset="0"/>
               </a:rPr>
-              <a:t>Ao correr o jogo com os jogadores “</a:t>
+              <a:t>CFR </a:t>
             </a:r>
             <a:r>
               <a:rPr lang="pt-PT" altLang="pt-PT" sz="1400" dirty="0" err="1">
                 <a:cs typeface="Arial" panose="020B0604020202020204" pitchFamily="34" charset="0"/>
               </a:rPr>
-              <a:t>Random</a:t>
+              <a:t>trainer</a:t>
             </a:r>
             <a:r>
               <a:rPr lang="pt-PT" altLang="pt-PT" sz="1400" dirty="0">
                 <a:cs typeface="Arial" panose="020B0604020202020204" pitchFamily="34" charset="0"/>
               </a:rPr>
-              <a:t>”, as iterações serão executadas, são apresentados par cada jogo as cartas todas, com o </a:t>
+              <a:t> </a:t>
             </a:r>
             <a:r>
               <a:rPr lang="pt-PT" altLang="pt-PT" sz="1400" dirty="0" err="1">
                 <a:cs typeface="Arial" panose="020B0604020202020204" pitchFamily="34" charset="0"/>
               </a:rPr>
-              <a:t>pot</a:t>
+              <a:t>class</a:t>
             </a:r>
             <a:r>
               <a:rPr lang="pt-PT" altLang="pt-PT" sz="1400" dirty="0">
                 <a:cs typeface="Arial" panose="020B0604020202020204" pitchFamily="34" charset="0"/>
               </a:rPr>
-              <a:t> e as </a:t>
-            </a:r>
-            <a:r>
-              <a:rPr lang="pt-PT" altLang="pt-PT" sz="1400" dirty="0" err="1">
-                <a:cs typeface="Arial" panose="020B0604020202020204" pitchFamily="34" charset="0"/>
-              </a:rPr>
-              <a:t>bets</a:t>
-            </a:r>
-            <a:r>
-              <a:rPr lang="pt-PT" altLang="pt-PT" sz="1400" dirty="0">
-                <a:cs typeface="Arial" panose="020B0604020202020204" pitchFamily="34" charset="0"/>
-              </a:rPr>
-              <a:t> por ronda. </a:t>
-            </a:r>
-          </a:p>
-          <a:p>
-            <a:pPr marL="171450" indent="-171450" algn="just">
-              <a:lnSpc>
-                <a:spcPct val="150000"/>
-              </a:lnSpc>
-            </a:pPr>
-            <a:r>
-              <a:rPr lang="pt-PT" altLang="pt-PT" sz="1400" dirty="0">
-                <a:cs typeface="Arial" panose="020B0604020202020204" pitchFamily="34" charset="0"/>
-              </a:rPr>
-              <a:t>No fim, os resultados do jogo apresentam o </a:t>
-            </a:r>
-            <a:r>
-              <a:rPr lang="pt-PT" altLang="pt-PT" sz="1400" dirty="0" err="1">
-                <a:cs typeface="Arial" panose="020B0604020202020204" pitchFamily="34" charset="0"/>
-              </a:rPr>
-              <a:t>profit</a:t>
-            </a:r>
-            <a:r>
-              <a:rPr lang="pt-PT" altLang="pt-PT" sz="1400" dirty="0">
-                <a:cs typeface="Arial" panose="020B0604020202020204" pitchFamily="34" charset="0"/>
-              </a:rPr>
-              <a:t> total de cada jogador e o </a:t>
-            </a:r>
-            <a:r>
-              <a:rPr lang="pt-PT" altLang="pt-PT" sz="1400" dirty="0" err="1">
-                <a:cs typeface="Arial" panose="020B0604020202020204" pitchFamily="34" charset="0"/>
-              </a:rPr>
-              <a:t>profit</a:t>
-            </a:r>
-            <a:r>
-              <a:rPr lang="pt-PT" altLang="pt-PT" sz="1400" dirty="0">
-                <a:cs typeface="Arial" panose="020B0604020202020204" pitchFamily="34" charset="0"/>
-              </a:rPr>
-              <a:t> médio.</a:t>
+              <a:t>.</a:t>
             </a:r>
           </a:p>
         </p:txBody>
@@ -23851,70 +24098,10 @@
           </a:p>
         </p:txBody>
       </p:sp>
-      <p:pic>
-        <p:nvPicPr>
-          <p:cNvPr id="6" name="Imagem 5">
-            <a:extLst>
-              <a:ext uri="{FF2B5EF4-FFF2-40B4-BE49-F238E27FC236}">
-                <a16:creationId xmlns:a16="http://schemas.microsoft.com/office/drawing/2014/main" id="{A92AE9AF-4456-9AD7-912B-3ACA3418CD18}"/>
-              </a:ext>
-            </a:extLst>
-          </p:cNvPr>
-          <p:cNvPicPr>
-            <a:picLocks noChangeAspect="1"/>
-          </p:cNvPicPr>
-          <p:nvPr/>
-        </p:nvPicPr>
-        <p:blipFill>
-          <a:blip r:embed="rId7"/>
-          <a:stretch>
-            <a:fillRect/>
-          </a:stretch>
-        </p:blipFill>
-        <p:spPr>
-          <a:xfrm>
-            <a:off x="306388" y="1134340"/>
-            <a:ext cx="2512237" cy="5247077"/>
-          </a:xfrm>
-          <a:prstGeom prst="rect">
-            <a:avLst/>
-          </a:prstGeom>
-        </p:spPr>
-      </p:pic>
-      <p:pic>
-        <p:nvPicPr>
-          <p:cNvPr id="9" name="Imagem 8">
-            <a:extLst>
-              <a:ext uri="{FF2B5EF4-FFF2-40B4-BE49-F238E27FC236}">
-                <a16:creationId xmlns:a16="http://schemas.microsoft.com/office/drawing/2014/main" id="{EC9F4587-C202-3687-1D0F-70CF206230D4}"/>
-              </a:ext>
-            </a:extLst>
-          </p:cNvPr>
-          <p:cNvPicPr>
-            <a:picLocks noChangeAspect="1"/>
-          </p:cNvPicPr>
-          <p:nvPr/>
-        </p:nvPicPr>
-        <p:blipFill>
-          <a:blip r:embed="rId8"/>
-          <a:stretch>
-            <a:fillRect/>
-          </a:stretch>
-        </p:blipFill>
-        <p:spPr>
-          <a:xfrm>
-            <a:off x="3023788" y="4140836"/>
-            <a:ext cx="3758137" cy="2240581"/>
-          </a:xfrm>
-          <a:prstGeom prst="rect">
-            <a:avLst/>
-          </a:prstGeom>
-        </p:spPr>
-      </p:pic>
     </p:spTree>
     <p:extLst>
       <p:ext uri="{BB962C8B-B14F-4D97-AF65-F5344CB8AC3E}">
-        <p14:creationId xmlns:p14="http://schemas.microsoft.com/office/powerpoint/2010/main" val="2366797112"/>
+        <p14:creationId xmlns:p14="http://schemas.microsoft.com/office/powerpoint/2010/main" val="3394072776"/>
       </p:ext>
     </p:extLst>
   </p:cSld>
@@ -24227,8 +24414,8 @@
         </p:nvSpPr>
         <p:spPr bwMode="auto">
           <a:xfrm>
-            <a:off x="3581400" y="2133600"/>
-            <a:ext cx="5045797" cy="1021883"/>
+            <a:off x="352350" y="1383316"/>
+            <a:ext cx="8372475" cy="698717"/>
           </a:xfrm>
           <a:prstGeom prst="rect">
             <a:avLst/>
@@ -24393,7 +24580,7 @@
               <a:rPr lang="pt-PT" altLang="pt-PT" sz="1400" dirty="0">
                 <a:cs typeface="Arial" panose="020B0604020202020204" pitchFamily="34" charset="0"/>
               </a:rPr>
-              <a:t>Se selecionamos o </a:t>
+              <a:t>Se corrermos o jogo, temos 3 inputs iniciais que são obrigatórios, o número de iterações, o tipo de </a:t>
             </a:r>
             <a:r>
               <a:rPr lang="pt-PT" altLang="pt-PT" sz="1400" dirty="0" err="1">
@@ -24405,31 +24592,19 @@
               <a:rPr lang="pt-PT" altLang="pt-PT" sz="1400" dirty="0">
                 <a:cs typeface="Arial" panose="020B0604020202020204" pitchFamily="34" charset="0"/>
               </a:rPr>
-              <a:t> </a:t>
+              <a:t> 1 e o tipo de </a:t>
             </a:r>
             <a:r>
               <a:rPr lang="pt-PT" altLang="pt-PT" sz="1400" dirty="0" err="1">
                 <a:cs typeface="Arial" panose="020B0604020202020204" pitchFamily="34" charset="0"/>
               </a:rPr>
-              <a:t>Human</a:t>
+              <a:t>player</a:t>
             </a:r>
             <a:r>
               <a:rPr lang="pt-PT" altLang="pt-PT" sz="1400" dirty="0">
                 <a:cs typeface="Arial" panose="020B0604020202020204" pitchFamily="34" charset="0"/>
               </a:rPr>
-              <a:t>, temos de ser nós a introduzir as ações como input e no final é apresentado o resultado para cada </a:t>
-            </a:r>
-            <a:r>
-              <a:rPr lang="pt-PT" altLang="pt-PT" sz="1400" dirty="0" err="1">
-                <a:cs typeface="Arial" panose="020B0604020202020204" pitchFamily="34" charset="0"/>
-              </a:rPr>
-              <a:t>player</a:t>
-            </a:r>
-            <a:r>
-              <a:rPr lang="pt-PT" altLang="pt-PT" sz="1400" dirty="0">
-                <a:cs typeface="Arial" panose="020B0604020202020204" pitchFamily="34" charset="0"/>
-              </a:rPr>
-              <a:t>.</a:t>
+              <a:t> 2, que são escolhidos tendo em conta a lista apresentada.</a:t>
             </a:r>
           </a:p>
         </p:txBody>
@@ -24869,7 +25044,7 @@
           <p:cNvPr id="5" name="Imagem 4">
             <a:extLst>
               <a:ext uri="{FF2B5EF4-FFF2-40B4-BE49-F238E27FC236}">
-                <a16:creationId xmlns:a16="http://schemas.microsoft.com/office/drawing/2014/main" id="{29CA763E-1491-500B-4F95-5C2408CA828E}"/>
+                <a16:creationId xmlns:a16="http://schemas.microsoft.com/office/drawing/2014/main" id="{9A02A697-D3F5-D5E7-9625-B54168FE42B0}"/>
               </a:ext>
             </a:extLst>
           </p:cNvPr>
@@ -24886,38 +25061,8 @@
         </p:blipFill>
         <p:spPr>
           <a:xfrm>
-            <a:off x="4572000" y="3918347"/>
-            <a:ext cx="2912197" cy="1973822"/>
-          </a:xfrm>
-          <a:prstGeom prst="rect">
-            <a:avLst/>
-          </a:prstGeom>
-        </p:spPr>
-      </p:pic>
-      <p:pic>
-        <p:nvPicPr>
-          <p:cNvPr id="10" name="Imagem 9">
-            <a:extLst>
-              <a:ext uri="{FF2B5EF4-FFF2-40B4-BE49-F238E27FC236}">
-                <a16:creationId xmlns:a16="http://schemas.microsoft.com/office/drawing/2014/main" id="{F80BDB7B-FB22-4FAE-60CA-2D0AACF36E15}"/>
-              </a:ext>
-            </a:extLst>
-          </p:cNvPr>
-          <p:cNvPicPr>
-            <a:picLocks noChangeAspect="1"/>
-          </p:cNvPicPr>
-          <p:nvPr/>
-        </p:nvPicPr>
-        <p:blipFill>
-          <a:blip r:embed="rId8"/>
-          <a:stretch>
-            <a:fillRect/>
-          </a:stretch>
-        </p:blipFill>
-        <p:spPr>
-          <a:xfrm>
-            <a:off x="306388" y="1411374"/>
-            <a:ext cx="3046412" cy="4434972"/>
+            <a:off x="303021" y="2361861"/>
+            <a:ext cx="8610600" cy="2816907"/>
           </a:xfrm>
           <a:prstGeom prst="rect">
             <a:avLst/>
@@ -24927,7 +25072,7 @@
     </p:spTree>
     <p:extLst>
       <p:ext uri="{BB962C8B-B14F-4D97-AF65-F5344CB8AC3E}">
-        <p14:creationId xmlns:p14="http://schemas.microsoft.com/office/powerpoint/2010/main" val="1203542931"/>
+        <p14:creationId xmlns:p14="http://schemas.microsoft.com/office/powerpoint/2010/main" val="2477214102"/>
       </p:ext>
     </p:extLst>
   </p:cSld>
@@ -24956,7 +25101,7 @@
       </p:grpSpPr>
       <p:sp>
         <p:nvSpPr>
-          <p:cNvPr id="10243" name="Text Box 10"/>
+          <p:cNvPr id="9229" name="Text Box 13"/>
           <p:cNvSpPr txBox="1">
             <a:spLocks noChangeArrowheads="1"/>
           </p:cNvSpPr>
@@ -24964,8 +25109,8 @@
         </p:nvSpPr>
         <p:spPr bwMode="auto">
           <a:xfrm>
-            <a:off x="8288338" y="6296025"/>
-            <a:ext cx="827087" cy="366713"/>
+            <a:off x="306388" y="284606"/>
+            <a:ext cx="6981825" cy="400050"/>
           </a:xfrm>
           <a:prstGeom prst="rect">
             <a:avLst/>
@@ -24977,6 +25122,7 @@
             <a:headEnd/>
             <a:tailEnd/>
           </a:ln>
+          <a:effectLst/>
         </p:spPr>
         <p:txBody>
           <a:bodyPr>
@@ -24988,23 +25134,92 @@
               <a:spcBef>
                 <a:spcPct val="50000"/>
               </a:spcBef>
+              <a:defRPr/>
             </a:pPr>
+            <a:r>
+              <a:rPr lang="pt-PT" sz="2000" b="1" dirty="0">
+                <a:solidFill>
+                  <a:srgbClr val="C00000"/>
+                </a:solidFill>
+                <a:effectLst>
+                  <a:outerShdw blurRad="38100" dist="38100" dir="2700000" algn="tl">
+                    <a:srgbClr val="C0C0C0"/>
+                  </a:outerShdw>
+                </a:effectLst>
+                <a:latin typeface="Arial"/>
+                <a:cs typeface="Arial"/>
+              </a:rPr>
+              <a:t>■</a:t>
+            </a:r>
+            <a:r>
+              <a:rPr lang="pt-PT" sz="2000" b="1" dirty="0">
+                <a:effectLst>
+                  <a:outerShdw blurRad="38100" dist="38100" dir="2700000" algn="tl">
+                    <a:srgbClr val="C0C0C0"/>
+                  </a:outerShdw>
+                </a:effectLst>
+                <a:latin typeface="Arial"/>
+                <a:cs typeface="Arial"/>
+              </a:rPr>
+              <a:t> Execução</a:t>
+            </a:r>
+            <a:endParaRPr lang="pt-PT" sz="2000" b="1" dirty="0">
+              <a:effectLst>
+                <a:outerShdw blurRad="38100" dist="38100" dir="2700000" algn="tl">
+                  <a:srgbClr val="C0C0C0"/>
+                </a:outerShdw>
+              </a:effectLst>
+              <a:latin typeface="Arial" charset="0"/>
+            </a:endParaRPr>
+          </a:p>
+        </p:txBody>
+      </p:sp>
+      <p:sp>
+        <p:nvSpPr>
+          <p:cNvPr id="10247" name="Line 15"/>
+          <p:cNvSpPr>
+            <a:spLocks noChangeShapeType="1"/>
+          </p:cNvSpPr>
+          <p:nvPr/>
+        </p:nvSpPr>
+        <p:spPr bwMode="auto">
+          <a:xfrm>
+            <a:off x="250825" y="0"/>
+            <a:ext cx="0" cy="765175"/>
+          </a:xfrm>
+          <a:prstGeom prst="line">
+            <a:avLst/>
+          </a:prstGeom>
+          <a:noFill/>
+          <a:ln w="25400">
+            <a:solidFill>
+              <a:schemeClr val="tx1"/>
+            </a:solidFill>
+            <a:round/>
+            <a:headEnd/>
+            <a:tailEnd/>
+          </a:ln>
+        </p:spPr>
+        <p:txBody>
+          <a:bodyPr/>
+          <a:lstStyle/>
+          <a:p>
             <a:endParaRPr lang="pt-PT"/>
           </a:p>
         </p:txBody>
       </p:sp>
       <p:sp>
         <p:nvSpPr>
-          <p:cNvPr id="10244" name="Rectangle 11"/>
-          <p:cNvSpPr>
+          <p:cNvPr id="9237" name="Text Box 21"/>
+          <p:cNvSpPr txBox="1">
             <a:spLocks noChangeArrowheads="1"/>
           </p:cNvSpPr>
           <p:nvPr/>
         </p:nvSpPr>
         <p:spPr bwMode="auto">
           <a:xfrm>
-            <a:off x="8327571" y="6496091"/>
-            <a:ext cx="936625" cy="260350"/>
+            <a:off x="260350" y="44450"/>
+            <a:ext cx="6981825" cy="304800"/>
           </a:xfrm>
           <a:prstGeom prst="rect">
             <a:avLst/>
@@ -25016,6 +25231,478 @@
             <a:headEnd/>
             <a:tailEnd/>
           </a:ln>
+          <a:effectLst/>
+        </p:spPr>
+        <p:txBody>
+          <a:bodyPr>
+            <a:spAutoFit/>
+          </a:bodyPr>
+          <a:lstStyle/>
+          <a:p>
+            <a:pPr>
+              <a:spcBef>
+                <a:spcPct val="50000"/>
+              </a:spcBef>
+              <a:defRPr/>
+            </a:pPr>
+            <a:endParaRPr lang="pt-PT" sz="1400" b="1" dirty="0">
+              <a:solidFill>
+                <a:srgbClr val="FF3300"/>
+              </a:solidFill>
+              <a:effectLst>
+                <a:outerShdw blurRad="38100" dist="38100" dir="2700000" algn="tl">
+                  <a:srgbClr val="C0C0C0"/>
+                </a:outerShdw>
+              </a:effectLst>
+              <a:latin typeface="Arial" charset="0"/>
+            </a:endParaRPr>
+          </a:p>
+        </p:txBody>
+      </p:sp>
+      <p:pic>
+        <p:nvPicPr>
+          <p:cNvPr id="7" name="Imagem 6">
+            <a:extLst>
+              <a:ext uri="{FF2B5EF4-FFF2-40B4-BE49-F238E27FC236}">
+                <a16:creationId xmlns:a16="http://schemas.microsoft.com/office/drawing/2014/main" id="{54D42837-E70D-4C64-A8A7-E7F751502B92}"/>
+              </a:ext>
+            </a:extLst>
+          </p:cNvPr>
+          <p:cNvPicPr>
+            <a:picLocks noChangeAspect="1"/>
+          </p:cNvPicPr>
+          <p:nvPr/>
+        </p:nvPicPr>
+        <p:blipFill>
+          <a:blip r:embed="rId3"/>
+          <a:stretch>
+            <a:fillRect/>
+          </a:stretch>
+        </p:blipFill>
+        <p:spPr>
+          <a:xfrm>
+            <a:off x="101225" y="904241"/>
+            <a:ext cx="9014192" cy="266482"/>
+          </a:xfrm>
+          <a:prstGeom prst="rect">
+            <a:avLst/>
+          </a:prstGeom>
+        </p:spPr>
+      </p:pic>
+      <p:sp>
+        <p:nvSpPr>
+          <p:cNvPr id="18" name="Rectângulo 19">
+            <a:extLst>
+              <a:ext uri="{FF2B5EF4-FFF2-40B4-BE49-F238E27FC236}">
+                <a16:creationId xmlns:a16="http://schemas.microsoft.com/office/drawing/2014/main" id="{CC873ECC-2D88-4A22-91F1-E738DF9BE5E9}"/>
+              </a:ext>
+            </a:extLst>
+          </p:cNvPr>
+          <p:cNvSpPr/>
+          <p:nvPr/>
+        </p:nvSpPr>
+        <p:spPr>
+          <a:xfrm>
+            <a:off x="5535613" y="610184"/>
+            <a:ext cx="3505200" cy="261610"/>
+          </a:xfrm>
+          <a:prstGeom prst="rect">
+            <a:avLst/>
+          </a:prstGeom>
+        </p:spPr>
+        <p:txBody>
+          <a:bodyPr wrap="square">
+            <a:spAutoFit/>
+          </a:bodyPr>
+          <a:lstStyle/>
+          <a:p>
+            <a:pPr algn="r"/>
+            <a:r>
+              <a:rPr lang="pt-PT" sz="1100" b="1" cap="all" dirty="0">
+                <a:highlight>
+                  <a:srgbClr val="FFFF00"/>
+                </a:highlight>
+              </a:rPr>
+              <a:t>ENGENHARIA INFORMÁTICA</a:t>
+            </a:r>
+            <a:endParaRPr lang="pt-PT" sz="1100" dirty="0">
+              <a:highlight>
+                <a:srgbClr val="FFFF00"/>
+              </a:highlight>
+            </a:endParaRPr>
+          </a:p>
+        </p:txBody>
+      </p:sp>
+      <p:pic>
+        <p:nvPicPr>
+          <p:cNvPr id="20" name="Imagem 19">
+            <a:extLst>
+              <a:ext uri="{FF2B5EF4-FFF2-40B4-BE49-F238E27FC236}">
+                <a16:creationId xmlns:a16="http://schemas.microsoft.com/office/drawing/2014/main" id="{698D1AFC-0FD6-4DFA-A381-805A758D4B13}"/>
+              </a:ext>
+            </a:extLst>
+          </p:cNvPr>
+          <p:cNvPicPr>
+            <a:picLocks noChangeAspect="1"/>
+          </p:cNvPicPr>
+          <p:nvPr/>
+        </p:nvPicPr>
+        <p:blipFill>
+          <a:blip r:embed="rId4" cstate="print">
+            <a:extLst>
+              <a:ext uri="{28A0092B-C50C-407E-A947-70E740481C1C}">
+                <a14:useLocalDpi xmlns:a14="http://schemas.microsoft.com/office/drawing/2010/main" val="0"/>
+              </a:ext>
+            </a:extLst>
+          </a:blip>
+          <a:stretch>
+            <a:fillRect/>
+          </a:stretch>
+        </p:blipFill>
+        <p:spPr>
+          <a:xfrm>
+            <a:off x="6404047" y="81007"/>
+            <a:ext cx="2689589" cy="668346"/>
+          </a:xfrm>
+          <a:prstGeom prst="rect">
+            <a:avLst/>
+          </a:prstGeom>
+        </p:spPr>
+      </p:pic>
+      <p:sp>
+        <p:nvSpPr>
+          <p:cNvPr id="14" name="Text Box 19">
+            <a:extLst>
+              <a:ext uri="{FF2B5EF4-FFF2-40B4-BE49-F238E27FC236}">
+                <a16:creationId xmlns:a16="http://schemas.microsoft.com/office/drawing/2014/main" id="{F916920E-C12B-4637-810C-A4B2E6C310C8}"/>
+              </a:ext>
+            </a:extLst>
+          </p:cNvPr>
+          <p:cNvSpPr txBox="1">
+            <a:spLocks noChangeArrowheads="1"/>
+          </p:cNvSpPr>
+          <p:nvPr/>
+        </p:nvSpPr>
+        <p:spPr bwMode="auto">
+          <a:xfrm>
+            <a:off x="2987212" y="1375027"/>
+            <a:ext cx="5639985" cy="1711302"/>
+          </a:xfrm>
+          <a:prstGeom prst="rect">
+            <a:avLst/>
+          </a:prstGeom>
+          <a:noFill/>
+          <a:ln>
+            <a:noFill/>
+          </a:ln>
+          <a:extLst>
+            <a:ext uri="{909E8E84-426E-40DD-AFC4-6F175D3DCCD1}">
+              <a14:hiddenFill xmlns:a14="http://schemas.microsoft.com/office/drawing/2010/main">
+                <a:solidFill>
+                  <a:srgbClr val="FFFFFF"/>
+                </a:solidFill>
+              </a14:hiddenFill>
+            </a:ext>
+            <a:ext uri="{91240B29-F687-4F45-9708-019B960494DF}">
+              <a14:hiddenLine xmlns:a14="http://schemas.microsoft.com/office/drawing/2010/main" w="9525">
+                <a:solidFill>
+                  <a:srgbClr val="000000"/>
+                </a:solidFill>
+                <a:miter lim="800000"/>
+                <a:headEnd/>
+                <a:tailEnd/>
+              </a14:hiddenLine>
+            </a:ext>
+          </a:extLst>
+        </p:spPr>
+        <p:txBody>
+          <a:bodyPr wrap="square">
+            <a:spAutoFit/>
+          </a:bodyPr>
+          <a:lstStyle>
+            <a:lvl1pPr>
+              <a:spcBef>
+                <a:spcPct val="20000"/>
+              </a:spcBef>
+              <a:buChar char="•"/>
+              <a:defRPr sz="3200">
+                <a:solidFill>
+                  <a:schemeClr val="tx1"/>
+                </a:solidFill>
+                <a:latin typeface="Arial" panose="020B0604020202020204" pitchFamily="34" charset="0"/>
+              </a:defRPr>
+            </a:lvl1pPr>
+            <a:lvl2pPr marL="742950" indent="-285750">
+              <a:spcBef>
+                <a:spcPct val="20000"/>
+              </a:spcBef>
+              <a:buChar char="–"/>
+              <a:defRPr sz="2800">
+                <a:solidFill>
+                  <a:schemeClr val="tx1"/>
+                </a:solidFill>
+                <a:latin typeface="Arial" panose="020B0604020202020204" pitchFamily="34" charset="0"/>
+              </a:defRPr>
+            </a:lvl2pPr>
+            <a:lvl3pPr marL="1143000" indent="-228600">
+              <a:spcBef>
+                <a:spcPct val="20000"/>
+              </a:spcBef>
+              <a:buChar char="•"/>
+              <a:defRPr sz="2400">
+                <a:solidFill>
+                  <a:schemeClr val="tx1"/>
+                </a:solidFill>
+                <a:latin typeface="Arial" panose="020B0604020202020204" pitchFamily="34" charset="0"/>
+              </a:defRPr>
+            </a:lvl3pPr>
+            <a:lvl4pPr>
+              <a:spcBef>
+                <a:spcPct val="20000"/>
+              </a:spcBef>
+              <a:buChar char="–"/>
+              <a:defRPr sz="2000">
+                <a:solidFill>
+                  <a:schemeClr val="tx1"/>
+                </a:solidFill>
+                <a:latin typeface="Arial" panose="020B0604020202020204" pitchFamily="34" charset="0"/>
+              </a:defRPr>
+            </a:lvl4pPr>
+            <a:lvl5pPr marL="2057400" indent="-228600">
+              <a:spcBef>
+                <a:spcPct val="20000"/>
+              </a:spcBef>
+              <a:buChar char="»"/>
+              <a:defRPr sz="2000">
+                <a:solidFill>
+                  <a:schemeClr val="tx1"/>
+                </a:solidFill>
+                <a:latin typeface="Arial" panose="020B0604020202020204" pitchFamily="34" charset="0"/>
+              </a:defRPr>
+            </a:lvl5pPr>
+            <a:lvl6pPr marL="2514600" indent="-228600" eaLnBrk="0" fontAlgn="base" hangingPunct="0">
+              <a:spcBef>
+                <a:spcPct val="20000"/>
+              </a:spcBef>
+              <a:spcAft>
+                <a:spcPct val="0"/>
+              </a:spcAft>
+              <a:buChar char="»"/>
+              <a:defRPr sz="2000">
+                <a:solidFill>
+                  <a:schemeClr val="tx1"/>
+                </a:solidFill>
+                <a:latin typeface="Arial" panose="020B0604020202020204" pitchFamily="34" charset="0"/>
+              </a:defRPr>
+            </a:lvl6pPr>
+            <a:lvl7pPr marL="2971800" indent="-228600" eaLnBrk="0" fontAlgn="base" hangingPunct="0">
+              <a:spcBef>
+                <a:spcPct val="20000"/>
+              </a:spcBef>
+              <a:spcAft>
+                <a:spcPct val="0"/>
+              </a:spcAft>
+              <a:buChar char="»"/>
+              <a:defRPr sz="2000">
+                <a:solidFill>
+                  <a:schemeClr val="tx1"/>
+                </a:solidFill>
+                <a:latin typeface="Arial" panose="020B0604020202020204" pitchFamily="34" charset="0"/>
+              </a:defRPr>
+            </a:lvl7pPr>
+            <a:lvl8pPr marL="3429000" indent="-228600" eaLnBrk="0" fontAlgn="base" hangingPunct="0">
+              <a:spcBef>
+                <a:spcPct val="20000"/>
+              </a:spcBef>
+              <a:spcAft>
+                <a:spcPct val="0"/>
+              </a:spcAft>
+              <a:buChar char="»"/>
+              <a:defRPr sz="2000">
+                <a:solidFill>
+                  <a:schemeClr val="tx1"/>
+                </a:solidFill>
+                <a:latin typeface="Arial" panose="020B0604020202020204" pitchFamily="34" charset="0"/>
+              </a:defRPr>
+            </a:lvl8pPr>
+            <a:lvl9pPr marL="3886200" indent="-228600" eaLnBrk="0" fontAlgn="base" hangingPunct="0">
+              <a:spcBef>
+                <a:spcPct val="20000"/>
+              </a:spcBef>
+              <a:spcAft>
+                <a:spcPct val="0"/>
+              </a:spcAft>
+              <a:buChar char="»"/>
+              <a:defRPr sz="2000">
+                <a:solidFill>
+                  <a:schemeClr val="tx1"/>
+                </a:solidFill>
+                <a:latin typeface="Arial" panose="020B0604020202020204" pitchFamily="34" charset="0"/>
+              </a:defRPr>
+            </a:lvl9pPr>
+          </a:lstStyle>
+          <a:p>
+            <a:pPr marL="171450" indent="-171450" algn="just">
+              <a:lnSpc>
+                <a:spcPct val="150000"/>
+              </a:lnSpc>
+            </a:pPr>
+            <a:r>
+              <a:rPr lang="pt-PT" altLang="pt-PT" sz="1400" dirty="0">
+                <a:cs typeface="Arial" panose="020B0604020202020204" pitchFamily="34" charset="0"/>
+              </a:rPr>
+              <a:t>Ao correr o jogo com os jogadores “</a:t>
+            </a:r>
+            <a:r>
+              <a:rPr lang="pt-PT" altLang="pt-PT" sz="1400" dirty="0" err="1">
+                <a:cs typeface="Arial" panose="020B0604020202020204" pitchFamily="34" charset="0"/>
+              </a:rPr>
+              <a:t>Random</a:t>
+            </a:r>
+            <a:r>
+              <a:rPr lang="pt-PT" altLang="pt-PT" sz="1400" dirty="0">
+                <a:cs typeface="Arial" panose="020B0604020202020204" pitchFamily="34" charset="0"/>
+              </a:rPr>
+              <a:t>”, as iterações serão executadas, são apresentados par cada jogo as cartas todas, com o </a:t>
+            </a:r>
+            <a:r>
+              <a:rPr lang="pt-PT" altLang="pt-PT" sz="1400" dirty="0" err="1">
+                <a:cs typeface="Arial" panose="020B0604020202020204" pitchFamily="34" charset="0"/>
+              </a:rPr>
+              <a:t>pot</a:t>
+            </a:r>
+            <a:r>
+              <a:rPr lang="pt-PT" altLang="pt-PT" sz="1400" dirty="0">
+                <a:cs typeface="Arial" panose="020B0604020202020204" pitchFamily="34" charset="0"/>
+              </a:rPr>
+              <a:t> e as </a:t>
+            </a:r>
+            <a:r>
+              <a:rPr lang="pt-PT" altLang="pt-PT" sz="1400" dirty="0" err="1">
+                <a:cs typeface="Arial" panose="020B0604020202020204" pitchFamily="34" charset="0"/>
+              </a:rPr>
+              <a:t>bets</a:t>
+            </a:r>
+            <a:r>
+              <a:rPr lang="pt-PT" altLang="pt-PT" sz="1400" dirty="0">
+                <a:cs typeface="Arial" panose="020B0604020202020204" pitchFamily="34" charset="0"/>
+              </a:rPr>
+              <a:t> por ronda. </a:t>
+            </a:r>
+          </a:p>
+          <a:p>
+            <a:pPr marL="171450" indent="-171450" algn="just">
+              <a:lnSpc>
+                <a:spcPct val="150000"/>
+              </a:lnSpc>
+            </a:pPr>
+            <a:r>
+              <a:rPr lang="pt-PT" altLang="pt-PT" sz="1400" dirty="0">
+                <a:cs typeface="Arial" panose="020B0604020202020204" pitchFamily="34" charset="0"/>
+              </a:rPr>
+              <a:t>No fim, os resultados do jogo apresentam o </a:t>
+            </a:r>
+            <a:r>
+              <a:rPr lang="pt-PT" altLang="pt-PT" sz="1400" dirty="0" err="1">
+                <a:cs typeface="Arial" panose="020B0604020202020204" pitchFamily="34" charset="0"/>
+              </a:rPr>
+              <a:t>profit</a:t>
+            </a:r>
+            <a:r>
+              <a:rPr lang="pt-PT" altLang="pt-PT" sz="1400" dirty="0">
+                <a:cs typeface="Arial" panose="020B0604020202020204" pitchFamily="34" charset="0"/>
+              </a:rPr>
+              <a:t> total de cada jogador e o </a:t>
+            </a:r>
+            <a:r>
+              <a:rPr lang="pt-PT" altLang="pt-PT" sz="1400" dirty="0" err="1">
+                <a:cs typeface="Arial" panose="020B0604020202020204" pitchFamily="34" charset="0"/>
+              </a:rPr>
+              <a:t>profit</a:t>
+            </a:r>
+            <a:r>
+              <a:rPr lang="pt-PT" altLang="pt-PT" sz="1400" dirty="0">
+                <a:cs typeface="Arial" panose="020B0604020202020204" pitchFamily="34" charset="0"/>
+              </a:rPr>
+              <a:t> médio.</a:t>
+            </a:r>
+          </a:p>
+        </p:txBody>
+      </p:sp>
+      <p:sp>
+        <p:nvSpPr>
+          <p:cNvPr id="15" name="Text Box 10">
+            <a:extLst>
+              <a:ext uri="{FF2B5EF4-FFF2-40B4-BE49-F238E27FC236}">
+                <a16:creationId xmlns:a16="http://schemas.microsoft.com/office/drawing/2014/main" id="{2AE8AC60-74C9-4824-90A3-A23A5C2A3A39}"/>
+              </a:ext>
+            </a:extLst>
+          </p:cNvPr>
+          <p:cNvSpPr txBox="1">
+            <a:spLocks noChangeArrowheads="1"/>
+          </p:cNvSpPr>
+          <p:nvPr/>
+        </p:nvSpPr>
+        <p:spPr bwMode="auto">
+          <a:xfrm>
+            <a:off x="8288338" y="6296025"/>
+            <a:ext cx="827087" cy="366713"/>
+          </a:xfrm>
+          <a:prstGeom prst="rect">
+            <a:avLst/>
+          </a:prstGeom>
+          <a:noFill/>
+          <a:ln w="9525">
+            <a:noFill/>
+            <a:miter lim="800000"/>
+            <a:headEnd/>
+            <a:tailEnd/>
+          </a:ln>
+        </p:spPr>
+        <p:txBody>
+          <a:bodyPr>
+            <a:spAutoFit/>
+          </a:bodyPr>
+          <a:lstStyle/>
+          <a:p>
+            <a:pPr>
+              <a:spcBef>
+                <a:spcPct val="50000"/>
+              </a:spcBef>
+            </a:pPr>
+            <a:endParaRPr lang="pt-PT"/>
+          </a:p>
+        </p:txBody>
+      </p:sp>
+      <p:sp>
+        <p:nvSpPr>
+          <p:cNvPr id="16" name="Rectangle 11">
+            <a:extLst>
+              <a:ext uri="{FF2B5EF4-FFF2-40B4-BE49-F238E27FC236}">
+                <a16:creationId xmlns:a16="http://schemas.microsoft.com/office/drawing/2014/main" id="{07A20E72-4407-4F3E-98C6-99518A20CF4B}"/>
+              </a:ext>
+            </a:extLst>
+          </p:cNvPr>
+          <p:cNvSpPr>
+            <a:spLocks noChangeArrowheads="1"/>
+          </p:cNvSpPr>
+          <p:nvPr/>
+        </p:nvSpPr>
+        <p:spPr bwMode="auto">
+          <a:xfrm>
+            <a:off x="8327571" y="6496091"/>
+            <a:ext cx="936625" cy="260350"/>
+          </a:xfrm>
+          <a:prstGeom prst="rect">
+            <a:avLst/>
+          </a:prstGeom>
+          <a:noFill/>
+          <a:ln w="9525">
+            <a:noFill/>
+            <a:miter lim="800000"/>
+            <a:headEnd/>
+            <a:tailEnd/>
+          </a:ln>
         </p:spPr>
         <p:txBody>
           <a:bodyPr anchor="ctr"/>
@@ -25030,6 +25717,1527 @@
               <a:rPr lang="pt-PT" sz="1000"/>
               <a:pPr algn="ctr"/>
               <a:t>26</a:t>
+            </a:fld>
+            <a:r>
+              <a:rPr lang="pt-PT" sz="1000" dirty="0"/>
+              <a:t> -</a:t>
+            </a:r>
+          </a:p>
+        </p:txBody>
+      </p:sp>
+      <p:pic>
+        <p:nvPicPr>
+          <p:cNvPr id="17" name="Imagem 16">
+            <a:extLst>
+              <a:ext uri="{FF2B5EF4-FFF2-40B4-BE49-F238E27FC236}">
+                <a16:creationId xmlns:a16="http://schemas.microsoft.com/office/drawing/2014/main" id="{AED8EEE7-4A6C-417E-A3EF-6BF0EA2102A5}"/>
+              </a:ext>
+            </a:extLst>
+          </p:cNvPr>
+          <p:cNvPicPr>
+            <a:picLocks noChangeAspect="1"/>
+          </p:cNvPicPr>
+          <p:nvPr/>
+        </p:nvPicPr>
+        <p:blipFill>
+          <a:blip r:embed="rId5"/>
+          <a:stretch>
+            <a:fillRect/>
+          </a:stretch>
+        </p:blipFill>
+        <p:spPr>
+          <a:xfrm>
+            <a:off x="0" y="6320212"/>
+            <a:ext cx="9144000" cy="253252"/>
+          </a:xfrm>
+          <a:prstGeom prst="rect">
+            <a:avLst/>
+          </a:prstGeom>
+        </p:spPr>
+      </p:pic>
+      <p:pic>
+        <p:nvPicPr>
+          <p:cNvPr id="21" name="Imagem 20">
+            <a:extLst>
+              <a:ext uri="{FF2B5EF4-FFF2-40B4-BE49-F238E27FC236}">
+                <a16:creationId xmlns:a16="http://schemas.microsoft.com/office/drawing/2014/main" id="{3E33BC33-E477-4247-B106-480F5560B061}"/>
+              </a:ext>
+            </a:extLst>
+          </p:cNvPr>
+          <p:cNvPicPr>
+            <a:picLocks noChangeAspect="1"/>
+          </p:cNvPicPr>
+          <p:nvPr/>
+        </p:nvPicPr>
+        <p:blipFill>
+          <a:blip r:embed="rId6" cstate="print">
+            <a:extLst>
+              <a:ext uri="{28A0092B-C50C-407E-A947-70E740481C1C}">
+                <a14:useLocalDpi xmlns:a14="http://schemas.microsoft.com/office/drawing/2010/main" val="0"/>
+              </a:ext>
+            </a:extLst>
+          </a:blip>
+          <a:stretch>
+            <a:fillRect/>
+          </a:stretch>
+        </p:blipFill>
+        <p:spPr>
+          <a:xfrm>
+            <a:off x="238125" y="6488336"/>
+            <a:ext cx="545959" cy="199802"/>
+          </a:xfrm>
+          <a:prstGeom prst="rect">
+            <a:avLst/>
+          </a:prstGeom>
+        </p:spPr>
+      </p:pic>
+      <p:sp>
+        <p:nvSpPr>
+          <p:cNvPr id="2" name="Subtítulo 2">
+            <a:extLst>
+              <a:ext uri="{FF2B5EF4-FFF2-40B4-BE49-F238E27FC236}">
+                <a16:creationId xmlns:a16="http://schemas.microsoft.com/office/drawing/2014/main" id="{D2221523-554F-0C2D-83D7-662B67950BC9}"/>
+              </a:ext>
+            </a:extLst>
+          </p:cNvPr>
+          <p:cNvSpPr txBox="1">
+            <a:spLocks/>
+          </p:cNvSpPr>
+          <p:nvPr/>
+        </p:nvSpPr>
+        <p:spPr>
+          <a:xfrm>
+            <a:off x="836017" y="6524516"/>
+            <a:ext cx="7698382" cy="162409"/>
+          </a:xfrm>
+          <a:prstGeom prst="rect">
+            <a:avLst/>
+          </a:prstGeom>
+        </p:spPr>
+        <p:txBody>
+          <a:bodyPr vert="horz" lIns="68580" tIns="34290" rIns="68580" bIns="34290" rtlCol="0">
+            <a:normAutofit fontScale="92500" lnSpcReduction="20000"/>
+          </a:bodyPr>
+          <a:lstStyle>
+            <a:lvl1pPr marL="0" indent="0" algn="ctr" defTabSz="914400" rtl="0" eaLnBrk="1" latinLnBrk="0" hangingPunct="1">
+              <a:lnSpc>
+                <a:spcPct val="90000"/>
+              </a:lnSpc>
+              <a:spcBef>
+                <a:spcPts val="1000"/>
+              </a:spcBef>
+              <a:buFont typeface="Arial" panose="020B0604020202020204" pitchFamily="34" charset="0"/>
+              <a:buNone/>
+              <a:defRPr sz="2400" kern="1200">
+                <a:solidFill>
+                  <a:schemeClr val="tx1"/>
+                </a:solidFill>
+                <a:latin typeface="+mn-lt"/>
+                <a:ea typeface="+mn-ea"/>
+                <a:cs typeface="+mn-cs"/>
+              </a:defRPr>
+            </a:lvl1pPr>
+            <a:lvl2pPr marL="457200" indent="0" algn="ctr" defTabSz="914400" rtl="0" eaLnBrk="1" latinLnBrk="0" hangingPunct="1">
+              <a:lnSpc>
+                <a:spcPct val="90000"/>
+              </a:lnSpc>
+              <a:spcBef>
+                <a:spcPts val="500"/>
+              </a:spcBef>
+              <a:buFont typeface="Arial" panose="020B0604020202020204" pitchFamily="34" charset="0"/>
+              <a:buNone/>
+              <a:defRPr sz="2000" kern="1200">
+                <a:solidFill>
+                  <a:schemeClr val="tx1"/>
+                </a:solidFill>
+                <a:latin typeface="+mn-lt"/>
+                <a:ea typeface="+mn-ea"/>
+                <a:cs typeface="+mn-cs"/>
+              </a:defRPr>
+            </a:lvl2pPr>
+            <a:lvl3pPr marL="914400" indent="0" algn="ctr" defTabSz="914400" rtl="0" eaLnBrk="1" latinLnBrk="0" hangingPunct="1">
+              <a:lnSpc>
+                <a:spcPct val="90000"/>
+              </a:lnSpc>
+              <a:spcBef>
+                <a:spcPts val="500"/>
+              </a:spcBef>
+              <a:buFont typeface="Arial" panose="020B0604020202020204" pitchFamily="34" charset="0"/>
+              <a:buNone/>
+              <a:defRPr sz="1800" kern="1200">
+                <a:solidFill>
+                  <a:schemeClr val="tx1"/>
+                </a:solidFill>
+                <a:latin typeface="+mn-lt"/>
+                <a:ea typeface="+mn-ea"/>
+                <a:cs typeface="+mn-cs"/>
+              </a:defRPr>
+            </a:lvl3pPr>
+            <a:lvl4pPr marL="1371600" indent="0" algn="ctr" defTabSz="914400" rtl="0" eaLnBrk="1" latinLnBrk="0" hangingPunct="1">
+              <a:lnSpc>
+                <a:spcPct val="90000"/>
+              </a:lnSpc>
+              <a:spcBef>
+                <a:spcPts val="500"/>
+              </a:spcBef>
+              <a:buFont typeface="Arial" panose="020B0604020202020204" pitchFamily="34" charset="0"/>
+              <a:buNone/>
+              <a:defRPr sz="1600" kern="1200">
+                <a:solidFill>
+                  <a:schemeClr val="tx1"/>
+                </a:solidFill>
+                <a:latin typeface="+mn-lt"/>
+                <a:ea typeface="+mn-ea"/>
+                <a:cs typeface="+mn-cs"/>
+              </a:defRPr>
+            </a:lvl4pPr>
+            <a:lvl5pPr marL="1828800" indent="0" algn="ctr" defTabSz="914400" rtl="0" eaLnBrk="1" latinLnBrk="0" hangingPunct="1">
+              <a:lnSpc>
+                <a:spcPct val="90000"/>
+              </a:lnSpc>
+              <a:spcBef>
+                <a:spcPts val="500"/>
+              </a:spcBef>
+              <a:buFont typeface="Arial" panose="020B0604020202020204" pitchFamily="34" charset="0"/>
+              <a:buNone/>
+              <a:defRPr sz="1600" kern="1200">
+                <a:solidFill>
+                  <a:schemeClr val="tx1"/>
+                </a:solidFill>
+                <a:latin typeface="+mn-lt"/>
+                <a:ea typeface="+mn-ea"/>
+                <a:cs typeface="+mn-cs"/>
+              </a:defRPr>
+            </a:lvl5pPr>
+            <a:lvl6pPr marL="2286000" indent="0" algn="ctr" defTabSz="914400" rtl="0" eaLnBrk="1" latinLnBrk="0" hangingPunct="1">
+              <a:lnSpc>
+                <a:spcPct val="90000"/>
+              </a:lnSpc>
+              <a:spcBef>
+                <a:spcPts val="500"/>
+              </a:spcBef>
+              <a:buFont typeface="Arial" panose="020B0604020202020204" pitchFamily="34" charset="0"/>
+              <a:buNone/>
+              <a:defRPr sz="1600" kern="1200">
+                <a:solidFill>
+                  <a:schemeClr val="tx1"/>
+                </a:solidFill>
+                <a:latin typeface="+mn-lt"/>
+                <a:ea typeface="+mn-ea"/>
+                <a:cs typeface="+mn-cs"/>
+              </a:defRPr>
+            </a:lvl6pPr>
+            <a:lvl7pPr marL="2743200" indent="0" algn="ctr" defTabSz="914400" rtl="0" eaLnBrk="1" latinLnBrk="0" hangingPunct="1">
+              <a:lnSpc>
+                <a:spcPct val="90000"/>
+              </a:lnSpc>
+              <a:spcBef>
+                <a:spcPts val="500"/>
+              </a:spcBef>
+              <a:buFont typeface="Arial" panose="020B0604020202020204" pitchFamily="34" charset="0"/>
+              <a:buNone/>
+              <a:defRPr sz="1600" kern="1200">
+                <a:solidFill>
+                  <a:schemeClr val="tx1"/>
+                </a:solidFill>
+                <a:latin typeface="+mn-lt"/>
+                <a:ea typeface="+mn-ea"/>
+                <a:cs typeface="+mn-cs"/>
+              </a:defRPr>
+            </a:lvl7pPr>
+            <a:lvl8pPr marL="3200400" indent="0" algn="ctr" defTabSz="914400" rtl="0" eaLnBrk="1" latinLnBrk="0" hangingPunct="1">
+              <a:lnSpc>
+                <a:spcPct val="90000"/>
+              </a:lnSpc>
+              <a:spcBef>
+                <a:spcPts val="500"/>
+              </a:spcBef>
+              <a:buFont typeface="Arial" panose="020B0604020202020204" pitchFamily="34" charset="0"/>
+              <a:buNone/>
+              <a:defRPr sz="1600" kern="1200">
+                <a:solidFill>
+                  <a:schemeClr val="tx1"/>
+                </a:solidFill>
+                <a:latin typeface="+mn-lt"/>
+                <a:ea typeface="+mn-ea"/>
+                <a:cs typeface="+mn-cs"/>
+              </a:defRPr>
+            </a:lvl8pPr>
+            <a:lvl9pPr marL="3657600" indent="0" algn="ctr" defTabSz="914400" rtl="0" eaLnBrk="1" latinLnBrk="0" hangingPunct="1">
+              <a:lnSpc>
+                <a:spcPct val="90000"/>
+              </a:lnSpc>
+              <a:spcBef>
+                <a:spcPts val="500"/>
+              </a:spcBef>
+              <a:buFont typeface="Arial" panose="020B0604020202020204" pitchFamily="34" charset="0"/>
+              <a:buNone/>
+              <a:defRPr sz="1600" kern="1200">
+                <a:solidFill>
+                  <a:schemeClr val="tx1"/>
+                </a:solidFill>
+                <a:latin typeface="+mn-lt"/>
+                <a:ea typeface="+mn-ea"/>
+                <a:cs typeface="+mn-cs"/>
+              </a:defRPr>
+            </a:lvl9pPr>
+          </a:lstStyle>
+          <a:p>
+            <a:pPr algn="l"/>
+            <a:r>
+              <a:rPr lang="pt-PT" sz="900" dirty="0">
+                <a:latin typeface="Arial" charset="0"/>
+                <a:ea typeface="Arial" charset="0"/>
+                <a:cs typeface="Arial" charset="0"/>
+              </a:rPr>
+              <a:t>@2023, 24585 – Alexandre Santos, 24589 – Domingos Silva | </a:t>
+            </a:r>
+            <a:r>
+              <a:rPr lang="pt-PT" sz="900" b="1" dirty="0">
+                <a:solidFill>
+                  <a:srgbClr val="C00000"/>
+                </a:solidFill>
+                <a:latin typeface="Arial" charset="0"/>
+                <a:ea typeface="Arial" charset="0"/>
+                <a:cs typeface="Arial" charset="0"/>
+              </a:rPr>
+              <a:t>Unidade Curricular: INTELIGÊNCIA ARTIFICIAL </a:t>
+            </a:r>
+            <a:r>
+              <a:rPr lang="pt-PT" sz="900" dirty="0">
+                <a:latin typeface="Arial" charset="0"/>
+                <a:ea typeface="Arial" charset="0"/>
+                <a:cs typeface="Arial" charset="0"/>
+              </a:rPr>
+              <a:t>– Ano Letivo 2022/2023 </a:t>
+            </a:r>
+            <a:endParaRPr lang="pt-PT" sz="900" b="1" dirty="0">
+              <a:latin typeface="Arial" charset="0"/>
+              <a:ea typeface="Arial" charset="0"/>
+              <a:cs typeface="Arial" charset="0"/>
+            </a:endParaRPr>
+          </a:p>
+        </p:txBody>
+      </p:sp>
+      <p:sp>
+        <p:nvSpPr>
+          <p:cNvPr id="4" name="CaixaDeTexto 3">
+            <a:extLst>
+              <a:ext uri="{FF2B5EF4-FFF2-40B4-BE49-F238E27FC236}">
+                <a16:creationId xmlns:a16="http://schemas.microsoft.com/office/drawing/2014/main" id="{DFCC3996-5448-B87E-F4D6-D6C8DC8C7472}"/>
+              </a:ext>
+            </a:extLst>
+          </p:cNvPr>
+          <p:cNvSpPr txBox="1"/>
+          <p:nvPr/>
+        </p:nvSpPr>
+        <p:spPr>
+          <a:xfrm>
+            <a:off x="306388" y="663590"/>
+            <a:ext cx="5567089" cy="276999"/>
+          </a:xfrm>
+          <a:prstGeom prst="rect">
+            <a:avLst/>
+          </a:prstGeom>
+          <a:noFill/>
+        </p:spPr>
+        <p:txBody>
+          <a:bodyPr wrap="square">
+            <a:spAutoFit/>
+          </a:bodyPr>
+          <a:lstStyle/>
+          <a:p>
+            <a:r>
+              <a:rPr lang="pt-PT" sz="1200" b="1" dirty="0">
+                <a:latin typeface="Arial" charset="0"/>
+                <a:ea typeface="Arial" charset="0"/>
+                <a:cs typeface="Arial" charset="0"/>
+              </a:rPr>
+              <a:t>Trabalho Prático 1 – Pesquisa de soluções em jogos</a:t>
+            </a:r>
+            <a:endParaRPr lang="pt-PT" sz="1200" b="1" dirty="0"/>
+          </a:p>
+        </p:txBody>
+      </p:sp>
+      <p:pic>
+        <p:nvPicPr>
+          <p:cNvPr id="6" name="Imagem 5">
+            <a:extLst>
+              <a:ext uri="{FF2B5EF4-FFF2-40B4-BE49-F238E27FC236}">
+                <a16:creationId xmlns:a16="http://schemas.microsoft.com/office/drawing/2014/main" id="{A92AE9AF-4456-9AD7-912B-3ACA3418CD18}"/>
+              </a:ext>
+            </a:extLst>
+          </p:cNvPr>
+          <p:cNvPicPr>
+            <a:picLocks noChangeAspect="1"/>
+          </p:cNvPicPr>
+          <p:nvPr/>
+        </p:nvPicPr>
+        <p:blipFill>
+          <a:blip r:embed="rId7"/>
+          <a:stretch>
+            <a:fillRect/>
+          </a:stretch>
+        </p:blipFill>
+        <p:spPr>
+          <a:xfrm>
+            <a:off x="306388" y="1134340"/>
+            <a:ext cx="2512237" cy="5247077"/>
+          </a:xfrm>
+          <a:prstGeom prst="rect">
+            <a:avLst/>
+          </a:prstGeom>
+        </p:spPr>
+      </p:pic>
+      <p:pic>
+        <p:nvPicPr>
+          <p:cNvPr id="9" name="Imagem 8">
+            <a:extLst>
+              <a:ext uri="{FF2B5EF4-FFF2-40B4-BE49-F238E27FC236}">
+                <a16:creationId xmlns:a16="http://schemas.microsoft.com/office/drawing/2014/main" id="{EC9F4587-C202-3687-1D0F-70CF206230D4}"/>
+              </a:ext>
+            </a:extLst>
+          </p:cNvPr>
+          <p:cNvPicPr>
+            <a:picLocks noChangeAspect="1"/>
+          </p:cNvPicPr>
+          <p:nvPr/>
+        </p:nvPicPr>
+        <p:blipFill>
+          <a:blip r:embed="rId8"/>
+          <a:stretch>
+            <a:fillRect/>
+          </a:stretch>
+        </p:blipFill>
+        <p:spPr>
+          <a:xfrm>
+            <a:off x="3023788" y="4140836"/>
+            <a:ext cx="3758137" cy="2240581"/>
+          </a:xfrm>
+          <a:prstGeom prst="rect">
+            <a:avLst/>
+          </a:prstGeom>
+        </p:spPr>
+      </p:pic>
+    </p:spTree>
+    <p:extLst>
+      <p:ext uri="{BB962C8B-B14F-4D97-AF65-F5344CB8AC3E}">
+        <p14:creationId xmlns:p14="http://schemas.microsoft.com/office/powerpoint/2010/main" val="2366797112"/>
+      </p:ext>
+    </p:extLst>
+  </p:cSld>
+  <p:clrMapOvr>
+    <a:masterClrMapping/>
+  </p:clrMapOvr>
+</p:sld>
+</file>
+
+<file path=ppt/slides/slide27.xml><?xml version="1.0" encoding="utf-8"?>
+<p:sld xmlns:a="http://schemas.openxmlformats.org/drawingml/2006/main" xmlns:r="http://schemas.openxmlformats.org/officeDocument/2006/relationships" xmlns:p="http://schemas.openxmlformats.org/presentationml/2006/main">
+  <p:cSld>
+    <p:spTree>
+      <p:nvGrpSpPr>
+        <p:cNvPr id="1" name=""/>
+        <p:cNvGrpSpPr/>
+        <p:nvPr/>
+      </p:nvGrpSpPr>
+      <p:grpSpPr>
+        <a:xfrm>
+          <a:off x="0" y="0"/>
+          <a:ext cx="0" cy="0"/>
+          <a:chOff x="0" y="0"/>
+          <a:chExt cx="0" cy="0"/>
+        </a:xfrm>
+      </p:grpSpPr>
+      <p:sp>
+        <p:nvSpPr>
+          <p:cNvPr id="9229" name="Text Box 13"/>
+          <p:cNvSpPr txBox="1">
+            <a:spLocks noChangeArrowheads="1"/>
+          </p:cNvSpPr>
+          <p:nvPr/>
+        </p:nvSpPr>
+        <p:spPr bwMode="auto">
+          <a:xfrm>
+            <a:off x="306388" y="284606"/>
+            <a:ext cx="6981825" cy="400050"/>
+          </a:xfrm>
+          <a:prstGeom prst="rect">
+            <a:avLst/>
+          </a:prstGeom>
+          <a:noFill/>
+          <a:ln w="9525">
+            <a:noFill/>
+            <a:miter lim="800000"/>
+            <a:headEnd/>
+            <a:tailEnd/>
+          </a:ln>
+          <a:effectLst/>
+        </p:spPr>
+        <p:txBody>
+          <a:bodyPr>
+            <a:spAutoFit/>
+          </a:bodyPr>
+          <a:lstStyle/>
+          <a:p>
+            <a:pPr>
+              <a:spcBef>
+                <a:spcPct val="50000"/>
+              </a:spcBef>
+              <a:defRPr/>
+            </a:pPr>
+            <a:r>
+              <a:rPr lang="pt-PT" sz="2000" b="1" dirty="0">
+                <a:solidFill>
+                  <a:srgbClr val="C00000"/>
+                </a:solidFill>
+                <a:effectLst>
+                  <a:outerShdw blurRad="38100" dist="38100" dir="2700000" algn="tl">
+                    <a:srgbClr val="C0C0C0"/>
+                  </a:outerShdw>
+                </a:effectLst>
+                <a:latin typeface="Arial"/>
+                <a:cs typeface="Arial"/>
+              </a:rPr>
+              <a:t>■</a:t>
+            </a:r>
+            <a:r>
+              <a:rPr lang="pt-PT" sz="2000" b="1" dirty="0">
+                <a:effectLst>
+                  <a:outerShdw blurRad="38100" dist="38100" dir="2700000" algn="tl">
+                    <a:srgbClr val="C0C0C0"/>
+                  </a:outerShdw>
+                </a:effectLst>
+                <a:latin typeface="Arial"/>
+                <a:cs typeface="Arial"/>
+              </a:rPr>
+              <a:t> Execução</a:t>
+            </a:r>
+            <a:endParaRPr lang="pt-PT" sz="2000" b="1" dirty="0">
+              <a:effectLst>
+                <a:outerShdw blurRad="38100" dist="38100" dir="2700000" algn="tl">
+                  <a:srgbClr val="C0C0C0"/>
+                </a:outerShdw>
+              </a:effectLst>
+              <a:latin typeface="Arial" charset="0"/>
+            </a:endParaRPr>
+          </a:p>
+        </p:txBody>
+      </p:sp>
+      <p:sp>
+        <p:nvSpPr>
+          <p:cNvPr id="10247" name="Line 15"/>
+          <p:cNvSpPr>
+            <a:spLocks noChangeShapeType="1"/>
+          </p:cNvSpPr>
+          <p:nvPr/>
+        </p:nvSpPr>
+        <p:spPr bwMode="auto">
+          <a:xfrm>
+            <a:off x="250825" y="0"/>
+            <a:ext cx="0" cy="765175"/>
+          </a:xfrm>
+          <a:prstGeom prst="line">
+            <a:avLst/>
+          </a:prstGeom>
+          <a:noFill/>
+          <a:ln w="25400">
+            <a:solidFill>
+              <a:schemeClr val="tx1"/>
+            </a:solidFill>
+            <a:round/>
+            <a:headEnd/>
+            <a:tailEnd/>
+          </a:ln>
+        </p:spPr>
+        <p:txBody>
+          <a:bodyPr/>
+          <a:lstStyle/>
+          <a:p>
+            <a:endParaRPr lang="pt-PT"/>
+          </a:p>
+        </p:txBody>
+      </p:sp>
+      <p:sp>
+        <p:nvSpPr>
+          <p:cNvPr id="9237" name="Text Box 21"/>
+          <p:cNvSpPr txBox="1">
+            <a:spLocks noChangeArrowheads="1"/>
+          </p:cNvSpPr>
+          <p:nvPr/>
+        </p:nvSpPr>
+        <p:spPr bwMode="auto">
+          <a:xfrm>
+            <a:off x="260350" y="44450"/>
+            <a:ext cx="6981825" cy="304800"/>
+          </a:xfrm>
+          <a:prstGeom prst="rect">
+            <a:avLst/>
+          </a:prstGeom>
+          <a:noFill/>
+          <a:ln w="9525">
+            <a:noFill/>
+            <a:miter lim="800000"/>
+            <a:headEnd/>
+            <a:tailEnd/>
+          </a:ln>
+          <a:effectLst/>
+        </p:spPr>
+        <p:txBody>
+          <a:bodyPr>
+            <a:spAutoFit/>
+          </a:bodyPr>
+          <a:lstStyle/>
+          <a:p>
+            <a:pPr>
+              <a:spcBef>
+                <a:spcPct val="50000"/>
+              </a:spcBef>
+              <a:defRPr/>
+            </a:pPr>
+            <a:endParaRPr lang="pt-PT" sz="1400" b="1" dirty="0">
+              <a:solidFill>
+                <a:srgbClr val="FF3300"/>
+              </a:solidFill>
+              <a:effectLst>
+                <a:outerShdw blurRad="38100" dist="38100" dir="2700000" algn="tl">
+                  <a:srgbClr val="C0C0C0"/>
+                </a:outerShdw>
+              </a:effectLst>
+              <a:latin typeface="Arial" charset="0"/>
+            </a:endParaRPr>
+          </a:p>
+        </p:txBody>
+      </p:sp>
+      <p:pic>
+        <p:nvPicPr>
+          <p:cNvPr id="7" name="Imagem 6">
+            <a:extLst>
+              <a:ext uri="{FF2B5EF4-FFF2-40B4-BE49-F238E27FC236}">
+                <a16:creationId xmlns:a16="http://schemas.microsoft.com/office/drawing/2014/main" id="{54D42837-E70D-4C64-A8A7-E7F751502B92}"/>
+              </a:ext>
+            </a:extLst>
+          </p:cNvPr>
+          <p:cNvPicPr>
+            <a:picLocks noChangeAspect="1"/>
+          </p:cNvPicPr>
+          <p:nvPr/>
+        </p:nvPicPr>
+        <p:blipFill>
+          <a:blip r:embed="rId3"/>
+          <a:stretch>
+            <a:fillRect/>
+          </a:stretch>
+        </p:blipFill>
+        <p:spPr>
+          <a:xfrm>
+            <a:off x="101225" y="904241"/>
+            <a:ext cx="9014192" cy="266482"/>
+          </a:xfrm>
+          <a:prstGeom prst="rect">
+            <a:avLst/>
+          </a:prstGeom>
+        </p:spPr>
+      </p:pic>
+      <p:sp>
+        <p:nvSpPr>
+          <p:cNvPr id="18" name="Rectângulo 19">
+            <a:extLst>
+              <a:ext uri="{FF2B5EF4-FFF2-40B4-BE49-F238E27FC236}">
+                <a16:creationId xmlns:a16="http://schemas.microsoft.com/office/drawing/2014/main" id="{CC873ECC-2D88-4A22-91F1-E738DF9BE5E9}"/>
+              </a:ext>
+            </a:extLst>
+          </p:cNvPr>
+          <p:cNvSpPr/>
+          <p:nvPr/>
+        </p:nvSpPr>
+        <p:spPr>
+          <a:xfrm>
+            <a:off x="5535613" y="610184"/>
+            <a:ext cx="3505200" cy="261610"/>
+          </a:xfrm>
+          <a:prstGeom prst="rect">
+            <a:avLst/>
+          </a:prstGeom>
+        </p:spPr>
+        <p:txBody>
+          <a:bodyPr wrap="square">
+            <a:spAutoFit/>
+          </a:bodyPr>
+          <a:lstStyle/>
+          <a:p>
+            <a:pPr algn="r"/>
+            <a:r>
+              <a:rPr lang="pt-PT" sz="1100" b="1" cap="all" dirty="0">
+                <a:highlight>
+                  <a:srgbClr val="FFFF00"/>
+                </a:highlight>
+              </a:rPr>
+              <a:t>ENGENHARIA INFORMÁTICA</a:t>
+            </a:r>
+            <a:endParaRPr lang="pt-PT" sz="1100" dirty="0">
+              <a:highlight>
+                <a:srgbClr val="FFFF00"/>
+              </a:highlight>
+            </a:endParaRPr>
+          </a:p>
+        </p:txBody>
+      </p:sp>
+      <p:pic>
+        <p:nvPicPr>
+          <p:cNvPr id="20" name="Imagem 19">
+            <a:extLst>
+              <a:ext uri="{FF2B5EF4-FFF2-40B4-BE49-F238E27FC236}">
+                <a16:creationId xmlns:a16="http://schemas.microsoft.com/office/drawing/2014/main" id="{698D1AFC-0FD6-4DFA-A381-805A758D4B13}"/>
+              </a:ext>
+            </a:extLst>
+          </p:cNvPr>
+          <p:cNvPicPr>
+            <a:picLocks noChangeAspect="1"/>
+          </p:cNvPicPr>
+          <p:nvPr/>
+        </p:nvPicPr>
+        <p:blipFill>
+          <a:blip r:embed="rId4" cstate="print">
+            <a:extLst>
+              <a:ext uri="{28A0092B-C50C-407E-A947-70E740481C1C}">
+                <a14:useLocalDpi xmlns:a14="http://schemas.microsoft.com/office/drawing/2010/main" val="0"/>
+              </a:ext>
+            </a:extLst>
+          </a:blip>
+          <a:stretch>
+            <a:fillRect/>
+          </a:stretch>
+        </p:blipFill>
+        <p:spPr>
+          <a:xfrm>
+            <a:off x="6404047" y="81007"/>
+            <a:ext cx="2689589" cy="668346"/>
+          </a:xfrm>
+          <a:prstGeom prst="rect">
+            <a:avLst/>
+          </a:prstGeom>
+        </p:spPr>
+      </p:pic>
+      <p:sp>
+        <p:nvSpPr>
+          <p:cNvPr id="14" name="Text Box 19">
+            <a:extLst>
+              <a:ext uri="{FF2B5EF4-FFF2-40B4-BE49-F238E27FC236}">
+                <a16:creationId xmlns:a16="http://schemas.microsoft.com/office/drawing/2014/main" id="{F916920E-C12B-4637-810C-A4B2E6C310C8}"/>
+              </a:ext>
+            </a:extLst>
+          </p:cNvPr>
+          <p:cNvSpPr txBox="1">
+            <a:spLocks noChangeArrowheads="1"/>
+          </p:cNvSpPr>
+          <p:nvPr/>
+        </p:nvSpPr>
+        <p:spPr bwMode="auto">
+          <a:xfrm>
+            <a:off x="3581400" y="2133600"/>
+            <a:ext cx="5045797" cy="1021883"/>
+          </a:xfrm>
+          <a:prstGeom prst="rect">
+            <a:avLst/>
+          </a:prstGeom>
+          <a:noFill/>
+          <a:ln>
+            <a:noFill/>
+          </a:ln>
+          <a:extLst>
+            <a:ext uri="{909E8E84-426E-40DD-AFC4-6F175D3DCCD1}">
+              <a14:hiddenFill xmlns:a14="http://schemas.microsoft.com/office/drawing/2010/main">
+                <a:solidFill>
+                  <a:srgbClr val="FFFFFF"/>
+                </a:solidFill>
+              </a14:hiddenFill>
+            </a:ext>
+            <a:ext uri="{91240B29-F687-4F45-9708-019B960494DF}">
+              <a14:hiddenLine xmlns:a14="http://schemas.microsoft.com/office/drawing/2010/main" w="9525">
+                <a:solidFill>
+                  <a:srgbClr val="000000"/>
+                </a:solidFill>
+                <a:miter lim="800000"/>
+                <a:headEnd/>
+                <a:tailEnd/>
+              </a14:hiddenLine>
+            </a:ext>
+          </a:extLst>
+        </p:spPr>
+        <p:txBody>
+          <a:bodyPr wrap="square">
+            <a:spAutoFit/>
+          </a:bodyPr>
+          <a:lstStyle>
+            <a:lvl1pPr>
+              <a:spcBef>
+                <a:spcPct val="20000"/>
+              </a:spcBef>
+              <a:buChar char="•"/>
+              <a:defRPr sz="3200">
+                <a:solidFill>
+                  <a:schemeClr val="tx1"/>
+                </a:solidFill>
+                <a:latin typeface="Arial" panose="020B0604020202020204" pitchFamily="34" charset="0"/>
+              </a:defRPr>
+            </a:lvl1pPr>
+            <a:lvl2pPr marL="742950" indent="-285750">
+              <a:spcBef>
+                <a:spcPct val="20000"/>
+              </a:spcBef>
+              <a:buChar char="–"/>
+              <a:defRPr sz="2800">
+                <a:solidFill>
+                  <a:schemeClr val="tx1"/>
+                </a:solidFill>
+                <a:latin typeface="Arial" panose="020B0604020202020204" pitchFamily="34" charset="0"/>
+              </a:defRPr>
+            </a:lvl2pPr>
+            <a:lvl3pPr marL="1143000" indent="-228600">
+              <a:spcBef>
+                <a:spcPct val="20000"/>
+              </a:spcBef>
+              <a:buChar char="•"/>
+              <a:defRPr sz="2400">
+                <a:solidFill>
+                  <a:schemeClr val="tx1"/>
+                </a:solidFill>
+                <a:latin typeface="Arial" panose="020B0604020202020204" pitchFamily="34" charset="0"/>
+              </a:defRPr>
+            </a:lvl3pPr>
+            <a:lvl4pPr>
+              <a:spcBef>
+                <a:spcPct val="20000"/>
+              </a:spcBef>
+              <a:buChar char="–"/>
+              <a:defRPr sz="2000">
+                <a:solidFill>
+                  <a:schemeClr val="tx1"/>
+                </a:solidFill>
+                <a:latin typeface="Arial" panose="020B0604020202020204" pitchFamily="34" charset="0"/>
+              </a:defRPr>
+            </a:lvl4pPr>
+            <a:lvl5pPr marL="2057400" indent="-228600">
+              <a:spcBef>
+                <a:spcPct val="20000"/>
+              </a:spcBef>
+              <a:buChar char="»"/>
+              <a:defRPr sz="2000">
+                <a:solidFill>
+                  <a:schemeClr val="tx1"/>
+                </a:solidFill>
+                <a:latin typeface="Arial" panose="020B0604020202020204" pitchFamily="34" charset="0"/>
+              </a:defRPr>
+            </a:lvl5pPr>
+            <a:lvl6pPr marL="2514600" indent="-228600" eaLnBrk="0" fontAlgn="base" hangingPunct="0">
+              <a:spcBef>
+                <a:spcPct val="20000"/>
+              </a:spcBef>
+              <a:spcAft>
+                <a:spcPct val="0"/>
+              </a:spcAft>
+              <a:buChar char="»"/>
+              <a:defRPr sz="2000">
+                <a:solidFill>
+                  <a:schemeClr val="tx1"/>
+                </a:solidFill>
+                <a:latin typeface="Arial" panose="020B0604020202020204" pitchFamily="34" charset="0"/>
+              </a:defRPr>
+            </a:lvl6pPr>
+            <a:lvl7pPr marL="2971800" indent="-228600" eaLnBrk="0" fontAlgn="base" hangingPunct="0">
+              <a:spcBef>
+                <a:spcPct val="20000"/>
+              </a:spcBef>
+              <a:spcAft>
+                <a:spcPct val="0"/>
+              </a:spcAft>
+              <a:buChar char="»"/>
+              <a:defRPr sz="2000">
+                <a:solidFill>
+                  <a:schemeClr val="tx1"/>
+                </a:solidFill>
+                <a:latin typeface="Arial" panose="020B0604020202020204" pitchFamily="34" charset="0"/>
+              </a:defRPr>
+            </a:lvl7pPr>
+            <a:lvl8pPr marL="3429000" indent="-228600" eaLnBrk="0" fontAlgn="base" hangingPunct="0">
+              <a:spcBef>
+                <a:spcPct val="20000"/>
+              </a:spcBef>
+              <a:spcAft>
+                <a:spcPct val="0"/>
+              </a:spcAft>
+              <a:buChar char="»"/>
+              <a:defRPr sz="2000">
+                <a:solidFill>
+                  <a:schemeClr val="tx1"/>
+                </a:solidFill>
+                <a:latin typeface="Arial" panose="020B0604020202020204" pitchFamily="34" charset="0"/>
+              </a:defRPr>
+            </a:lvl8pPr>
+            <a:lvl9pPr marL="3886200" indent="-228600" eaLnBrk="0" fontAlgn="base" hangingPunct="0">
+              <a:spcBef>
+                <a:spcPct val="20000"/>
+              </a:spcBef>
+              <a:spcAft>
+                <a:spcPct val="0"/>
+              </a:spcAft>
+              <a:buChar char="»"/>
+              <a:defRPr sz="2000">
+                <a:solidFill>
+                  <a:schemeClr val="tx1"/>
+                </a:solidFill>
+                <a:latin typeface="Arial" panose="020B0604020202020204" pitchFamily="34" charset="0"/>
+              </a:defRPr>
+            </a:lvl9pPr>
+          </a:lstStyle>
+          <a:p>
+            <a:pPr marL="171450" indent="-171450" algn="just">
+              <a:lnSpc>
+                <a:spcPct val="150000"/>
+              </a:lnSpc>
+            </a:pPr>
+            <a:r>
+              <a:rPr lang="pt-PT" altLang="pt-PT" sz="1400" dirty="0">
+                <a:cs typeface="Arial" panose="020B0604020202020204" pitchFamily="34" charset="0"/>
+              </a:rPr>
+              <a:t>Se selecionamos o </a:t>
+            </a:r>
+            <a:r>
+              <a:rPr lang="pt-PT" altLang="pt-PT" sz="1400" dirty="0" err="1">
+                <a:cs typeface="Arial" panose="020B0604020202020204" pitchFamily="34" charset="0"/>
+              </a:rPr>
+              <a:t>player</a:t>
+            </a:r>
+            <a:r>
+              <a:rPr lang="pt-PT" altLang="pt-PT" sz="1400" dirty="0">
+                <a:cs typeface="Arial" panose="020B0604020202020204" pitchFamily="34" charset="0"/>
+              </a:rPr>
+              <a:t> </a:t>
+            </a:r>
+            <a:r>
+              <a:rPr lang="pt-PT" altLang="pt-PT" sz="1400" dirty="0" err="1">
+                <a:cs typeface="Arial" panose="020B0604020202020204" pitchFamily="34" charset="0"/>
+              </a:rPr>
+              <a:t>Human</a:t>
+            </a:r>
+            <a:r>
+              <a:rPr lang="pt-PT" altLang="pt-PT" sz="1400" dirty="0">
+                <a:cs typeface="Arial" panose="020B0604020202020204" pitchFamily="34" charset="0"/>
+              </a:rPr>
+              <a:t>, temos de ser nós a introduzir as ações como input e no final é apresentado o resultado para cada </a:t>
+            </a:r>
+            <a:r>
+              <a:rPr lang="pt-PT" altLang="pt-PT" sz="1400" dirty="0" err="1">
+                <a:cs typeface="Arial" panose="020B0604020202020204" pitchFamily="34" charset="0"/>
+              </a:rPr>
+              <a:t>player</a:t>
+            </a:r>
+            <a:r>
+              <a:rPr lang="pt-PT" altLang="pt-PT" sz="1400" dirty="0">
+                <a:cs typeface="Arial" panose="020B0604020202020204" pitchFamily="34" charset="0"/>
+              </a:rPr>
+              <a:t>.</a:t>
+            </a:r>
+          </a:p>
+        </p:txBody>
+      </p:sp>
+      <p:sp>
+        <p:nvSpPr>
+          <p:cNvPr id="15" name="Text Box 10">
+            <a:extLst>
+              <a:ext uri="{FF2B5EF4-FFF2-40B4-BE49-F238E27FC236}">
+                <a16:creationId xmlns:a16="http://schemas.microsoft.com/office/drawing/2014/main" id="{2AE8AC60-74C9-4824-90A3-A23A5C2A3A39}"/>
+              </a:ext>
+            </a:extLst>
+          </p:cNvPr>
+          <p:cNvSpPr txBox="1">
+            <a:spLocks noChangeArrowheads="1"/>
+          </p:cNvSpPr>
+          <p:nvPr/>
+        </p:nvSpPr>
+        <p:spPr bwMode="auto">
+          <a:xfrm>
+            <a:off x="8288338" y="6296025"/>
+            <a:ext cx="827087" cy="366713"/>
+          </a:xfrm>
+          <a:prstGeom prst="rect">
+            <a:avLst/>
+          </a:prstGeom>
+          <a:noFill/>
+          <a:ln w="9525">
+            <a:noFill/>
+            <a:miter lim="800000"/>
+            <a:headEnd/>
+            <a:tailEnd/>
+          </a:ln>
+        </p:spPr>
+        <p:txBody>
+          <a:bodyPr>
+            <a:spAutoFit/>
+          </a:bodyPr>
+          <a:lstStyle/>
+          <a:p>
+            <a:pPr>
+              <a:spcBef>
+                <a:spcPct val="50000"/>
+              </a:spcBef>
+            </a:pPr>
+            <a:endParaRPr lang="pt-PT"/>
+          </a:p>
+        </p:txBody>
+      </p:sp>
+      <p:sp>
+        <p:nvSpPr>
+          <p:cNvPr id="16" name="Rectangle 11">
+            <a:extLst>
+              <a:ext uri="{FF2B5EF4-FFF2-40B4-BE49-F238E27FC236}">
+                <a16:creationId xmlns:a16="http://schemas.microsoft.com/office/drawing/2014/main" id="{07A20E72-4407-4F3E-98C6-99518A20CF4B}"/>
+              </a:ext>
+            </a:extLst>
+          </p:cNvPr>
+          <p:cNvSpPr>
+            <a:spLocks noChangeArrowheads="1"/>
+          </p:cNvSpPr>
+          <p:nvPr/>
+        </p:nvSpPr>
+        <p:spPr bwMode="auto">
+          <a:xfrm>
+            <a:off x="8327571" y="6496091"/>
+            <a:ext cx="936625" cy="260350"/>
+          </a:xfrm>
+          <a:prstGeom prst="rect">
+            <a:avLst/>
+          </a:prstGeom>
+          <a:noFill/>
+          <a:ln w="9525">
+            <a:noFill/>
+            <a:miter lim="800000"/>
+            <a:headEnd/>
+            <a:tailEnd/>
+          </a:ln>
+        </p:spPr>
+        <p:txBody>
+          <a:bodyPr anchor="ctr"/>
+          <a:lstStyle/>
+          <a:p>
+            <a:pPr algn="ctr"/>
+            <a:r>
+              <a:rPr lang="pt-PT" sz="1000" dirty="0"/>
+              <a:t>- </a:t>
+            </a:r>
+            <a:fld id="{1234D2FF-8FB9-47A1-B8C9-42A5F500BA2F}" type="slidenum">
+              <a:rPr lang="pt-PT" sz="1000"/>
+              <a:pPr algn="ctr"/>
+              <a:t>27</a:t>
+            </a:fld>
+            <a:r>
+              <a:rPr lang="pt-PT" sz="1000" dirty="0"/>
+              <a:t> -</a:t>
+            </a:r>
+          </a:p>
+        </p:txBody>
+      </p:sp>
+      <p:pic>
+        <p:nvPicPr>
+          <p:cNvPr id="17" name="Imagem 16">
+            <a:extLst>
+              <a:ext uri="{FF2B5EF4-FFF2-40B4-BE49-F238E27FC236}">
+                <a16:creationId xmlns:a16="http://schemas.microsoft.com/office/drawing/2014/main" id="{AED8EEE7-4A6C-417E-A3EF-6BF0EA2102A5}"/>
+              </a:ext>
+            </a:extLst>
+          </p:cNvPr>
+          <p:cNvPicPr>
+            <a:picLocks noChangeAspect="1"/>
+          </p:cNvPicPr>
+          <p:nvPr/>
+        </p:nvPicPr>
+        <p:blipFill>
+          <a:blip r:embed="rId5"/>
+          <a:stretch>
+            <a:fillRect/>
+          </a:stretch>
+        </p:blipFill>
+        <p:spPr>
+          <a:xfrm>
+            <a:off x="0" y="6320212"/>
+            <a:ext cx="9144000" cy="253252"/>
+          </a:xfrm>
+          <a:prstGeom prst="rect">
+            <a:avLst/>
+          </a:prstGeom>
+        </p:spPr>
+      </p:pic>
+      <p:pic>
+        <p:nvPicPr>
+          <p:cNvPr id="21" name="Imagem 20">
+            <a:extLst>
+              <a:ext uri="{FF2B5EF4-FFF2-40B4-BE49-F238E27FC236}">
+                <a16:creationId xmlns:a16="http://schemas.microsoft.com/office/drawing/2014/main" id="{3E33BC33-E477-4247-B106-480F5560B061}"/>
+              </a:ext>
+            </a:extLst>
+          </p:cNvPr>
+          <p:cNvPicPr>
+            <a:picLocks noChangeAspect="1"/>
+          </p:cNvPicPr>
+          <p:nvPr/>
+        </p:nvPicPr>
+        <p:blipFill>
+          <a:blip r:embed="rId6" cstate="print">
+            <a:extLst>
+              <a:ext uri="{28A0092B-C50C-407E-A947-70E740481C1C}">
+                <a14:useLocalDpi xmlns:a14="http://schemas.microsoft.com/office/drawing/2010/main" val="0"/>
+              </a:ext>
+            </a:extLst>
+          </a:blip>
+          <a:stretch>
+            <a:fillRect/>
+          </a:stretch>
+        </p:blipFill>
+        <p:spPr>
+          <a:xfrm>
+            <a:off x="238125" y="6488336"/>
+            <a:ext cx="545959" cy="199802"/>
+          </a:xfrm>
+          <a:prstGeom prst="rect">
+            <a:avLst/>
+          </a:prstGeom>
+        </p:spPr>
+      </p:pic>
+      <p:sp>
+        <p:nvSpPr>
+          <p:cNvPr id="2" name="Subtítulo 2">
+            <a:extLst>
+              <a:ext uri="{FF2B5EF4-FFF2-40B4-BE49-F238E27FC236}">
+                <a16:creationId xmlns:a16="http://schemas.microsoft.com/office/drawing/2014/main" id="{D2221523-554F-0C2D-83D7-662B67950BC9}"/>
+              </a:ext>
+            </a:extLst>
+          </p:cNvPr>
+          <p:cNvSpPr txBox="1">
+            <a:spLocks/>
+          </p:cNvSpPr>
+          <p:nvPr/>
+        </p:nvSpPr>
+        <p:spPr>
+          <a:xfrm>
+            <a:off x="836017" y="6524516"/>
+            <a:ext cx="7698382" cy="162409"/>
+          </a:xfrm>
+          <a:prstGeom prst="rect">
+            <a:avLst/>
+          </a:prstGeom>
+        </p:spPr>
+        <p:txBody>
+          <a:bodyPr vert="horz" lIns="68580" tIns="34290" rIns="68580" bIns="34290" rtlCol="0">
+            <a:normAutofit fontScale="92500" lnSpcReduction="20000"/>
+          </a:bodyPr>
+          <a:lstStyle>
+            <a:lvl1pPr marL="0" indent="0" algn="ctr" defTabSz="914400" rtl="0" eaLnBrk="1" latinLnBrk="0" hangingPunct="1">
+              <a:lnSpc>
+                <a:spcPct val="90000"/>
+              </a:lnSpc>
+              <a:spcBef>
+                <a:spcPts val="1000"/>
+              </a:spcBef>
+              <a:buFont typeface="Arial" panose="020B0604020202020204" pitchFamily="34" charset="0"/>
+              <a:buNone/>
+              <a:defRPr sz="2400" kern="1200">
+                <a:solidFill>
+                  <a:schemeClr val="tx1"/>
+                </a:solidFill>
+                <a:latin typeface="+mn-lt"/>
+                <a:ea typeface="+mn-ea"/>
+                <a:cs typeface="+mn-cs"/>
+              </a:defRPr>
+            </a:lvl1pPr>
+            <a:lvl2pPr marL="457200" indent="0" algn="ctr" defTabSz="914400" rtl="0" eaLnBrk="1" latinLnBrk="0" hangingPunct="1">
+              <a:lnSpc>
+                <a:spcPct val="90000"/>
+              </a:lnSpc>
+              <a:spcBef>
+                <a:spcPts val="500"/>
+              </a:spcBef>
+              <a:buFont typeface="Arial" panose="020B0604020202020204" pitchFamily="34" charset="0"/>
+              <a:buNone/>
+              <a:defRPr sz="2000" kern="1200">
+                <a:solidFill>
+                  <a:schemeClr val="tx1"/>
+                </a:solidFill>
+                <a:latin typeface="+mn-lt"/>
+                <a:ea typeface="+mn-ea"/>
+                <a:cs typeface="+mn-cs"/>
+              </a:defRPr>
+            </a:lvl2pPr>
+            <a:lvl3pPr marL="914400" indent="0" algn="ctr" defTabSz="914400" rtl="0" eaLnBrk="1" latinLnBrk="0" hangingPunct="1">
+              <a:lnSpc>
+                <a:spcPct val="90000"/>
+              </a:lnSpc>
+              <a:spcBef>
+                <a:spcPts val="500"/>
+              </a:spcBef>
+              <a:buFont typeface="Arial" panose="020B0604020202020204" pitchFamily="34" charset="0"/>
+              <a:buNone/>
+              <a:defRPr sz="1800" kern="1200">
+                <a:solidFill>
+                  <a:schemeClr val="tx1"/>
+                </a:solidFill>
+                <a:latin typeface="+mn-lt"/>
+                <a:ea typeface="+mn-ea"/>
+                <a:cs typeface="+mn-cs"/>
+              </a:defRPr>
+            </a:lvl3pPr>
+            <a:lvl4pPr marL="1371600" indent="0" algn="ctr" defTabSz="914400" rtl="0" eaLnBrk="1" latinLnBrk="0" hangingPunct="1">
+              <a:lnSpc>
+                <a:spcPct val="90000"/>
+              </a:lnSpc>
+              <a:spcBef>
+                <a:spcPts val="500"/>
+              </a:spcBef>
+              <a:buFont typeface="Arial" panose="020B0604020202020204" pitchFamily="34" charset="0"/>
+              <a:buNone/>
+              <a:defRPr sz="1600" kern="1200">
+                <a:solidFill>
+                  <a:schemeClr val="tx1"/>
+                </a:solidFill>
+                <a:latin typeface="+mn-lt"/>
+                <a:ea typeface="+mn-ea"/>
+                <a:cs typeface="+mn-cs"/>
+              </a:defRPr>
+            </a:lvl4pPr>
+            <a:lvl5pPr marL="1828800" indent="0" algn="ctr" defTabSz="914400" rtl="0" eaLnBrk="1" latinLnBrk="0" hangingPunct="1">
+              <a:lnSpc>
+                <a:spcPct val="90000"/>
+              </a:lnSpc>
+              <a:spcBef>
+                <a:spcPts val="500"/>
+              </a:spcBef>
+              <a:buFont typeface="Arial" panose="020B0604020202020204" pitchFamily="34" charset="0"/>
+              <a:buNone/>
+              <a:defRPr sz="1600" kern="1200">
+                <a:solidFill>
+                  <a:schemeClr val="tx1"/>
+                </a:solidFill>
+                <a:latin typeface="+mn-lt"/>
+                <a:ea typeface="+mn-ea"/>
+                <a:cs typeface="+mn-cs"/>
+              </a:defRPr>
+            </a:lvl5pPr>
+            <a:lvl6pPr marL="2286000" indent="0" algn="ctr" defTabSz="914400" rtl="0" eaLnBrk="1" latinLnBrk="0" hangingPunct="1">
+              <a:lnSpc>
+                <a:spcPct val="90000"/>
+              </a:lnSpc>
+              <a:spcBef>
+                <a:spcPts val="500"/>
+              </a:spcBef>
+              <a:buFont typeface="Arial" panose="020B0604020202020204" pitchFamily="34" charset="0"/>
+              <a:buNone/>
+              <a:defRPr sz="1600" kern="1200">
+                <a:solidFill>
+                  <a:schemeClr val="tx1"/>
+                </a:solidFill>
+                <a:latin typeface="+mn-lt"/>
+                <a:ea typeface="+mn-ea"/>
+                <a:cs typeface="+mn-cs"/>
+              </a:defRPr>
+            </a:lvl6pPr>
+            <a:lvl7pPr marL="2743200" indent="0" algn="ctr" defTabSz="914400" rtl="0" eaLnBrk="1" latinLnBrk="0" hangingPunct="1">
+              <a:lnSpc>
+                <a:spcPct val="90000"/>
+              </a:lnSpc>
+              <a:spcBef>
+                <a:spcPts val="500"/>
+              </a:spcBef>
+              <a:buFont typeface="Arial" panose="020B0604020202020204" pitchFamily="34" charset="0"/>
+              <a:buNone/>
+              <a:defRPr sz="1600" kern="1200">
+                <a:solidFill>
+                  <a:schemeClr val="tx1"/>
+                </a:solidFill>
+                <a:latin typeface="+mn-lt"/>
+                <a:ea typeface="+mn-ea"/>
+                <a:cs typeface="+mn-cs"/>
+              </a:defRPr>
+            </a:lvl7pPr>
+            <a:lvl8pPr marL="3200400" indent="0" algn="ctr" defTabSz="914400" rtl="0" eaLnBrk="1" latinLnBrk="0" hangingPunct="1">
+              <a:lnSpc>
+                <a:spcPct val="90000"/>
+              </a:lnSpc>
+              <a:spcBef>
+                <a:spcPts val="500"/>
+              </a:spcBef>
+              <a:buFont typeface="Arial" panose="020B0604020202020204" pitchFamily="34" charset="0"/>
+              <a:buNone/>
+              <a:defRPr sz="1600" kern="1200">
+                <a:solidFill>
+                  <a:schemeClr val="tx1"/>
+                </a:solidFill>
+                <a:latin typeface="+mn-lt"/>
+                <a:ea typeface="+mn-ea"/>
+                <a:cs typeface="+mn-cs"/>
+              </a:defRPr>
+            </a:lvl8pPr>
+            <a:lvl9pPr marL="3657600" indent="0" algn="ctr" defTabSz="914400" rtl="0" eaLnBrk="1" latinLnBrk="0" hangingPunct="1">
+              <a:lnSpc>
+                <a:spcPct val="90000"/>
+              </a:lnSpc>
+              <a:spcBef>
+                <a:spcPts val="500"/>
+              </a:spcBef>
+              <a:buFont typeface="Arial" panose="020B0604020202020204" pitchFamily="34" charset="0"/>
+              <a:buNone/>
+              <a:defRPr sz="1600" kern="1200">
+                <a:solidFill>
+                  <a:schemeClr val="tx1"/>
+                </a:solidFill>
+                <a:latin typeface="+mn-lt"/>
+                <a:ea typeface="+mn-ea"/>
+                <a:cs typeface="+mn-cs"/>
+              </a:defRPr>
+            </a:lvl9pPr>
+          </a:lstStyle>
+          <a:p>
+            <a:pPr algn="l"/>
+            <a:r>
+              <a:rPr lang="pt-PT" sz="900" dirty="0">
+                <a:latin typeface="Arial" charset="0"/>
+                <a:ea typeface="Arial" charset="0"/>
+                <a:cs typeface="Arial" charset="0"/>
+              </a:rPr>
+              <a:t>@2023, 24585 – Alexandre Santos, 24589 – Domingos Silva | </a:t>
+            </a:r>
+            <a:r>
+              <a:rPr lang="pt-PT" sz="900" b="1" dirty="0">
+                <a:solidFill>
+                  <a:srgbClr val="C00000"/>
+                </a:solidFill>
+                <a:latin typeface="Arial" charset="0"/>
+                <a:ea typeface="Arial" charset="0"/>
+                <a:cs typeface="Arial" charset="0"/>
+              </a:rPr>
+              <a:t>Unidade Curricular: INTELIGÊNCIA ARTIFICIAL </a:t>
+            </a:r>
+            <a:r>
+              <a:rPr lang="pt-PT" sz="900" dirty="0">
+                <a:latin typeface="Arial" charset="0"/>
+                <a:ea typeface="Arial" charset="0"/>
+                <a:cs typeface="Arial" charset="0"/>
+              </a:rPr>
+              <a:t>– Ano Letivo 2022/2023 </a:t>
+            </a:r>
+            <a:endParaRPr lang="pt-PT" sz="900" b="1" dirty="0">
+              <a:latin typeface="Arial" charset="0"/>
+              <a:ea typeface="Arial" charset="0"/>
+              <a:cs typeface="Arial" charset="0"/>
+            </a:endParaRPr>
+          </a:p>
+        </p:txBody>
+      </p:sp>
+      <p:sp>
+        <p:nvSpPr>
+          <p:cNvPr id="4" name="CaixaDeTexto 3">
+            <a:extLst>
+              <a:ext uri="{FF2B5EF4-FFF2-40B4-BE49-F238E27FC236}">
+                <a16:creationId xmlns:a16="http://schemas.microsoft.com/office/drawing/2014/main" id="{DFCC3996-5448-B87E-F4D6-D6C8DC8C7472}"/>
+              </a:ext>
+            </a:extLst>
+          </p:cNvPr>
+          <p:cNvSpPr txBox="1"/>
+          <p:nvPr/>
+        </p:nvSpPr>
+        <p:spPr>
+          <a:xfrm>
+            <a:off x="306388" y="663590"/>
+            <a:ext cx="5567089" cy="276999"/>
+          </a:xfrm>
+          <a:prstGeom prst="rect">
+            <a:avLst/>
+          </a:prstGeom>
+          <a:noFill/>
+        </p:spPr>
+        <p:txBody>
+          <a:bodyPr wrap="square">
+            <a:spAutoFit/>
+          </a:bodyPr>
+          <a:lstStyle/>
+          <a:p>
+            <a:r>
+              <a:rPr lang="pt-PT" sz="1200" b="1" dirty="0">
+                <a:latin typeface="Arial" charset="0"/>
+                <a:ea typeface="Arial" charset="0"/>
+                <a:cs typeface="Arial" charset="0"/>
+              </a:rPr>
+              <a:t>Trabalho Prático 1 – Pesquisa de soluções em jogos</a:t>
+            </a:r>
+            <a:endParaRPr lang="pt-PT" sz="1200" b="1" dirty="0"/>
+          </a:p>
+        </p:txBody>
+      </p:sp>
+      <p:pic>
+        <p:nvPicPr>
+          <p:cNvPr id="5" name="Imagem 4">
+            <a:extLst>
+              <a:ext uri="{FF2B5EF4-FFF2-40B4-BE49-F238E27FC236}">
+                <a16:creationId xmlns:a16="http://schemas.microsoft.com/office/drawing/2014/main" id="{29CA763E-1491-500B-4F95-5C2408CA828E}"/>
+              </a:ext>
+            </a:extLst>
+          </p:cNvPr>
+          <p:cNvPicPr>
+            <a:picLocks noChangeAspect="1"/>
+          </p:cNvPicPr>
+          <p:nvPr/>
+        </p:nvPicPr>
+        <p:blipFill>
+          <a:blip r:embed="rId7"/>
+          <a:stretch>
+            <a:fillRect/>
+          </a:stretch>
+        </p:blipFill>
+        <p:spPr>
+          <a:xfrm>
+            <a:off x="4572000" y="3918347"/>
+            <a:ext cx="2912197" cy="1973822"/>
+          </a:xfrm>
+          <a:prstGeom prst="rect">
+            <a:avLst/>
+          </a:prstGeom>
+        </p:spPr>
+      </p:pic>
+      <p:pic>
+        <p:nvPicPr>
+          <p:cNvPr id="10" name="Imagem 9">
+            <a:extLst>
+              <a:ext uri="{FF2B5EF4-FFF2-40B4-BE49-F238E27FC236}">
+                <a16:creationId xmlns:a16="http://schemas.microsoft.com/office/drawing/2014/main" id="{F80BDB7B-FB22-4FAE-60CA-2D0AACF36E15}"/>
+              </a:ext>
+            </a:extLst>
+          </p:cNvPr>
+          <p:cNvPicPr>
+            <a:picLocks noChangeAspect="1"/>
+          </p:cNvPicPr>
+          <p:nvPr/>
+        </p:nvPicPr>
+        <p:blipFill>
+          <a:blip r:embed="rId8"/>
+          <a:stretch>
+            <a:fillRect/>
+          </a:stretch>
+        </p:blipFill>
+        <p:spPr>
+          <a:xfrm>
+            <a:off x="306388" y="1411374"/>
+            <a:ext cx="3046412" cy="4434972"/>
+          </a:xfrm>
+          <a:prstGeom prst="rect">
+            <a:avLst/>
+          </a:prstGeom>
+        </p:spPr>
+      </p:pic>
+    </p:spTree>
+    <p:extLst>
+      <p:ext uri="{BB962C8B-B14F-4D97-AF65-F5344CB8AC3E}">
+        <p14:creationId xmlns:p14="http://schemas.microsoft.com/office/powerpoint/2010/main" val="1203542931"/>
+      </p:ext>
+    </p:extLst>
+  </p:cSld>
+  <p:clrMapOvr>
+    <a:masterClrMapping/>
+  </p:clrMapOvr>
+</p:sld>
+</file>
+
+<file path=ppt/slides/slide28.xml><?xml version="1.0" encoding="utf-8"?>
+<p:sld xmlns:a="http://schemas.openxmlformats.org/drawingml/2006/main" xmlns:r="http://schemas.openxmlformats.org/officeDocument/2006/relationships" xmlns:p="http://schemas.openxmlformats.org/presentationml/2006/main">
+  <p:cSld>
+    <p:spTree>
+      <p:nvGrpSpPr>
+        <p:cNvPr id="1" name=""/>
+        <p:cNvGrpSpPr/>
+        <p:nvPr/>
+      </p:nvGrpSpPr>
+      <p:grpSpPr>
+        <a:xfrm>
+          <a:off x="0" y="0"/>
+          <a:ext cx="0" cy="0"/>
+          <a:chOff x="0" y="0"/>
+          <a:chExt cx="0" cy="0"/>
+        </a:xfrm>
+      </p:grpSpPr>
+      <p:sp>
+        <p:nvSpPr>
+          <p:cNvPr id="10243" name="Text Box 10"/>
+          <p:cNvSpPr txBox="1">
+            <a:spLocks noChangeArrowheads="1"/>
+          </p:cNvSpPr>
+          <p:nvPr/>
+        </p:nvSpPr>
+        <p:spPr bwMode="auto">
+          <a:xfrm>
+            <a:off x="8288338" y="6296025"/>
+            <a:ext cx="827087" cy="366713"/>
+          </a:xfrm>
+          <a:prstGeom prst="rect">
+            <a:avLst/>
+          </a:prstGeom>
+          <a:noFill/>
+          <a:ln w="9525">
+            <a:noFill/>
+            <a:miter lim="800000"/>
+            <a:headEnd/>
+            <a:tailEnd/>
+          </a:ln>
+        </p:spPr>
+        <p:txBody>
+          <a:bodyPr>
+            <a:spAutoFit/>
+          </a:bodyPr>
+          <a:lstStyle/>
+          <a:p>
+            <a:pPr>
+              <a:spcBef>
+                <a:spcPct val="50000"/>
+              </a:spcBef>
+            </a:pPr>
+            <a:endParaRPr lang="pt-PT"/>
+          </a:p>
+        </p:txBody>
+      </p:sp>
+      <p:sp>
+        <p:nvSpPr>
+          <p:cNvPr id="10244" name="Rectangle 11"/>
+          <p:cNvSpPr>
+            <a:spLocks noChangeArrowheads="1"/>
+          </p:cNvSpPr>
+          <p:nvPr/>
+        </p:nvSpPr>
+        <p:spPr bwMode="auto">
+          <a:xfrm>
+            <a:off x="8327571" y="6496091"/>
+            <a:ext cx="936625" cy="260350"/>
+          </a:xfrm>
+          <a:prstGeom prst="rect">
+            <a:avLst/>
+          </a:prstGeom>
+          <a:noFill/>
+          <a:ln w="9525">
+            <a:noFill/>
+            <a:miter lim="800000"/>
+            <a:headEnd/>
+            <a:tailEnd/>
+          </a:ln>
+        </p:spPr>
+        <p:txBody>
+          <a:bodyPr anchor="ctr"/>
+          <a:lstStyle/>
+          <a:p>
+            <a:pPr algn="ctr"/>
+            <a:r>
+              <a:rPr lang="pt-PT" sz="1000" dirty="0"/>
+              <a:t>- </a:t>
+            </a:r>
+            <a:fld id="{1234D2FF-8FB9-47A1-B8C9-42A5F500BA2F}" type="slidenum">
+              <a:rPr lang="pt-PT" sz="1000"/>
+              <a:pPr algn="ctr"/>
+              <a:t>28</a:t>
             </a:fld>
             <a:r>
               <a:rPr lang="pt-PT" sz="1000" dirty="0"/>
@@ -25745,7 +27953,7 @@
 </p:sld>
 </file>
 
-<file path=ppt/slides/slide27.xml><?xml version="1.0" encoding="utf-8"?>
+<file path=ppt/slides/slide29.xml><?xml version="1.0" encoding="utf-8"?>
 <p:sld xmlns:a="http://schemas.openxmlformats.org/drawingml/2006/main" xmlns:r="http://schemas.openxmlformats.org/officeDocument/2006/relationships" xmlns:p="http://schemas.openxmlformats.org/presentationml/2006/main">
   <p:cSld>
     <p:spTree>

--- a/IPVC-EI-IA-TrabPratico1-Pesquisa_solucoes_jogos-24585-24589.pptx
+++ b/IPVC-EI-IA-TrabPratico1-Pesquisa_solucoes_jogos-24585-24589.pptx
@@ -5,10 +5,10 @@
     <p:sldMasterId id="2147483648" r:id="rId1"/>
   </p:sldMasterIdLst>
   <p:notesMasterIdLst>
-    <p:notesMasterId r:id="rId31"/>
+    <p:notesMasterId r:id="rId33"/>
   </p:notesMasterIdLst>
   <p:handoutMasterIdLst>
-    <p:handoutMasterId r:id="rId32"/>
+    <p:handoutMasterId r:id="rId34"/>
   </p:handoutMasterIdLst>
   <p:sldIdLst>
     <p:sldId id="309" r:id="rId2"/>
@@ -23,23 +23,25 @@
     <p:sldId id="350" r:id="rId11"/>
     <p:sldId id="351" r:id="rId12"/>
     <p:sldId id="352" r:id="rId13"/>
-    <p:sldId id="353" r:id="rId14"/>
-    <p:sldId id="354" r:id="rId15"/>
-    <p:sldId id="355" r:id="rId16"/>
-    <p:sldId id="356" r:id="rId17"/>
-    <p:sldId id="357" r:id="rId18"/>
-    <p:sldId id="358" r:id="rId19"/>
-    <p:sldId id="319" r:id="rId20"/>
-    <p:sldId id="359" r:id="rId21"/>
-    <p:sldId id="360" r:id="rId22"/>
-    <p:sldId id="362" r:id="rId23"/>
-    <p:sldId id="366" r:id="rId24"/>
-    <p:sldId id="367" r:id="rId25"/>
-    <p:sldId id="363" r:id="rId26"/>
-    <p:sldId id="364" r:id="rId27"/>
-    <p:sldId id="365" r:id="rId28"/>
-    <p:sldId id="344" r:id="rId29"/>
-    <p:sldId id="260" r:id="rId30"/>
+    <p:sldId id="354" r:id="rId14"/>
+    <p:sldId id="355" r:id="rId15"/>
+    <p:sldId id="356" r:id="rId16"/>
+    <p:sldId id="357" r:id="rId17"/>
+    <p:sldId id="358" r:id="rId18"/>
+    <p:sldId id="368" r:id="rId19"/>
+    <p:sldId id="353" r:id="rId20"/>
+    <p:sldId id="319" r:id="rId21"/>
+    <p:sldId id="359" r:id="rId22"/>
+    <p:sldId id="360" r:id="rId23"/>
+    <p:sldId id="362" r:id="rId24"/>
+    <p:sldId id="366" r:id="rId25"/>
+    <p:sldId id="369" r:id="rId26"/>
+    <p:sldId id="367" r:id="rId27"/>
+    <p:sldId id="363" r:id="rId28"/>
+    <p:sldId id="364" r:id="rId29"/>
+    <p:sldId id="365" r:id="rId30"/>
+    <p:sldId id="344" r:id="rId31"/>
+    <p:sldId id="260" r:id="rId32"/>
   </p:sldIdLst>
   <p:sldSz cx="9144000" cy="6858000" type="screen4x3"/>
   <p:notesSz cx="7099300" cy="10234613"/>
@@ -240,7 +242,7 @@
             <a:fld id="{ADB6FF1F-555E-4388-A8B0-D1E524B355D1}" type="datetimeFigureOut">
               <a:rPr lang="pt-PT" smtClean="0"/>
               <a:pPr/>
-              <a:t>04/05/2023</a:t>
+              <a:t>06/05/2023</a:t>
             </a:fld>
             <a:endParaRPr lang="pt-PT"/>
           </a:p>
@@ -407,7 +409,7 @@
             <a:fld id="{E77E319B-B046-487F-8D03-B96E4F1A43D0}" type="datetimeFigureOut">
               <a:rPr lang="pt-PT" smtClean="0"/>
               <a:pPr/>
-              <a:t>04/05/2023</a:t>
+              <a:t>06/05/2023</a:t>
             </a:fld>
             <a:endParaRPr lang="pt-PT"/>
           </a:p>
@@ -1063,7 +1065,7 @@
     </p:spTree>
     <p:extLst>
       <p:ext uri="{BB962C8B-B14F-4D97-AF65-F5344CB8AC3E}">
-        <p14:creationId xmlns:p14="http://schemas.microsoft.com/office/powerpoint/2010/main" val="4237860169"/>
+        <p14:creationId xmlns:p14="http://schemas.microsoft.com/office/powerpoint/2010/main" val="50036420"/>
       </p:ext>
     </p:extLst>
   </p:cSld>
@@ -1162,7 +1164,7 @@
     </p:spTree>
     <p:extLst>
       <p:ext uri="{BB962C8B-B14F-4D97-AF65-F5344CB8AC3E}">
-        <p14:creationId xmlns:p14="http://schemas.microsoft.com/office/powerpoint/2010/main" val="50036420"/>
+        <p14:creationId xmlns:p14="http://schemas.microsoft.com/office/powerpoint/2010/main" val="1735217626"/>
       </p:ext>
     </p:extLst>
   </p:cSld>
@@ -1261,7 +1263,7 @@
     </p:spTree>
     <p:extLst>
       <p:ext uri="{BB962C8B-B14F-4D97-AF65-F5344CB8AC3E}">
-        <p14:creationId xmlns:p14="http://schemas.microsoft.com/office/powerpoint/2010/main" val="1735217626"/>
+        <p14:creationId xmlns:p14="http://schemas.microsoft.com/office/powerpoint/2010/main" val="858237283"/>
       </p:ext>
     </p:extLst>
   </p:cSld>
@@ -1360,7 +1362,7 @@
     </p:spTree>
     <p:extLst>
       <p:ext uri="{BB962C8B-B14F-4D97-AF65-F5344CB8AC3E}">
-        <p14:creationId xmlns:p14="http://schemas.microsoft.com/office/powerpoint/2010/main" val="858237283"/>
+        <p14:creationId xmlns:p14="http://schemas.microsoft.com/office/powerpoint/2010/main" val="446868465"/>
       </p:ext>
     </p:extLst>
   </p:cSld>
@@ -1459,7 +1461,7 @@
     </p:spTree>
     <p:extLst>
       <p:ext uri="{BB962C8B-B14F-4D97-AF65-F5344CB8AC3E}">
-        <p14:creationId xmlns:p14="http://schemas.microsoft.com/office/powerpoint/2010/main" val="446868465"/>
+        <p14:creationId xmlns:p14="http://schemas.microsoft.com/office/powerpoint/2010/main" val="1890976978"/>
       </p:ext>
     </p:extLst>
   </p:cSld>
@@ -1558,7 +1560,7 @@
     </p:spTree>
     <p:extLst>
       <p:ext uri="{BB962C8B-B14F-4D97-AF65-F5344CB8AC3E}">
-        <p14:creationId xmlns:p14="http://schemas.microsoft.com/office/powerpoint/2010/main" val="1890976978"/>
+        <p14:creationId xmlns:p14="http://schemas.microsoft.com/office/powerpoint/2010/main" val="4230146552"/>
       </p:ext>
     </p:extLst>
   </p:cSld>
@@ -1657,7 +1659,7 @@
     </p:spTree>
     <p:extLst>
       <p:ext uri="{BB962C8B-B14F-4D97-AF65-F5344CB8AC3E}">
-        <p14:creationId xmlns:p14="http://schemas.microsoft.com/office/powerpoint/2010/main" val="2461712227"/>
+        <p14:creationId xmlns:p14="http://schemas.microsoft.com/office/powerpoint/2010/main" val="4237860169"/>
       </p:ext>
     </p:extLst>
   </p:cSld>
@@ -1756,7 +1758,7 @@
     </p:spTree>
     <p:extLst>
       <p:ext uri="{BB962C8B-B14F-4D97-AF65-F5344CB8AC3E}">
-        <p14:creationId xmlns:p14="http://schemas.microsoft.com/office/powerpoint/2010/main" val="2979708404"/>
+        <p14:creationId xmlns:p14="http://schemas.microsoft.com/office/powerpoint/2010/main" val="2461712227"/>
       </p:ext>
     </p:extLst>
   </p:cSld>
@@ -1954,7 +1956,7 @@
     </p:spTree>
     <p:extLst>
       <p:ext uri="{BB962C8B-B14F-4D97-AF65-F5344CB8AC3E}">
-        <p14:creationId xmlns:p14="http://schemas.microsoft.com/office/powerpoint/2010/main" val="1269001216"/>
+        <p14:creationId xmlns:p14="http://schemas.microsoft.com/office/powerpoint/2010/main" val="2979708404"/>
       </p:ext>
     </p:extLst>
   </p:cSld>
@@ -2053,7 +2055,7 @@
     </p:spTree>
     <p:extLst>
       <p:ext uri="{BB962C8B-B14F-4D97-AF65-F5344CB8AC3E}">
-        <p14:creationId xmlns:p14="http://schemas.microsoft.com/office/powerpoint/2010/main" val="1872528229"/>
+        <p14:creationId xmlns:p14="http://schemas.microsoft.com/office/powerpoint/2010/main" val="1269001216"/>
       </p:ext>
     </p:extLst>
   </p:cSld>
@@ -2152,7 +2154,7 @@
     </p:spTree>
     <p:extLst>
       <p:ext uri="{BB962C8B-B14F-4D97-AF65-F5344CB8AC3E}">
-        <p14:creationId xmlns:p14="http://schemas.microsoft.com/office/powerpoint/2010/main" val="808379932"/>
+        <p14:creationId xmlns:p14="http://schemas.microsoft.com/office/powerpoint/2010/main" val="1872528229"/>
       </p:ext>
     </p:extLst>
   </p:cSld>
@@ -2251,7 +2253,7 @@
     </p:spTree>
     <p:extLst>
       <p:ext uri="{BB962C8B-B14F-4D97-AF65-F5344CB8AC3E}">
-        <p14:creationId xmlns:p14="http://schemas.microsoft.com/office/powerpoint/2010/main" val="2444633028"/>
+        <p14:creationId xmlns:p14="http://schemas.microsoft.com/office/powerpoint/2010/main" val="808379932"/>
       </p:ext>
     </p:extLst>
   </p:cSld>
@@ -2350,7 +2352,7 @@
     </p:spTree>
     <p:extLst>
       <p:ext uri="{BB962C8B-B14F-4D97-AF65-F5344CB8AC3E}">
-        <p14:creationId xmlns:p14="http://schemas.microsoft.com/office/powerpoint/2010/main" val="1041980208"/>
+        <p14:creationId xmlns:p14="http://schemas.microsoft.com/office/powerpoint/2010/main" val="48662759"/>
       </p:ext>
     </p:extLst>
   </p:cSld>
@@ -2449,7 +2451,7 @@
     </p:spTree>
     <p:extLst>
       <p:ext uri="{BB962C8B-B14F-4D97-AF65-F5344CB8AC3E}">
-        <p14:creationId xmlns:p14="http://schemas.microsoft.com/office/powerpoint/2010/main" val="421569680"/>
+        <p14:creationId xmlns:p14="http://schemas.microsoft.com/office/powerpoint/2010/main" val="2444633028"/>
       </p:ext>
     </p:extLst>
   </p:cSld>
@@ -2548,7 +2550,7 @@
     </p:spTree>
     <p:extLst>
       <p:ext uri="{BB962C8B-B14F-4D97-AF65-F5344CB8AC3E}">
-        <p14:creationId xmlns:p14="http://schemas.microsoft.com/office/powerpoint/2010/main" val="527030451"/>
+        <p14:creationId xmlns:p14="http://schemas.microsoft.com/office/powerpoint/2010/main" val="1041980208"/>
       </p:ext>
     </p:extLst>
   </p:cSld>
@@ -2598,6 +2600,204 @@
               </a:rPr>
               <a:pPr/>
               <a:t>28</a:t>
+            </a:fld>
+            <a:endParaRPr lang="pt-PT">
+              <a:latin typeface="Arial" pitchFamily="34" charset="0"/>
+            </a:endParaRPr>
+          </a:p>
+        </p:txBody>
+      </p:sp>
+      <p:sp>
+        <p:nvSpPr>
+          <p:cNvPr id="93187" name="Rectangle 2"/>
+          <p:cNvSpPr>
+            <a:spLocks noGrp="1" noRot="1" noChangeAspect="1" noChangeArrowheads="1" noTextEdit="1"/>
+          </p:cNvSpPr>
+          <p:nvPr>
+            <p:ph type="sldImg"/>
+          </p:nvPr>
+        </p:nvSpPr>
+        <p:spPr>
+          <a:ln/>
+        </p:spPr>
+      </p:sp>
+      <p:sp>
+        <p:nvSpPr>
+          <p:cNvPr id="93188" name="Rectangle 3"/>
+          <p:cNvSpPr>
+            <a:spLocks noGrp="1" noChangeArrowheads="1"/>
+          </p:cNvSpPr>
+          <p:nvPr>
+            <p:ph type="body" idx="1"/>
+          </p:nvPr>
+        </p:nvSpPr>
+        <p:spPr>
+          <a:noFill/>
+          <a:ln/>
+        </p:spPr>
+        <p:txBody>
+          <a:bodyPr/>
+          <a:lstStyle/>
+          <a:p>
+            <a:pPr eaLnBrk="1" hangingPunct="1"/>
+            <a:endParaRPr lang="pt-PT">
+              <a:latin typeface="Arial" pitchFamily="34" charset="0"/>
+            </a:endParaRPr>
+          </a:p>
+        </p:txBody>
+      </p:sp>
+    </p:spTree>
+    <p:extLst>
+      <p:ext uri="{BB962C8B-B14F-4D97-AF65-F5344CB8AC3E}">
+        <p14:creationId xmlns:p14="http://schemas.microsoft.com/office/powerpoint/2010/main" val="421569680"/>
+      </p:ext>
+    </p:extLst>
+  </p:cSld>
+  <p:clrMapOvr>
+    <a:masterClrMapping/>
+  </p:clrMapOvr>
+</p:notes>
+</file>
+
+<file path=ppt/notesSlides/notesSlide28.xml><?xml version="1.0" encoding="utf-8"?>
+<p:notes xmlns:a="http://schemas.openxmlformats.org/drawingml/2006/main" xmlns:r="http://schemas.openxmlformats.org/officeDocument/2006/relationships" xmlns:p="http://schemas.openxmlformats.org/presentationml/2006/main">
+  <p:cSld>
+    <p:spTree>
+      <p:nvGrpSpPr>
+        <p:cNvPr id="1" name=""/>
+        <p:cNvGrpSpPr/>
+        <p:nvPr/>
+      </p:nvGrpSpPr>
+      <p:grpSpPr>
+        <a:xfrm>
+          <a:off x="0" y="0"/>
+          <a:ext cx="0" cy="0"/>
+          <a:chOff x="0" y="0"/>
+          <a:chExt cx="0" cy="0"/>
+        </a:xfrm>
+      </p:grpSpPr>
+      <p:sp>
+        <p:nvSpPr>
+          <p:cNvPr id="93186" name="Rectangle 7"/>
+          <p:cNvSpPr>
+            <a:spLocks noGrp="1" noChangeArrowheads="1"/>
+          </p:cNvSpPr>
+          <p:nvPr>
+            <p:ph type="sldNum" sz="quarter" idx="5"/>
+          </p:nvPr>
+        </p:nvSpPr>
+        <p:spPr>
+          <a:noFill/>
+        </p:spPr>
+        <p:txBody>
+          <a:bodyPr/>
+          <a:lstStyle/>
+          <a:p>
+            <a:fld id="{497D1F5F-AB60-452E-AA79-64E25350F70B}" type="slidenum">
+              <a:rPr lang="pt-PT" smtClean="0">
+                <a:latin typeface="Arial" pitchFamily="34" charset="0"/>
+              </a:rPr>
+              <a:pPr/>
+              <a:t>29</a:t>
+            </a:fld>
+            <a:endParaRPr lang="pt-PT">
+              <a:latin typeface="Arial" pitchFamily="34" charset="0"/>
+            </a:endParaRPr>
+          </a:p>
+        </p:txBody>
+      </p:sp>
+      <p:sp>
+        <p:nvSpPr>
+          <p:cNvPr id="93187" name="Rectangle 2"/>
+          <p:cNvSpPr>
+            <a:spLocks noGrp="1" noRot="1" noChangeAspect="1" noChangeArrowheads="1" noTextEdit="1"/>
+          </p:cNvSpPr>
+          <p:nvPr>
+            <p:ph type="sldImg"/>
+          </p:nvPr>
+        </p:nvSpPr>
+        <p:spPr>
+          <a:ln/>
+        </p:spPr>
+      </p:sp>
+      <p:sp>
+        <p:nvSpPr>
+          <p:cNvPr id="93188" name="Rectangle 3"/>
+          <p:cNvSpPr>
+            <a:spLocks noGrp="1" noChangeArrowheads="1"/>
+          </p:cNvSpPr>
+          <p:nvPr>
+            <p:ph type="body" idx="1"/>
+          </p:nvPr>
+        </p:nvSpPr>
+        <p:spPr>
+          <a:noFill/>
+          <a:ln/>
+        </p:spPr>
+        <p:txBody>
+          <a:bodyPr/>
+          <a:lstStyle/>
+          <a:p>
+            <a:pPr eaLnBrk="1" hangingPunct="1"/>
+            <a:endParaRPr lang="pt-PT">
+              <a:latin typeface="Arial" pitchFamily="34" charset="0"/>
+            </a:endParaRPr>
+          </a:p>
+        </p:txBody>
+      </p:sp>
+    </p:spTree>
+    <p:extLst>
+      <p:ext uri="{BB962C8B-B14F-4D97-AF65-F5344CB8AC3E}">
+        <p14:creationId xmlns:p14="http://schemas.microsoft.com/office/powerpoint/2010/main" val="527030451"/>
+      </p:ext>
+    </p:extLst>
+  </p:cSld>
+  <p:clrMapOvr>
+    <a:masterClrMapping/>
+  </p:clrMapOvr>
+</p:notes>
+</file>
+
+<file path=ppt/notesSlides/notesSlide29.xml><?xml version="1.0" encoding="utf-8"?>
+<p:notes xmlns:a="http://schemas.openxmlformats.org/drawingml/2006/main" xmlns:r="http://schemas.openxmlformats.org/officeDocument/2006/relationships" xmlns:p="http://schemas.openxmlformats.org/presentationml/2006/main">
+  <p:cSld>
+    <p:spTree>
+      <p:nvGrpSpPr>
+        <p:cNvPr id="1" name=""/>
+        <p:cNvGrpSpPr/>
+        <p:nvPr/>
+      </p:nvGrpSpPr>
+      <p:grpSpPr>
+        <a:xfrm>
+          <a:off x="0" y="0"/>
+          <a:ext cx="0" cy="0"/>
+          <a:chOff x="0" y="0"/>
+          <a:chExt cx="0" cy="0"/>
+        </a:xfrm>
+      </p:grpSpPr>
+      <p:sp>
+        <p:nvSpPr>
+          <p:cNvPr id="93186" name="Rectangle 7"/>
+          <p:cNvSpPr>
+            <a:spLocks noGrp="1" noChangeArrowheads="1"/>
+          </p:cNvSpPr>
+          <p:nvPr>
+            <p:ph type="sldNum" sz="quarter" idx="5"/>
+          </p:nvPr>
+        </p:nvSpPr>
+        <p:spPr>
+          <a:noFill/>
+        </p:spPr>
+        <p:txBody>
+          <a:bodyPr/>
+          <a:lstStyle/>
+          <a:p>
+            <a:fld id="{497D1F5F-AB60-452E-AA79-64E25350F70B}" type="slidenum">
+              <a:rPr lang="pt-PT" smtClean="0">
+                <a:latin typeface="Arial" pitchFamily="34" charset="0"/>
+              </a:rPr>
+              <a:pPr/>
+              <a:t>30</a:t>
             </a:fld>
             <a:endParaRPr lang="pt-PT">
               <a:latin typeface="Arial" pitchFamily="34" charset="0"/>
@@ -3532,7 +3732,7 @@
             <a:fld id="{A4A3E61B-3AB3-490F-90D4-269C8A444AE7}" type="datetimeFigureOut">
               <a:rPr lang="en-US" smtClean="0"/>
               <a:pPr/>
-              <a:t>5/4/2023</a:t>
+              <a:t>5/6/2023</a:t>
             </a:fld>
             <a:endParaRPr lang="en-US"/>
           </a:p>
@@ -3699,7 +3899,7 @@
             <a:fld id="{A4A3E61B-3AB3-490F-90D4-269C8A444AE7}" type="datetimeFigureOut">
               <a:rPr lang="en-US" smtClean="0"/>
               <a:pPr/>
-              <a:t>5/4/2023</a:t>
+              <a:t>5/6/2023</a:t>
             </a:fld>
             <a:endParaRPr lang="en-US"/>
           </a:p>
@@ -3876,7 +4076,7 @@
             <a:fld id="{A4A3E61B-3AB3-490F-90D4-269C8A444AE7}" type="datetimeFigureOut">
               <a:rPr lang="en-US" smtClean="0"/>
               <a:pPr/>
-              <a:t>5/4/2023</a:t>
+              <a:t>5/6/2023</a:t>
             </a:fld>
             <a:endParaRPr lang="en-US"/>
           </a:p>
@@ -4043,7 +4243,7 @@
             <a:fld id="{A4A3E61B-3AB3-490F-90D4-269C8A444AE7}" type="datetimeFigureOut">
               <a:rPr lang="en-US" smtClean="0"/>
               <a:pPr/>
-              <a:t>5/4/2023</a:t>
+              <a:t>5/6/2023</a:t>
             </a:fld>
             <a:endParaRPr lang="en-US"/>
           </a:p>
@@ -4286,7 +4486,7 @@
             <a:fld id="{A4A3E61B-3AB3-490F-90D4-269C8A444AE7}" type="datetimeFigureOut">
               <a:rPr lang="en-US" smtClean="0"/>
               <a:pPr/>
-              <a:t>5/4/2023</a:t>
+              <a:t>5/6/2023</a:t>
             </a:fld>
             <a:endParaRPr lang="en-US"/>
           </a:p>
@@ -4571,7 +4771,7 @@
             <a:fld id="{A4A3E61B-3AB3-490F-90D4-269C8A444AE7}" type="datetimeFigureOut">
               <a:rPr lang="en-US" smtClean="0"/>
               <a:pPr/>
-              <a:t>5/4/2023</a:t>
+              <a:t>5/6/2023</a:t>
             </a:fld>
             <a:endParaRPr lang="en-US"/>
           </a:p>
@@ -4990,7 +5190,7 @@
             <a:fld id="{A4A3E61B-3AB3-490F-90D4-269C8A444AE7}" type="datetimeFigureOut">
               <a:rPr lang="en-US" smtClean="0"/>
               <a:pPr/>
-              <a:t>5/4/2023</a:t>
+              <a:t>5/6/2023</a:t>
             </a:fld>
             <a:endParaRPr lang="en-US"/>
           </a:p>
@@ -5105,7 +5305,7 @@
             <a:fld id="{A4A3E61B-3AB3-490F-90D4-269C8A444AE7}" type="datetimeFigureOut">
               <a:rPr lang="en-US" smtClean="0"/>
               <a:pPr/>
-              <a:t>5/4/2023</a:t>
+              <a:t>5/6/2023</a:t>
             </a:fld>
             <a:endParaRPr lang="en-US"/>
           </a:p>
@@ -5197,7 +5397,7 @@
             <a:fld id="{A4A3E61B-3AB3-490F-90D4-269C8A444AE7}" type="datetimeFigureOut">
               <a:rPr lang="en-US" smtClean="0"/>
               <a:pPr/>
-              <a:t>5/4/2023</a:t>
+              <a:t>5/6/2023</a:t>
             </a:fld>
             <a:endParaRPr lang="en-US"/>
           </a:p>
@@ -5471,7 +5671,7 @@
             <a:fld id="{A4A3E61B-3AB3-490F-90D4-269C8A444AE7}" type="datetimeFigureOut">
               <a:rPr lang="en-US" smtClean="0"/>
               <a:pPr/>
-              <a:t>5/4/2023</a:t>
+              <a:t>5/6/2023</a:t>
             </a:fld>
             <a:endParaRPr lang="en-US"/>
           </a:p>
@@ -5721,7 +5921,7 @@
             <a:fld id="{A4A3E61B-3AB3-490F-90D4-269C8A444AE7}" type="datetimeFigureOut">
               <a:rPr lang="en-US" smtClean="0"/>
               <a:pPr/>
-              <a:t>5/4/2023</a:t>
+              <a:t>5/6/2023</a:t>
             </a:fld>
             <a:endParaRPr lang="en-US"/>
           </a:p>
@@ -5931,7 +6131,7 @@
             <a:fld id="{A4A3E61B-3AB3-490F-90D4-269C8A444AE7}" type="datetimeFigureOut">
               <a:rPr lang="en-US" smtClean="0"/>
               <a:pPr/>
-              <a:t>5/4/2023</a:t>
+              <a:t>5/6/2023</a:t>
             </a:fld>
             <a:endParaRPr lang="en-US"/>
           </a:p>
@@ -7254,7 +7454,7 @@
         </p:nvSpPr>
         <p:spPr bwMode="auto">
           <a:xfrm>
-            <a:off x="324677" y="1071937"/>
+            <a:off x="268605" y="1464885"/>
             <a:ext cx="5390323" cy="1480085"/>
           </a:xfrm>
           <a:prstGeom prst="rect">
@@ -8140,10 +8340,10 @@
       </p:sp>
       <p:pic>
         <p:nvPicPr>
-          <p:cNvPr id="6" name="Imagem 5" descr="Uma imagem com texto, monitor, telefone, telemóvel&#10;&#10;Descrição gerada automaticamente">
+          <p:cNvPr id="10" name="Imagem 9" descr="Uma imagem com texto&#10;&#10;Descrição gerada automaticamente">
             <a:extLst>
               <a:ext uri="{FF2B5EF4-FFF2-40B4-BE49-F238E27FC236}">
-                <a16:creationId xmlns:a16="http://schemas.microsoft.com/office/drawing/2014/main" id="{4EE579B6-3FCC-00B8-CA91-DE847D1E3A74}"/>
+                <a16:creationId xmlns:a16="http://schemas.microsoft.com/office/drawing/2014/main" id="{2C11753A-4D3A-E538-11DA-4D432FDC7411}"/>
               </a:ext>
             </a:extLst>
           </p:cNvPr>
@@ -8166,8 +8366,8 @@
         </p:blipFill>
         <p:spPr>
           <a:xfrm>
-            <a:off x="5805438" y="1177597"/>
-            <a:ext cx="2873474" cy="5135740"/>
+            <a:off x="3834096" y="2947352"/>
+            <a:ext cx="1793404" cy="2679126"/>
           </a:xfrm>
           <a:prstGeom prst="rect">
             <a:avLst/>
@@ -8176,10 +8376,10 @@
       </p:pic>
       <p:pic>
         <p:nvPicPr>
-          <p:cNvPr id="10" name="Imagem 9" descr="Uma imagem com texto&#10;&#10;Descrição gerada automaticamente">
+          <p:cNvPr id="5" name="Imagem 4">
             <a:extLst>
               <a:ext uri="{FF2B5EF4-FFF2-40B4-BE49-F238E27FC236}">
-                <a16:creationId xmlns:a16="http://schemas.microsoft.com/office/drawing/2014/main" id="{2C11753A-4D3A-E538-11DA-4D432FDC7411}"/>
+                <a16:creationId xmlns:a16="http://schemas.microsoft.com/office/drawing/2014/main" id="{70EAF5C1-C7F2-1B2F-5909-450DE023ED03}"/>
               </a:ext>
             </a:extLst>
           </p:cNvPr>
@@ -8189,21 +8389,45 @@
           <p:nvPr/>
         </p:nvPicPr>
         <p:blipFill>
-          <a:blip r:embed="rId8">
-            <a:extLst>
-              <a:ext uri="{28A0092B-C50C-407E-A947-70E740481C1C}">
-                <a14:useLocalDpi xmlns:a14="http://schemas.microsoft.com/office/drawing/2010/main" val="0"/>
-              </a:ext>
-            </a:extLst>
-          </a:blip>
+          <a:blip r:embed="rId8"/>
           <a:stretch>
             <a:fillRect/>
           </a:stretch>
         </p:blipFill>
         <p:spPr>
           <a:xfrm>
-            <a:off x="1929283" y="2966416"/>
-            <a:ext cx="1793404" cy="2679126"/>
+            <a:off x="455032" y="2958290"/>
+            <a:ext cx="3116564" cy="910147"/>
+          </a:xfrm>
+          <a:prstGeom prst="rect">
+            <a:avLst/>
+          </a:prstGeom>
+        </p:spPr>
+      </p:pic>
+      <p:pic>
+        <p:nvPicPr>
+          <p:cNvPr id="9" name="Imagem 8">
+            <a:extLst>
+              <a:ext uri="{FF2B5EF4-FFF2-40B4-BE49-F238E27FC236}">
+                <a16:creationId xmlns:a16="http://schemas.microsoft.com/office/drawing/2014/main" id="{A3E61274-8888-7E54-EC8B-D7F824FD8DD8}"/>
+              </a:ext>
+            </a:extLst>
+          </p:cNvPr>
+          <p:cNvPicPr>
+            <a:picLocks noChangeAspect="1"/>
+          </p:cNvPicPr>
+          <p:nvPr/>
+        </p:nvPicPr>
+        <p:blipFill>
+          <a:blip r:embed="rId9"/>
+          <a:stretch>
+            <a:fillRect/>
+          </a:stretch>
+        </p:blipFill>
+        <p:spPr>
+          <a:xfrm>
+            <a:off x="5844280" y="1533191"/>
+            <a:ext cx="2944984" cy="3830694"/>
           </a:xfrm>
           <a:prstGeom prst="rect">
             <a:avLst/>
@@ -9245,8 +9469,8 @@
         </p:nvSpPr>
         <p:spPr bwMode="auto">
           <a:xfrm>
-            <a:off x="306388" y="4046147"/>
-            <a:ext cx="5618924" cy="1757084"/>
+            <a:off x="263398" y="1177314"/>
+            <a:ext cx="4080002" cy="2311082"/>
           </a:xfrm>
           <a:prstGeom prst="rect">
             <a:avLst/>
@@ -9435,7 +9659,7 @@
               <a:rPr lang="pt-PT" altLang="pt-PT" sz="1200" dirty="0">
                 <a:cs typeface="Arial" panose="020B0604020202020204" pitchFamily="34" charset="0"/>
               </a:rPr>
-              <a:t> da mesa, com as mãos dos jogadores.</a:t>
+              <a:t>, com as mãos dos jogadores.</a:t>
             </a:r>
           </a:p>
           <a:p>
@@ -10259,14 +10483,280 @@
         </p:blipFill>
         <p:spPr>
           <a:xfrm>
-            <a:off x="3797300" y="1388420"/>
-            <a:ext cx="5052498" cy="2491956"/>
+            <a:off x="4458906" y="1260660"/>
+            <a:ext cx="4431918" cy="2185878"/>
           </a:xfrm>
           <a:prstGeom prst="rect">
             <a:avLst/>
           </a:prstGeom>
         </p:spPr>
       </p:pic>
+      <p:pic>
+        <p:nvPicPr>
+          <p:cNvPr id="6" name="Imagem 5">
+            <a:extLst>
+              <a:ext uri="{FF2B5EF4-FFF2-40B4-BE49-F238E27FC236}">
+                <a16:creationId xmlns:a16="http://schemas.microsoft.com/office/drawing/2014/main" id="{1612A1B8-54D1-7346-C1D3-81613785B302}"/>
+              </a:ext>
+            </a:extLst>
+          </p:cNvPr>
+          <p:cNvPicPr>
+            <a:picLocks noChangeAspect="1"/>
+          </p:cNvPicPr>
+          <p:nvPr/>
+        </p:nvPicPr>
+        <p:blipFill>
+          <a:blip r:embed="rId8"/>
+          <a:stretch>
+            <a:fillRect/>
+          </a:stretch>
+        </p:blipFill>
+        <p:spPr>
+          <a:xfrm>
+            <a:off x="1656975" y="3559237"/>
+            <a:ext cx="5372850" cy="1267002"/>
+          </a:xfrm>
+          <a:prstGeom prst="rect">
+            <a:avLst/>
+          </a:prstGeom>
+        </p:spPr>
+      </p:pic>
+      <p:sp>
+        <p:nvSpPr>
+          <p:cNvPr id="8" name="Text Box 19">
+            <a:extLst>
+              <a:ext uri="{FF2B5EF4-FFF2-40B4-BE49-F238E27FC236}">
+                <a16:creationId xmlns:a16="http://schemas.microsoft.com/office/drawing/2014/main" id="{9E2711EE-D3E0-9E6E-BFCD-6C13BBF8BCBA}"/>
+              </a:ext>
+            </a:extLst>
+          </p:cNvPr>
+          <p:cNvSpPr txBox="1">
+            <a:spLocks noChangeArrowheads="1"/>
+          </p:cNvSpPr>
+          <p:nvPr/>
+        </p:nvSpPr>
+        <p:spPr bwMode="auto">
+          <a:xfrm>
+            <a:off x="586042" y="4781915"/>
+            <a:ext cx="7162799" cy="1203086"/>
+          </a:xfrm>
+          <a:prstGeom prst="rect">
+            <a:avLst/>
+          </a:prstGeom>
+          <a:noFill/>
+          <a:ln>
+            <a:noFill/>
+          </a:ln>
+          <a:extLst>
+            <a:ext uri="{909E8E84-426E-40DD-AFC4-6F175D3DCCD1}">
+              <a14:hiddenFill xmlns:a14="http://schemas.microsoft.com/office/drawing/2010/main">
+                <a:solidFill>
+                  <a:srgbClr val="FFFFFF"/>
+                </a:solidFill>
+              </a14:hiddenFill>
+            </a:ext>
+            <a:ext uri="{91240B29-F687-4F45-9708-019B960494DF}">
+              <a14:hiddenLine xmlns:a14="http://schemas.microsoft.com/office/drawing/2010/main" w="9525">
+                <a:solidFill>
+                  <a:srgbClr val="000000"/>
+                </a:solidFill>
+                <a:miter lim="800000"/>
+                <a:headEnd/>
+                <a:tailEnd/>
+              </a14:hiddenLine>
+            </a:ext>
+          </a:extLst>
+        </p:spPr>
+        <p:txBody>
+          <a:bodyPr wrap="square">
+            <a:spAutoFit/>
+          </a:bodyPr>
+          <a:lstStyle>
+            <a:lvl1pPr>
+              <a:spcBef>
+                <a:spcPct val="20000"/>
+              </a:spcBef>
+              <a:buChar char="•"/>
+              <a:defRPr sz="3200">
+                <a:solidFill>
+                  <a:schemeClr val="tx1"/>
+                </a:solidFill>
+                <a:latin typeface="Arial" panose="020B0604020202020204" pitchFamily="34" charset="0"/>
+              </a:defRPr>
+            </a:lvl1pPr>
+            <a:lvl2pPr marL="742950" indent="-285750">
+              <a:spcBef>
+                <a:spcPct val="20000"/>
+              </a:spcBef>
+              <a:buChar char="–"/>
+              <a:defRPr sz="2800">
+                <a:solidFill>
+                  <a:schemeClr val="tx1"/>
+                </a:solidFill>
+                <a:latin typeface="Arial" panose="020B0604020202020204" pitchFamily="34" charset="0"/>
+              </a:defRPr>
+            </a:lvl2pPr>
+            <a:lvl3pPr marL="1143000" indent="-228600">
+              <a:spcBef>
+                <a:spcPct val="20000"/>
+              </a:spcBef>
+              <a:buChar char="•"/>
+              <a:defRPr sz="2400">
+                <a:solidFill>
+                  <a:schemeClr val="tx1"/>
+                </a:solidFill>
+                <a:latin typeface="Arial" panose="020B0604020202020204" pitchFamily="34" charset="0"/>
+              </a:defRPr>
+            </a:lvl3pPr>
+            <a:lvl4pPr>
+              <a:spcBef>
+                <a:spcPct val="20000"/>
+              </a:spcBef>
+              <a:buChar char="–"/>
+              <a:defRPr sz="2000">
+                <a:solidFill>
+                  <a:schemeClr val="tx1"/>
+                </a:solidFill>
+                <a:latin typeface="Arial" panose="020B0604020202020204" pitchFamily="34" charset="0"/>
+              </a:defRPr>
+            </a:lvl4pPr>
+            <a:lvl5pPr marL="2057400" indent="-228600">
+              <a:spcBef>
+                <a:spcPct val="20000"/>
+              </a:spcBef>
+              <a:buChar char="»"/>
+              <a:defRPr sz="2000">
+                <a:solidFill>
+                  <a:schemeClr val="tx1"/>
+                </a:solidFill>
+                <a:latin typeface="Arial" panose="020B0604020202020204" pitchFamily="34" charset="0"/>
+              </a:defRPr>
+            </a:lvl5pPr>
+            <a:lvl6pPr marL="2514600" indent="-228600" eaLnBrk="0" fontAlgn="base" hangingPunct="0">
+              <a:spcBef>
+                <a:spcPct val="20000"/>
+              </a:spcBef>
+              <a:spcAft>
+                <a:spcPct val="0"/>
+              </a:spcAft>
+              <a:buChar char="»"/>
+              <a:defRPr sz="2000">
+                <a:solidFill>
+                  <a:schemeClr val="tx1"/>
+                </a:solidFill>
+                <a:latin typeface="Arial" panose="020B0604020202020204" pitchFamily="34" charset="0"/>
+              </a:defRPr>
+            </a:lvl6pPr>
+            <a:lvl7pPr marL="2971800" indent="-228600" eaLnBrk="0" fontAlgn="base" hangingPunct="0">
+              <a:spcBef>
+                <a:spcPct val="20000"/>
+              </a:spcBef>
+              <a:spcAft>
+                <a:spcPct val="0"/>
+              </a:spcAft>
+              <a:buChar char="»"/>
+              <a:defRPr sz="2000">
+                <a:solidFill>
+                  <a:schemeClr val="tx1"/>
+                </a:solidFill>
+                <a:latin typeface="Arial" panose="020B0604020202020204" pitchFamily="34" charset="0"/>
+              </a:defRPr>
+            </a:lvl7pPr>
+            <a:lvl8pPr marL="3429000" indent="-228600" eaLnBrk="0" fontAlgn="base" hangingPunct="0">
+              <a:spcBef>
+                <a:spcPct val="20000"/>
+              </a:spcBef>
+              <a:spcAft>
+                <a:spcPct val="0"/>
+              </a:spcAft>
+              <a:buChar char="»"/>
+              <a:defRPr sz="2000">
+                <a:solidFill>
+                  <a:schemeClr val="tx1"/>
+                </a:solidFill>
+                <a:latin typeface="Arial" panose="020B0604020202020204" pitchFamily="34" charset="0"/>
+              </a:defRPr>
+            </a:lvl8pPr>
+            <a:lvl9pPr marL="3886200" indent="-228600" eaLnBrk="0" fontAlgn="base" hangingPunct="0">
+              <a:spcBef>
+                <a:spcPct val="20000"/>
+              </a:spcBef>
+              <a:spcAft>
+                <a:spcPct val="0"/>
+              </a:spcAft>
+              <a:buChar char="»"/>
+              <a:defRPr sz="2000">
+                <a:solidFill>
+                  <a:schemeClr val="tx1"/>
+                </a:solidFill>
+                <a:latin typeface="Arial" panose="020B0604020202020204" pitchFamily="34" charset="0"/>
+              </a:defRPr>
+            </a:lvl9pPr>
+          </a:lstStyle>
+          <a:p>
+            <a:pPr marL="171450" indent="-171450" algn="just">
+              <a:lnSpc>
+                <a:spcPct val="150000"/>
+              </a:lnSpc>
+            </a:pPr>
+            <a:r>
+              <a:rPr lang="pt-PT" altLang="pt-PT" sz="1200" dirty="0">
+                <a:cs typeface="Arial" panose="020B0604020202020204" pitchFamily="34" charset="0"/>
+              </a:rPr>
+              <a:t>Depois temos um método </a:t>
+            </a:r>
+            <a:r>
+              <a:rPr lang="pt-PT" altLang="pt-PT" sz="1200" dirty="0" err="1">
+                <a:cs typeface="Arial" panose="020B0604020202020204" pitchFamily="34" charset="0"/>
+              </a:rPr>
+              <a:t>calculate</a:t>
+            </a:r>
+            <a:r>
+              <a:rPr lang="pt-PT" altLang="pt-PT" sz="1200" dirty="0">
+                <a:cs typeface="Arial" panose="020B0604020202020204" pitchFamily="34" charset="0"/>
+              </a:rPr>
+              <a:t> que vai ser chamado no </a:t>
+            </a:r>
+            <a:r>
+              <a:rPr lang="pt-PT" altLang="pt-PT" sz="1200" dirty="0" err="1">
+                <a:cs typeface="Arial" panose="020B0604020202020204" pitchFamily="34" charset="0"/>
+              </a:rPr>
+              <a:t>update</a:t>
+            </a:r>
+            <a:r>
+              <a:rPr lang="pt-PT" altLang="pt-PT" sz="1200" dirty="0">
+                <a:cs typeface="Arial" panose="020B0604020202020204" pitchFamily="34" charset="0"/>
+              </a:rPr>
+              <a:t> a cada ronda.</a:t>
+            </a:r>
+          </a:p>
+          <a:p>
+            <a:pPr marL="171450" indent="-171450" algn="just">
+              <a:lnSpc>
+                <a:spcPct val="150000"/>
+              </a:lnSpc>
+            </a:pPr>
+            <a:r>
+              <a:rPr lang="pt-PT" altLang="pt-PT" sz="1200" dirty="0">
+                <a:cs typeface="Arial" panose="020B0604020202020204" pitchFamily="34" charset="0"/>
+              </a:rPr>
+              <a:t>Este método junta a combinação anterior das mãos com cartas comunitárias e chama o método de cálculo implementado na classe “</a:t>
+            </a:r>
+            <a:r>
+              <a:rPr lang="pt-PT" altLang="pt-PT" sz="1200" dirty="0" err="1">
+                <a:cs typeface="Arial" panose="020B0604020202020204" pitchFamily="34" charset="0"/>
+              </a:rPr>
+              <a:t>TexasEvaluate</a:t>
+            </a:r>
+            <a:r>
+              <a:rPr lang="pt-PT" altLang="pt-PT" sz="1200" dirty="0">
+                <a:cs typeface="Arial" panose="020B0604020202020204" pitchFamily="34" charset="0"/>
+              </a:rPr>
+              <a:t>” que será para demonstrado nos próximos slides, e irá receber o valor numérico de cada mão.</a:t>
+            </a:r>
+          </a:p>
+        </p:txBody>
+      </p:sp>
     </p:spTree>
     <p:extLst>
       <p:ext uri="{BB962C8B-B14F-4D97-AF65-F5344CB8AC3E}">
@@ -10313,8 +10803,8 @@
         </p:nvSpPr>
         <p:spPr bwMode="auto">
           <a:xfrm>
-            <a:off x="324676" y="1071937"/>
-            <a:ext cx="8209723" cy="1203086"/>
+            <a:off x="101225" y="1991185"/>
+            <a:ext cx="4653753" cy="2588081"/>
           </a:xfrm>
           <a:prstGeom prst="rect">
             <a:avLst/>
@@ -10479,43 +10969,19 @@
               <a:rPr lang="pt-PT" altLang="pt-PT" sz="1200" dirty="0">
                 <a:cs typeface="Arial" panose="020B0604020202020204" pitchFamily="34" charset="0"/>
               </a:rPr>
-              <a:t>Por fim na classe </a:t>
+              <a:t>Este método verifica para cada mão (representada como uma lista de objetos </a:t>
             </a:r>
             <a:r>
               <a:rPr lang="pt-PT" altLang="pt-PT" sz="1200" dirty="0" err="1">
                 <a:cs typeface="Arial" panose="020B0604020202020204" pitchFamily="34" charset="0"/>
               </a:rPr>
-              <a:t>TexasState</a:t>
+              <a:t>TexasCard</a:t>
             </a:r>
             <a:r>
               <a:rPr lang="pt-PT" altLang="pt-PT" sz="1200" dirty="0">
                 <a:cs typeface="Arial" panose="020B0604020202020204" pitchFamily="34" charset="0"/>
               </a:rPr>
-              <a:t>, temos o método </a:t>
-            </a:r>
-            <a:r>
-              <a:rPr lang="pt-PT" altLang="pt-PT" sz="1200" dirty="0" err="1">
-                <a:cs typeface="Arial" panose="020B0604020202020204" pitchFamily="34" charset="0"/>
-              </a:rPr>
-              <a:t>calculate_hand_value</a:t>
-            </a:r>
-            <a:r>
-              <a:rPr lang="pt-PT" altLang="pt-PT" sz="1200" dirty="0">
-                <a:cs typeface="Arial" panose="020B0604020202020204" pitchFamily="34" charset="0"/>
-              </a:rPr>
-              <a:t>, que utiliza os métodos importados da classe </a:t>
-            </a:r>
-            <a:r>
-              <a:rPr lang="pt-PT" altLang="pt-PT" sz="1200" dirty="0" err="1">
-                <a:cs typeface="Arial" panose="020B0604020202020204" pitchFamily="34" charset="0"/>
-              </a:rPr>
-              <a:t>TexasEvaluate</a:t>
-            </a:r>
-            <a:r>
-              <a:rPr lang="pt-PT" altLang="pt-PT" sz="1200" dirty="0">
-                <a:cs typeface="Arial" panose="020B0604020202020204" pitchFamily="34" charset="0"/>
-              </a:rPr>
-              <a:t> que será explicada nos próximos slides.</a:t>
+              <a:t>), se existe uma sequência de cinco cartas do mesmo naipe, com as seguintes classificações (de menor para maior): dez, valete, dama, rei e ás.</a:t>
             </a:r>
           </a:p>
           <a:p>
@@ -10528,31 +10994,19 @@
               <a:rPr lang="pt-PT" altLang="pt-PT" sz="1200" dirty="0">
                 <a:cs typeface="Arial" panose="020B0604020202020204" pitchFamily="34" charset="0"/>
               </a:rPr>
-              <a:t>Este método, contém condições que chamam os métodos de </a:t>
+              <a:t>O método começa por verificar se todas as cartas têm o mesmo naipe. Se sim, ele verifica se as classificações das cartas são uma sequência exata do 10 ao ás. Se a mão atender a essas condições, o método retornará </a:t>
             </a:r>
             <a:r>
               <a:rPr lang="pt-PT" altLang="pt-PT" sz="1200" dirty="0" err="1">
                 <a:cs typeface="Arial" panose="020B0604020202020204" pitchFamily="34" charset="0"/>
               </a:rPr>
-              <a:t>TexasEvaluate</a:t>
+              <a:t>True</a:t>
             </a:r>
             <a:r>
               <a:rPr lang="pt-PT" altLang="pt-PT" sz="1200" dirty="0">
                 <a:cs typeface="Arial" panose="020B0604020202020204" pitchFamily="34" charset="0"/>
               </a:rPr>
-              <a:t>, para atribuir um valor numérico a cada mão, que depois são usados no método </a:t>
-            </a:r>
-            <a:r>
-              <a:rPr lang="pt-PT" altLang="pt-PT" sz="1200" dirty="0" err="1">
-                <a:cs typeface="Arial" panose="020B0604020202020204" pitchFamily="34" charset="0"/>
-              </a:rPr>
-              <a:t>get_result</a:t>
-            </a:r>
-            <a:r>
-              <a:rPr lang="pt-PT" altLang="pt-PT" sz="1200" dirty="0">
-                <a:cs typeface="Arial" panose="020B0604020202020204" pitchFamily="34" charset="0"/>
-              </a:rPr>
-              <a:t> para selecionar o vencedor.</a:t>
+              <a:t>. Caso contrário, retorna False.</a:t>
             </a:r>
           </a:p>
         </p:txBody>
@@ -11259,10 +11713,10 @@
       </p:sp>
       <p:pic>
         <p:nvPicPr>
-          <p:cNvPr id="3" name="Imagem 2" descr="Uma imagem com texto&#10;&#10;Descrição gerada automaticamente">
+          <p:cNvPr id="6" name="Imagem 5" descr="Uma imagem com texto&#10;&#10;Descrição gerada automaticamente">
             <a:extLst>
               <a:ext uri="{FF2B5EF4-FFF2-40B4-BE49-F238E27FC236}">
-                <a16:creationId xmlns:a16="http://schemas.microsoft.com/office/drawing/2014/main" id="{0E1E1FEB-C51C-969E-550C-B1C3E55D6416}"/>
+                <a16:creationId xmlns:a16="http://schemas.microsoft.com/office/drawing/2014/main" id="{2797E3F2-AE68-B307-E393-6AD6626A47FF}"/>
               </a:ext>
             </a:extLst>
           </p:cNvPr>
@@ -11285,299 +11739,18 @@
         </p:blipFill>
         <p:spPr>
           <a:xfrm>
-            <a:off x="3846323" y="2338921"/>
-            <a:ext cx="5115447" cy="3996036"/>
+            <a:off x="4837167" y="1908086"/>
+            <a:ext cx="4218042" cy="3098334"/>
           </a:xfrm>
           <a:prstGeom prst="rect">
             <a:avLst/>
           </a:prstGeom>
         </p:spPr>
       </p:pic>
-      <p:sp>
-        <p:nvSpPr>
-          <p:cNvPr id="5" name="Text Box 19">
-            <a:extLst>
-              <a:ext uri="{FF2B5EF4-FFF2-40B4-BE49-F238E27FC236}">
-                <a16:creationId xmlns:a16="http://schemas.microsoft.com/office/drawing/2014/main" id="{C20B0FCC-4CFE-0DA9-8F38-B0423EEAD52A}"/>
-              </a:ext>
-            </a:extLst>
-          </p:cNvPr>
-          <p:cNvSpPr txBox="1">
-            <a:spLocks noChangeArrowheads="1"/>
-          </p:cNvSpPr>
-          <p:nvPr/>
-        </p:nvSpPr>
-        <p:spPr bwMode="auto">
-          <a:xfrm>
-            <a:off x="330773" y="2216842"/>
-            <a:ext cx="3403028" cy="1443152"/>
-          </a:xfrm>
-          <a:prstGeom prst="rect">
-            <a:avLst/>
-          </a:prstGeom>
-          <a:noFill/>
-          <a:ln>
-            <a:noFill/>
-          </a:ln>
-          <a:extLst>
-            <a:ext uri="{909E8E84-426E-40DD-AFC4-6F175D3DCCD1}">
-              <a14:hiddenFill xmlns:a14="http://schemas.microsoft.com/office/drawing/2010/main">
-                <a:solidFill>
-                  <a:srgbClr val="FFFFFF"/>
-                </a:solidFill>
-              </a14:hiddenFill>
-            </a:ext>
-            <a:ext uri="{91240B29-F687-4F45-9708-019B960494DF}">
-              <a14:hiddenLine xmlns:a14="http://schemas.microsoft.com/office/drawing/2010/main" w="9525">
-                <a:solidFill>
-                  <a:srgbClr val="000000"/>
-                </a:solidFill>
-                <a:miter lim="800000"/>
-                <a:headEnd/>
-                <a:tailEnd/>
-              </a14:hiddenLine>
-            </a:ext>
-          </a:extLst>
-        </p:spPr>
-        <p:txBody>
-          <a:bodyPr wrap="square">
-            <a:spAutoFit/>
-          </a:bodyPr>
-          <a:lstStyle>
-            <a:lvl1pPr>
-              <a:spcBef>
-                <a:spcPct val="20000"/>
-              </a:spcBef>
-              <a:buChar char="•"/>
-              <a:defRPr sz="3200">
-                <a:solidFill>
-                  <a:schemeClr val="tx1"/>
-                </a:solidFill>
-                <a:latin typeface="Arial" panose="020B0604020202020204" pitchFamily="34" charset="0"/>
-              </a:defRPr>
-            </a:lvl1pPr>
-            <a:lvl2pPr marL="742950" indent="-285750">
-              <a:spcBef>
-                <a:spcPct val="20000"/>
-              </a:spcBef>
-              <a:buChar char="–"/>
-              <a:defRPr sz="2800">
-                <a:solidFill>
-                  <a:schemeClr val="tx1"/>
-                </a:solidFill>
-                <a:latin typeface="Arial" panose="020B0604020202020204" pitchFamily="34" charset="0"/>
-              </a:defRPr>
-            </a:lvl2pPr>
-            <a:lvl3pPr marL="1143000" indent="-228600">
-              <a:spcBef>
-                <a:spcPct val="20000"/>
-              </a:spcBef>
-              <a:buChar char="•"/>
-              <a:defRPr sz="2400">
-                <a:solidFill>
-                  <a:schemeClr val="tx1"/>
-                </a:solidFill>
-                <a:latin typeface="Arial" panose="020B0604020202020204" pitchFamily="34" charset="0"/>
-              </a:defRPr>
-            </a:lvl3pPr>
-            <a:lvl4pPr>
-              <a:spcBef>
-                <a:spcPct val="20000"/>
-              </a:spcBef>
-              <a:buChar char="–"/>
-              <a:defRPr sz="2000">
-                <a:solidFill>
-                  <a:schemeClr val="tx1"/>
-                </a:solidFill>
-                <a:latin typeface="Arial" panose="020B0604020202020204" pitchFamily="34" charset="0"/>
-              </a:defRPr>
-            </a:lvl4pPr>
-            <a:lvl5pPr marL="2057400" indent="-228600">
-              <a:spcBef>
-                <a:spcPct val="20000"/>
-              </a:spcBef>
-              <a:buChar char="»"/>
-              <a:defRPr sz="2000">
-                <a:solidFill>
-                  <a:schemeClr val="tx1"/>
-                </a:solidFill>
-                <a:latin typeface="Arial" panose="020B0604020202020204" pitchFamily="34" charset="0"/>
-              </a:defRPr>
-            </a:lvl5pPr>
-            <a:lvl6pPr marL="2514600" indent="-228600" eaLnBrk="0" fontAlgn="base" hangingPunct="0">
-              <a:spcBef>
-                <a:spcPct val="20000"/>
-              </a:spcBef>
-              <a:spcAft>
-                <a:spcPct val="0"/>
-              </a:spcAft>
-              <a:buChar char="»"/>
-              <a:defRPr sz="2000">
-                <a:solidFill>
-                  <a:schemeClr val="tx1"/>
-                </a:solidFill>
-                <a:latin typeface="Arial" panose="020B0604020202020204" pitchFamily="34" charset="0"/>
-              </a:defRPr>
-            </a:lvl6pPr>
-            <a:lvl7pPr marL="2971800" indent="-228600" eaLnBrk="0" fontAlgn="base" hangingPunct="0">
-              <a:spcBef>
-                <a:spcPct val="20000"/>
-              </a:spcBef>
-              <a:spcAft>
-                <a:spcPct val="0"/>
-              </a:spcAft>
-              <a:buChar char="»"/>
-              <a:defRPr sz="2000">
-                <a:solidFill>
-                  <a:schemeClr val="tx1"/>
-                </a:solidFill>
-                <a:latin typeface="Arial" panose="020B0604020202020204" pitchFamily="34" charset="0"/>
-              </a:defRPr>
-            </a:lvl7pPr>
-            <a:lvl8pPr marL="3429000" indent="-228600" eaLnBrk="0" fontAlgn="base" hangingPunct="0">
-              <a:spcBef>
-                <a:spcPct val="20000"/>
-              </a:spcBef>
-              <a:spcAft>
-                <a:spcPct val="0"/>
-              </a:spcAft>
-              <a:buChar char="»"/>
-              <a:defRPr sz="2000">
-                <a:solidFill>
-                  <a:schemeClr val="tx1"/>
-                </a:solidFill>
-                <a:latin typeface="Arial" panose="020B0604020202020204" pitchFamily="34" charset="0"/>
-              </a:defRPr>
-            </a:lvl8pPr>
-            <a:lvl9pPr marL="3886200" indent="-228600" eaLnBrk="0" fontAlgn="base" hangingPunct="0">
-              <a:spcBef>
-                <a:spcPct val="20000"/>
-              </a:spcBef>
-              <a:spcAft>
-                <a:spcPct val="0"/>
-              </a:spcAft>
-              <a:buChar char="»"/>
-              <a:defRPr sz="2000">
-                <a:solidFill>
-                  <a:schemeClr val="tx1"/>
-                </a:solidFill>
-                <a:latin typeface="Arial" panose="020B0604020202020204" pitchFamily="34" charset="0"/>
-              </a:defRPr>
-            </a:lvl9pPr>
-          </a:lstStyle>
-          <a:p>
-            <a:pPr marL="171450" indent="-171450" algn="just">
-              <a:lnSpc>
-                <a:spcPct val="150000"/>
-              </a:lnSpc>
-            </a:pPr>
-            <a:r>
-              <a:rPr lang="pt-PT" altLang="pt-PT" sz="1200" dirty="0">
-                <a:cs typeface="Arial" panose="020B0604020202020204" pitchFamily="34" charset="0"/>
-              </a:rPr>
-              <a:t>Atualmente, para desempatar caso duas mãos tenham o mesmo valor, a última condição vai procurar a carta mais alta de cada mão e declarar vencedor quem tiver essa carta mais alta.</a:t>
-            </a:r>
-          </a:p>
-        </p:txBody>
-      </p:sp>
-      <p:sp>
-        <p:nvSpPr>
-          <p:cNvPr id="6" name="Retângulo 5">
-            <a:extLst>
-              <a:ext uri="{FF2B5EF4-FFF2-40B4-BE49-F238E27FC236}">
-                <a16:creationId xmlns:a16="http://schemas.microsoft.com/office/drawing/2014/main" id="{4741394D-A313-1744-6C09-F89020E8200F}"/>
-              </a:ext>
-            </a:extLst>
-          </p:cNvPr>
-          <p:cNvSpPr/>
-          <p:nvPr/>
-        </p:nvSpPr>
-        <p:spPr>
-          <a:xfrm>
-            <a:off x="3962400" y="4953000"/>
-            <a:ext cx="4999370" cy="1303314"/>
-          </a:xfrm>
-          <a:prstGeom prst="rect">
-            <a:avLst/>
-          </a:prstGeom>
-          <a:noFill/>
-          <a:ln>
-            <a:solidFill>
-              <a:srgbClr val="FF0000"/>
-            </a:solidFill>
-          </a:ln>
-        </p:spPr>
-        <p:style>
-          <a:lnRef idx="2">
-            <a:schemeClr val="accent1">
-              <a:shade val="50000"/>
-            </a:schemeClr>
-          </a:lnRef>
-          <a:fillRef idx="1">
-            <a:schemeClr val="accent1"/>
-          </a:fillRef>
-          <a:effectRef idx="0">
-            <a:schemeClr val="accent1"/>
-          </a:effectRef>
-          <a:fontRef idx="minor">
-            <a:schemeClr val="lt1"/>
-          </a:fontRef>
-        </p:style>
-        <p:txBody>
-          <a:bodyPr rtlCol="0" anchor="ctr"/>
-          <a:lstStyle/>
-          <a:p>
-            <a:pPr algn="ctr"/>
-            <a:endParaRPr lang="pt-PT"/>
-          </a:p>
-        </p:txBody>
-      </p:sp>
-      <p:cxnSp>
-        <p:nvCxnSpPr>
-          <p:cNvPr id="9" name="Conexão reta unidirecional 8">
-            <a:extLst>
-              <a:ext uri="{FF2B5EF4-FFF2-40B4-BE49-F238E27FC236}">
-                <a16:creationId xmlns:a16="http://schemas.microsoft.com/office/drawing/2014/main" id="{7A84A3F0-A510-FB28-BFDB-A9BFFF2E407B}"/>
-              </a:ext>
-            </a:extLst>
-          </p:cNvPr>
-          <p:cNvCxnSpPr/>
-          <p:nvPr/>
-        </p:nvCxnSpPr>
-        <p:spPr>
-          <a:xfrm>
-            <a:off x="2057400" y="3505200"/>
-            <a:ext cx="1905000" cy="1447800"/>
-          </a:xfrm>
-          <a:prstGeom prst="straightConnector1">
-            <a:avLst/>
-          </a:prstGeom>
-          <a:ln w="28575">
-            <a:solidFill>
-              <a:srgbClr val="FF0000"/>
-            </a:solidFill>
-            <a:tailEnd type="triangle"/>
-          </a:ln>
-        </p:spPr>
-        <p:style>
-          <a:lnRef idx="1">
-            <a:schemeClr val="accent1"/>
-          </a:lnRef>
-          <a:fillRef idx="0">
-            <a:schemeClr val="accent1"/>
-          </a:fillRef>
-          <a:effectRef idx="0">
-            <a:schemeClr val="accent1"/>
-          </a:effectRef>
-          <a:fontRef idx="minor">
-            <a:schemeClr val="tx1"/>
-          </a:fontRef>
-        </p:style>
-      </p:cxnSp>
     </p:spTree>
     <p:extLst>
       <p:ext uri="{BB962C8B-B14F-4D97-AF65-F5344CB8AC3E}">
-        <p14:creationId xmlns:p14="http://schemas.microsoft.com/office/powerpoint/2010/main" val="1673533792"/>
+        <p14:creationId xmlns:p14="http://schemas.microsoft.com/office/powerpoint/2010/main" val="4293021270"/>
       </p:ext>
     </p:extLst>
   </p:cSld>
@@ -11606,230 +11779,6 @@
       </p:grpSpPr>
       <p:sp>
         <p:nvSpPr>
-          <p:cNvPr id="14" name="Text Box 19">
-            <a:extLst>
-              <a:ext uri="{FF2B5EF4-FFF2-40B4-BE49-F238E27FC236}">
-                <a16:creationId xmlns:a16="http://schemas.microsoft.com/office/drawing/2014/main" id="{F916920E-C12B-4637-810C-A4B2E6C310C8}"/>
-              </a:ext>
-            </a:extLst>
-          </p:cNvPr>
-          <p:cNvSpPr txBox="1">
-            <a:spLocks noChangeArrowheads="1"/>
-          </p:cNvSpPr>
-          <p:nvPr/>
-        </p:nvSpPr>
-        <p:spPr bwMode="auto">
-          <a:xfrm>
-            <a:off x="101225" y="1991185"/>
-            <a:ext cx="4653753" cy="2588081"/>
-          </a:xfrm>
-          <a:prstGeom prst="rect">
-            <a:avLst/>
-          </a:prstGeom>
-          <a:noFill/>
-          <a:ln>
-            <a:noFill/>
-          </a:ln>
-          <a:extLst>
-            <a:ext uri="{909E8E84-426E-40DD-AFC4-6F175D3DCCD1}">
-              <a14:hiddenFill xmlns:a14="http://schemas.microsoft.com/office/drawing/2010/main">
-                <a:solidFill>
-                  <a:srgbClr val="FFFFFF"/>
-                </a:solidFill>
-              </a14:hiddenFill>
-            </a:ext>
-            <a:ext uri="{91240B29-F687-4F45-9708-019B960494DF}">
-              <a14:hiddenLine xmlns:a14="http://schemas.microsoft.com/office/drawing/2010/main" w="9525">
-                <a:solidFill>
-                  <a:srgbClr val="000000"/>
-                </a:solidFill>
-                <a:miter lim="800000"/>
-                <a:headEnd/>
-                <a:tailEnd/>
-              </a14:hiddenLine>
-            </a:ext>
-          </a:extLst>
-        </p:spPr>
-        <p:txBody>
-          <a:bodyPr wrap="square">
-            <a:spAutoFit/>
-          </a:bodyPr>
-          <a:lstStyle>
-            <a:lvl1pPr>
-              <a:spcBef>
-                <a:spcPct val="20000"/>
-              </a:spcBef>
-              <a:buChar char="•"/>
-              <a:defRPr sz="3200">
-                <a:solidFill>
-                  <a:schemeClr val="tx1"/>
-                </a:solidFill>
-                <a:latin typeface="Arial" panose="020B0604020202020204" pitchFamily="34" charset="0"/>
-              </a:defRPr>
-            </a:lvl1pPr>
-            <a:lvl2pPr marL="742950" indent="-285750">
-              <a:spcBef>
-                <a:spcPct val="20000"/>
-              </a:spcBef>
-              <a:buChar char="–"/>
-              <a:defRPr sz="2800">
-                <a:solidFill>
-                  <a:schemeClr val="tx1"/>
-                </a:solidFill>
-                <a:latin typeface="Arial" panose="020B0604020202020204" pitchFamily="34" charset="0"/>
-              </a:defRPr>
-            </a:lvl2pPr>
-            <a:lvl3pPr marL="1143000" indent="-228600">
-              <a:spcBef>
-                <a:spcPct val="20000"/>
-              </a:spcBef>
-              <a:buChar char="•"/>
-              <a:defRPr sz="2400">
-                <a:solidFill>
-                  <a:schemeClr val="tx1"/>
-                </a:solidFill>
-                <a:latin typeface="Arial" panose="020B0604020202020204" pitchFamily="34" charset="0"/>
-              </a:defRPr>
-            </a:lvl3pPr>
-            <a:lvl4pPr>
-              <a:spcBef>
-                <a:spcPct val="20000"/>
-              </a:spcBef>
-              <a:buChar char="–"/>
-              <a:defRPr sz="2000">
-                <a:solidFill>
-                  <a:schemeClr val="tx1"/>
-                </a:solidFill>
-                <a:latin typeface="Arial" panose="020B0604020202020204" pitchFamily="34" charset="0"/>
-              </a:defRPr>
-            </a:lvl4pPr>
-            <a:lvl5pPr marL="2057400" indent="-228600">
-              <a:spcBef>
-                <a:spcPct val="20000"/>
-              </a:spcBef>
-              <a:buChar char="»"/>
-              <a:defRPr sz="2000">
-                <a:solidFill>
-                  <a:schemeClr val="tx1"/>
-                </a:solidFill>
-                <a:latin typeface="Arial" panose="020B0604020202020204" pitchFamily="34" charset="0"/>
-              </a:defRPr>
-            </a:lvl5pPr>
-            <a:lvl6pPr marL="2514600" indent="-228600" eaLnBrk="0" fontAlgn="base" hangingPunct="0">
-              <a:spcBef>
-                <a:spcPct val="20000"/>
-              </a:spcBef>
-              <a:spcAft>
-                <a:spcPct val="0"/>
-              </a:spcAft>
-              <a:buChar char="»"/>
-              <a:defRPr sz="2000">
-                <a:solidFill>
-                  <a:schemeClr val="tx1"/>
-                </a:solidFill>
-                <a:latin typeface="Arial" panose="020B0604020202020204" pitchFamily="34" charset="0"/>
-              </a:defRPr>
-            </a:lvl6pPr>
-            <a:lvl7pPr marL="2971800" indent="-228600" eaLnBrk="0" fontAlgn="base" hangingPunct="0">
-              <a:spcBef>
-                <a:spcPct val="20000"/>
-              </a:spcBef>
-              <a:spcAft>
-                <a:spcPct val="0"/>
-              </a:spcAft>
-              <a:buChar char="»"/>
-              <a:defRPr sz="2000">
-                <a:solidFill>
-                  <a:schemeClr val="tx1"/>
-                </a:solidFill>
-                <a:latin typeface="Arial" panose="020B0604020202020204" pitchFamily="34" charset="0"/>
-              </a:defRPr>
-            </a:lvl7pPr>
-            <a:lvl8pPr marL="3429000" indent="-228600" eaLnBrk="0" fontAlgn="base" hangingPunct="0">
-              <a:spcBef>
-                <a:spcPct val="20000"/>
-              </a:spcBef>
-              <a:spcAft>
-                <a:spcPct val="0"/>
-              </a:spcAft>
-              <a:buChar char="»"/>
-              <a:defRPr sz="2000">
-                <a:solidFill>
-                  <a:schemeClr val="tx1"/>
-                </a:solidFill>
-                <a:latin typeface="Arial" panose="020B0604020202020204" pitchFamily="34" charset="0"/>
-              </a:defRPr>
-            </a:lvl8pPr>
-            <a:lvl9pPr marL="3886200" indent="-228600" eaLnBrk="0" fontAlgn="base" hangingPunct="0">
-              <a:spcBef>
-                <a:spcPct val="20000"/>
-              </a:spcBef>
-              <a:spcAft>
-                <a:spcPct val="0"/>
-              </a:spcAft>
-              <a:buChar char="»"/>
-              <a:defRPr sz="2000">
-                <a:solidFill>
-                  <a:schemeClr val="tx1"/>
-                </a:solidFill>
-                <a:latin typeface="Arial" panose="020B0604020202020204" pitchFamily="34" charset="0"/>
-              </a:defRPr>
-            </a:lvl9pPr>
-          </a:lstStyle>
-          <a:p>
-            <a:pPr marL="171450" indent="-171450" algn="just">
-              <a:lnSpc>
-                <a:spcPct val="150000"/>
-              </a:lnSpc>
-            </a:pPr>
-            <a:r>
-              <a:rPr lang="pt-PT" altLang="pt-PT" sz="1200" dirty="0">
-                <a:cs typeface="Arial" panose="020B0604020202020204" pitchFamily="34" charset="0"/>
-              </a:rPr>
-              <a:t>Este método verifica para cada mão (representada como uma lista de objetos </a:t>
-            </a:r>
-            <a:r>
-              <a:rPr lang="pt-PT" altLang="pt-PT" sz="1200" dirty="0" err="1">
-                <a:cs typeface="Arial" panose="020B0604020202020204" pitchFamily="34" charset="0"/>
-              </a:rPr>
-              <a:t>TexasCard</a:t>
-            </a:r>
-            <a:r>
-              <a:rPr lang="pt-PT" altLang="pt-PT" sz="1200" dirty="0">
-                <a:cs typeface="Arial" panose="020B0604020202020204" pitchFamily="34" charset="0"/>
-              </a:rPr>
-              <a:t>), se existe uma sequência de cinco cartas do mesmo naipe, com as seguintes classificações (de menor para maior): dez, valete, dama, rei e ás.</a:t>
-            </a:r>
-          </a:p>
-          <a:p>
-            <a:pPr marL="171450" indent="-171450" algn="just">
-              <a:lnSpc>
-                <a:spcPct val="150000"/>
-              </a:lnSpc>
-            </a:pPr>
-            <a:r>
-              <a:rPr lang="pt-PT" altLang="pt-PT" sz="1200" dirty="0">
-                <a:cs typeface="Arial" panose="020B0604020202020204" pitchFamily="34" charset="0"/>
-              </a:rPr>
-              <a:t>O método começa por verificar se todas as cartas têm o mesmo naipe. Se sim, ele verifica se as classificações das cartas são uma sequência exata do 10 ao ás. Se a mão atender a essas condições, o método retornará </a:t>
-            </a:r>
-            <a:r>
-              <a:rPr lang="pt-PT" altLang="pt-PT" sz="1200" dirty="0" err="1">
-                <a:cs typeface="Arial" panose="020B0604020202020204" pitchFamily="34" charset="0"/>
-              </a:rPr>
-              <a:t>True</a:t>
-            </a:r>
-            <a:r>
-              <a:rPr lang="pt-PT" altLang="pt-PT" sz="1200" dirty="0">
-                <a:cs typeface="Arial" panose="020B0604020202020204" pitchFamily="34" charset="0"/>
-              </a:rPr>
-              <a:t>. Caso contrário, retorna False.</a:t>
-            </a:r>
-          </a:p>
-        </p:txBody>
-      </p:sp>
-      <p:sp>
-        <p:nvSpPr>
           <p:cNvPr id="9229" name="Text Box 13"/>
           <p:cNvSpPr txBox="1">
             <a:spLocks noChangeArrowheads="1"/>
@@ -12530,10 +12479,10 @@
       </p:sp>
       <p:pic>
         <p:nvPicPr>
-          <p:cNvPr id="6" name="Imagem 5" descr="Uma imagem com texto&#10;&#10;Descrição gerada automaticamente">
+          <p:cNvPr id="3" name="Imagem 2" descr="Uma imagem com texto&#10;&#10;Descrição gerada automaticamente">
             <a:extLst>
               <a:ext uri="{FF2B5EF4-FFF2-40B4-BE49-F238E27FC236}">
-                <a16:creationId xmlns:a16="http://schemas.microsoft.com/office/drawing/2014/main" id="{2797E3F2-AE68-B307-E393-6AD6626A47FF}"/>
+                <a16:creationId xmlns:a16="http://schemas.microsoft.com/office/drawing/2014/main" id="{AB7A39ED-FA65-3CE5-4944-D1D61ECE1A69}"/>
               </a:ext>
             </a:extLst>
           </p:cNvPr>
@@ -12556,18 +12505,286 @@
         </p:blipFill>
         <p:spPr>
           <a:xfrm>
-            <a:off x="4837167" y="1908086"/>
-            <a:ext cx="4218042" cy="3098334"/>
+            <a:off x="5535613" y="1901227"/>
+            <a:ext cx="3475922" cy="3160628"/>
           </a:xfrm>
           <a:prstGeom prst="rect">
             <a:avLst/>
           </a:prstGeom>
         </p:spPr>
       </p:pic>
+      <p:sp>
+        <p:nvSpPr>
+          <p:cNvPr id="5" name="Text Box 19">
+            <a:extLst>
+              <a:ext uri="{FF2B5EF4-FFF2-40B4-BE49-F238E27FC236}">
+                <a16:creationId xmlns:a16="http://schemas.microsoft.com/office/drawing/2014/main" id="{1E243E07-482D-DD81-8E25-029440EABE6C}"/>
+              </a:ext>
+            </a:extLst>
+          </p:cNvPr>
+          <p:cNvSpPr txBox="1">
+            <a:spLocks noChangeArrowheads="1"/>
+          </p:cNvSpPr>
+          <p:nvPr/>
+        </p:nvSpPr>
+        <p:spPr bwMode="auto">
+          <a:xfrm>
+            <a:off x="260350" y="1725714"/>
+            <a:ext cx="4728202" cy="3769943"/>
+          </a:xfrm>
+          <a:prstGeom prst="rect">
+            <a:avLst/>
+          </a:prstGeom>
+          <a:noFill/>
+          <a:ln>
+            <a:noFill/>
+          </a:ln>
+          <a:extLst>
+            <a:ext uri="{909E8E84-426E-40DD-AFC4-6F175D3DCCD1}">
+              <a14:hiddenFill xmlns:a14="http://schemas.microsoft.com/office/drawing/2010/main">
+                <a:solidFill>
+                  <a:srgbClr val="FFFFFF"/>
+                </a:solidFill>
+              </a14:hiddenFill>
+            </a:ext>
+            <a:ext uri="{91240B29-F687-4F45-9708-019B960494DF}">
+              <a14:hiddenLine xmlns:a14="http://schemas.microsoft.com/office/drawing/2010/main" w="9525">
+                <a:solidFill>
+                  <a:srgbClr val="000000"/>
+                </a:solidFill>
+                <a:miter lim="800000"/>
+                <a:headEnd/>
+                <a:tailEnd/>
+              </a14:hiddenLine>
+            </a:ext>
+          </a:extLst>
+        </p:spPr>
+        <p:txBody>
+          <a:bodyPr wrap="square">
+            <a:spAutoFit/>
+          </a:bodyPr>
+          <a:lstStyle>
+            <a:lvl1pPr>
+              <a:spcBef>
+                <a:spcPct val="20000"/>
+              </a:spcBef>
+              <a:buChar char="•"/>
+              <a:defRPr sz="3200">
+                <a:solidFill>
+                  <a:schemeClr val="tx1"/>
+                </a:solidFill>
+                <a:latin typeface="Arial" panose="020B0604020202020204" pitchFamily="34" charset="0"/>
+              </a:defRPr>
+            </a:lvl1pPr>
+            <a:lvl2pPr marL="742950" indent="-285750">
+              <a:spcBef>
+                <a:spcPct val="20000"/>
+              </a:spcBef>
+              <a:buChar char="–"/>
+              <a:defRPr sz="2800">
+                <a:solidFill>
+                  <a:schemeClr val="tx1"/>
+                </a:solidFill>
+                <a:latin typeface="Arial" panose="020B0604020202020204" pitchFamily="34" charset="0"/>
+              </a:defRPr>
+            </a:lvl2pPr>
+            <a:lvl3pPr marL="1143000" indent="-228600">
+              <a:spcBef>
+                <a:spcPct val="20000"/>
+              </a:spcBef>
+              <a:buChar char="•"/>
+              <a:defRPr sz="2400">
+                <a:solidFill>
+                  <a:schemeClr val="tx1"/>
+                </a:solidFill>
+                <a:latin typeface="Arial" panose="020B0604020202020204" pitchFamily="34" charset="0"/>
+              </a:defRPr>
+            </a:lvl3pPr>
+            <a:lvl4pPr>
+              <a:spcBef>
+                <a:spcPct val="20000"/>
+              </a:spcBef>
+              <a:buChar char="–"/>
+              <a:defRPr sz="2000">
+                <a:solidFill>
+                  <a:schemeClr val="tx1"/>
+                </a:solidFill>
+                <a:latin typeface="Arial" panose="020B0604020202020204" pitchFamily="34" charset="0"/>
+              </a:defRPr>
+            </a:lvl4pPr>
+            <a:lvl5pPr marL="2057400" indent="-228600">
+              <a:spcBef>
+                <a:spcPct val="20000"/>
+              </a:spcBef>
+              <a:buChar char="»"/>
+              <a:defRPr sz="2000">
+                <a:solidFill>
+                  <a:schemeClr val="tx1"/>
+                </a:solidFill>
+                <a:latin typeface="Arial" panose="020B0604020202020204" pitchFamily="34" charset="0"/>
+              </a:defRPr>
+            </a:lvl5pPr>
+            <a:lvl6pPr marL="2514600" indent="-228600" eaLnBrk="0" fontAlgn="base" hangingPunct="0">
+              <a:spcBef>
+                <a:spcPct val="20000"/>
+              </a:spcBef>
+              <a:spcAft>
+                <a:spcPct val="0"/>
+              </a:spcAft>
+              <a:buChar char="»"/>
+              <a:defRPr sz="2000">
+                <a:solidFill>
+                  <a:schemeClr val="tx1"/>
+                </a:solidFill>
+                <a:latin typeface="Arial" panose="020B0604020202020204" pitchFamily="34" charset="0"/>
+              </a:defRPr>
+            </a:lvl6pPr>
+            <a:lvl7pPr marL="2971800" indent="-228600" eaLnBrk="0" fontAlgn="base" hangingPunct="0">
+              <a:spcBef>
+                <a:spcPct val="20000"/>
+              </a:spcBef>
+              <a:spcAft>
+                <a:spcPct val="0"/>
+              </a:spcAft>
+              <a:buChar char="»"/>
+              <a:defRPr sz="2000">
+                <a:solidFill>
+                  <a:schemeClr val="tx1"/>
+                </a:solidFill>
+                <a:latin typeface="Arial" panose="020B0604020202020204" pitchFamily="34" charset="0"/>
+              </a:defRPr>
+            </a:lvl7pPr>
+            <a:lvl8pPr marL="3429000" indent="-228600" eaLnBrk="0" fontAlgn="base" hangingPunct="0">
+              <a:spcBef>
+                <a:spcPct val="20000"/>
+              </a:spcBef>
+              <a:spcAft>
+                <a:spcPct val="0"/>
+              </a:spcAft>
+              <a:buChar char="»"/>
+              <a:defRPr sz="2000">
+                <a:solidFill>
+                  <a:schemeClr val="tx1"/>
+                </a:solidFill>
+                <a:latin typeface="Arial" panose="020B0604020202020204" pitchFamily="34" charset="0"/>
+              </a:defRPr>
+            </a:lvl8pPr>
+            <a:lvl9pPr marL="3886200" indent="-228600" eaLnBrk="0" fontAlgn="base" hangingPunct="0">
+              <a:spcBef>
+                <a:spcPct val="20000"/>
+              </a:spcBef>
+              <a:spcAft>
+                <a:spcPct val="0"/>
+              </a:spcAft>
+              <a:buChar char="»"/>
+              <a:defRPr sz="2000">
+                <a:solidFill>
+                  <a:schemeClr val="tx1"/>
+                </a:solidFill>
+                <a:latin typeface="Arial" panose="020B0604020202020204" pitchFamily="34" charset="0"/>
+              </a:defRPr>
+            </a:lvl9pPr>
+          </a:lstStyle>
+          <a:p>
+            <a:pPr marL="171450" indent="-171450" algn="just">
+              <a:lnSpc>
+                <a:spcPct val="150000"/>
+              </a:lnSpc>
+            </a:pPr>
+            <a:r>
+              <a:rPr lang="pt-PT" altLang="pt-PT" sz="1200" dirty="0">
+                <a:cs typeface="Arial" panose="020B0604020202020204" pitchFamily="34" charset="0"/>
+              </a:rPr>
+              <a:t>Este método verifica se uma lista de cartas representa uma sequência de cartas do mesmo naipe.</a:t>
+            </a:r>
+          </a:p>
+          <a:p>
+            <a:pPr marL="171450" indent="-171450" algn="just">
+              <a:lnSpc>
+                <a:spcPct val="150000"/>
+              </a:lnSpc>
+            </a:pPr>
+            <a:r>
+              <a:rPr lang="pt-PT" altLang="pt-PT" sz="1200" dirty="0" err="1">
+                <a:cs typeface="Arial" panose="020B0604020202020204" pitchFamily="34" charset="0"/>
+              </a:rPr>
+              <a:t>Começça</a:t>
+            </a:r>
+            <a:r>
+              <a:rPr lang="pt-PT" altLang="pt-PT" sz="1200" dirty="0">
+                <a:cs typeface="Arial" panose="020B0604020202020204" pitchFamily="34" charset="0"/>
+              </a:rPr>
+              <a:t> por verificar se existe um </a:t>
+            </a:r>
+            <a:r>
+              <a:rPr lang="pt-PT" altLang="pt-PT" sz="1200" dirty="0" err="1">
+                <a:cs typeface="Arial" panose="020B0604020202020204" pitchFamily="34" charset="0"/>
+              </a:rPr>
+              <a:t>flush</a:t>
+            </a:r>
+            <a:r>
+              <a:rPr lang="pt-PT" altLang="pt-PT" sz="1200" dirty="0">
+                <a:cs typeface="Arial" panose="020B0604020202020204" pitchFamily="34" charset="0"/>
+              </a:rPr>
+              <a:t> na mão, ou seja, se todas as cartas têm o mesmo naipe. Se não houver, a função retorna False.</a:t>
+            </a:r>
+          </a:p>
+          <a:p>
+            <a:pPr marL="171450" indent="-171450" algn="just">
+              <a:lnSpc>
+                <a:spcPct val="150000"/>
+              </a:lnSpc>
+            </a:pPr>
+            <a:r>
+              <a:rPr lang="pt-PT" altLang="pt-PT" sz="1200" dirty="0">
+                <a:cs typeface="Arial" panose="020B0604020202020204" pitchFamily="34" charset="0"/>
+              </a:rPr>
+              <a:t>Em seguida, as cartas são ordenadas por ordem decrescente de valor e verifica se há uma sequência de cinco cartas consecutivas, começando pela carta mais alta. Se não houver, a retorna False.</a:t>
+            </a:r>
+          </a:p>
+          <a:p>
+            <a:pPr marL="171450" indent="-171450" algn="just">
+              <a:lnSpc>
+                <a:spcPct val="150000"/>
+              </a:lnSpc>
+            </a:pPr>
+            <a:r>
+              <a:rPr lang="pt-PT" altLang="pt-PT" sz="1200" dirty="0">
+                <a:cs typeface="Arial" panose="020B0604020202020204" pitchFamily="34" charset="0"/>
+              </a:rPr>
+              <a:t>Finalmente, se uma sequência de cartas consecutivas do mesmo naipe é encontrada, retorna </a:t>
+            </a:r>
+            <a:r>
+              <a:rPr lang="pt-PT" altLang="pt-PT" sz="1200" dirty="0" err="1">
+                <a:cs typeface="Arial" panose="020B0604020202020204" pitchFamily="34" charset="0"/>
+              </a:rPr>
+              <a:t>True</a:t>
+            </a:r>
+            <a:r>
+              <a:rPr lang="pt-PT" altLang="pt-PT" sz="1200" dirty="0">
+                <a:cs typeface="Arial" panose="020B0604020202020204" pitchFamily="34" charset="0"/>
+              </a:rPr>
+              <a:t>, o que indica que temos uma sequência de cartas consecutivas do mesmo naipe (straight </a:t>
+            </a:r>
+            <a:r>
+              <a:rPr lang="pt-PT" altLang="pt-PT" sz="1200" dirty="0" err="1">
+                <a:cs typeface="Arial" panose="020B0604020202020204" pitchFamily="34" charset="0"/>
+              </a:rPr>
+              <a:t>flush</a:t>
+            </a:r>
+            <a:r>
+              <a:rPr lang="pt-PT" altLang="pt-PT" sz="1200" dirty="0">
+                <a:cs typeface="Arial" panose="020B0604020202020204" pitchFamily="34" charset="0"/>
+              </a:rPr>
+              <a:t>).</a:t>
+            </a:r>
+          </a:p>
+        </p:txBody>
+      </p:sp>
     </p:spTree>
     <p:extLst>
       <p:ext uri="{BB962C8B-B14F-4D97-AF65-F5344CB8AC3E}">
-        <p14:creationId xmlns:p14="http://schemas.microsoft.com/office/powerpoint/2010/main" val="4293021270"/>
+        <p14:creationId xmlns:p14="http://schemas.microsoft.com/office/powerpoint/2010/main" val="3520545443"/>
       </p:ext>
     </p:extLst>
   </p:cSld>
@@ -12596,6 +12813,481 @@
       </p:grpSpPr>
       <p:sp>
         <p:nvSpPr>
+          <p:cNvPr id="14" name="Text Box 19">
+            <a:extLst>
+              <a:ext uri="{FF2B5EF4-FFF2-40B4-BE49-F238E27FC236}">
+                <a16:creationId xmlns:a16="http://schemas.microsoft.com/office/drawing/2014/main" id="{F916920E-C12B-4637-810C-A4B2E6C310C8}"/>
+              </a:ext>
+            </a:extLst>
+          </p:cNvPr>
+          <p:cNvSpPr txBox="1">
+            <a:spLocks noChangeArrowheads="1"/>
+          </p:cNvSpPr>
+          <p:nvPr/>
+        </p:nvSpPr>
+        <p:spPr bwMode="auto">
+          <a:xfrm>
+            <a:off x="235077" y="1102291"/>
+            <a:ext cx="4870323" cy="5154937"/>
+          </a:xfrm>
+          <a:prstGeom prst="rect">
+            <a:avLst/>
+          </a:prstGeom>
+          <a:noFill/>
+          <a:ln>
+            <a:noFill/>
+          </a:ln>
+          <a:extLst>
+            <a:ext uri="{909E8E84-426E-40DD-AFC4-6F175D3DCCD1}">
+              <a14:hiddenFill xmlns:a14="http://schemas.microsoft.com/office/drawing/2010/main">
+                <a:solidFill>
+                  <a:srgbClr val="FFFFFF"/>
+                </a:solidFill>
+              </a14:hiddenFill>
+            </a:ext>
+            <a:ext uri="{91240B29-F687-4F45-9708-019B960494DF}">
+              <a14:hiddenLine xmlns:a14="http://schemas.microsoft.com/office/drawing/2010/main" w="9525">
+                <a:solidFill>
+                  <a:srgbClr val="000000"/>
+                </a:solidFill>
+                <a:miter lim="800000"/>
+                <a:headEnd/>
+                <a:tailEnd/>
+              </a14:hiddenLine>
+            </a:ext>
+          </a:extLst>
+        </p:spPr>
+        <p:txBody>
+          <a:bodyPr wrap="square">
+            <a:spAutoFit/>
+          </a:bodyPr>
+          <a:lstStyle>
+            <a:lvl1pPr>
+              <a:spcBef>
+                <a:spcPct val="20000"/>
+              </a:spcBef>
+              <a:buChar char="•"/>
+              <a:defRPr sz="3200">
+                <a:solidFill>
+                  <a:schemeClr val="tx1"/>
+                </a:solidFill>
+                <a:latin typeface="Arial" panose="020B0604020202020204" pitchFamily="34" charset="0"/>
+              </a:defRPr>
+            </a:lvl1pPr>
+            <a:lvl2pPr marL="742950" indent="-285750">
+              <a:spcBef>
+                <a:spcPct val="20000"/>
+              </a:spcBef>
+              <a:buChar char="–"/>
+              <a:defRPr sz="2800">
+                <a:solidFill>
+                  <a:schemeClr val="tx1"/>
+                </a:solidFill>
+                <a:latin typeface="Arial" panose="020B0604020202020204" pitchFamily="34" charset="0"/>
+              </a:defRPr>
+            </a:lvl2pPr>
+            <a:lvl3pPr marL="1143000" indent="-228600">
+              <a:spcBef>
+                <a:spcPct val="20000"/>
+              </a:spcBef>
+              <a:buChar char="•"/>
+              <a:defRPr sz="2400">
+                <a:solidFill>
+                  <a:schemeClr val="tx1"/>
+                </a:solidFill>
+                <a:latin typeface="Arial" panose="020B0604020202020204" pitchFamily="34" charset="0"/>
+              </a:defRPr>
+            </a:lvl3pPr>
+            <a:lvl4pPr>
+              <a:spcBef>
+                <a:spcPct val="20000"/>
+              </a:spcBef>
+              <a:buChar char="–"/>
+              <a:defRPr sz="2000">
+                <a:solidFill>
+                  <a:schemeClr val="tx1"/>
+                </a:solidFill>
+                <a:latin typeface="Arial" panose="020B0604020202020204" pitchFamily="34" charset="0"/>
+              </a:defRPr>
+            </a:lvl4pPr>
+            <a:lvl5pPr marL="2057400" indent="-228600">
+              <a:spcBef>
+                <a:spcPct val="20000"/>
+              </a:spcBef>
+              <a:buChar char="»"/>
+              <a:defRPr sz="2000">
+                <a:solidFill>
+                  <a:schemeClr val="tx1"/>
+                </a:solidFill>
+                <a:latin typeface="Arial" panose="020B0604020202020204" pitchFamily="34" charset="0"/>
+              </a:defRPr>
+            </a:lvl5pPr>
+            <a:lvl6pPr marL="2514600" indent="-228600" eaLnBrk="0" fontAlgn="base" hangingPunct="0">
+              <a:spcBef>
+                <a:spcPct val="20000"/>
+              </a:spcBef>
+              <a:spcAft>
+                <a:spcPct val="0"/>
+              </a:spcAft>
+              <a:buChar char="»"/>
+              <a:defRPr sz="2000">
+                <a:solidFill>
+                  <a:schemeClr val="tx1"/>
+                </a:solidFill>
+                <a:latin typeface="Arial" panose="020B0604020202020204" pitchFamily="34" charset="0"/>
+              </a:defRPr>
+            </a:lvl6pPr>
+            <a:lvl7pPr marL="2971800" indent="-228600" eaLnBrk="0" fontAlgn="base" hangingPunct="0">
+              <a:spcBef>
+                <a:spcPct val="20000"/>
+              </a:spcBef>
+              <a:spcAft>
+                <a:spcPct val="0"/>
+              </a:spcAft>
+              <a:buChar char="»"/>
+              <a:defRPr sz="2000">
+                <a:solidFill>
+                  <a:schemeClr val="tx1"/>
+                </a:solidFill>
+                <a:latin typeface="Arial" panose="020B0604020202020204" pitchFamily="34" charset="0"/>
+              </a:defRPr>
+            </a:lvl7pPr>
+            <a:lvl8pPr marL="3429000" indent="-228600" eaLnBrk="0" fontAlgn="base" hangingPunct="0">
+              <a:spcBef>
+                <a:spcPct val="20000"/>
+              </a:spcBef>
+              <a:spcAft>
+                <a:spcPct val="0"/>
+              </a:spcAft>
+              <a:buChar char="»"/>
+              <a:defRPr sz="2000">
+                <a:solidFill>
+                  <a:schemeClr val="tx1"/>
+                </a:solidFill>
+                <a:latin typeface="Arial" panose="020B0604020202020204" pitchFamily="34" charset="0"/>
+              </a:defRPr>
+            </a:lvl8pPr>
+            <a:lvl9pPr marL="3886200" indent="-228600" eaLnBrk="0" fontAlgn="base" hangingPunct="0">
+              <a:spcBef>
+                <a:spcPct val="20000"/>
+              </a:spcBef>
+              <a:spcAft>
+                <a:spcPct val="0"/>
+              </a:spcAft>
+              <a:buChar char="»"/>
+              <a:defRPr sz="2000">
+                <a:solidFill>
+                  <a:schemeClr val="tx1"/>
+                </a:solidFill>
+                <a:latin typeface="Arial" panose="020B0604020202020204" pitchFamily="34" charset="0"/>
+              </a:defRPr>
+            </a:lvl9pPr>
+          </a:lstStyle>
+          <a:p>
+            <a:pPr marL="171450" indent="-171450" algn="just">
+              <a:lnSpc>
+                <a:spcPct val="150000"/>
+              </a:lnSpc>
+            </a:pPr>
+            <a:r>
+              <a:rPr lang="pt-PT" altLang="pt-PT" sz="1200" dirty="0">
+                <a:cs typeface="Arial" panose="020B0604020202020204" pitchFamily="34" charset="0"/>
+              </a:rPr>
+              <a:t>O primeiro método verifica se as cartas dadas formam um "</a:t>
+            </a:r>
+            <a:r>
+              <a:rPr lang="pt-PT" altLang="pt-PT" sz="1200" dirty="0" err="1">
+                <a:cs typeface="Arial" panose="020B0604020202020204" pitchFamily="34" charset="0"/>
+              </a:rPr>
+              <a:t>Four</a:t>
+            </a:r>
+            <a:r>
+              <a:rPr lang="pt-PT" altLang="pt-PT" sz="1200" dirty="0">
+                <a:cs typeface="Arial" panose="020B0604020202020204" pitchFamily="34" charset="0"/>
+              </a:rPr>
+              <a:t> </a:t>
+            </a:r>
+            <a:r>
+              <a:rPr lang="pt-PT" altLang="pt-PT" sz="1200" dirty="0" err="1">
+                <a:cs typeface="Arial" panose="020B0604020202020204" pitchFamily="34" charset="0"/>
+              </a:rPr>
+              <a:t>of</a:t>
+            </a:r>
+            <a:r>
+              <a:rPr lang="pt-PT" altLang="pt-PT" sz="1200" dirty="0">
+                <a:cs typeface="Arial" panose="020B0604020202020204" pitchFamily="34" charset="0"/>
+              </a:rPr>
+              <a:t> a </a:t>
+            </a:r>
+            <a:r>
+              <a:rPr lang="pt-PT" altLang="pt-PT" sz="1200" dirty="0" err="1">
+                <a:cs typeface="Arial" panose="020B0604020202020204" pitchFamily="34" charset="0"/>
+              </a:rPr>
+              <a:t>Kind</a:t>
+            </a:r>
+            <a:r>
+              <a:rPr lang="pt-PT" altLang="pt-PT" sz="1200" dirty="0">
+                <a:cs typeface="Arial" panose="020B0604020202020204" pitchFamily="34" charset="0"/>
+              </a:rPr>
+              <a:t>", ou seja, se há quatro cartas com o mesmo valor. </a:t>
+            </a:r>
+            <a:r>
+              <a:rPr lang="pt-PT" altLang="pt-PT" sz="1200" dirty="0" err="1">
+                <a:cs typeface="Arial" panose="020B0604020202020204" pitchFamily="34" charset="0"/>
+              </a:rPr>
+              <a:t>Começça</a:t>
+            </a:r>
+            <a:r>
+              <a:rPr lang="pt-PT" altLang="pt-PT" sz="1200" dirty="0">
+                <a:cs typeface="Arial" panose="020B0604020202020204" pitchFamily="34" charset="0"/>
+              </a:rPr>
+              <a:t> por criar uma lista de objetos </a:t>
+            </a:r>
+            <a:r>
+              <a:rPr lang="pt-PT" altLang="pt-PT" sz="1200" dirty="0" err="1">
+                <a:cs typeface="Arial" panose="020B0604020202020204" pitchFamily="34" charset="0"/>
+              </a:rPr>
+              <a:t>Rank</a:t>
+            </a:r>
+            <a:r>
+              <a:rPr lang="pt-PT" altLang="pt-PT" sz="1200" dirty="0">
+                <a:cs typeface="Arial" panose="020B0604020202020204" pitchFamily="34" charset="0"/>
+              </a:rPr>
+              <a:t> para cada carta na lista de cartas dadas. De seguida, percorre a lista de valores dos </a:t>
+            </a:r>
+            <a:r>
+              <a:rPr lang="pt-PT" altLang="pt-PT" sz="1200" dirty="0" err="1">
+                <a:cs typeface="Arial" panose="020B0604020202020204" pitchFamily="34" charset="0"/>
+              </a:rPr>
+              <a:t>ranks</a:t>
+            </a:r>
+            <a:r>
+              <a:rPr lang="pt-PT" altLang="pt-PT" sz="1200" dirty="0">
+                <a:cs typeface="Arial" panose="020B0604020202020204" pitchFamily="34" charset="0"/>
+              </a:rPr>
+              <a:t> para verificar se há algum </a:t>
+            </a:r>
+            <a:r>
+              <a:rPr lang="pt-PT" altLang="pt-PT" sz="1200" dirty="0" err="1">
+                <a:cs typeface="Arial" panose="020B0604020202020204" pitchFamily="34" charset="0"/>
+              </a:rPr>
+              <a:t>rank</a:t>
+            </a:r>
+            <a:r>
+              <a:rPr lang="pt-PT" altLang="pt-PT" sz="1200" dirty="0">
+                <a:cs typeface="Arial" panose="020B0604020202020204" pitchFamily="34" charset="0"/>
+              </a:rPr>
+              <a:t> que apareça exatamente 4 vezes, o que significa que há quatro cartas com o mesmo valor. Se encontrar, retorna </a:t>
+            </a:r>
+            <a:r>
+              <a:rPr lang="pt-PT" altLang="pt-PT" sz="1200" dirty="0" err="1">
+                <a:cs typeface="Arial" panose="020B0604020202020204" pitchFamily="34" charset="0"/>
+              </a:rPr>
+              <a:t>True</a:t>
+            </a:r>
+            <a:r>
+              <a:rPr lang="pt-PT" altLang="pt-PT" sz="1200" dirty="0">
+                <a:cs typeface="Arial" panose="020B0604020202020204" pitchFamily="34" charset="0"/>
+              </a:rPr>
+              <a:t>, caso contrário, retorna False.</a:t>
+            </a:r>
+          </a:p>
+          <a:p>
+            <a:pPr marL="171450" indent="-171450" algn="just">
+              <a:lnSpc>
+                <a:spcPct val="150000"/>
+              </a:lnSpc>
+            </a:pPr>
+            <a:endParaRPr lang="pt-PT" altLang="pt-PT" sz="1200" dirty="0">
+              <a:cs typeface="Arial" panose="020B0604020202020204" pitchFamily="34" charset="0"/>
+            </a:endParaRPr>
+          </a:p>
+          <a:p>
+            <a:pPr marL="171450" indent="-171450" algn="just">
+              <a:lnSpc>
+                <a:spcPct val="150000"/>
+              </a:lnSpc>
+            </a:pPr>
+            <a:r>
+              <a:rPr lang="pt-PT" altLang="pt-PT" sz="1200" dirty="0">
+                <a:cs typeface="Arial" panose="020B0604020202020204" pitchFamily="34" charset="0"/>
+              </a:rPr>
+              <a:t>O segundo método verifica se a mão contém um </a:t>
+            </a:r>
+            <a:r>
+              <a:rPr lang="pt-PT" altLang="pt-PT" sz="1200" dirty="0" err="1">
+                <a:cs typeface="Arial" panose="020B0604020202020204" pitchFamily="34" charset="0"/>
+              </a:rPr>
+              <a:t>Full</a:t>
+            </a:r>
+            <a:r>
+              <a:rPr lang="pt-PT" altLang="pt-PT" sz="1200" dirty="0">
+                <a:cs typeface="Arial" panose="020B0604020202020204" pitchFamily="34" charset="0"/>
+              </a:rPr>
+              <a:t> </a:t>
+            </a:r>
+            <a:r>
+              <a:rPr lang="pt-PT" altLang="pt-PT" sz="1200" dirty="0" err="1">
+                <a:cs typeface="Arial" panose="020B0604020202020204" pitchFamily="34" charset="0"/>
+              </a:rPr>
+              <a:t>House</a:t>
+            </a:r>
+            <a:r>
+              <a:rPr lang="pt-PT" altLang="pt-PT" sz="1200" dirty="0">
+                <a:cs typeface="Arial" panose="020B0604020202020204" pitchFamily="34" charset="0"/>
+              </a:rPr>
+              <a:t>, ou seja, três cartas do mesmo valor e duas cartas de outro valor.</a:t>
+            </a:r>
+          </a:p>
+          <a:p>
+            <a:pPr marL="171450" indent="-171450" algn="just">
+              <a:lnSpc>
+                <a:spcPct val="150000"/>
+              </a:lnSpc>
+            </a:pPr>
+            <a:r>
+              <a:rPr lang="pt-PT" altLang="pt-PT" sz="1200" dirty="0">
+                <a:cs typeface="Arial" panose="020B0604020202020204" pitchFamily="34" charset="0"/>
+              </a:rPr>
+              <a:t>O método começa por verificar se há um </a:t>
+            </a:r>
+            <a:r>
+              <a:rPr lang="pt-PT" altLang="pt-PT" sz="1200" dirty="0" err="1">
+                <a:cs typeface="Arial" panose="020B0604020202020204" pitchFamily="34" charset="0"/>
+              </a:rPr>
+              <a:t>um</a:t>
+            </a:r>
+            <a:r>
+              <a:rPr lang="pt-PT" altLang="pt-PT" sz="1200" dirty="0">
+                <a:cs typeface="Arial" panose="020B0604020202020204" pitchFamily="34" charset="0"/>
+              </a:rPr>
+              <a:t> </a:t>
+            </a:r>
+            <a:r>
+              <a:rPr lang="pt-PT" altLang="pt-PT" sz="1200" dirty="0" err="1">
+                <a:cs typeface="Arial" panose="020B0604020202020204" pitchFamily="34" charset="0"/>
+              </a:rPr>
+              <a:t>three</a:t>
+            </a:r>
+            <a:r>
+              <a:rPr lang="pt-PT" altLang="pt-PT" sz="1200" dirty="0">
+                <a:cs typeface="Arial" panose="020B0604020202020204" pitchFamily="34" charset="0"/>
+              </a:rPr>
+              <a:t> </a:t>
+            </a:r>
+            <a:r>
+              <a:rPr lang="pt-PT" altLang="pt-PT" sz="1200" dirty="0" err="1">
+                <a:cs typeface="Arial" panose="020B0604020202020204" pitchFamily="34" charset="0"/>
+              </a:rPr>
+              <a:t>of</a:t>
+            </a:r>
+            <a:r>
+              <a:rPr lang="pt-PT" altLang="pt-PT" sz="1200" dirty="0">
+                <a:cs typeface="Arial" panose="020B0604020202020204" pitchFamily="34" charset="0"/>
+              </a:rPr>
+              <a:t> a </a:t>
+            </a:r>
+            <a:r>
+              <a:rPr lang="pt-PT" altLang="pt-PT" sz="1200" dirty="0" err="1">
+                <a:cs typeface="Arial" panose="020B0604020202020204" pitchFamily="34" charset="0"/>
+              </a:rPr>
+              <a:t>kind</a:t>
+            </a:r>
+            <a:r>
+              <a:rPr lang="pt-PT" altLang="pt-PT" sz="1200" dirty="0">
+                <a:cs typeface="Arial" panose="020B0604020202020204" pitchFamily="34" charset="0"/>
+              </a:rPr>
+              <a:t> através do método </a:t>
+            </a:r>
+            <a:r>
+              <a:rPr lang="pt-PT" altLang="pt-PT" sz="1200" dirty="0" err="1">
+                <a:cs typeface="Arial" panose="020B0604020202020204" pitchFamily="34" charset="0"/>
+              </a:rPr>
+              <a:t>is_three_of_a_kind</a:t>
+            </a:r>
+            <a:r>
+              <a:rPr lang="pt-PT" altLang="pt-PT" sz="1200" dirty="0">
+                <a:cs typeface="Arial" panose="020B0604020202020204" pitchFamily="34" charset="0"/>
+              </a:rPr>
+              <a:t> da mesma classe. Se não houver, a função retorna False. Se houver um </a:t>
+            </a:r>
+            <a:r>
+              <a:rPr lang="pt-PT" altLang="pt-PT" sz="1200" dirty="0" err="1">
+                <a:cs typeface="Arial" panose="020B0604020202020204" pitchFamily="34" charset="0"/>
+              </a:rPr>
+              <a:t>three</a:t>
+            </a:r>
+            <a:r>
+              <a:rPr lang="pt-PT" altLang="pt-PT" sz="1200" dirty="0">
+                <a:cs typeface="Arial" panose="020B0604020202020204" pitchFamily="34" charset="0"/>
+              </a:rPr>
+              <a:t> </a:t>
+            </a:r>
+            <a:r>
+              <a:rPr lang="pt-PT" altLang="pt-PT" sz="1200" dirty="0" err="1">
+                <a:cs typeface="Arial" panose="020B0604020202020204" pitchFamily="34" charset="0"/>
+              </a:rPr>
+              <a:t>of</a:t>
+            </a:r>
+            <a:r>
+              <a:rPr lang="pt-PT" altLang="pt-PT" sz="1200" dirty="0">
+                <a:cs typeface="Arial" panose="020B0604020202020204" pitchFamily="34" charset="0"/>
+              </a:rPr>
+              <a:t> a </a:t>
+            </a:r>
+            <a:r>
+              <a:rPr lang="pt-PT" altLang="pt-PT" sz="1200" dirty="0" err="1">
+                <a:cs typeface="Arial" panose="020B0604020202020204" pitchFamily="34" charset="0"/>
+              </a:rPr>
+              <a:t>kind</a:t>
+            </a:r>
+            <a:r>
+              <a:rPr lang="pt-PT" altLang="pt-PT" sz="1200" dirty="0">
+                <a:cs typeface="Arial" panose="020B0604020202020204" pitchFamily="34" charset="0"/>
+              </a:rPr>
+              <a:t>, o método verifica se há um par entre as duas cartas restantes na mão. Para isso, o método verifica o valor da carta e verifica se o valor aparece exatamente duas vezes entre as cinco cartas. Se houver um par, a retorna </a:t>
+            </a:r>
+            <a:r>
+              <a:rPr lang="pt-PT" altLang="pt-PT" sz="1200" dirty="0" err="1">
+                <a:cs typeface="Arial" panose="020B0604020202020204" pitchFamily="34" charset="0"/>
+              </a:rPr>
+              <a:t>True</a:t>
+            </a:r>
+            <a:r>
+              <a:rPr lang="pt-PT" altLang="pt-PT" sz="1200" dirty="0">
+                <a:cs typeface="Arial" panose="020B0604020202020204" pitchFamily="34" charset="0"/>
+              </a:rPr>
+              <a:t>, indicando que há uma </a:t>
+            </a:r>
+            <a:r>
+              <a:rPr lang="pt-PT" altLang="pt-PT" sz="1200" dirty="0" err="1">
+                <a:cs typeface="Arial" panose="020B0604020202020204" pitchFamily="34" charset="0"/>
+              </a:rPr>
+              <a:t>Full</a:t>
+            </a:r>
+            <a:r>
+              <a:rPr lang="pt-PT" altLang="pt-PT" sz="1200" dirty="0">
+                <a:cs typeface="Arial" panose="020B0604020202020204" pitchFamily="34" charset="0"/>
+              </a:rPr>
+              <a:t> </a:t>
+            </a:r>
+            <a:r>
+              <a:rPr lang="pt-PT" altLang="pt-PT" sz="1200" dirty="0" err="1">
+                <a:cs typeface="Arial" panose="020B0604020202020204" pitchFamily="34" charset="0"/>
+              </a:rPr>
+              <a:t>House</a:t>
+            </a:r>
+            <a:r>
+              <a:rPr lang="pt-PT" altLang="pt-PT" sz="1200" dirty="0">
+                <a:cs typeface="Arial" panose="020B0604020202020204" pitchFamily="34" charset="0"/>
+              </a:rPr>
+              <a:t>. Se não houver, a retorna False.</a:t>
+            </a:r>
+          </a:p>
+        </p:txBody>
+      </p:sp>
+      <p:sp>
+        <p:nvSpPr>
           <p:cNvPr id="9229" name="Text Box 13"/>
           <p:cNvSpPr txBox="1">
             <a:spLocks noChangeArrowheads="1"/>
@@ -13296,10 +13988,10 @@
       </p:sp>
       <p:pic>
         <p:nvPicPr>
-          <p:cNvPr id="3" name="Imagem 2" descr="Uma imagem com texto&#10;&#10;Descrição gerada automaticamente">
+          <p:cNvPr id="5" name="Imagem 4" descr="Uma imagem com texto&#10;&#10;Descrição gerada automaticamente">
             <a:extLst>
               <a:ext uri="{FF2B5EF4-FFF2-40B4-BE49-F238E27FC236}">
-                <a16:creationId xmlns:a16="http://schemas.microsoft.com/office/drawing/2014/main" id="{AB7A39ED-FA65-3CE5-4944-D1D61ECE1A69}"/>
+                <a16:creationId xmlns:a16="http://schemas.microsoft.com/office/drawing/2014/main" id="{2ADD4822-3A4A-8FAF-B46B-8C6F8D157E19}"/>
               </a:ext>
             </a:extLst>
           </p:cNvPr>
@@ -13322,286 +14014,18 @@
         </p:blipFill>
         <p:spPr>
           <a:xfrm>
-            <a:off x="5535613" y="1901227"/>
-            <a:ext cx="3475922" cy="3160628"/>
+            <a:off x="5340936" y="1581375"/>
+            <a:ext cx="3455106" cy="4096098"/>
           </a:xfrm>
           <a:prstGeom prst="rect">
             <a:avLst/>
           </a:prstGeom>
         </p:spPr>
       </p:pic>
-      <p:sp>
-        <p:nvSpPr>
-          <p:cNvPr id="5" name="Text Box 19">
-            <a:extLst>
-              <a:ext uri="{FF2B5EF4-FFF2-40B4-BE49-F238E27FC236}">
-                <a16:creationId xmlns:a16="http://schemas.microsoft.com/office/drawing/2014/main" id="{1E243E07-482D-DD81-8E25-029440EABE6C}"/>
-              </a:ext>
-            </a:extLst>
-          </p:cNvPr>
-          <p:cNvSpPr txBox="1">
-            <a:spLocks noChangeArrowheads="1"/>
-          </p:cNvSpPr>
-          <p:nvPr/>
-        </p:nvSpPr>
-        <p:spPr bwMode="auto">
-          <a:xfrm>
-            <a:off x="260350" y="1725714"/>
-            <a:ext cx="4728202" cy="3769943"/>
-          </a:xfrm>
-          <a:prstGeom prst="rect">
-            <a:avLst/>
-          </a:prstGeom>
-          <a:noFill/>
-          <a:ln>
-            <a:noFill/>
-          </a:ln>
-          <a:extLst>
-            <a:ext uri="{909E8E84-426E-40DD-AFC4-6F175D3DCCD1}">
-              <a14:hiddenFill xmlns:a14="http://schemas.microsoft.com/office/drawing/2010/main">
-                <a:solidFill>
-                  <a:srgbClr val="FFFFFF"/>
-                </a:solidFill>
-              </a14:hiddenFill>
-            </a:ext>
-            <a:ext uri="{91240B29-F687-4F45-9708-019B960494DF}">
-              <a14:hiddenLine xmlns:a14="http://schemas.microsoft.com/office/drawing/2010/main" w="9525">
-                <a:solidFill>
-                  <a:srgbClr val="000000"/>
-                </a:solidFill>
-                <a:miter lim="800000"/>
-                <a:headEnd/>
-                <a:tailEnd/>
-              </a14:hiddenLine>
-            </a:ext>
-          </a:extLst>
-        </p:spPr>
-        <p:txBody>
-          <a:bodyPr wrap="square">
-            <a:spAutoFit/>
-          </a:bodyPr>
-          <a:lstStyle>
-            <a:lvl1pPr>
-              <a:spcBef>
-                <a:spcPct val="20000"/>
-              </a:spcBef>
-              <a:buChar char="•"/>
-              <a:defRPr sz="3200">
-                <a:solidFill>
-                  <a:schemeClr val="tx1"/>
-                </a:solidFill>
-                <a:latin typeface="Arial" panose="020B0604020202020204" pitchFamily="34" charset="0"/>
-              </a:defRPr>
-            </a:lvl1pPr>
-            <a:lvl2pPr marL="742950" indent="-285750">
-              <a:spcBef>
-                <a:spcPct val="20000"/>
-              </a:spcBef>
-              <a:buChar char="–"/>
-              <a:defRPr sz="2800">
-                <a:solidFill>
-                  <a:schemeClr val="tx1"/>
-                </a:solidFill>
-                <a:latin typeface="Arial" panose="020B0604020202020204" pitchFamily="34" charset="0"/>
-              </a:defRPr>
-            </a:lvl2pPr>
-            <a:lvl3pPr marL="1143000" indent="-228600">
-              <a:spcBef>
-                <a:spcPct val="20000"/>
-              </a:spcBef>
-              <a:buChar char="•"/>
-              <a:defRPr sz="2400">
-                <a:solidFill>
-                  <a:schemeClr val="tx1"/>
-                </a:solidFill>
-                <a:latin typeface="Arial" panose="020B0604020202020204" pitchFamily="34" charset="0"/>
-              </a:defRPr>
-            </a:lvl3pPr>
-            <a:lvl4pPr>
-              <a:spcBef>
-                <a:spcPct val="20000"/>
-              </a:spcBef>
-              <a:buChar char="–"/>
-              <a:defRPr sz="2000">
-                <a:solidFill>
-                  <a:schemeClr val="tx1"/>
-                </a:solidFill>
-                <a:latin typeface="Arial" panose="020B0604020202020204" pitchFamily="34" charset="0"/>
-              </a:defRPr>
-            </a:lvl4pPr>
-            <a:lvl5pPr marL="2057400" indent="-228600">
-              <a:spcBef>
-                <a:spcPct val="20000"/>
-              </a:spcBef>
-              <a:buChar char="»"/>
-              <a:defRPr sz="2000">
-                <a:solidFill>
-                  <a:schemeClr val="tx1"/>
-                </a:solidFill>
-                <a:latin typeface="Arial" panose="020B0604020202020204" pitchFamily="34" charset="0"/>
-              </a:defRPr>
-            </a:lvl5pPr>
-            <a:lvl6pPr marL="2514600" indent="-228600" eaLnBrk="0" fontAlgn="base" hangingPunct="0">
-              <a:spcBef>
-                <a:spcPct val="20000"/>
-              </a:spcBef>
-              <a:spcAft>
-                <a:spcPct val="0"/>
-              </a:spcAft>
-              <a:buChar char="»"/>
-              <a:defRPr sz="2000">
-                <a:solidFill>
-                  <a:schemeClr val="tx1"/>
-                </a:solidFill>
-                <a:latin typeface="Arial" panose="020B0604020202020204" pitchFamily="34" charset="0"/>
-              </a:defRPr>
-            </a:lvl6pPr>
-            <a:lvl7pPr marL="2971800" indent="-228600" eaLnBrk="0" fontAlgn="base" hangingPunct="0">
-              <a:spcBef>
-                <a:spcPct val="20000"/>
-              </a:spcBef>
-              <a:spcAft>
-                <a:spcPct val="0"/>
-              </a:spcAft>
-              <a:buChar char="»"/>
-              <a:defRPr sz="2000">
-                <a:solidFill>
-                  <a:schemeClr val="tx1"/>
-                </a:solidFill>
-                <a:latin typeface="Arial" panose="020B0604020202020204" pitchFamily="34" charset="0"/>
-              </a:defRPr>
-            </a:lvl7pPr>
-            <a:lvl8pPr marL="3429000" indent="-228600" eaLnBrk="0" fontAlgn="base" hangingPunct="0">
-              <a:spcBef>
-                <a:spcPct val="20000"/>
-              </a:spcBef>
-              <a:spcAft>
-                <a:spcPct val="0"/>
-              </a:spcAft>
-              <a:buChar char="»"/>
-              <a:defRPr sz="2000">
-                <a:solidFill>
-                  <a:schemeClr val="tx1"/>
-                </a:solidFill>
-                <a:latin typeface="Arial" panose="020B0604020202020204" pitchFamily="34" charset="0"/>
-              </a:defRPr>
-            </a:lvl8pPr>
-            <a:lvl9pPr marL="3886200" indent="-228600" eaLnBrk="0" fontAlgn="base" hangingPunct="0">
-              <a:spcBef>
-                <a:spcPct val="20000"/>
-              </a:spcBef>
-              <a:spcAft>
-                <a:spcPct val="0"/>
-              </a:spcAft>
-              <a:buChar char="»"/>
-              <a:defRPr sz="2000">
-                <a:solidFill>
-                  <a:schemeClr val="tx1"/>
-                </a:solidFill>
-                <a:latin typeface="Arial" panose="020B0604020202020204" pitchFamily="34" charset="0"/>
-              </a:defRPr>
-            </a:lvl9pPr>
-          </a:lstStyle>
-          <a:p>
-            <a:pPr marL="171450" indent="-171450" algn="just">
-              <a:lnSpc>
-                <a:spcPct val="150000"/>
-              </a:lnSpc>
-            </a:pPr>
-            <a:r>
-              <a:rPr lang="pt-PT" altLang="pt-PT" sz="1200" dirty="0">
-                <a:cs typeface="Arial" panose="020B0604020202020204" pitchFamily="34" charset="0"/>
-              </a:rPr>
-              <a:t>Este método verifica se uma lista de cartas representa uma sequência de cartas do mesmo naipe.</a:t>
-            </a:r>
-          </a:p>
-          <a:p>
-            <a:pPr marL="171450" indent="-171450" algn="just">
-              <a:lnSpc>
-                <a:spcPct val="150000"/>
-              </a:lnSpc>
-            </a:pPr>
-            <a:r>
-              <a:rPr lang="pt-PT" altLang="pt-PT" sz="1200" dirty="0" err="1">
-                <a:cs typeface="Arial" panose="020B0604020202020204" pitchFamily="34" charset="0"/>
-              </a:rPr>
-              <a:t>Começça</a:t>
-            </a:r>
-            <a:r>
-              <a:rPr lang="pt-PT" altLang="pt-PT" sz="1200" dirty="0">
-                <a:cs typeface="Arial" panose="020B0604020202020204" pitchFamily="34" charset="0"/>
-              </a:rPr>
-              <a:t> por verificar se existe um </a:t>
-            </a:r>
-            <a:r>
-              <a:rPr lang="pt-PT" altLang="pt-PT" sz="1200" dirty="0" err="1">
-                <a:cs typeface="Arial" panose="020B0604020202020204" pitchFamily="34" charset="0"/>
-              </a:rPr>
-              <a:t>flush</a:t>
-            </a:r>
-            <a:r>
-              <a:rPr lang="pt-PT" altLang="pt-PT" sz="1200" dirty="0">
-                <a:cs typeface="Arial" panose="020B0604020202020204" pitchFamily="34" charset="0"/>
-              </a:rPr>
-              <a:t> na mão, ou seja, se todas as cartas têm o mesmo naipe. Se não houver, a função retorna False.</a:t>
-            </a:r>
-          </a:p>
-          <a:p>
-            <a:pPr marL="171450" indent="-171450" algn="just">
-              <a:lnSpc>
-                <a:spcPct val="150000"/>
-              </a:lnSpc>
-            </a:pPr>
-            <a:r>
-              <a:rPr lang="pt-PT" altLang="pt-PT" sz="1200" dirty="0">
-                <a:cs typeface="Arial" panose="020B0604020202020204" pitchFamily="34" charset="0"/>
-              </a:rPr>
-              <a:t>Em seguida, as cartas são ordenadas por ordem decrescente de valor e verifica se há uma sequência de cinco cartas consecutivas, começando pela carta mais alta. Se não houver, a retorna False.</a:t>
-            </a:r>
-          </a:p>
-          <a:p>
-            <a:pPr marL="171450" indent="-171450" algn="just">
-              <a:lnSpc>
-                <a:spcPct val="150000"/>
-              </a:lnSpc>
-            </a:pPr>
-            <a:r>
-              <a:rPr lang="pt-PT" altLang="pt-PT" sz="1200" dirty="0">
-                <a:cs typeface="Arial" panose="020B0604020202020204" pitchFamily="34" charset="0"/>
-              </a:rPr>
-              <a:t>Finalmente, se uma sequência de cartas consecutivas do mesmo naipe é encontrada, retorna </a:t>
-            </a:r>
-            <a:r>
-              <a:rPr lang="pt-PT" altLang="pt-PT" sz="1200" dirty="0" err="1">
-                <a:cs typeface="Arial" panose="020B0604020202020204" pitchFamily="34" charset="0"/>
-              </a:rPr>
-              <a:t>True</a:t>
-            </a:r>
-            <a:r>
-              <a:rPr lang="pt-PT" altLang="pt-PT" sz="1200" dirty="0">
-                <a:cs typeface="Arial" panose="020B0604020202020204" pitchFamily="34" charset="0"/>
-              </a:rPr>
-              <a:t>, o que indica que temos uma sequência de cartas consecutivas do mesmo naipe (straight </a:t>
-            </a:r>
-            <a:r>
-              <a:rPr lang="pt-PT" altLang="pt-PT" sz="1200" dirty="0" err="1">
-                <a:cs typeface="Arial" panose="020B0604020202020204" pitchFamily="34" charset="0"/>
-              </a:rPr>
-              <a:t>flush</a:t>
-            </a:r>
-            <a:r>
-              <a:rPr lang="pt-PT" altLang="pt-PT" sz="1200" dirty="0">
-                <a:cs typeface="Arial" panose="020B0604020202020204" pitchFamily="34" charset="0"/>
-              </a:rPr>
-              <a:t>).</a:t>
-            </a:r>
-          </a:p>
-        </p:txBody>
-      </p:sp>
     </p:spTree>
     <p:extLst>
       <p:ext uri="{BB962C8B-B14F-4D97-AF65-F5344CB8AC3E}">
-        <p14:creationId xmlns:p14="http://schemas.microsoft.com/office/powerpoint/2010/main" val="3520545443"/>
+        <p14:creationId xmlns:p14="http://schemas.microsoft.com/office/powerpoint/2010/main" val="2117620389"/>
       </p:ext>
     </p:extLst>
   </p:cSld>
@@ -13644,8 +14068,8 @@
         </p:nvSpPr>
         <p:spPr bwMode="auto">
           <a:xfrm>
-            <a:off x="235077" y="1102291"/>
-            <a:ext cx="4870323" cy="5154937"/>
+            <a:off x="32207" y="1161567"/>
+            <a:ext cx="5529428" cy="4841005"/>
           </a:xfrm>
           <a:prstGeom prst="rect">
             <a:avLst/>
@@ -13810,91 +14234,19 @@
               <a:rPr lang="pt-PT" altLang="pt-PT" sz="1200" dirty="0">
                 <a:cs typeface="Arial" panose="020B0604020202020204" pitchFamily="34" charset="0"/>
               </a:rPr>
-              <a:t>O primeiro método verifica se as cartas dadas formam um "</a:t>
+              <a:t>O primeiro método, verifica se as cartas dadas formam um </a:t>
             </a:r>
             <a:r>
               <a:rPr lang="pt-PT" altLang="pt-PT" sz="1200" dirty="0" err="1">
                 <a:cs typeface="Arial" panose="020B0604020202020204" pitchFamily="34" charset="0"/>
               </a:rPr>
-              <a:t>Four</a:t>
+              <a:t>flush</a:t>
             </a:r>
             <a:r>
               <a:rPr lang="pt-PT" altLang="pt-PT" sz="1200" dirty="0">
                 <a:cs typeface="Arial" panose="020B0604020202020204" pitchFamily="34" charset="0"/>
               </a:rPr>
-              <a:t> </a:t>
-            </a:r>
-            <a:r>
-              <a:rPr lang="pt-PT" altLang="pt-PT" sz="1200" dirty="0" err="1">
-                <a:cs typeface="Arial" panose="020B0604020202020204" pitchFamily="34" charset="0"/>
-              </a:rPr>
-              <a:t>of</a:t>
-            </a:r>
-            <a:r>
-              <a:rPr lang="pt-PT" altLang="pt-PT" sz="1200" dirty="0">
-                <a:cs typeface="Arial" panose="020B0604020202020204" pitchFamily="34" charset="0"/>
-              </a:rPr>
-              <a:t> a </a:t>
-            </a:r>
-            <a:r>
-              <a:rPr lang="pt-PT" altLang="pt-PT" sz="1200" dirty="0" err="1">
-                <a:cs typeface="Arial" panose="020B0604020202020204" pitchFamily="34" charset="0"/>
-              </a:rPr>
-              <a:t>Kind</a:t>
-            </a:r>
-            <a:r>
-              <a:rPr lang="pt-PT" altLang="pt-PT" sz="1200" dirty="0">
-                <a:cs typeface="Arial" panose="020B0604020202020204" pitchFamily="34" charset="0"/>
-              </a:rPr>
-              <a:t>", ou seja, se há quatro cartas com o mesmo valor. </a:t>
-            </a:r>
-            <a:r>
-              <a:rPr lang="pt-PT" altLang="pt-PT" sz="1200" dirty="0" err="1">
-                <a:cs typeface="Arial" panose="020B0604020202020204" pitchFamily="34" charset="0"/>
-              </a:rPr>
-              <a:t>Começça</a:t>
-            </a:r>
-            <a:r>
-              <a:rPr lang="pt-PT" altLang="pt-PT" sz="1200" dirty="0">
-                <a:cs typeface="Arial" panose="020B0604020202020204" pitchFamily="34" charset="0"/>
-              </a:rPr>
-              <a:t> por criar uma lista de objetos </a:t>
-            </a:r>
-            <a:r>
-              <a:rPr lang="pt-PT" altLang="pt-PT" sz="1200" dirty="0" err="1">
-                <a:cs typeface="Arial" panose="020B0604020202020204" pitchFamily="34" charset="0"/>
-              </a:rPr>
-              <a:t>Rank</a:t>
-            </a:r>
-            <a:r>
-              <a:rPr lang="pt-PT" altLang="pt-PT" sz="1200" dirty="0">
-                <a:cs typeface="Arial" panose="020B0604020202020204" pitchFamily="34" charset="0"/>
-              </a:rPr>
-              <a:t> para cada carta na lista de cartas dadas. De seguida, percorre a lista de valores dos </a:t>
-            </a:r>
-            <a:r>
-              <a:rPr lang="pt-PT" altLang="pt-PT" sz="1200" dirty="0" err="1">
-                <a:cs typeface="Arial" panose="020B0604020202020204" pitchFamily="34" charset="0"/>
-              </a:rPr>
-              <a:t>ranks</a:t>
-            </a:r>
-            <a:r>
-              <a:rPr lang="pt-PT" altLang="pt-PT" sz="1200" dirty="0">
-                <a:cs typeface="Arial" panose="020B0604020202020204" pitchFamily="34" charset="0"/>
-              </a:rPr>
-              <a:t> para verificar se há algum </a:t>
-            </a:r>
-            <a:r>
-              <a:rPr lang="pt-PT" altLang="pt-PT" sz="1200" dirty="0" err="1">
-                <a:cs typeface="Arial" panose="020B0604020202020204" pitchFamily="34" charset="0"/>
-              </a:rPr>
-              <a:t>rank</a:t>
-            </a:r>
-            <a:r>
-              <a:rPr lang="pt-PT" altLang="pt-PT" sz="1200" dirty="0">
-                <a:cs typeface="Arial" panose="020B0604020202020204" pitchFamily="34" charset="0"/>
-              </a:rPr>
-              <a:t> que apareça exatamente 4 vezes, o que significa que há quatro cartas com o mesmo valor. Se encontrar, retorna </a:t>
+              <a:t>, que é quando todas as cartas pertencem ao mesmo naipe. Para fazer isso, o método cria um conjunto com os naipes das cartas, verificando se esse conjunto tem apenas um elemento, o que significa que todas as cartas têm o mesmo naipe. Se isso acontecer, o método retorna </a:t>
             </a:r>
             <a:r>
               <a:rPr lang="pt-PT" altLang="pt-PT" sz="1200" dirty="0" err="1">
@@ -13915,9 +14267,24 @@
                 <a:spcPct val="150000"/>
               </a:lnSpc>
             </a:pPr>
-            <a:endParaRPr lang="pt-PT" altLang="pt-PT" sz="1200" dirty="0">
-              <a:cs typeface="Arial" panose="020B0604020202020204" pitchFamily="34" charset="0"/>
-            </a:endParaRPr>
+            <a:r>
+              <a:rPr lang="pt-PT" altLang="pt-PT" sz="1200" dirty="0">
+                <a:cs typeface="Arial" panose="020B0604020202020204" pitchFamily="34" charset="0"/>
+              </a:rPr>
+              <a:t>O segundo, verifica se as cartas formam uma sequência (straight). Para isso, começa por criar uma lista com os valores das cartas ordenados por ordem crescente. Em seguida, verifica se há 5 valores diferentes nessa lista e se a diferença entre o valor da carta mais alta e o valor da carta mais baixa é exatamente 4. Se estas duas condições se verificarem, então as cartas formam uma sequência e o método retorna </a:t>
+            </a:r>
+            <a:r>
+              <a:rPr lang="pt-PT" altLang="pt-PT" sz="1200" dirty="0" err="1">
+                <a:cs typeface="Arial" panose="020B0604020202020204" pitchFamily="34" charset="0"/>
+              </a:rPr>
+              <a:t>True</a:t>
+            </a:r>
+            <a:r>
+              <a:rPr lang="pt-PT" altLang="pt-PT" sz="1200" dirty="0">
+                <a:cs typeface="Arial" panose="020B0604020202020204" pitchFamily="34" charset="0"/>
+              </a:rPr>
+              <a:t>. </a:t>
+            </a:r>
           </a:p>
           <a:p>
             <a:pPr marL="171450" indent="-171450" algn="just">
@@ -13929,176 +14296,43 @@
               <a:rPr lang="pt-PT" altLang="pt-PT" sz="1200" dirty="0">
                 <a:cs typeface="Arial" panose="020B0604020202020204" pitchFamily="34" charset="0"/>
               </a:rPr>
-              <a:t>O segundo método verifica se a mão contém um </a:t>
+              <a:t>Por fim, o último método verifica se a mão contém três cartas com o mesmo valor. Primeiro, cria-se uma lista com os valores das cartas (</a:t>
             </a:r>
             <a:r>
               <a:rPr lang="pt-PT" altLang="pt-PT" sz="1200" dirty="0" err="1">
                 <a:cs typeface="Arial" panose="020B0604020202020204" pitchFamily="34" charset="0"/>
               </a:rPr>
-              <a:t>Full</a:t>
+              <a:t>ranks</a:t>
             </a:r>
             <a:r>
               <a:rPr lang="pt-PT" altLang="pt-PT" sz="1200" dirty="0">
                 <a:cs typeface="Arial" panose="020B0604020202020204" pitchFamily="34" charset="0"/>
               </a:rPr>
-              <a:t> </a:t>
+              <a:t>). Depois, para cada valor, verifica-se se ele ocorre três vezes na lista de </a:t>
             </a:r>
             <a:r>
               <a:rPr lang="pt-PT" altLang="pt-PT" sz="1200" dirty="0" err="1">
                 <a:cs typeface="Arial" panose="020B0604020202020204" pitchFamily="34" charset="0"/>
               </a:rPr>
-              <a:t>House</a:t>
+              <a:t>ranks</a:t>
             </a:r>
             <a:r>
               <a:rPr lang="pt-PT" altLang="pt-PT" sz="1200" dirty="0">
                 <a:cs typeface="Arial" panose="020B0604020202020204" pitchFamily="34" charset="0"/>
               </a:rPr>
-              <a:t>, ou seja, três cartas do mesmo valor e duas cartas de outro valor.</a:t>
-            </a:r>
-          </a:p>
-          <a:p>
-            <a:pPr marL="171450" indent="-171450" algn="just">
-              <a:lnSpc>
-                <a:spcPct val="150000"/>
-              </a:lnSpc>
-            </a:pPr>
+              <a:t>. Se ocorrer, a função retorna </a:t>
+            </a:r>
+            <a:r>
+              <a:rPr lang="pt-PT" altLang="pt-PT" sz="1200" dirty="0" err="1">
+                <a:cs typeface="Arial" panose="020B0604020202020204" pitchFamily="34" charset="0"/>
+              </a:rPr>
+              <a:t>True</a:t>
+            </a:r>
             <a:r>
               <a:rPr lang="pt-PT" altLang="pt-PT" sz="1200" dirty="0">
                 <a:cs typeface="Arial" panose="020B0604020202020204" pitchFamily="34" charset="0"/>
               </a:rPr>
-              <a:t>O método começa por verificar se há um </a:t>
-            </a:r>
-            <a:r>
-              <a:rPr lang="pt-PT" altLang="pt-PT" sz="1200" dirty="0" err="1">
-                <a:cs typeface="Arial" panose="020B0604020202020204" pitchFamily="34" charset="0"/>
-              </a:rPr>
-              <a:t>um</a:t>
-            </a:r>
-            <a:r>
-              <a:rPr lang="pt-PT" altLang="pt-PT" sz="1200" dirty="0">
-                <a:cs typeface="Arial" panose="020B0604020202020204" pitchFamily="34" charset="0"/>
-              </a:rPr>
-              <a:t> </a:t>
-            </a:r>
-            <a:r>
-              <a:rPr lang="pt-PT" altLang="pt-PT" sz="1200" dirty="0" err="1">
-                <a:cs typeface="Arial" panose="020B0604020202020204" pitchFamily="34" charset="0"/>
-              </a:rPr>
-              <a:t>three</a:t>
-            </a:r>
-            <a:r>
-              <a:rPr lang="pt-PT" altLang="pt-PT" sz="1200" dirty="0">
-                <a:cs typeface="Arial" panose="020B0604020202020204" pitchFamily="34" charset="0"/>
-              </a:rPr>
-              <a:t> </a:t>
-            </a:r>
-            <a:r>
-              <a:rPr lang="pt-PT" altLang="pt-PT" sz="1200" dirty="0" err="1">
-                <a:cs typeface="Arial" panose="020B0604020202020204" pitchFamily="34" charset="0"/>
-              </a:rPr>
-              <a:t>of</a:t>
-            </a:r>
-            <a:r>
-              <a:rPr lang="pt-PT" altLang="pt-PT" sz="1200" dirty="0">
-                <a:cs typeface="Arial" panose="020B0604020202020204" pitchFamily="34" charset="0"/>
-              </a:rPr>
-              <a:t> a </a:t>
-            </a:r>
-            <a:r>
-              <a:rPr lang="pt-PT" altLang="pt-PT" sz="1200" dirty="0" err="1">
-                <a:cs typeface="Arial" panose="020B0604020202020204" pitchFamily="34" charset="0"/>
-              </a:rPr>
-              <a:t>kind</a:t>
-            </a:r>
-            <a:r>
-              <a:rPr lang="pt-PT" altLang="pt-PT" sz="1200" dirty="0">
-                <a:cs typeface="Arial" panose="020B0604020202020204" pitchFamily="34" charset="0"/>
-              </a:rPr>
-              <a:t> através do método </a:t>
-            </a:r>
-            <a:r>
-              <a:rPr lang="pt-PT" altLang="pt-PT" sz="1200" dirty="0" err="1">
-                <a:cs typeface="Arial" panose="020B0604020202020204" pitchFamily="34" charset="0"/>
-              </a:rPr>
-              <a:t>is_three_of_a_kind</a:t>
-            </a:r>
-            <a:r>
-              <a:rPr lang="pt-PT" altLang="pt-PT" sz="1200" dirty="0">
-                <a:cs typeface="Arial" panose="020B0604020202020204" pitchFamily="34" charset="0"/>
-              </a:rPr>
-              <a:t> da mesma classe. Se não houver, a função retorna False. Se houver um </a:t>
-            </a:r>
-            <a:r>
-              <a:rPr lang="pt-PT" altLang="pt-PT" sz="1200" dirty="0" err="1">
-                <a:cs typeface="Arial" panose="020B0604020202020204" pitchFamily="34" charset="0"/>
-              </a:rPr>
-              <a:t>three</a:t>
-            </a:r>
-            <a:r>
-              <a:rPr lang="pt-PT" altLang="pt-PT" sz="1200" dirty="0">
-                <a:cs typeface="Arial" panose="020B0604020202020204" pitchFamily="34" charset="0"/>
-              </a:rPr>
-              <a:t> </a:t>
-            </a:r>
-            <a:r>
-              <a:rPr lang="pt-PT" altLang="pt-PT" sz="1200" dirty="0" err="1">
-                <a:cs typeface="Arial" panose="020B0604020202020204" pitchFamily="34" charset="0"/>
-              </a:rPr>
-              <a:t>of</a:t>
-            </a:r>
-            <a:r>
-              <a:rPr lang="pt-PT" altLang="pt-PT" sz="1200" dirty="0">
-                <a:cs typeface="Arial" panose="020B0604020202020204" pitchFamily="34" charset="0"/>
-              </a:rPr>
-              <a:t> a </a:t>
-            </a:r>
-            <a:r>
-              <a:rPr lang="pt-PT" altLang="pt-PT" sz="1200" dirty="0" err="1">
-                <a:cs typeface="Arial" panose="020B0604020202020204" pitchFamily="34" charset="0"/>
-              </a:rPr>
-              <a:t>kind</a:t>
-            </a:r>
-            <a:r>
-              <a:rPr lang="pt-PT" altLang="pt-PT" sz="1200" dirty="0">
-                <a:cs typeface="Arial" panose="020B0604020202020204" pitchFamily="34" charset="0"/>
-              </a:rPr>
-              <a:t>, o método verifica se há um par entre as duas cartas restantes na mão. Para isso, o método verifica o valor da carta e verifica se o valor aparece exatamente duas vezes entre as cinco cartas. Se houver um par, a retorna </a:t>
-            </a:r>
-            <a:r>
-              <a:rPr lang="pt-PT" altLang="pt-PT" sz="1200" dirty="0" err="1">
-                <a:cs typeface="Arial" panose="020B0604020202020204" pitchFamily="34" charset="0"/>
-              </a:rPr>
-              <a:t>True</a:t>
-            </a:r>
-            <a:r>
-              <a:rPr lang="pt-PT" altLang="pt-PT" sz="1200" dirty="0">
-                <a:cs typeface="Arial" panose="020B0604020202020204" pitchFamily="34" charset="0"/>
-              </a:rPr>
-              <a:t>, indicando que há uma </a:t>
-            </a:r>
-            <a:r>
-              <a:rPr lang="pt-PT" altLang="pt-PT" sz="1200" dirty="0" err="1">
-                <a:cs typeface="Arial" panose="020B0604020202020204" pitchFamily="34" charset="0"/>
-              </a:rPr>
-              <a:t>Full</a:t>
-            </a:r>
-            <a:r>
-              <a:rPr lang="pt-PT" altLang="pt-PT" sz="1200" dirty="0">
-                <a:cs typeface="Arial" panose="020B0604020202020204" pitchFamily="34" charset="0"/>
-              </a:rPr>
-              <a:t> </a:t>
-            </a:r>
-            <a:r>
-              <a:rPr lang="pt-PT" altLang="pt-PT" sz="1200" dirty="0" err="1">
-                <a:cs typeface="Arial" panose="020B0604020202020204" pitchFamily="34" charset="0"/>
-              </a:rPr>
-              <a:t>House</a:t>
-            </a:r>
-            <a:r>
-              <a:rPr lang="pt-PT" altLang="pt-PT" sz="1200" dirty="0">
-                <a:cs typeface="Arial" panose="020B0604020202020204" pitchFamily="34" charset="0"/>
-              </a:rPr>
-              <a:t>. Se não houver, a retorna False.</a:t>
+              <a:t>, caso contrário, continua a procurar por outras combinações. Se nenhum valor aparecer três vezes, a função retorna False</a:t>
             </a:r>
           </a:p>
         </p:txBody>
@@ -14805,10 +15039,10 @@
       </p:sp>
       <p:pic>
         <p:nvPicPr>
-          <p:cNvPr id="5" name="Imagem 4" descr="Uma imagem com texto&#10;&#10;Descrição gerada automaticamente">
+          <p:cNvPr id="3" name="Imagem 2" descr="Uma imagem com texto&#10;&#10;Descrição gerada automaticamente">
             <a:extLst>
               <a:ext uri="{FF2B5EF4-FFF2-40B4-BE49-F238E27FC236}">
-                <a16:creationId xmlns:a16="http://schemas.microsoft.com/office/drawing/2014/main" id="{2ADD4822-3A4A-8FAF-B46B-8C6F8D157E19}"/>
+                <a16:creationId xmlns:a16="http://schemas.microsoft.com/office/drawing/2014/main" id="{83160E6A-C572-15E3-6DD5-EB0BF0B5859F}"/>
               </a:ext>
             </a:extLst>
           </p:cNvPr>
@@ -14817,7 +15051,7 @@
           </p:cNvPicPr>
           <p:nvPr/>
         </p:nvPicPr>
-        <p:blipFill>
+        <p:blipFill rotWithShape="1">
           <a:blip r:embed="rId7">
             <a:extLst>
               <a:ext uri="{28A0092B-C50C-407E-A947-70E740481C1C}">
@@ -14825,14 +15059,13 @@
               </a:ext>
             </a:extLst>
           </a:blip>
-          <a:stretch>
-            <a:fillRect/>
-          </a:stretch>
+          <a:srcRect r="38332"/>
+          <a:stretch/>
         </p:blipFill>
         <p:spPr>
           <a:xfrm>
-            <a:off x="5340936" y="1581375"/>
-            <a:ext cx="3455106" cy="4096098"/>
+            <a:off x="5622150" y="1397762"/>
+            <a:ext cx="3418663" cy="4341410"/>
           </a:xfrm>
           <a:prstGeom prst="rect">
             <a:avLst/>
@@ -14842,7 +15075,7 @@
     </p:spTree>
     <p:extLst>
       <p:ext uri="{BB962C8B-B14F-4D97-AF65-F5344CB8AC3E}">
-        <p14:creationId xmlns:p14="http://schemas.microsoft.com/office/powerpoint/2010/main" val="2117620389"/>
+        <p14:creationId xmlns:p14="http://schemas.microsoft.com/office/powerpoint/2010/main" val="2780288653"/>
       </p:ext>
     </p:extLst>
   </p:cSld>
@@ -14885,8 +15118,8 @@
         </p:nvSpPr>
         <p:spPr bwMode="auto">
           <a:xfrm>
-            <a:off x="32207" y="1161567"/>
-            <a:ext cx="5529428" cy="4841005"/>
+            <a:off x="124523" y="2038249"/>
+            <a:ext cx="5526724" cy="2625014"/>
           </a:xfrm>
           <a:prstGeom prst="rect">
             <a:avLst/>
@@ -15051,19 +15284,19 @@
               <a:rPr lang="pt-PT" altLang="pt-PT" sz="1200" dirty="0">
                 <a:cs typeface="Arial" panose="020B0604020202020204" pitchFamily="34" charset="0"/>
               </a:rPr>
-              <a:t>O primeiro método, verifica se as cartas dadas formam um </a:t>
+              <a:t>O primeiro método, verifica se uma mão de cartas tem dois pares. Ele começa ordenando as cartas por </a:t>
             </a:r>
             <a:r>
               <a:rPr lang="pt-PT" altLang="pt-PT" sz="1200" dirty="0" err="1">
                 <a:cs typeface="Arial" panose="020B0604020202020204" pitchFamily="34" charset="0"/>
               </a:rPr>
-              <a:t>flush</a:t>
+              <a:t>rank</a:t>
             </a:r>
             <a:r>
               <a:rPr lang="pt-PT" altLang="pt-PT" sz="1200" dirty="0">
                 <a:cs typeface="Arial" panose="020B0604020202020204" pitchFamily="34" charset="0"/>
               </a:rPr>
-              <a:t>, que é quando todas as cartas pertencem ao mesmo naipe. Para fazer isso, o método cria um conjunto com os naipes das cartas, verificando se esse conjunto tem apenas um elemento, o que significa que todas as cartas têm o mesmo naipe. Se isso acontecer, o método retorna </a:t>
+              <a:t> e, em seguida, percorre a lista a verificar se há pares adjacentes de cartas com a mesma classificação. Se houver exatamente dois desses pares, então retorna </a:t>
             </a:r>
             <a:r>
               <a:rPr lang="pt-PT" altLang="pt-PT" sz="1200" dirty="0" err="1">
@@ -15084,24 +15317,9 @@
                 <a:spcPct val="150000"/>
               </a:lnSpc>
             </a:pPr>
-            <a:r>
-              <a:rPr lang="pt-PT" altLang="pt-PT" sz="1200" dirty="0">
-                <a:cs typeface="Arial" panose="020B0604020202020204" pitchFamily="34" charset="0"/>
-              </a:rPr>
-              <a:t>O segundo, verifica se as cartas formam uma sequência (straight). Para isso, começa por criar uma lista com os valores das cartas ordenados por ordem crescente. Em seguida, verifica se há 5 valores diferentes nessa lista e se a diferença entre o valor da carta mais alta e o valor da carta mais baixa é exatamente 4. Se estas duas condições se verificarem, então as cartas formam uma sequência e o método retorna </a:t>
-            </a:r>
-            <a:r>
-              <a:rPr lang="pt-PT" altLang="pt-PT" sz="1200" dirty="0" err="1">
-                <a:cs typeface="Arial" panose="020B0604020202020204" pitchFamily="34" charset="0"/>
-              </a:rPr>
-              <a:t>True</a:t>
-            </a:r>
-            <a:r>
-              <a:rPr lang="pt-PT" altLang="pt-PT" sz="1200" dirty="0">
-                <a:cs typeface="Arial" panose="020B0604020202020204" pitchFamily="34" charset="0"/>
-              </a:rPr>
-              <a:t>. </a:t>
-            </a:r>
+            <a:endParaRPr lang="pt-PT" altLang="pt-PT" sz="1200" dirty="0">
+              <a:cs typeface="Arial" panose="020B0604020202020204" pitchFamily="34" charset="0"/>
+            </a:endParaRPr>
           </a:p>
           <a:p>
             <a:pPr marL="171450" indent="-171450" algn="just">
@@ -15113,43 +15331,31 @@
               <a:rPr lang="pt-PT" altLang="pt-PT" sz="1200" dirty="0">
                 <a:cs typeface="Arial" panose="020B0604020202020204" pitchFamily="34" charset="0"/>
               </a:rPr>
-              <a:t>Por fim, o último método verifica se a mão contém três cartas com o mesmo valor. Primeiro, cria-se uma lista com os valores das cartas (</a:t>
+              <a:t>Por fim, o último método da classe avalia se as cartas dadas formam um par. Ele percorre a lista de cartas e verifica se há duas com o mesmo </a:t>
             </a:r>
             <a:r>
               <a:rPr lang="pt-PT" altLang="pt-PT" sz="1200" dirty="0" err="1">
                 <a:cs typeface="Arial" panose="020B0604020202020204" pitchFamily="34" charset="0"/>
               </a:rPr>
-              <a:t>ranks</a:t>
+              <a:t>rank</a:t>
             </a:r>
             <a:r>
               <a:rPr lang="pt-PT" altLang="pt-PT" sz="1200" dirty="0">
                 <a:cs typeface="Arial" panose="020B0604020202020204" pitchFamily="34" charset="0"/>
               </a:rPr>
-              <a:t>). Depois, para cada valor, verifica-se se ele ocorre três vezes na lista de </a:t>
+              <a:t>. Se encontrar um par, retorna </a:t>
             </a:r>
             <a:r>
               <a:rPr lang="pt-PT" altLang="pt-PT" sz="1200" dirty="0" err="1">
                 <a:cs typeface="Arial" panose="020B0604020202020204" pitchFamily="34" charset="0"/>
               </a:rPr>
-              <a:t>ranks</a:t>
+              <a:t>True</a:t>
             </a:r>
             <a:r>
               <a:rPr lang="pt-PT" altLang="pt-PT" sz="1200" dirty="0">
                 <a:cs typeface="Arial" panose="020B0604020202020204" pitchFamily="34" charset="0"/>
               </a:rPr>
-              <a:t>. Se ocorrer, a função retorna </a:t>
-            </a:r>
-            <a:r>
-              <a:rPr lang="pt-PT" altLang="pt-PT" sz="1200" dirty="0" err="1">
-                <a:cs typeface="Arial" panose="020B0604020202020204" pitchFamily="34" charset="0"/>
-              </a:rPr>
-              <a:t>True</a:t>
-            </a:r>
-            <a:r>
-              <a:rPr lang="pt-PT" altLang="pt-PT" sz="1200" dirty="0">
-                <a:cs typeface="Arial" panose="020B0604020202020204" pitchFamily="34" charset="0"/>
-              </a:rPr>
-              <a:t>, caso contrário, continua a procurar por outras combinações. Se nenhum valor aparecer três vezes, a função retorna False</a:t>
+              <a:t>, caso contrário retorna False.</a:t>
             </a:r>
           </a:p>
         </p:txBody>
@@ -15856,10 +16062,10 @@
       </p:sp>
       <p:pic>
         <p:nvPicPr>
-          <p:cNvPr id="3" name="Imagem 2" descr="Uma imagem com texto&#10;&#10;Descrição gerada automaticamente">
+          <p:cNvPr id="5" name="Imagem 4" descr="Uma imagem com texto&#10;&#10;Descrição gerada automaticamente">
             <a:extLst>
               <a:ext uri="{FF2B5EF4-FFF2-40B4-BE49-F238E27FC236}">
-                <a16:creationId xmlns:a16="http://schemas.microsoft.com/office/drawing/2014/main" id="{83160E6A-C572-15E3-6DD5-EB0BF0B5859F}"/>
+                <a16:creationId xmlns:a16="http://schemas.microsoft.com/office/drawing/2014/main" id="{EBEED10B-3146-279E-C282-D325D15A1D92}"/>
               </a:ext>
             </a:extLst>
           </p:cNvPr>
@@ -15868,7 +16074,7 @@
           </p:cNvPicPr>
           <p:nvPr/>
         </p:nvPicPr>
-        <p:blipFill rotWithShape="1">
+        <p:blipFill>
           <a:blip r:embed="rId7">
             <a:extLst>
               <a:ext uri="{28A0092B-C50C-407E-A947-70E740481C1C}">
@@ -15876,13 +16082,14 @@
               </a:ext>
             </a:extLst>
           </a:blip>
-          <a:srcRect r="38332"/>
-          <a:stretch/>
+          <a:stretch>
+            <a:fillRect/>
+          </a:stretch>
         </p:blipFill>
         <p:spPr>
           <a:xfrm>
-            <a:off x="5622150" y="1397762"/>
-            <a:ext cx="3418663" cy="4341410"/>
+            <a:off x="5843988" y="1809588"/>
+            <a:ext cx="3175489" cy="3692429"/>
           </a:xfrm>
           <a:prstGeom prst="rect">
             <a:avLst/>
@@ -15892,7 +16099,7 @@
     </p:spTree>
     <p:extLst>
       <p:ext uri="{BB962C8B-B14F-4D97-AF65-F5344CB8AC3E}">
-        <p14:creationId xmlns:p14="http://schemas.microsoft.com/office/powerpoint/2010/main" val="2780288653"/>
+        <p14:creationId xmlns:p14="http://schemas.microsoft.com/office/powerpoint/2010/main" val="2459231282"/>
       </p:ext>
     </p:extLst>
   </p:cSld>
@@ -15919,6 +16126,36 @@
           <a:chExt cx="0" cy="0"/>
         </a:xfrm>
       </p:grpSpPr>
+      <p:pic>
+        <p:nvPicPr>
+          <p:cNvPr id="10" name="Imagem 9">
+            <a:extLst>
+              <a:ext uri="{FF2B5EF4-FFF2-40B4-BE49-F238E27FC236}">
+                <a16:creationId xmlns:a16="http://schemas.microsoft.com/office/drawing/2014/main" id="{F23A481F-4874-0C73-64FB-487F77E07B50}"/>
+              </a:ext>
+            </a:extLst>
+          </p:cNvPr>
+          <p:cNvPicPr>
+            <a:picLocks noChangeAspect="1"/>
+          </p:cNvPicPr>
+          <p:nvPr/>
+        </p:nvPicPr>
+        <p:blipFill>
+          <a:blip r:embed="rId3"/>
+          <a:stretch>
+            <a:fillRect/>
+          </a:stretch>
+        </p:blipFill>
+        <p:spPr>
+          <a:xfrm>
+            <a:off x="3797300" y="2515915"/>
+            <a:ext cx="5211180" cy="3665436"/>
+          </a:xfrm>
+          <a:prstGeom prst="rect">
+            <a:avLst/>
+          </a:prstGeom>
+        </p:spPr>
+      </p:pic>
       <p:sp>
         <p:nvSpPr>
           <p:cNvPr id="14" name="Text Box 19">
@@ -15935,8 +16172,8 @@
         </p:nvSpPr>
         <p:spPr bwMode="auto">
           <a:xfrm>
-            <a:off x="124523" y="2038249"/>
-            <a:ext cx="5526724" cy="2625014"/>
+            <a:off x="324676" y="1071937"/>
+            <a:ext cx="8209723" cy="889154"/>
           </a:xfrm>
           <a:prstGeom prst="rect">
             <a:avLst/>
@@ -16101,78 +16338,43 @@
               <a:rPr lang="pt-PT" altLang="pt-PT" sz="1200" dirty="0">
                 <a:cs typeface="Arial" panose="020B0604020202020204" pitchFamily="34" charset="0"/>
               </a:rPr>
-              <a:t>O primeiro método, verifica se uma mão de cartas tem dois pares. Ele começa ordenando as cartas por </a:t>
+              <a:t>Na classe </a:t>
             </a:r>
             <a:r>
               <a:rPr lang="pt-PT" altLang="pt-PT" sz="1200" dirty="0" err="1">
                 <a:cs typeface="Arial" panose="020B0604020202020204" pitchFamily="34" charset="0"/>
               </a:rPr>
-              <a:t>rank</a:t>
+              <a:t>TexasEvaluate</a:t>
             </a:r>
             <a:r>
               <a:rPr lang="pt-PT" altLang="pt-PT" sz="1200" dirty="0">
                 <a:cs typeface="Arial" panose="020B0604020202020204" pitchFamily="34" charset="0"/>
               </a:rPr>
-              <a:t> e, em seguida, percorre a lista a verificar se há pares adjacentes de cartas com a mesma classificação. Se houver exatamente dois desses pares, então retorna </a:t>
+              <a:t>, temos o método </a:t>
             </a:r>
             <a:r>
               <a:rPr lang="pt-PT" altLang="pt-PT" sz="1200" dirty="0" err="1">
                 <a:cs typeface="Arial" panose="020B0604020202020204" pitchFamily="34" charset="0"/>
               </a:rPr>
-              <a:t>True</a:t>
+              <a:t>calculate_hand_value</a:t>
             </a:r>
             <a:r>
               <a:rPr lang="pt-PT" altLang="pt-PT" sz="1200" dirty="0">
                 <a:cs typeface="Arial" panose="020B0604020202020204" pitchFamily="34" charset="0"/>
               </a:rPr>
-              <a:t>, caso contrário, retorna False.</a:t>
-            </a:r>
-          </a:p>
-          <a:p>
-            <a:pPr marL="171450" indent="-171450" algn="just">
-              <a:lnSpc>
-                <a:spcPct val="150000"/>
-              </a:lnSpc>
-            </a:pPr>
-            <a:endParaRPr lang="pt-PT" altLang="pt-PT" sz="1200" dirty="0">
-              <a:cs typeface="Arial" panose="020B0604020202020204" pitchFamily="34" charset="0"/>
-            </a:endParaRPr>
-          </a:p>
-          <a:p>
-            <a:pPr marL="171450" indent="-171450" algn="just">
-              <a:lnSpc>
-                <a:spcPct val="150000"/>
-              </a:lnSpc>
-            </a:pPr>
+              <a:t>, que recebe como parâmetro as </a:t>
+            </a:r>
+            <a:r>
+              <a:rPr lang="pt-PT" altLang="pt-PT" sz="1200" dirty="0" err="1">
+                <a:cs typeface="Arial" panose="020B0604020202020204" pitchFamily="34" charset="0"/>
+              </a:rPr>
+              <a:t>hands</a:t>
+            </a:r>
             <a:r>
               <a:rPr lang="pt-PT" altLang="pt-PT" sz="1200" dirty="0">
                 <a:cs typeface="Arial" panose="020B0604020202020204" pitchFamily="34" charset="0"/>
               </a:rPr>
-              <a:t>Por fim, o último método da classe avalia se as cartas dadas formam um par. Ele percorre a lista de cartas e verifica se há duas com o mesmo </a:t>
-            </a:r>
-            <a:r>
-              <a:rPr lang="pt-PT" altLang="pt-PT" sz="1200" dirty="0" err="1">
-                <a:cs typeface="Arial" panose="020B0604020202020204" pitchFamily="34" charset="0"/>
-              </a:rPr>
-              <a:t>rank</a:t>
-            </a:r>
-            <a:r>
-              <a:rPr lang="pt-PT" altLang="pt-PT" sz="1200" dirty="0">
-                <a:cs typeface="Arial" panose="020B0604020202020204" pitchFamily="34" charset="0"/>
-              </a:rPr>
-              <a:t>. Se encontrar um par, retorna </a:t>
-            </a:r>
-            <a:r>
-              <a:rPr lang="pt-PT" altLang="pt-PT" sz="1200" dirty="0" err="1">
-                <a:cs typeface="Arial" panose="020B0604020202020204" pitchFamily="34" charset="0"/>
-              </a:rPr>
-              <a:t>True</a:t>
-            </a:r>
-            <a:r>
-              <a:rPr lang="pt-PT" altLang="pt-PT" sz="1200" dirty="0">
-                <a:cs typeface="Arial" panose="020B0604020202020204" pitchFamily="34" charset="0"/>
-              </a:rPr>
-              <a:t>, caso contrário retorna False.</a:t>
+              <a:t> e cartas comunitárias e utiliza os métodos anteriores para determinar o valor numérico a cada mão, que depois são comparados para selecionar o vencedor.</a:t>
             </a:r>
           </a:p>
         </p:txBody>
@@ -16352,7 +16554,7 @@
           <p:nvPr/>
         </p:nvPicPr>
         <p:blipFill>
-          <a:blip r:embed="rId3"/>
+          <a:blip r:embed="rId4"/>
           <a:stretch>
             <a:fillRect/>
           </a:stretch>
@@ -16426,7 +16628,7 @@
           <p:nvPr/>
         </p:nvPicPr>
         <p:blipFill>
-          <a:blip r:embed="rId4" cstate="print">
+          <a:blip r:embed="rId5" cstate="print">
             <a:extLst>
               <a:ext uri="{28A0092B-C50C-407E-A947-70E740481C1C}">
                 <a14:useLocalDpi xmlns:a14="http://schemas.microsoft.com/office/drawing/2010/main" val="0"/>
@@ -16558,7 +16760,7 @@
           <p:nvPr/>
         </p:nvPicPr>
         <p:blipFill>
-          <a:blip r:embed="rId5"/>
+          <a:blip r:embed="rId6"/>
           <a:stretch>
             <a:fillRect/>
           </a:stretch>
@@ -16588,7 +16790,7 @@
           <p:nvPr/>
         </p:nvPicPr>
         <p:blipFill>
-          <a:blip r:embed="rId6" cstate="print">
+          <a:blip r:embed="rId7" cstate="print">
             <a:extLst>
               <a:ext uri="{28A0092B-C50C-407E-A947-70E740481C1C}">
                 <a14:useLocalDpi xmlns:a14="http://schemas.microsoft.com/office/drawing/2010/main" val="0"/>
@@ -16877,46 +17079,293 @@
           </a:p>
         </p:txBody>
       </p:sp>
-      <p:pic>
-        <p:nvPicPr>
-          <p:cNvPr id="5" name="Imagem 4" descr="Uma imagem com texto&#10;&#10;Descrição gerada automaticamente">
+      <p:sp>
+        <p:nvSpPr>
+          <p:cNvPr id="5" name="Text Box 19">
             <a:extLst>
               <a:ext uri="{FF2B5EF4-FFF2-40B4-BE49-F238E27FC236}">
-                <a16:creationId xmlns:a16="http://schemas.microsoft.com/office/drawing/2014/main" id="{EBEED10B-3146-279E-C282-D325D15A1D92}"/>
+                <a16:creationId xmlns:a16="http://schemas.microsoft.com/office/drawing/2014/main" id="{C20B0FCC-4CFE-0DA9-8F38-B0423EEAD52A}"/>
               </a:ext>
             </a:extLst>
           </p:cNvPr>
-          <p:cNvPicPr>
-            <a:picLocks noChangeAspect="1"/>
-          </p:cNvPicPr>
-          <p:nvPr/>
-        </p:nvPicPr>
-        <p:blipFill>
-          <a:blip r:embed="rId7">
-            <a:extLst>
-              <a:ext uri="{28A0092B-C50C-407E-A947-70E740481C1C}">
-                <a14:useLocalDpi xmlns:a14="http://schemas.microsoft.com/office/drawing/2010/main" val="0"/>
-              </a:ext>
-            </a:extLst>
-          </a:blip>
-          <a:stretch>
-            <a:fillRect/>
-          </a:stretch>
-        </p:blipFill>
+          <p:cNvSpPr txBox="1">
+            <a:spLocks noChangeArrowheads="1"/>
+          </p:cNvSpPr>
+          <p:nvPr/>
+        </p:nvSpPr>
+        <p:spPr bwMode="auto">
+          <a:xfrm>
+            <a:off x="306388" y="1961091"/>
+            <a:ext cx="3403028" cy="1443152"/>
+          </a:xfrm>
+          <a:prstGeom prst="rect">
+            <a:avLst/>
+          </a:prstGeom>
+          <a:noFill/>
+          <a:ln>
+            <a:noFill/>
+          </a:ln>
+          <a:extLst>
+            <a:ext uri="{909E8E84-426E-40DD-AFC4-6F175D3DCCD1}">
+              <a14:hiddenFill xmlns:a14="http://schemas.microsoft.com/office/drawing/2010/main">
+                <a:solidFill>
+                  <a:srgbClr val="FFFFFF"/>
+                </a:solidFill>
+              </a14:hiddenFill>
+            </a:ext>
+            <a:ext uri="{91240B29-F687-4F45-9708-019B960494DF}">
+              <a14:hiddenLine xmlns:a14="http://schemas.microsoft.com/office/drawing/2010/main" w="9525">
+                <a:solidFill>
+                  <a:srgbClr val="000000"/>
+                </a:solidFill>
+                <a:miter lim="800000"/>
+                <a:headEnd/>
+                <a:tailEnd/>
+              </a14:hiddenLine>
+            </a:ext>
+          </a:extLst>
+        </p:spPr>
+        <p:txBody>
+          <a:bodyPr wrap="square">
+            <a:spAutoFit/>
+          </a:bodyPr>
+          <a:lstStyle>
+            <a:lvl1pPr>
+              <a:spcBef>
+                <a:spcPct val="20000"/>
+              </a:spcBef>
+              <a:buChar char="•"/>
+              <a:defRPr sz="3200">
+                <a:solidFill>
+                  <a:schemeClr val="tx1"/>
+                </a:solidFill>
+                <a:latin typeface="Arial" panose="020B0604020202020204" pitchFamily="34" charset="0"/>
+              </a:defRPr>
+            </a:lvl1pPr>
+            <a:lvl2pPr marL="742950" indent="-285750">
+              <a:spcBef>
+                <a:spcPct val="20000"/>
+              </a:spcBef>
+              <a:buChar char="–"/>
+              <a:defRPr sz="2800">
+                <a:solidFill>
+                  <a:schemeClr val="tx1"/>
+                </a:solidFill>
+                <a:latin typeface="Arial" panose="020B0604020202020204" pitchFamily="34" charset="0"/>
+              </a:defRPr>
+            </a:lvl2pPr>
+            <a:lvl3pPr marL="1143000" indent="-228600">
+              <a:spcBef>
+                <a:spcPct val="20000"/>
+              </a:spcBef>
+              <a:buChar char="•"/>
+              <a:defRPr sz="2400">
+                <a:solidFill>
+                  <a:schemeClr val="tx1"/>
+                </a:solidFill>
+                <a:latin typeface="Arial" panose="020B0604020202020204" pitchFamily="34" charset="0"/>
+              </a:defRPr>
+            </a:lvl3pPr>
+            <a:lvl4pPr>
+              <a:spcBef>
+                <a:spcPct val="20000"/>
+              </a:spcBef>
+              <a:buChar char="–"/>
+              <a:defRPr sz="2000">
+                <a:solidFill>
+                  <a:schemeClr val="tx1"/>
+                </a:solidFill>
+                <a:latin typeface="Arial" panose="020B0604020202020204" pitchFamily="34" charset="0"/>
+              </a:defRPr>
+            </a:lvl4pPr>
+            <a:lvl5pPr marL="2057400" indent="-228600">
+              <a:spcBef>
+                <a:spcPct val="20000"/>
+              </a:spcBef>
+              <a:buChar char="»"/>
+              <a:defRPr sz="2000">
+                <a:solidFill>
+                  <a:schemeClr val="tx1"/>
+                </a:solidFill>
+                <a:latin typeface="Arial" panose="020B0604020202020204" pitchFamily="34" charset="0"/>
+              </a:defRPr>
+            </a:lvl5pPr>
+            <a:lvl6pPr marL="2514600" indent="-228600" eaLnBrk="0" fontAlgn="base" hangingPunct="0">
+              <a:spcBef>
+                <a:spcPct val="20000"/>
+              </a:spcBef>
+              <a:spcAft>
+                <a:spcPct val="0"/>
+              </a:spcAft>
+              <a:buChar char="»"/>
+              <a:defRPr sz="2000">
+                <a:solidFill>
+                  <a:schemeClr val="tx1"/>
+                </a:solidFill>
+                <a:latin typeface="Arial" panose="020B0604020202020204" pitchFamily="34" charset="0"/>
+              </a:defRPr>
+            </a:lvl6pPr>
+            <a:lvl7pPr marL="2971800" indent="-228600" eaLnBrk="0" fontAlgn="base" hangingPunct="0">
+              <a:spcBef>
+                <a:spcPct val="20000"/>
+              </a:spcBef>
+              <a:spcAft>
+                <a:spcPct val="0"/>
+              </a:spcAft>
+              <a:buChar char="»"/>
+              <a:defRPr sz="2000">
+                <a:solidFill>
+                  <a:schemeClr val="tx1"/>
+                </a:solidFill>
+                <a:latin typeface="Arial" panose="020B0604020202020204" pitchFamily="34" charset="0"/>
+              </a:defRPr>
+            </a:lvl7pPr>
+            <a:lvl8pPr marL="3429000" indent="-228600" eaLnBrk="0" fontAlgn="base" hangingPunct="0">
+              <a:spcBef>
+                <a:spcPct val="20000"/>
+              </a:spcBef>
+              <a:spcAft>
+                <a:spcPct val="0"/>
+              </a:spcAft>
+              <a:buChar char="»"/>
+              <a:defRPr sz="2000">
+                <a:solidFill>
+                  <a:schemeClr val="tx1"/>
+                </a:solidFill>
+                <a:latin typeface="Arial" panose="020B0604020202020204" pitchFamily="34" charset="0"/>
+              </a:defRPr>
+            </a:lvl8pPr>
+            <a:lvl9pPr marL="3886200" indent="-228600" eaLnBrk="0" fontAlgn="base" hangingPunct="0">
+              <a:spcBef>
+                <a:spcPct val="20000"/>
+              </a:spcBef>
+              <a:spcAft>
+                <a:spcPct val="0"/>
+              </a:spcAft>
+              <a:buChar char="»"/>
+              <a:defRPr sz="2000">
+                <a:solidFill>
+                  <a:schemeClr val="tx1"/>
+                </a:solidFill>
+                <a:latin typeface="Arial" panose="020B0604020202020204" pitchFamily="34" charset="0"/>
+              </a:defRPr>
+            </a:lvl9pPr>
+          </a:lstStyle>
+          <a:p>
+            <a:pPr marL="171450" indent="-171450" algn="just">
+              <a:lnSpc>
+                <a:spcPct val="150000"/>
+              </a:lnSpc>
+            </a:pPr>
+            <a:r>
+              <a:rPr lang="pt-PT" altLang="pt-PT" sz="1200" dirty="0">
+                <a:cs typeface="Arial" panose="020B0604020202020204" pitchFamily="34" charset="0"/>
+              </a:rPr>
+              <a:t>Atualmente, para desempatar caso duas mãos tenham o mesmo valor, a última condição vai procurar a carta mais alta de cada mão e declarar vencedor quem tiver essa carta mais alta.</a:t>
+            </a:r>
+          </a:p>
+        </p:txBody>
+      </p:sp>
+      <p:sp>
+        <p:nvSpPr>
+          <p:cNvPr id="6" name="Retângulo 5">
+            <a:extLst>
+              <a:ext uri="{FF2B5EF4-FFF2-40B4-BE49-F238E27FC236}">
+                <a16:creationId xmlns:a16="http://schemas.microsoft.com/office/drawing/2014/main" id="{4741394D-A313-1744-6C09-F89020E8200F}"/>
+              </a:ext>
+            </a:extLst>
+          </p:cNvPr>
+          <p:cNvSpPr/>
+          <p:nvPr/>
+        </p:nvSpPr>
         <p:spPr>
           <a:xfrm>
-            <a:off x="5843988" y="1809588"/>
-            <a:ext cx="3175489" cy="3692429"/>
-          </a:xfrm>
-          <a:prstGeom prst="rect">
-            <a:avLst/>
-          </a:prstGeom>
-        </p:spPr>
-      </p:pic>
+            <a:off x="4025898" y="4953000"/>
+            <a:ext cx="4935871" cy="1153752"/>
+          </a:xfrm>
+          <a:prstGeom prst="rect">
+            <a:avLst/>
+          </a:prstGeom>
+          <a:noFill/>
+          <a:ln>
+            <a:solidFill>
+              <a:srgbClr val="FF0000"/>
+            </a:solidFill>
+          </a:ln>
+        </p:spPr>
+        <p:style>
+          <a:lnRef idx="2">
+            <a:schemeClr val="accent1">
+              <a:shade val="50000"/>
+            </a:schemeClr>
+          </a:lnRef>
+          <a:fillRef idx="1">
+            <a:schemeClr val="accent1"/>
+          </a:fillRef>
+          <a:effectRef idx="0">
+            <a:schemeClr val="accent1"/>
+          </a:effectRef>
+          <a:fontRef idx="minor">
+            <a:schemeClr val="lt1"/>
+          </a:fontRef>
+        </p:style>
+        <p:txBody>
+          <a:bodyPr rtlCol="0" anchor="ctr"/>
+          <a:lstStyle/>
+          <a:p>
+            <a:pPr algn="ctr"/>
+            <a:endParaRPr lang="pt-PT"/>
+          </a:p>
+        </p:txBody>
+      </p:sp>
+      <p:cxnSp>
+        <p:nvCxnSpPr>
+          <p:cNvPr id="9" name="Conexão reta unidirecional 8">
+            <a:extLst>
+              <a:ext uri="{FF2B5EF4-FFF2-40B4-BE49-F238E27FC236}">
+                <a16:creationId xmlns:a16="http://schemas.microsoft.com/office/drawing/2014/main" id="{7A84A3F0-A510-FB28-BFDB-A9BFFF2E407B}"/>
+              </a:ext>
+            </a:extLst>
+          </p:cNvPr>
+          <p:cNvCxnSpPr>
+            <a:cxnSpLocks/>
+          </p:cNvCxnSpPr>
+          <p:nvPr/>
+        </p:nvCxnSpPr>
+        <p:spPr>
+          <a:xfrm>
+            <a:off x="2007902" y="3265219"/>
+            <a:ext cx="1954498" cy="1687781"/>
+          </a:xfrm>
+          <a:prstGeom prst="straightConnector1">
+            <a:avLst/>
+          </a:prstGeom>
+          <a:ln w="28575">
+            <a:solidFill>
+              <a:srgbClr val="FF0000"/>
+            </a:solidFill>
+            <a:tailEnd type="triangle"/>
+          </a:ln>
+        </p:spPr>
+        <p:style>
+          <a:lnRef idx="1">
+            <a:schemeClr val="accent1"/>
+          </a:lnRef>
+          <a:fillRef idx="0">
+            <a:schemeClr val="accent1"/>
+          </a:fillRef>
+          <a:effectRef idx="0">
+            <a:schemeClr val="accent1"/>
+          </a:effectRef>
+          <a:fontRef idx="minor">
+            <a:schemeClr val="tx1"/>
+          </a:fontRef>
+        </p:style>
+      </p:cxnSp>
     </p:spTree>
     <p:extLst>
       <p:ext uri="{BB962C8B-B14F-4D97-AF65-F5344CB8AC3E}">
-        <p14:creationId xmlns:p14="http://schemas.microsoft.com/office/powerpoint/2010/main" val="2459231282"/>
+        <p14:creationId xmlns:p14="http://schemas.microsoft.com/office/powerpoint/2010/main" val="2094146315"/>
       </p:ext>
     </p:extLst>
   </p:cSld>
@@ -16945,6 +17394,254 @@
       </p:grpSpPr>
       <p:sp>
         <p:nvSpPr>
+          <p:cNvPr id="14" name="Text Box 19">
+            <a:extLst>
+              <a:ext uri="{FF2B5EF4-FFF2-40B4-BE49-F238E27FC236}">
+                <a16:creationId xmlns:a16="http://schemas.microsoft.com/office/drawing/2014/main" id="{F916920E-C12B-4637-810C-A4B2E6C310C8}"/>
+              </a:ext>
+            </a:extLst>
+          </p:cNvPr>
+          <p:cNvSpPr txBox="1">
+            <a:spLocks noChangeArrowheads="1"/>
+          </p:cNvSpPr>
+          <p:nvPr/>
+        </p:nvSpPr>
+        <p:spPr bwMode="auto">
+          <a:xfrm>
+            <a:off x="400439" y="1530429"/>
+            <a:ext cx="4933123" cy="1757084"/>
+          </a:xfrm>
+          <a:prstGeom prst="rect">
+            <a:avLst/>
+          </a:prstGeom>
+          <a:noFill/>
+          <a:ln>
+            <a:noFill/>
+          </a:ln>
+          <a:extLst>
+            <a:ext uri="{909E8E84-426E-40DD-AFC4-6F175D3DCCD1}">
+              <a14:hiddenFill xmlns:a14="http://schemas.microsoft.com/office/drawing/2010/main">
+                <a:solidFill>
+                  <a:srgbClr val="FFFFFF"/>
+                </a:solidFill>
+              </a14:hiddenFill>
+            </a:ext>
+            <a:ext uri="{91240B29-F687-4F45-9708-019B960494DF}">
+              <a14:hiddenLine xmlns:a14="http://schemas.microsoft.com/office/drawing/2010/main" w="9525">
+                <a:solidFill>
+                  <a:srgbClr val="000000"/>
+                </a:solidFill>
+                <a:miter lim="800000"/>
+                <a:headEnd/>
+                <a:tailEnd/>
+              </a14:hiddenLine>
+            </a:ext>
+          </a:extLst>
+        </p:spPr>
+        <p:txBody>
+          <a:bodyPr wrap="square">
+            <a:spAutoFit/>
+          </a:bodyPr>
+          <a:lstStyle>
+            <a:lvl1pPr>
+              <a:spcBef>
+                <a:spcPct val="20000"/>
+              </a:spcBef>
+              <a:buChar char="•"/>
+              <a:defRPr sz="3200">
+                <a:solidFill>
+                  <a:schemeClr val="tx1"/>
+                </a:solidFill>
+                <a:latin typeface="Arial" panose="020B0604020202020204" pitchFamily="34" charset="0"/>
+              </a:defRPr>
+            </a:lvl1pPr>
+            <a:lvl2pPr marL="742950" indent="-285750">
+              <a:spcBef>
+                <a:spcPct val="20000"/>
+              </a:spcBef>
+              <a:buChar char="–"/>
+              <a:defRPr sz="2800">
+                <a:solidFill>
+                  <a:schemeClr val="tx1"/>
+                </a:solidFill>
+                <a:latin typeface="Arial" panose="020B0604020202020204" pitchFamily="34" charset="0"/>
+              </a:defRPr>
+            </a:lvl2pPr>
+            <a:lvl3pPr marL="1143000" indent="-228600">
+              <a:spcBef>
+                <a:spcPct val="20000"/>
+              </a:spcBef>
+              <a:buChar char="•"/>
+              <a:defRPr sz="2400">
+                <a:solidFill>
+                  <a:schemeClr val="tx1"/>
+                </a:solidFill>
+                <a:latin typeface="Arial" panose="020B0604020202020204" pitchFamily="34" charset="0"/>
+              </a:defRPr>
+            </a:lvl3pPr>
+            <a:lvl4pPr>
+              <a:spcBef>
+                <a:spcPct val="20000"/>
+              </a:spcBef>
+              <a:buChar char="–"/>
+              <a:defRPr sz="2000">
+                <a:solidFill>
+                  <a:schemeClr val="tx1"/>
+                </a:solidFill>
+                <a:latin typeface="Arial" panose="020B0604020202020204" pitchFamily="34" charset="0"/>
+              </a:defRPr>
+            </a:lvl4pPr>
+            <a:lvl5pPr marL="2057400" indent="-228600">
+              <a:spcBef>
+                <a:spcPct val="20000"/>
+              </a:spcBef>
+              <a:buChar char="»"/>
+              <a:defRPr sz="2000">
+                <a:solidFill>
+                  <a:schemeClr val="tx1"/>
+                </a:solidFill>
+                <a:latin typeface="Arial" panose="020B0604020202020204" pitchFamily="34" charset="0"/>
+              </a:defRPr>
+            </a:lvl5pPr>
+            <a:lvl6pPr marL="2514600" indent="-228600" eaLnBrk="0" fontAlgn="base" hangingPunct="0">
+              <a:spcBef>
+                <a:spcPct val="20000"/>
+              </a:spcBef>
+              <a:spcAft>
+                <a:spcPct val="0"/>
+              </a:spcAft>
+              <a:buChar char="»"/>
+              <a:defRPr sz="2000">
+                <a:solidFill>
+                  <a:schemeClr val="tx1"/>
+                </a:solidFill>
+                <a:latin typeface="Arial" panose="020B0604020202020204" pitchFamily="34" charset="0"/>
+              </a:defRPr>
+            </a:lvl6pPr>
+            <a:lvl7pPr marL="2971800" indent="-228600" eaLnBrk="0" fontAlgn="base" hangingPunct="0">
+              <a:spcBef>
+                <a:spcPct val="20000"/>
+              </a:spcBef>
+              <a:spcAft>
+                <a:spcPct val="0"/>
+              </a:spcAft>
+              <a:buChar char="»"/>
+              <a:defRPr sz="2000">
+                <a:solidFill>
+                  <a:schemeClr val="tx1"/>
+                </a:solidFill>
+                <a:latin typeface="Arial" panose="020B0604020202020204" pitchFamily="34" charset="0"/>
+              </a:defRPr>
+            </a:lvl7pPr>
+            <a:lvl8pPr marL="3429000" indent="-228600" eaLnBrk="0" fontAlgn="base" hangingPunct="0">
+              <a:spcBef>
+                <a:spcPct val="20000"/>
+              </a:spcBef>
+              <a:spcAft>
+                <a:spcPct val="0"/>
+              </a:spcAft>
+              <a:buChar char="»"/>
+              <a:defRPr sz="2000">
+                <a:solidFill>
+                  <a:schemeClr val="tx1"/>
+                </a:solidFill>
+                <a:latin typeface="Arial" panose="020B0604020202020204" pitchFamily="34" charset="0"/>
+              </a:defRPr>
+            </a:lvl8pPr>
+            <a:lvl9pPr marL="3886200" indent="-228600" eaLnBrk="0" fontAlgn="base" hangingPunct="0">
+              <a:spcBef>
+                <a:spcPct val="20000"/>
+              </a:spcBef>
+              <a:spcAft>
+                <a:spcPct val="0"/>
+              </a:spcAft>
+              <a:buChar char="»"/>
+              <a:defRPr sz="2000">
+                <a:solidFill>
+                  <a:schemeClr val="tx1"/>
+                </a:solidFill>
+                <a:latin typeface="Arial" panose="020B0604020202020204" pitchFamily="34" charset="0"/>
+              </a:defRPr>
+            </a:lvl9pPr>
+          </a:lstStyle>
+          <a:p>
+            <a:pPr marL="171450" indent="-171450" algn="just">
+              <a:lnSpc>
+                <a:spcPct val="150000"/>
+              </a:lnSpc>
+            </a:pPr>
+            <a:r>
+              <a:rPr lang="pt-PT" altLang="pt-PT" sz="1200" dirty="0">
+                <a:cs typeface="Arial" panose="020B0604020202020204" pitchFamily="34" charset="0"/>
+              </a:rPr>
+              <a:t>Por fim na classe </a:t>
+            </a:r>
+            <a:r>
+              <a:rPr lang="pt-PT" altLang="pt-PT" sz="1200" dirty="0" err="1">
+                <a:cs typeface="Arial" panose="020B0604020202020204" pitchFamily="34" charset="0"/>
+              </a:rPr>
+              <a:t>TexasEvaluate</a:t>
+            </a:r>
+            <a:r>
+              <a:rPr lang="pt-PT" altLang="pt-PT" sz="1200" dirty="0">
+                <a:cs typeface="Arial" panose="020B0604020202020204" pitchFamily="34" charset="0"/>
+              </a:rPr>
+              <a:t>, temos o método </a:t>
+            </a:r>
+            <a:r>
+              <a:rPr lang="pt-PT" altLang="pt-PT" sz="1200" dirty="0" err="1">
+                <a:cs typeface="Arial" panose="020B0604020202020204" pitchFamily="34" charset="0"/>
+              </a:rPr>
+              <a:t>single_hand_value</a:t>
+            </a:r>
+            <a:r>
+              <a:rPr lang="pt-PT" altLang="pt-PT" sz="1200" dirty="0">
+                <a:cs typeface="Arial" panose="020B0604020202020204" pitchFamily="34" charset="0"/>
+              </a:rPr>
+              <a:t>, que recebe como parâmetro uma </a:t>
+            </a:r>
+            <a:r>
+              <a:rPr lang="pt-PT" altLang="pt-PT" sz="1200" dirty="0" err="1">
+                <a:cs typeface="Arial" panose="020B0604020202020204" pitchFamily="34" charset="0"/>
+              </a:rPr>
+              <a:t>hand</a:t>
+            </a:r>
+            <a:r>
+              <a:rPr lang="pt-PT" altLang="pt-PT" sz="1200" dirty="0">
+                <a:cs typeface="Arial" panose="020B0604020202020204" pitchFamily="34" charset="0"/>
+              </a:rPr>
+              <a:t> e cartas comunitárias e utiliza os métodos anteriores para determinar o valor numérico da mão.</a:t>
+            </a:r>
+          </a:p>
+          <a:p>
+            <a:pPr marL="171450" indent="-171450" algn="just">
+              <a:lnSpc>
+                <a:spcPct val="150000"/>
+              </a:lnSpc>
+            </a:pPr>
+            <a:r>
+              <a:rPr lang="pt-PT" altLang="pt-PT" sz="1200" dirty="0">
+                <a:cs typeface="Arial" panose="020B0604020202020204" pitchFamily="34" charset="0"/>
+              </a:rPr>
+              <a:t>Este método, foi desenvolvido especificamente para os algoritmos </a:t>
+            </a:r>
+            <a:r>
+              <a:rPr lang="pt-PT" altLang="pt-PT" sz="1200" dirty="0" err="1">
+                <a:cs typeface="Arial" panose="020B0604020202020204" pitchFamily="34" charset="0"/>
+              </a:rPr>
+              <a:t>greedy</a:t>
+            </a:r>
+            <a:r>
+              <a:rPr lang="pt-PT" altLang="pt-PT" sz="1200" dirty="0">
+                <a:cs typeface="Arial" panose="020B0604020202020204" pitchFamily="34" charset="0"/>
+              </a:rPr>
+              <a:t>.</a:t>
+            </a:r>
+          </a:p>
+        </p:txBody>
+      </p:sp>
+      <p:sp>
+        <p:nvSpPr>
           <p:cNvPr id="9229" name="Text Box 13"/>
           <p:cNvSpPr txBox="1">
             <a:spLocks noChangeArrowheads="1"/>
@@ -16953,7 +17650,7 @@
         </p:nvSpPr>
         <p:spPr bwMode="auto">
           <a:xfrm>
-            <a:off x="306388" y="284606"/>
+            <a:off x="306388" y="557213"/>
             <a:ext cx="6981825" cy="400050"/>
           </a:xfrm>
           <a:prstGeom prst="rect">
@@ -17005,31 +17702,7 @@
                 <a:latin typeface="Arial"/>
                 <a:cs typeface="Arial"/>
               </a:rPr>
-              <a:t> Código (</a:t>
-            </a:r>
-            <a:r>
-              <a:rPr lang="pt-PT" sz="2000" b="1" dirty="0" err="1">
-                <a:effectLst>
-                  <a:outerShdw blurRad="38100" dist="38100" dir="2700000" algn="tl">
-                    <a:srgbClr val="C0C0C0"/>
-                  </a:outerShdw>
-                </a:effectLst>
-                <a:latin typeface="Arial"/>
-                <a:cs typeface="Arial"/>
-              </a:rPr>
-              <a:t>IA’s</a:t>
-            </a:r>
-            <a:r>
-              <a:rPr lang="pt-PT" sz="2000" b="1" dirty="0">
-                <a:effectLst>
-                  <a:outerShdw blurRad="38100" dist="38100" dir="2700000" algn="tl">
-                    <a:srgbClr val="C0C0C0"/>
-                  </a:outerShdw>
-                </a:effectLst>
-                <a:latin typeface="Arial"/>
-                <a:cs typeface="Arial"/>
-              </a:rPr>
-              <a:t>/Jogadores)</a:t>
+              <a:t> Código (Jogo)</a:t>
             </a:r>
             <a:endParaRPr lang="pt-PT" sz="2000" b="1" dirty="0">
               <a:effectLst>
@@ -17239,322 +17912,6 @@
       </p:pic>
       <p:sp>
         <p:nvSpPr>
-          <p:cNvPr id="14" name="Text Box 19">
-            <a:extLst>
-              <a:ext uri="{FF2B5EF4-FFF2-40B4-BE49-F238E27FC236}">
-                <a16:creationId xmlns:a16="http://schemas.microsoft.com/office/drawing/2014/main" id="{F916920E-C12B-4637-810C-A4B2E6C310C8}"/>
-              </a:ext>
-            </a:extLst>
-          </p:cNvPr>
-          <p:cNvSpPr txBox="1">
-            <a:spLocks noChangeArrowheads="1"/>
-          </p:cNvSpPr>
-          <p:nvPr/>
-        </p:nvSpPr>
-        <p:spPr bwMode="auto">
-          <a:xfrm>
-            <a:off x="405946" y="1203170"/>
-            <a:ext cx="8509454" cy="1783245"/>
-          </a:xfrm>
-          <a:prstGeom prst="rect">
-            <a:avLst/>
-          </a:prstGeom>
-          <a:noFill/>
-          <a:ln>
-            <a:noFill/>
-          </a:ln>
-          <a:extLst>
-            <a:ext uri="{909E8E84-426E-40DD-AFC4-6F175D3DCCD1}">
-              <a14:hiddenFill xmlns:a14="http://schemas.microsoft.com/office/drawing/2010/main">
-                <a:solidFill>
-                  <a:srgbClr val="FFFFFF"/>
-                </a:solidFill>
-              </a14:hiddenFill>
-            </a:ext>
-            <a:ext uri="{91240B29-F687-4F45-9708-019B960494DF}">
-              <a14:hiddenLine xmlns:a14="http://schemas.microsoft.com/office/drawing/2010/main" w="9525">
-                <a:solidFill>
-                  <a:srgbClr val="000000"/>
-                </a:solidFill>
-                <a:miter lim="800000"/>
-                <a:headEnd/>
-                <a:tailEnd/>
-              </a14:hiddenLine>
-            </a:ext>
-          </a:extLst>
-        </p:spPr>
-        <p:txBody>
-          <a:bodyPr wrap="square">
-            <a:spAutoFit/>
-          </a:bodyPr>
-          <a:lstStyle>
-            <a:lvl1pPr>
-              <a:spcBef>
-                <a:spcPct val="20000"/>
-              </a:spcBef>
-              <a:buChar char="•"/>
-              <a:defRPr sz="3200">
-                <a:solidFill>
-                  <a:schemeClr val="tx1"/>
-                </a:solidFill>
-                <a:latin typeface="Arial" panose="020B0604020202020204" pitchFamily="34" charset="0"/>
-              </a:defRPr>
-            </a:lvl1pPr>
-            <a:lvl2pPr marL="742950" indent="-285750">
-              <a:spcBef>
-                <a:spcPct val="20000"/>
-              </a:spcBef>
-              <a:buChar char="–"/>
-              <a:defRPr sz="2800">
-                <a:solidFill>
-                  <a:schemeClr val="tx1"/>
-                </a:solidFill>
-                <a:latin typeface="Arial" panose="020B0604020202020204" pitchFamily="34" charset="0"/>
-              </a:defRPr>
-            </a:lvl2pPr>
-            <a:lvl3pPr marL="1143000" indent="-228600">
-              <a:spcBef>
-                <a:spcPct val="20000"/>
-              </a:spcBef>
-              <a:buChar char="•"/>
-              <a:defRPr sz="2400">
-                <a:solidFill>
-                  <a:schemeClr val="tx1"/>
-                </a:solidFill>
-                <a:latin typeface="Arial" panose="020B0604020202020204" pitchFamily="34" charset="0"/>
-              </a:defRPr>
-            </a:lvl3pPr>
-            <a:lvl4pPr>
-              <a:spcBef>
-                <a:spcPct val="20000"/>
-              </a:spcBef>
-              <a:buChar char="–"/>
-              <a:defRPr sz="2000">
-                <a:solidFill>
-                  <a:schemeClr val="tx1"/>
-                </a:solidFill>
-                <a:latin typeface="Arial" panose="020B0604020202020204" pitchFamily="34" charset="0"/>
-              </a:defRPr>
-            </a:lvl4pPr>
-            <a:lvl5pPr marL="2057400" indent="-228600">
-              <a:spcBef>
-                <a:spcPct val="20000"/>
-              </a:spcBef>
-              <a:buChar char="»"/>
-              <a:defRPr sz="2000">
-                <a:solidFill>
-                  <a:schemeClr val="tx1"/>
-                </a:solidFill>
-                <a:latin typeface="Arial" panose="020B0604020202020204" pitchFamily="34" charset="0"/>
-              </a:defRPr>
-            </a:lvl5pPr>
-            <a:lvl6pPr marL="2514600" indent="-228600" eaLnBrk="0" fontAlgn="base" hangingPunct="0">
-              <a:spcBef>
-                <a:spcPct val="20000"/>
-              </a:spcBef>
-              <a:spcAft>
-                <a:spcPct val="0"/>
-              </a:spcAft>
-              <a:buChar char="»"/>
-              <a:defRPr sz="2000">
-                <a:solidFill>
-                  <a:schemeClr val="tx1"/>
-                </a:solidFill>
-                <a:latin typeface="Arial" panose="020B0604020202020204" pitchFamily="34" charset="0"/>
-              </a:defRPr>
-            </a:lvl6pPr>
-            <a:lvl7pPr marL="2971800" indent="-228600" eaLnBrk="0" fontAlgn="base" hangingPunct="0">
-              <a:spcBef>
-                <a:spcPct val="20000"/>
-              </a:spcBef>
-              <a:spcAft>
-                <a:spcPct val="0"/>
-              </a:spcAft>
-              <a:buChar char="»"/>
-              <a:defRPr sz="2000">
-                <a:solidFill>
-                  <a:schemeClr val="tx1"/>
-                </a:solidFill>
-                <a:latin typeface="Arial" panose="020B0604020202020204" pitchFamily="34" charset="0"/>
-              </a:defRPr>
-            </a:lvl7pPr>
-            <a:lvl8pPr marL="3429000" indent="-228600" eaLnBrk="0" fontAlgn="base" hangingPunct="0">
-              <a:spcBef>
-                <a:spcPct val="20000"/>
-              </a:spcBef>
-              <a:spcAft>
-                <a:spcPct val="0"/>
-              </a:spcAft>
-              <a:buChar char="»"/>
-              <a:defRPr sz="2000">
-                <a:solidFill>
-                  <a:schemeClr val="tx1"/>
-                </a:solidFill>
-                <a:latin typeface="Arial" panose="020B0604020202020204" pitchFamily="34" charset="0"/>
-              </a:defRPr>
-            </a:lvl8pPr>
-            <a:lvl9pPr marL="3886200" indent="-228600" eaLnBrk="0" fontAlgn="base" hangingPunct="0">
-              <a:spcBef>
-                <a:spcPct val="20000"/>
-              </a:spcBef>
-              <a:spcAft>
-                <a:spcPct val="0"/>
-              </a:spcAft>
-              <a:buChar char="»"/>
-              <a:defRPr sz="2000">
-                <a:solidFill>
-                  <a:schemeClr val="tx1"/>
-                </a:solidFill>
-                <a:latin typeface="Arial" panose="020B0604020202020204" pitchFamily="34" charset="0"/>
-              </a:defRPr>
-            </a:lvl9pPr>
-          </a:lstStyle>
-          <a:p>
-            <a:pPr marL="171450" indent="-171450" algn="just">
-              <a:lnSpc>
-                <a:spcPct val="150000"/>
-              </a:lnSpc>
-            </a:pPr>
-            <a:r>
-              <a:rPr lang="pt-PT" altLang="pt-PT" sz="1400" dirty="0">
-                <a:cs typeface="Arial" panose="020B0604020202020204" pitchFamily="34" charset="0"/>
-              </a:rPr>
-              <a:t>Para tipos de jogadores possíveis, atualmente temos 5 tipos, humano, </a:t>
-            </a:r>
-            <a:r>
-              <a:rPr lang="pt-PT" altLang="pt-PT" sz="1400" dirty="0" err="1">
-                <a:cs typeface="Arial" panose="020B0604020202020204" pitchFamily="34" charset="0"/>
-              </a:rPr>
-              <a:t>random</a:t>
-            </a:r>
-            <a:r>
-              <a:rPr lang="pt-PT" altLang="pt-PT" sz="1400" dirty="0">
-                <a:cs typeface="Arial" panose="020B0604020202020204" pitchFamily="34" charset="0"/>
-              </a:rPr>
-              <a:t>, </a:t>
-            </a:r>
-            <a:r>
-              <a:rPr lang="pt-PT" altLang="pt-PT" sz="1400" dirty="0" err="1">
-                <a:cs typeface="Arial" panose="020B0604020202020204" pitchFamily="34" charset="0"/>
-              </a:rPr>
-              <a:t>always</a:t>
-            </a:r>
-            <a:r>
-              <a:rPr lang="pt-PT" altLang="pt-PT" sz="1400" dirty="0">
-                <a:cs typeface="Arial" panose="020B0604020202020204" pitchFamily="34" charset="0"/>
-              </a:rPr>
-              <a:t> </a:t>
-            </a:r>
-            <a:r>
-              <a:rPr lang="pt-PT" altLang="pt-PT" sz="1400" dirty="0" err="1">
-                <a:cs typeface="Arial" panose="020B0604020202020204" pitchFamily="34" charset="0"/>
-              </a:rPr>
-              <a:t>pass</a:t>
-            </a:r>
-            <a:r>
-              <a:rPr lang="pt-PT" altLang="pt-PT" sz="1400" dirty="0">
-                <a:cs typeface="Arial" panose="020B0604020202020204" pitchFamily="34" charset="0"/>
-              </a:rPr>
-              <a:t>, </a:t>
-            </a:r>
-            <a:r>
-              <a:rPr lang="pt-PT" altLang="pt-PT" sz="1400" dirty="0" err="1">
-                <a:cs typeface="Arial" panose="020B0604020202020204" pitchFamily="34" charset="0"/>
-              </a:rPr>
-              <a:t>always</a:t>
-            </a:r>
-            <a:r>
-              <a:rPr lang="pt-PT" altLang="pt-PT" sz="1400" dirty="0">
-                <a:cs typeface="Arial" panose="020B0604020202020204" pitchFamily="34" charset="0"/>
-              </a:rPr>
-              <a:t> </a:t>
-            </a:r>
-            <a:r>
-              <a:rPr lang="pt-PT" altLang="pt-PT" sz="1400" dirty="0" err="1">
-                <a:cs typeface="Arial" panose="020B0604020202020204" pitchFamily="34" charset="0"/>
-              </a:rPr>
-              <a:t>call</a:t>
-            </a:r>
-            <a:r>
-              <a:rPr lang="pt-PT" altLang="pt-PT" sz="1400" dirty="0">
-                <a:cs typeface="Arial" panose="020B0604020202020204" pitchFamily="34" charset="0"/>
-              </a:rPr>
-              <a:t> e </a:t>
-            </a:r>
-            <a:r>
-              <a:rPr lang="pt-PT" altLang="pt-PT" sz="1400" dirty="0" err="1">
-                <a:cs typeface="Arial" panose="020B0604020202020204" pitchFamily="34" charset="0"/>
-              </a:rPr>
-              <a:t>always</a:t>
-            </a:r>
-            <a:r>
-              <a:rPr lang="pt-PT" altLang="pt-PT" sz="1400" dirty="0">
-                <a:cs typeface="Arial" panose="020B0604020202020204" pitchFamily="34" charset="0"/>
-              </a:rPr>
-              <a:t> </a:t>
-            </a:r>
-            <a:r>
-              <a:rPr lang="pt-PT" altLang="pt-PT" sz="1400" dirty="0" err="1">
-                <a:cs typeface="Arial" panose="020B0604020202020204" pitchFamily="34" charset="0"/>
-              </a:rPr>
-              <a:t>raise</a:t>
-            </a:r>
-            <a:r>
-              <a:rPr lang="pt-PT" altLang="pt-PT" sz="1400" dirty="0">
-                <a:cs typeface="Arial" panose="020B0604020202020204" pitchFamily="34" charset="0"/>
-              </a:rPr>
-              <a:t>.</a:t>
-            </a:r>
-          </a:p>
-          <a:p>
-            <a:pPr marL="171450" indent="-171450" algn="just">
-              <a:lnSpc>
-                <a:spcPct val="150000"/>
-              </a:lnSpc>
-            </a:pPr>
-            <a:r>
-              <a:rPr lang="pt-PT" altLang="pt-PT" sz="1400" dirty="0">
-                <a:cs typeface="Arial" panose="020B0604020202020204" pitchFamily="34" charset="0"/>
-              </a:rPr>
-              <a:t>Estes são os tipos básicos de jogador com programação simplificada.</a:t>
-            </a:r>
-          </a:p>
-          <a:p>
-            <a:pPr marL="171450" indent="-171450" algn="just">
-              <a:lnSpc>
-                <a:spcPct val="150000"/>
-              </a:lnSpc>
-            </a:pPr>
-            <a:r>
-              <a:rPr lang="pt-PT" altLang="pt-PT" sz="1400" dirty="0">
-                <a:cs typeface="Arial" panose="020B0604020202020204" pitchFamily="34" charset="0"/>
-              </a:rPr>
-              <a:t>Entretanto, vamos desenvolver o algoritmo CFR com dois níveis de dificuldade, fácil e difícil.</a:t>
-            </a:r>
-          </a:p>
-          <a:p>
-            <a:pPr algn="just" eaLnBrk="1" hangingPunct="1">
-              <a:lnSpc>
-                <a:spcPct val="200000"/>
-              </a:lnSpc>
-              <a:spcBef>
-                <a:spcPct val="0"/>
-              </a:spcBef>
-              <a:buFontTx/>
-              <a:buNone/>
-            </a:pPr>
-            <a:r>
-              <a:rPr lang="pt-PT" altLang="pt-PT" sz="1200" dirty="0">
-                <a:cs typeface="Arial" panose="020B0604020202020204" pitchFamily="34" charset="0"/>
-              </a:rPr>
-              <a:t> </a:t>
-            </a:r>
-            <a:endParaRPr lang="pt-PT" altLang="pt-PT" sz="1200" b="1" dirty="0"/>
-          </a:p>
-        </p:txBody>
-      </p:sp>
-      <p:sp>
-        <p:nvSpPr>
           <p:cNvPr id="15" name="Text Box 10">
             <a:extLst>
               <a:ext uri="{FF2B5EF4-FFF2-40B4-BE49-F238E27FC236}">
@@ -17957,8 +18314,8 @@
         </p:nvSpPr>
         <p:spPr>
           <a:xfrm>
-            <a:off x="306388" y="663590"/>
-            <a:ext cx="5567089" cy="276999"/>
+            <a:off x="2390877" y="617603"/>
+            <a:ext cx="5900118" cy="276999"/>
           </a:xfrm>
           <a:prstGeom prst="rect">
             <a:avLst/>
@@ -17985,10 +18342,10 @@
       </p:sp>
       <p:pic>
         <p:nvPicPr>
-          <p:cNvPr id="5" name="Imagem 4">
+          <p:cNvPr id="8" name="Imagem 7">
             <a:extLst>
               <a:ext uri="{FF2B5EF4-FFF2-40B4-BE49-F238E27FC236}">
-                <a16:creationId xmlns:a16="http://schemas.microsoft.com/office/drawing/2014/main" id="{63957D08-97EC-573A-DA2C-D2FCC186EDE7}"/>
+                <a16:creationId xmlns:a16="http://schemas.microsoft.com/office/drawing/2014/main" id="{BD882B1B-2F69-8973-CCFF-432B23156804}"/>
               </a:ext>
             </a:extLst>
           </p:cNvPr>
@@ -18005,8 +18362,8 @@
         </p:blipFill>
         <p:spPr>
           <a:xfrm>
-            <a:off x="3429000" y="3076575"/>
-            <a:ext cx="1733792" cy="2152950"/>
+            <a:off x="5477162" y="1185824"/>
+            <a:ext cx="3191830" cy="5061992"/>
           </a:xfrm>
           <a:prstGeom prst="rect">
             <a:avLst/>
@@ -18016,7 +18373,7 @@
     </p:spTree>
     <p:extLst>
       <p:ext uri="{BB962C8B-B14F-4D97-AF65-F5344CB8AC3E}">
-        <p14:creationId xmlns:p14="http://schemas.microsoft.com/office/powerpoint/2010/main" val="751361423"/>
+        <p14:creationId xmlns:p14="http://schemas.microsoft.com/office/powerpoint/2010/main" val="1673533792"/>
       </p:ext>
     </p:extLst>
   </p:cSld>
@@ -19396,8 +19753,8 @@
         </p:nvSpPr>
         <p:spPr bwMode="auto">
           <a:xfrm>
-            <a:off x="179387" y="2756476"/>
-            <a:ext cx="3571875" cy="1345048"/>
+            <a:off x="430481" y="1917515"/>
+            <a:ext cx="8509454" cy="375552"/>
           </a:xfrm>
           <a:prstGeom prst="rect">
             <a:avLst/>
@@ -19562,20 +19919,9 @@
               <a:rPr lang="pt-PT" altLang="pt-PT" sz="1400" dirty="0">
                 <a:cs typeface="Arial" panose="020B0604020202020204" pitchFamily="34" charset="0"/>
               </a:rPr>
-              <a:t>A classe </a:t>
-            </a:r>
-            <a:r>
-              <a:rPr lang="pt-PT" altLang="pt-PT" sz="1400" dirty="0" err="1">
-                <a:cs typeface="Arial" panose="020B0604020202020204" pitchFamily="34" charset="0"/>
-              </a:rPr>
-              <a:t>HumanTexasPlayer</a:t>
-            </a:r>
-            <a:r>
-              <a:rPr lang="pt-PT" altLang="pt-PT" sz="1400" dirty="0">
-                <a:cs typeface="Arial" panose="020B0604020202020204" pitchFamily="34" charset="0"/>
-              </a:rPr>
-              <a:t>, é a classe usada para nós podermos jogar com o teclado, apenas recebe um input de qual a ação que pretendemos realizar.</a:t>
-            </a:r>
+              <a:t>Para tipos de jogadores possíveis, existem as seguintes opções:</a:t>
+            </a:r>
+            <a:endParaRPr lang="pt-PT" altLang="pt-PT" sz="1200" b="1" dirty="0"/>
           </a:p>
         </p:txBody>
       </p:sp>
@@ -20011,10 +20357,10 @@
       </p:sp>
       <p:pic>
         <p:nvPicPr>
-          <p:cNvPr id="6" name="Imagem 5" descr="Uma imagem com texto&#10;&#10;Descrição gerada automaticamente">
+          <p:cNvPr id="6" name="Imagem 5">
             <a:extLst>
               <a:ext uri="{FF2B5EF4-FFF2-40B4-BE49-F238E27FC236}">
-                <a16:creationId xmlns:a16="http://schemas.microsoft.com/office/drawing/2014/main" id="{21044C08-D9A6-2E59-14D0-57B3C7162096}"/>
+                <a16:creationId xmlns:a16="http://schemas.microsoft.com/office/drawing/2014/main" id="{35DCD120-4AF8-618C-7D59-C95BD97586A1}"/>
               </a:ext>
             </a:extLst>
           </p:cNvPr>
@@ -20024,31 +20370,225 @@
           <p:nvPr/>
         </p:nvPicPr>
         <p:blipFill>
-          <a:blip r:embed="rId7">
-            <a:extLst>
-              <a:ext uri="{28A0092B-C50C-407E-A947-70E740481C1C}">
-                <a14:useLocalDpi xmlns:a14="http://schemas.microsoft.com/office/drawing/2010/main" val="0"/>
-              </a:ext>
-            </a:extLst>
-          </a:blip>
+          <a:blip r:embed="rId7"/>
           <a:stretch>
             <a:fillRect/>
           </a:stretch>
         </p:blipFill>
         <p:spPr>
           <a:xfrm>
-            <a:off x="3923686" y="1399413"/>
-            <a:ext cx="4847896" cy="4781938"/>
+            <a:off x="1066800" y="2615238"/>
+            <a:ext cx="1577477" cy="1714649"/>
           </a:xfrm>
           <a:prstGeom prst="rect">
             <a:avLst/>
           </a:prstGeom>
         </p:spPr>
       </p:pic>
+      <p:sp>
+        <p:nvSpPr>
+          <p:cNvPr id="8" name="Text Box 19">
+            <a:extLst>
+              <a:ext uri="{FF2B5EF4-FFF2-40B4-BE49-F238E27FC236}">
+                <a16:creationId xmlns:a16="http://schemas.microsoft.com/office/drawing/2014/main" id="{A13BCC7B-6A51-C3A9-6383-D3CA87EC9385}"/>
+              </a:ext>
+            </a:extLst>
+          </p:cNvPr>
+          <p:cNvSpPr txBox="1">
+            <a:spLocks noChangeArrowheads="1"/>
+          </p:cNvSpPr>
+          <p:nvPr/>
+        </p:nvSpPr>
+        <p:spPr bwMode="auto">
+          <a:xfrm>
+            <a:off x="430481" y="4659361"/>
+            <a:ext cx="8509454" cy="375552"/>
+          </a:xfrm>
+          <a:prstGeom prst="rect">
+            <a:avLst/>
+          </a:prstGeom>
+          <a:noFill/>
+          <a:ln>
+            <a:noFill/>
+          </a:ln>
+          <a:extLst>
+            <a:ext uri="{909E8E84-426E-40DD-AFC4-6F175D3DCCD1}">
+              <a14:hiddenFill xmlns:a14="http://schemas.microsoft.com/office/drawing/2010/main">
+                <a:solidFill>
+                  <a:srgbClr val="FFFFFF"/>
+                </a:solidFill>
+              </a14:hiddenFill>
+            </a:ext>
+            <a:ext uri="{91240B29-F687-4F45-9708-019B960494DF}">
+              <a14:hiddenLine xmlns:a14="http://schemas.microsoft.com/office/drawing/2010/main" w="9525">
+                <a:solidFill>
+                  <a:srgbClr val="000000"/>
+                </a:solidFill>
+                <a:miter lim="800000"/>
+                <a:headEnd/>
+                <a:tailEnd/>
+              </a14:hiddenLine>
+            </a:ext>
+          </a:extLst>
+        </p:spPr>
+        <p:txBody>
+          <a:bodyPr wrap="square">
+            <a:spAutoFit/>
+          </a:bodyPr>
+          <a:lstStyle>
+            <a:lvl1pPr>
+              <a:spcBef>
+                <a:spcPct val="20000"/>
+              </a:spcBef>
+              <a:buChar char="•"/>
+              <a:defRPr sz="3200">
+                <a:solidFill>
+                  <a:schemeClr val="tx1"/>
+                </a:solidFill>
+                <a:latin typeface="Arial" panose="020B0604020202020204" pitchFamily="34" charset="0"/>
+              </a:defRPr>
+            </a:lvl1pPr>
+            <a:lvl2pPr marL="742950" indent="-285750">
+              <a:spcBef>
+                <a:spcPct val="20000"/>
+              </a:spcBef>
+              <a:buChar char="–"/>
+              <a:defRPr sz="2800">
+                <a:solidFill>
+                  <a:schemeClr val="tx1"/>
+                </a:solidFill>
+                <a:latin typeface="Arial" panose="020B0604020202020204" pitchFamily="34" charset="0"/>
+              </a:defRPr>
+            </a:lvl2pPr>
+            <a:lvl3pPr marL="1143000" indent="-228600">
+              <a:spcBef>
+                <a:spcPct val="20000"/>
+              </a:spcBef>
+              <a:buChar char="•"/>
+              <a:defRPr sz="2400">
+                <a:solidFill>
+                  <a:schemeClr val="tx1"/>
+                </a:solidFill>
+                <a:latin typeface="Arial" panose="020B0604020202020204" pitchFamily="34" charset="0"/>
+              </a:defRPr>
+            </a:lvl3pPr>
+            <a:lvl4pPr>
+              <a:spcBef>
+                <a:spcPct val="20000"/>
+              </a:spcBef>
+              <a:buChar char="–"/>
+              <a:defRPr sz="2000">
+                <a:solidFill>
+                  <a:schemeClr val="tx1"/>
+                </a:solidFill>
+                <a:latin typeface="Arial" panose="020B0604020202020204" pitchFamily="34" charset="0"/>
+              </a:defRPr>
+            </a:lvl4pPr>
+            <a:lvl5pPr marL="2057400" indent="-228600">
+              <a:spcBef>
+                <a:spcPct val="20000"/>
+              </a:spcBef>
+              <a:buChar char="»"/>
+              <a:defRPr sz="2000">
+                <a:solidFill>
+                  <a:schemeClr val="tx1"/>
+                </a:solidFill>
+                <a:latin typeface="Arial" panose="020B0604020202020204" pitchFamily="34" charset="0"/>
+              </a:defRPr>
+            </a:lvl5pPr>
+            <a:lvl6pPr marL="2514600" indent="-228600" eaLnBrk="0" fontAlgn="base" hangingPunct="0">
+              <a:spcBef>
+                <a:spcPct val="20000"/>
+              </a:spcBef>
+              <a:spcAft>
+                <a:spcPct val="0"/>
+              </a:spcAft>
+              <a:buChar char="»"/>
+              <a:defRPr sz="2000">
+                <a:solidFill>
+                  <a:schemeClr val="tx1"/>
+                </a:solidFill>
+                <a:latin typeface="Arial" panose="020B0604020202020204" pitchFamily="34" charset="0"/>
+              </a:defRPr>
+            </a:lvl6pPr>
+            <a:lvl7pPr marL="2971800" indent="-228600" eaLnBrk="0" fontAlgn="base" hangingPunct="0">
+              <a:spcBef>
+                <a:spcPct val="20000"/>
+              </a:spcBef>
+              <a:spcAft>
+                <a:spcPct val="0"/>
+              </a:spcAft>
+              <a:buChar char="»"/>
+              <a:defRPr sz="2000">
+                <a:solidFill>
+                  <a:schemeClr val="tx1"/>
+                </a:solidFill>
+                <a:latin typeface="Arial" panose="020B0604020202020204" pitchFamily="34" charset="0"/>
+              </a:defRPr>
+            </a:lvl7pPr>
+            <a:lvl8pPr marL="3429000" indent="-228600" eaLnBrk="0" fontAlgn="base" hangingPunct="0">
+              <a:spcBef>
+                <a:spcPct val="20000"/>
+              </a:spcBef>
+              <a:spcAft>
+                <a:spcPct val="0"/>
+              </a:spcAft>
+              <a:buChar char="»"/>
+              <a:defRPr sz="2000">
+                <a:solidFill>
+                  <a:schemeClr val="tx1"/>
+                </a:solidFill>
+                <a:latin typeface="Arial" panose="020B0604020202020204" pitchFamily="34" charset="0"/>
+              </a:defRPr>
+            </a:lvl8pPr>
+            <a:lvl9pPr marL="3886200" indent="-228600" eaLnBrk="0" fontAlgn="base" hangingPunct="0">
+              <a:spcBef>
+                <a:spcPct val="20000"/>
+              </a:spcBef>
+              <a:spcAft>
+                <a:spcPct val="0"/>
+              </a:spcAft>
+              <a:buChar char="»"/>
+              <a:defRPr sz="2000">
+                <a:solidFill>
+                  <a:schemeClr val="tx1"/>
+                </a:solidFill>
+                <a:latin typeface="Arial" panose="020B0604020202020204" pitchFamily="34" charset="0"/>
+              </a:defRPr>
+            </a:lvl9pPr>
+          </a:lstStyle>
+          <a:p>
+            <a:pPr marL="171450" indent="-171450" algn="just">
+              <a:lnSpc>
+                <a:spcPct val="150000"/>
+              </a:lnSpc>
+            </a:pPr>
+            <a:r>
+              <a:rPr lang="pt-PT" altLang="pt-PT" sz="1400" dirty="0">
+                <a:cs typeface="Arial" panose="020B0604020202020204" pitchFamily="34" charset="0"/>
+              </a:rPr>
+              <a:t>Cada um dos </a:t>
+            </a:r>
+            <a:r>
+              <a:rPr lang="pt-PT" altLang="pt-PT" sz="1400" dirty="0" err="1">
+                <a:cs typeface="Arial" panose="020B0604020202020204" pitchFamily="34" charset="0"/>
+              </a:rPr>
+              <a:t>players</a:t>
+            </a:r>
+            <a:r>
+              <a:rPr lang="pt-PT" altLang="pt-PT" sz="1400" dirty="0">
+                <a:cs typeface="Arial" panose="020B0604020202020204" pitchFamily="34" charset="0"/>
+              </a:rPr>
+              <a:t> será explicado ao pormenor nos slides seguintes</a:t>
+            </a:r>
+            <a:endParaRPr lang="pt-PT" altLang="pt-PT" sz="1200" b="1" dirty="0"/>
+          </a:p>
+        </p:txBody>
+      </p:sp>
     </p:spTree>
     <p:extLst>
       <p:ext uri="{BB962C8B-B14F-4D97-AF65-F5344CB8AC3E}">
-        <p14:creationId xmlns:p14="http://schemas.microsoft.com/office/powerpoint/2010/main" val="2772606482"/>
+        <p14:creationId xmlns:p14="http://schemas.microsoft.com/office/powerpoint/2010/main" val="751361423"/>
       </p:ext>
     </p:extLst>
   </p:cSld>
@@ -20385,7 +20925,7 @@
         </p:nvSpPr>
         <p:spPr bwMode="auto">
           <a:xfrm>
-            <a:off x="501960" y="2885871"/>
+            <a:off x="179387" y="2756476"/>
             <a:ext cx="3571875" cy="1345048"/>
           </a:xfrm>
           <a:prstGeom prst="rect">
@@ -20551,43 +21091,19 @@
               <a:rPr lang="pt-PT" altLang="pt-PT" sz="1400" dirty="0">
                 <a:cs typeface="Arial" panose="020B0604020202020204" pitchFamily="34" charset="0"/>
               </a:rPr>
-              <a:t>O jogador </a:t>
+              <a:t>A classe </a:t>
             </a:r>
             <a:r>
               <a:rPr lang="pt-PT" altLang="pt-PT" sz="1400" dirty="0" err="1">
                 <a:cs typeface="Arial" panose="020B0604020202020204" pitchFamily="34" charset="0"/>
               </a:rPr>
-              <a:t>Random</a:t>
+              <a:t>HumanTexasPlayer</a:t>
             </a:r>
             <a:r>
               <a:rPr lang="pt-PT" altLang="pt-PT" sz="1400" dirty="0">
                 <a:cs typeface="Arial" panose="020B0604020202020204" pitchFamily="34" charset="0"/>
               </a:rPr>
-              <a:t>, utiliza a função </a:t>
-            </a:r>
-            <a:r>
-              <a:rPr lang="pt-PT" altLang="pt-PT" sz="1400" dirty="0" err="1">
-                <a:cs typeface="Arial" panose="020B0604020202020204" pitchFamily="34" charset="0"/>
-              </a:rPr>
-              <a:t>choice</a:t>
-            </a:r>
-            <a:r>
-              <a:rPr lang="pt-PT" altLang="pt-PT" sz="1400" dirty="0">
-                <a:cs typeface="Arial" panose="020B0604020202020204" pitchFamily="34" charset="0"/>
-              </a:rPr>
-              <a:t> da biblioteca </a:t>
-            </a:r>
-            <a:r>
-              <a:rPr lang="pt-PT" altLang="pt-PT" sz="1400" dirty="0" err="1">
-                <a:cs typeface="Arial" panose="020B0604020202020204" pitchFamily="34" charset="0"/>
-              </a:rPr>
-              <a:t>random</a:t>
-            </a:r>
-            <a:r>
-              <a:rPr lang="pt-PT" altLang="pt-PT" sz="1400" dirty="0">
-                <a:cs typeface="Arial" panose="020B0604020202020204" pitchFamily="34" charset="0"/>
-              </a:rPr>
-              <a:t> para escolher aleatoriamente uma das ações do jogo.</a:t>
+              <a:t>, é a classe usada para nós podermos jogar com o teclado, apenas recebe um input de qual a ação que pretendemos realizar.</a:t>
             </a:r>
           </a:p>
         </p:txBody>
@@ -21024,10 +21540,10 @@
       </p:sp>
       <p:pic>
         <p:nvPicPr>
-          <p:cNvPr id="5" name="Imagem 4" descr="Uma imagem com texto&#10;&#10;Descrição gerada automaticamente">
+          <p:cNvPr id="6" name="Imagem 5" descr="Uma imagem com texto&#10;&#10;Descrição gerada automaticamente">
             <a:extLst>
               <a:ext uri="{FF2B5EF4-FFF2-40B4-BE49-F238E27FC236}">
-                <a16:creationId xmlns:a16="http://schemas.microsoft.com/office/drawing/2014/main" id="{60B1A92C-1720-CEE0-6663-942C9A1ABD11}"/>
+                <a16:creationId xmlns:a16="http://schemas.microsoft.com/office/drawing/2014/main" id="{21044C08-D9A6-2E59-14D0-57B3C7162096}"/>
               </a:ext>
             </a:extLst>
           </p:cNvPr>
@@ -21050,8 +21566,8 @@
         </p:blipFill>
         <p:spPr>
           <a:xfrm>
-            <a:off x="4694688" y="1234616"/>
-            <a:ext cx="4042812" cy="5094659"/>
+            <a:off x="3923686" y="1399413"/>
+            <a:ext cx="4847896" cy="4781938"/>
           </a:xfrm>
           <a:prstGeom prst="rect">
             <a:avLst/>
@@ -21061,7 +21577,7 @@
     </p:spTree>
     <p:extLst>
       <p:ext uri="{BB962C8B-B14F-4D97-AF65-F5344CB8AC3E}">
-        <p14:creationId xmlns:p14="http://schemas.microsoft.com/office/powerpoint/2010/main" val="3202953385"/>
+        <p14:creationId xmlns:p14="http://schemas.microsoft.com/office/powerpoint/2010/main" val="2772606482"/>
       </p:ext>
     </p:extLst>
   </p:cSld>
@@ -21398,8 +21914,8 @@
         </p:nvSpPr>
         <p:spPr bwMode="auto">
           <a:xfrm>
-            <a:off x="352350" y="1383316"/>
-            <a:ext cx="8372475" cy="741806"/>
+            <a:off x="501960" y="2885871"/>
+            <a:ext cx="3571875" cy="1345048"/>
           </a:xfrm>
           <a:prstGeom prst="rect">
             <a:avLst/>
@@ -21564,56 +22080,43 @@
               <a:rPr lang="pt-PT" altLang="pt-PT" sz="1400" dirty="0">
                 <a:cs typeface="Arial" panose="020B0604020202020204" pitchFamily="34" charset="0"/>
               </a:rPr>
-              <a:t>Os </a:t>
+              <a:t>O jogador </a:t>
             </a:r>
             <a:r>
               <a:rPr lang="pt-PT" altLang="pt-PT" sz="1400" dirty="0" err="1">
                 <a:cs typeface="Arial" panose="020B0604020202020204" pitchFamily="34" charset="0"/>
               </a:rPr>
-              <a:t>always</a:t>
+              <a:t>Random</a:t>
             </a:r>
             <a:r>
               <a:rPr lang="pt-PT" altLang="pt-PT" sz="1400" dirty="0">
                 <a:cs typeface="Arial" panose="020B0604020202020204" pitchFamily="34" charset="0"/>
               </a:rPr>
-              <a:t> ‘</a:t>
+              <a:t>, utiliza a função </a:t>
             </a:r>
             <a:r>
               <a:rPr lang="pt-PT" altLang="pt-PT" sz="1400" dirty="0" err="1">
                 <a:cs typeface="Arial" panose="020B0604020202020204" pitchFamily="34" charset="0"/>
               </a:rPr>
-              <a:t>action</a:t>
+              <a:t>choice</a:t>
             </a:r>
             <a:r>
               <a:rPr lang="pt-PT" altLang="pt-PT" sz="1400" dirty="0">
                 <a:cs typeface="Arial" panose="020B0604020202020204" pitchFamily="34" charset="0"/>
               </a:rPr>
-              <a:t>’ são </a:t>
+              <a:t> da biblioteca </a:t>
             </a:r>
             <a:r>
               <a:rPr lang="pt-PT" altLang="pt-PT" sz="1400" dirty="0" err="1">
                 <a:cs typeface="Arial" panose="020B0604020202020204" pitchFamily="34" charset="0"/>
               </a:rPr>
-              <a:t>players</a:t>
+              <a:t>random</a:t>
             </a:r>
             <a:r>
               <a:rPr lang="pt-PT" altLang="pt-PT" sz="1400" dirty="0">
                 <a:cs typeface="Arial" panose="020B0604020202020204" pitchFamily="34" charset="0"/>
               </a:rPr>
-              <a:t>, que apenas realizam um ação do jogo. </a:t>
-            </a:r>
-          </a:p>
-          <a:p>
-            <a:pPr marL="171450" indent="-171450" algn="just">
-              <a:lnSpc>
-                <a:spcPct val="150000"/>
-              </a:lnSpc>
-            </a:pPr>
-            <a:r>
-              <a:rPr lang="pt-PT" altLang="pt-PT" sz="1400" dirty="0">
-                <a:cs typeface="Arial" panose="020B0604020202020204" pitchFamily="34" charset="0"/>
-              </a:rPr>
-              <a:t>Foram maioritariamente utilizados para teste de funcionalidades do jogo.</a:t>
+              <a:t> para escolher aleatoriamente uma das ações do jogo.</a:t>
             </a:r>
           </a:p>
         </p:txBody>
@@ -22050,10 +22553,10 @@
       </p:sp>
       <p:pic>
         <p:nvPicPr>
-          <p:cNvPr id="10" name="Imagem 9" descr="Uma imagem com texto&#10;&#10;Descrição gerada automaticamente">
+          <p:cNvPr id="5" name="Imagem 4" descr="Uma imagem com texto&#10;&#10;Descrição gerada automaticamente">
             <a:extLst>
               <a:ext uri="{FF2B5EF4-FFF2-40B4-BE49-F238E27FC236}">
-                <a16:creationId xmlns:a16="http://schemas.microsoft.com/office/drawing/2014/main" id="{31B04151-5D04-5E6D-069C-B0107E5982AD}"/>
+                <a16:creationId xmlns:a16="http://schemas.microsoft.com/office/drawing/2014/main" id="{60B1A92C-1720-CEE0-6663-942C9A1ABD11}"/>
               </a:ext>
             </a:extLst>
           </p:cNvPr>
@@ -22076,80 +22579,8 @@
         </p:blipFill>
         <p:spPr>
           <a:xfrm>
-            <a:off x="30480" y="2550602"/>
-            <a:ext cx="3113506" cy="3424209"/>
-          </a:xfrm>
-          <a:prstGeom prst="rect">
-            <a:avLst/>
-          </a:prstGeom>
-        </p:spPr>
-      </p:pic>
-      <p:pic>
-        <p:nvPicPr>
-          <p:cNvPr id="8" name="Imagem 7" descr="Uma imagem com texto&#10;&#10;Descrição gerada automaticamente">
-            <a:extLst>
-              <a:ext uri="{FF2B5EF4-FFF2-40B4-BE49-F238E27FC236}">
-                <a16:creationId xmlns:a16="http://schemas.microsoft.com/office/drawing/2014/main" id="{4CE48740-8F55-957D-D67B-F402CC0FA28F}"/>
-              </a:ext>
-            </a:extLst>
-          </p:cNvPr>
-          <p:cNvPicPr>
-            <a:picLocks noChangeAspect="1"/>
-          </p:cNvPicPr>
-          <p:nvPr/>
-        </p:nvPicPr>
-        <p:blipFill>
-          <a:blip r:embed="rId8">
-            <a:extLst>
-              <a:ext uri="{28A0092B-C50C-407E-A947-70E740481C1C}">
-                <a14:useLocalDpi xmlns:a14="http://schemas.microsoft.com/office/drawing/2010/main" val="0"/>
-              </a:ext>
-            </a:extLst>
-          </a:blip>
-          <a:stretch>
-            <a:fillRect/>
-          </a:stretch>
-        </p:blipFill>
-        <p:spPr>
-          <a:xfrm>
-            <a:off x="2987970" y="2550602"/>
-            <a:ext cx="3027953" cy="3424209"/>
-          </a:xfrm>
-          <a:prstGeom prst="rect">
-            <a:avLst/>
-          </a:prstGeom>
-        </p:spPr>
-      </p:pic>
-      <p:pic>
-        <p:nvPicPr>
-          <p:cNvPr id="12" name="Imagem 11" descr="Uma imagem com texto&#10;&#10;Descrição gerada automaticamente">
-            <a:extLst>
-              <a:ext uri="{FF2B5EF4-FFF2-40B4-BE49-F238E27FC236}">
-                <a16:creationId xmlns:a16="http://schemas.microsoft.com/office/drawing/2014/main" id="{BD4CAFC2-1168-8D68-7AA5-34432F784E77}"/>
-              </a:ext>
-            </a:extLst>
-          </p:cNvPr>
-          <p:cNvPicPr>
-            <a:picLocks noChangeAspect="1"/>
-          </p:cNvPicPr>
-          <p:nvPr/>
-        </p:nvPicPr>
-        <p:blipFill>
-          <a:blip r:embed="rId9">
-            <a:extLst>
-              <a:ext uri="{28A0092B-C50C-407E-A947-70E740481C1C}">
-                <a14:useLocalDpi xmlns:a14="http://schemas.microsoft.com/office/drawing/2010/main" val="0"/>
-              </a:ext>
-            </a:extLst>
-          </a:blip>
-          <a:stretch>
-            <a:fillRect/>
-          </a:stretch>
-        </p:blipFill>
-        <p:spPr>
-          <a:xfrm>
-            <a:off x="5943746" y="2554148"/>
-            <a:ext cx="3137189" cy="3420663"/>
+            <a:off x="4694688" y="1234616"/>
+            <a:ext cx="4042812" cy="5094659"/>
           </a:xfrm>
           <a:prstGeom prst="rect">
             <a:avLst/>
@@ -22159,7 +22590,7 @@
     </p:spTree>
     <p:extLst>
       <p:ext uri="{BB962C8B-B14F-4D97-AF65-F5344CB8AC3E}">
-        <p14:creationId xmlns:p14="http://schemas.microsoft.com/office/powerpoint/2010/main" val="2291471121"/>
+        <p14:creationId xmlns:p14="http://schemas.microsoft.com/office/powerpoint/2010/main" val="3202953385"/>
       </p:ext>
     </p:extLst>
   </p:cSld>
@@ -22497,7 +22928,7 @@
         <p:spPr bwMode="auto">
           <a:xfrm>
             <a:off x="352350" y="1383316"/>
-            <a:ext cx="8372475" cy="375552"/>
+            <a:ext cx="8372475" cy="741806"/>
           </a:xfrm>
           <a:prstGeom prst="rect">
             <a:avLst/>
@@ -22662,43 +23093,56 @@
               <a:rPr lang="pt-PT" altLang="pt-PT" sz="1400" dirty="0">
                 <a:cs typeface="Arial" panose="020B0604020202020204" pitchFamily="34" charset="0"/>
               </a:rPr>
-              <a:t>CFR </a:t>
+              <a:t>Os </a:t>
             </a:r>
             <a:r>
               <a:rPr lang="pt-PT" altLang="pt-PT" sz="1400" dirty="0" err="1">
                 <a:cs typeface="Arial" panose="020B0604020202020204" pitchFamily="34" charset="0"/>
               </a:rPr>
-              <a:t>player</a:t>
+              <a:t>always</a:t>
             </a:r>
             <a:r>
               <a:rPr lang="pt-PT" altLang="pt-PT" sz="1400" dirty="0">
                 <a:cs typeface="Arial" panose="020B0604020202020204" pitchFamily="34" charset="0"/>
               </a:rPr>
-              <a:t> </a:t>
+              <a:t> ‘</a:t>
             </a:r>
             <a:r>
               <a:rPr lang="pt-PT" altLang="pt-PT" sz="1400" dirty="0" err="1">
                 <a:cs typeface="Arial" panose="020B0604020202020204" pitchFamily="34" charset="0"/>
               </a:rPr>
-              <a:t>class</a:t>
+              <a:t>action</a:t>
             </a:r>
             <a:r>
               <a:rPr lang="pt-PT" altLang="pt-PT" sz="1400" dirty="0">
                 <a:cs typeface="Arial" panose="020B0604020202020204" pitchFamily="34" charset="0"/>
               </a:rPr>
-              <a:t> </a:t>
+              <a:t>’ são </a:t>
             </a:r>
             <a:r>
               <a:rPr lang="pt-PT" altLang="pt-PT" sz="1400" dirty="0" err="1">
                 <a:cs typeface="Arial" panose="020B0604020202020204" pitchFamily="34" charset="0"/>
               </a:rPr>
-              <a:t>easy</a:t>
+              <a:t>players</a:t>
             </a:r>
             <a:r>
               <a:rPr lang="pt-PT" altLang="pt-PT" sz="1400" dirty="0">
                 <a:cs typeface="Arial" panose="020B0604020202020204" pitchFamily="34" charset="0"/>
               </a:rPr>
-              <a:t> e hard.</a:t>
+              <a:t>, que apenas realizam um ação do jogo. </a:t>
+            </a:r>
+          </a:p>
+          <a:p>
+            <a:pPr marL="171450" indent="-171450" algn="just">
+              <a:lnSpc>
+                <a:spcPct val="150000"/>
+              </a:lnSpc>
+            </a:pPr>
+            <a:r>
+              <a:rPr lang="pt-PT" altLang="pt-PT" sz="1400" dirty="0">
+                <a:cs typeface="Arial" panose="020B0604020202020204" pitchFamily="34" charset="0"/>
+              </a:rPr>
+              <a:t>Foram maioritariamente utilizados para teste de funcionalidades do jogo.</a:t>
             </a:r>
           </a:p>
         </p:txBody>
@@ -23133,10 +23577,118 @@
           </a:p>
         </p:txBody>
       </p:sp>
+      <p:pic>
+        <p:nvPicPr>
+          <p:cNvPr id="10" name="Imagem 9" descr="Uma imagem com texto&#10;&#10;Descrição gerada automaticamente">
+            <a:extLst>
+              <a:ext uri="{FF2B5EF4-FFF2-40B4-BE49-F238E27FC236}">
+                <a16:creationId xmlns:a16="http://schemas.microsoft.com/office/drawing/2014/main" id="{31B04151-5D04-5E6D-069C-B0107E5982AD}"/>
+              </a:ext>
+            </a:extLst>
+          </p:cNvPr>
+          <p:cNvPicPr>
+            <a:picLocks noChangeAspect="1"/>
+          </p:cNvPicPr>
+          <p:nvPr/>
+        </p:nvPicPr>
+        <p:blipFill>
+          <a:blip r:embed="rId7">
+            <a:extLst>
+              <a:ext uri="{28A0092B-C50C-407E-A947-70E740481C1C}">
+                <a14:useLocalDpi xmlns:a14="http://schemas.microsoft.com/office/drawing/2010/main" val="0"/>
+              </a:ext>
+            </a:extLst>
+          </a:blip>
+          <a:stretch>
+            <a:fillRect/>
+          </a:stretch>
+        </p:blipFill>
+        <p:spPr>
+          <a:xfrm>
+            <a:off x="30480" y="2550602"/>
+            <a:ext cx="3113506" cy="3424209"/>
+          </a:xfrm>
+          <a:prstGeom prst="rect">
+            <a:avLst/>
+          </a:prstGeom>
+        </p:spPr>
+      </p:pic>
+      <p:pic>
+        <p:nvPicPr>
+          <p:cNvPr id="8" name="Imagem 7" descr="Uma imagem com texto&#10;&#10;Descrição gerada automaticamente">
+            <a:extLst>
+              <a:ext uri="{FF2B5EF4-FFF2-40B4-BE49-F238E27FC236}">
+                <a16:creationId xmlns:a16="http://schemas.microsoft.com/office/drawing/2014/main" id="{4CE48740-8F55-957D-D67B-F402CC0FA28F}"/>
+              </a:ext>
+            </a:extLst>
+          </p:cNvPr>
+          <p:cNvPicPr>
+            <a:picLocks noChangeAspect="1"/>
+          </p:cNvPicPr>
+          <p:nvPr/>
+        </p:nvPicPr>
+        <p:blipFill>
+          <a:blip r:embed="rId8">
+            <a:extLst>
+              <a:ext uri="{28A0092B-C50C-407E-A947-70E740481C1C}">
+                <a14:useLocalDpi xmlns:a14="http://schemas.microsoft.com/office/drawing/2010/main" val="0"/>
+              </a:ext>
+            </a:extLst>
+          </a:blip>
+          <a:stretch>
+            <a:fillRect/>
+          </a:stretch>
+        </p:blipFill>
+        <p:spPr>
+          <a:xfrm>
+            <a:off x="2987970" y="2550602"/>
+            <a:ext cx="3027953" cy="3424209"/>
+          </a:xfrm>
+          <a:prstGeom prst="rect">
+            <a:avLst/>
+          </a:prstGeom>
+        </p:spPr>
+      </p:pic>
+      <p:pic>
+        <p:nvPicPr>
+          <p:cNvPr id="12" name="Imagem 11" descr="Uma imagem com texto&#10;&#10;Descrição gerada automaticamente">
+            <a:extLst>
+              <a:ext uri="{FF2B5EF4-FFF2-40B4-BE49-F238E27FC236}">
+                <a16:creationId xmlns:a16="http://schemas.microsoft.com/office/drawing/2014/main" id="{BD4CAFC2-1168-8D68-7AA5-34432F784E77}"/>
+              </a:ext>
+            </a:extLst>
+          </p:cNvPr>
+          <p:cNvPicPr>
+            <a:picLocks noChangeAspect="1"/>
+          </p:cNvPicPr>
+          <p:nvPr/>
+        </p:nvPicPr>
+        <p:blipFill>
+          <a:blip r:embed="rId9">
+            <a:extLst>
+              <a:ext uri="{28A0092B-C50C-407E-A947-70E740481C1C}">
+                <a14:useLocalDpi xmlns:a14="http://schemas.microsoft.com/office/drawing/2010/main" val="0"/>
+              </a:ext>
+            </a:extLst>
+          </a:blip>
+          <a:stretch>
+            <a:fillRect/>
+          </a:stretch>
+        </p:blipFill>
+        <p:spPr>
+          <a:xfrm>
+            <a:off x="5943746" y="2554148"/>
+            <a:ext cx="3137189" cy="3420663"/>
+          </a:xfrm>
+          <a:prstGeom prst="rect">
+            <a:avLst/>
+          </a:prstGeom>
+        </p:spPr>
+      </p:pic>
     </p:spTree>
     <p:extLst>
       <p:ext uri="{BB962C8B-B14F-4D97-AF65-F5344CB8AC3E}">
-        <p14:creationId xmlns:p14="http://schemas.microsoft.com/office/powerpoint/2010/main" val="1809434451"/>
+        <p14:creationId xmlns:p14="http://schemas.microsoft.com/office/powerpoint/2010/main" val="2291471121"/>
       </p:ext>
     </p:extLst>
   </p:cSld>
@@ -23473,8 +24025,8 @@
         </p:nvSpPr>
         <p:spPr bwMode="auto">
           <a:xfrm>
-            <a:off x="352350" y="1371600"/>
-            <a:ext cx="8372475" cy="375552"/>
+            <a:off x="344488" y="2437218"/>
+            <a:ext cx="4036176" cy="2156231"/>
           </a:xfrm>
           <a:prstGeom prst="rect">
             <a:avLst/>
@@ -23636,31 +24188,156 @@
               </a:lnSpc>
             </a:pPr>
             <a:r>
-              <a:rPr lang="pt-PT" altLang="pt-PT" sz="1400" dirty="0">
+              <a:rPr lang="pt-PT" altLang="pt-PT" sz="1200" dirty="0">
                 <a:cs typeface="Arial" panose="020B0604020202020204" pitchFamily="34" charset="0"/>
               </a:rPr>
-              <a:t>CFR </a:t>
-            </a:r>
-            <a:r>
-              <a:rPr lang="pt-PT" altLang="pt-PT" sz="1400" dirty="0" err="1">
+              <a:t>O </a:t>
+            </a:r>
+            <a:r>
+              <a:rPr lang="pt-PT" altLang="pt-PT" sz="1200" dirty="0" err="1">
                 <a:cs typeface="Arial" panose="020B0604020202020204" pitchFamily="34" charset="0"/>
               </a:rPr>
-              <a:t>trainer</a:t>
-            </a:r>
-            <a:r>
-              <a:rPr lang="pt-PT" altLang="pt-PT" sz="1400" dirty="0">
+              <a:t>player</a:t>
+            </a:r>
+            <a:r>
+              <a:rPr lang="pt-PT" altLang="pt-PT" sz="1200" dirty="0">
                 <a:cs typeface="Arial" panose="020B0604020202020204" pitchFamily="34" charset="0"/>
               </a:rPr>
               <a:t> </a:t>
             </a:r>
             <a:r>
-              <a:rPr lang="pt-PT" altLang="pt-PT" sz="1400" dirty="0" err="1">
+              <a:rPr lang="pt-PT" altLang="pt-PT" sz="1200" dirty="0" err="1">
                 <a:cs typeface="Arial" panose="020B0604020202020204" pitchFamily="34" charset="0"/>
               </a:rPr>
-              <a:t>class</a:t>
-            </a:r>
-            <a:r>
-              <a:rPr lang="pt-PT" altLang="pt-PT" sz="1400" dirty="0">
+              <a:t>Greedy</a:t>
+            </a:r>
+            <a:r>
+              <a:rPr lang="pt-PT" altLang="pt-PT" sz="1200" dirty="0">
+                <a:cs typeface="Arial" panose="020B0604020202020204" pitchFamily="34" charset="0"/>
+              </a:rPr>
+              <a:t> </a:t>
+            </a:r>
+            <a:r>
+              <a:rPr lang="pt-PT" altLang="pt-PT" sz="1200" dirty="0" err="1">
+                <a:cs typeface="Arial" panose="020B0604020202020204" pitchFamily="34" charset="0"/>
+              </a:rPr>
+              <a:t>not</a:t>
+            </a:r>
+            <a:r>
+              <a:rPr lang="pt-PT" altLang="pt-PT" sz="1200" dirty="0">
+                <a:cs typeface="Arial" panose="020B0604020202020204" pitchFamily="34" charset="0"/>
+              </a:rPr>
+              <a:t> </a:t>
+            </a:r>
+            <a:r>
+              <a:rPr lang="pt-PT" altLang="pt-PT" sz="1200" dirty="0" err="1">
+                <a:cs typeface="Arial" panose="020B0604020202020204" pitchFamily="34" charset="0"/>
+              </a:rPr>
+              <a:t>trained</a:t>
+            </a:r>
+            <a:r>
+              <a:rPr lang="pt-PT" altLang="pt-PT" sz="1200" dirty="0">
+                <a:cs typeface="Arial" panose="020B0604020202020204" pitchFamily="34" charset="0"/>
+              </a:rPr>
+              <a:t>, é uma implementação básica do algoritmo </a:t>
+            </a:r>
+            <a:r>
+              <a:rPr lang="pt-PT" altLang="pt-PT" sz="1200" dirty="0" err="1">
+                <a:cs typeface="Arial" panose="020B0604020202020204" pitchFamily="34" charset="0"/>
+              </a:rPr>
+              <a:t>greedy</a:t>
+            </a:r>
+            <a:r>
+              <a:rPr lang="pt-PT" altLang="pt-PT" sz="1200" dirty="0">
+                <a:cs typeface="Arial" panose="020B0604020202020204" pitchFamily="34" charset="0"/>
+              </a:rPr>
+              <a:t>.</a:t>
+            </a:r>
+          </a:p>
+          <a:p>
+            <a:pPr marL="171450" indent="-171450" algn="just">
+              <a:lnSpc>
+                <a:spcPct val="150000"/>
+              </a:lnSpc>
+            </a:pPr>
+            <a:r>
+              <a:rPr lang="pt-PT" altLang="pt-PT" sz="1200" dirty="0">
+                <a:cs typeface="Arial" panose="020B0604020202020204" pitchFamily="34" charset="0"/>
+              </a:rPr>
+              <a:t>Este algoritmo tem valores definidos para efetuar determinada ação e não usa qualquer tipo de treino.</a:t>
+            </a:r>
+          </a:p>
+          <a:p>
+            <a:pPr marL="171450" indent="-171450" algn="just">
+              <a:lnSpc>
+                <a:spcPct val="150000"/>
+              </a:lnSpc>
+            </a:pPr>
+            <a:r>
+              <a:rPr lang="pt-PT" altLang="pt-PT" sz="1200" dirty="0">
+                <a:cs typeface="Arial" panose="020B0604020202020204" pitchFamily="34" charset="0"/>
+              </a:rPr>
+              <a:t>Neste caso, avalia a mão e se:</a:t>
+            </a:r>
+          </a:p>
+          <a:p>
+            <a:pPr marL="914400" lvl="1" indent="-171450" algn="just">
+              <a:lnSpc>
+                <a:spcPct val="150000"/>
+              </a:lnSpc>
+            </a:pPr>
+            <a:r>
+              <a:rPr lang="pt-PT" altLang="pt-PT" sz="800" dirty="0">
+                <a:cs typeface="Arial" panose="020B0604020202020204" pitchFamily="34" charset="0"/>
+              </a:rPr>
+              <a:t>Valor da mão for 1, o </a:t>
+            </a:r>
+            <a:r>
+              <a:rPr lang="pt-PT" altLang="pt-PT" sz="800" dirty="0" err="1">
+                <a:cs typeface="Arial" panose="020B0604020202020204" pitchFamily="34" charset="0"/>
+              </a:rPr>
+              <a:t>player</a:t>
+            </a:r>
+            <a:r>
+              <a:rPr lang="pt-PT" altLang="pt-PT" sz="800" dirty="0">
+                <a:cs typeface="Arial" panose="020B0604020202020204" pitchFamily="34" charset="0"/>
+              </a:rPr>
+              <a:t> passa a vez;</a:t>
+            </a:r>
+          </a:p>
+          <a:p>
+            <a:pPr marL="914400" lvl="1" indent="-171450" algn="just">
+              <a:lnSpc>
+                <a:spcPct val="150000"/>
+              </a:lnSpc>
+            </a:pPr>
+            <a:r>
+              <a:rPr lang="pt-PT" altLang="pt-PT" sz="800" dirty="0">
+                <a:cs typeface="Arial" panose="020B0604020202020204" pitchFamily="34" charset="0"/>
+              </a:rPr>
+              <a:t>Valor da mão estiver entre 1 e 3, faz cal;</a:t>
+            </a:r>
+          </a:p>
+          <a:p>
+            <a:pPr marL="914400" lvl="1" indent="-171450" algn="just">
+              <a:lnSpc>
+                <a:spcPct val="150000"/>
+              </a:lnSpc>
+            </a:pPr>
+            <a:r>
+              <a:rPr lang="pt-PT" altLang="pt-PT" sz="800" dirty="0">
+                <a:cs typeface="Arial" panose="020B0604020202020204" pitchFamily="34" charset="0"/>
+              </a:rPr>
+              <a:t>Valor da mão for maior que 3 vai sempre dar </a:t>
+            </a:r>
+            <a:r>
+              <a:rPr lang="pt-PT" altLang="pt-PT" sz="800" dirty="0" err="1">
+                <a:cs typeface="Arial" panose="020B0604020202020204" pitchFamily="34" charset="0"/>
+              </a:rPr>
+              <a:t>raise</a:t>
+            </a:r>
+            <a:r>
+              <a:rPr lang="pt-PT" altLang="pt-PT" sz="800" dirty="0">
                 <a:cs typeface="Arial" panose="020B0604020202020204" pitchFamily="34" charset="0"/>
               </a:rPr>
               <a:t>.</a:t>
@@ -24098,10 +24775,40 @@
           </a:p>
         </p:txBody>
       </p:sp>
+      <p:pic>
+        <p:nvPicPr>
+          <p:cNvPr id="5" name="Imagem 4">
+            <a:extLst>
+              <a:ext uri="{FF2B5EF4-FFF2-40B4-BE49-F238E27FC236}">
+                <a16:creationId xmlns:a16="http://schemas.microsoft.com/office/drawing/2014/main" id="{6298460D-5324-5A2B-A2D9-10A8D2547930}"/>
+              </a:ext>
+            </a:extLst>
+          </p:cNvPr>
+          <p:cNvPicPr>
+            <a:picLocks noChangeAspect="1"/>
+          </p:cNvPicPr>
+          <p:nvPr/>
+        </p:nvPicPr>
+        <p:blipFill>
+          <a:blip r:embed="rId7"/>
+          <a:stretch>
+            <a:fillRect/>
+          </a:stretch>
+        </p:blipFill>
+        <p:spPr>
+          <a:xfrm>
+            <a:off x="4562856" y="1091379"/>
+            <a:ext cx="4370377" cy="5283300"/>
+          </a:xfrm>
+          <a:prstGeom prst="rect">
+            <a:avLst/>
+          </a:prstGeom>
+        </p:spPr>
+      </p:pic>
     </p:spTree>
     <p:extLst>
       <p:ext uri="{BB962C8B-B14F-4D97-AF65-F5344CB8AC3E}">
-        <p14:creationId xmlns:p14="http://schemas.microsoft.com/office/powerpoint/2010/main" val="3394072776"/>
+        <p14:creationId xmlns:p14="http://schemas.microsoft.com/office/powerpoint/2010/main" val="1809434451"/>
       </p:ext>
     </p:extLst>
   </p:cSld>
@@ -24190,7 +24897,31 @@
                 <a:latin typeface="Arial"/>
                 <a:cs typeface="Arial"/>
               </a:rPr>
-              <a:t> Execução</a:t>
+              <a:t> Código (</a:t>
+            </a:r>
+            <a:r>
+              <a:rPr lang="pt-PT" sz="2000" b="1" dirty="0" err="1">
+                <a:effectLst>
+                  <a:outerShdw blurRad="38100" dist="38100" dir="2700000" algn="tl">
+                    <a:srgbClr val="C0C0C0"/>
+                  </a:outerShdw>
+                </a:effectLst>
+                <a:latin typeface="Arial"/>
+                <a:cs typeface="Arial"/>
+              </a:rPr>
+              <a:t>IA’s</a:t>
+            </a:r>
+            <a:r>
+              <a:rPr lang="pt-PT" sz="2000" b="1" dirty="0">
+                <a:effectLst>
+                  <a:outerShdw blurRad="38100" dist="38100" dir="2700000" algn="tl">
+                    <a:srgbClr val="C0C0C0"/>
+                  </a:outerShdw>
+                </a:effectLst>
+                <a:latin typeface="Arial"/>
+                <a:cs typeface="Arial"/>
+              </a:rPr>
+              <a:t>/Jogadores)</a:t>
             </a:r>
             <a:endParaRPr lang="pt-PT" sz="2000" b="1" dirty="0">
               <a:effectLst>
@@ -24414,8 +25145,8 @@
         </p:nvSpPr>
         <p:spPr bwMode="auto">
           <a:xfrm>
-            <a:off x="352350" y="1383316"/>
-            <a:ext cx="8372475" cy="698717"/>
+            <a:off x="344488" y="1320560"/>
+            <a:ext cx="4036176" cy="1166153"/>
           </a:xfrm>
           <a:prstGeom prst="rect">
             <a:avLst/>
@@ -24577,34 +25308,58 @@
               </a:lnSpc>
             </a:pPr>
             <a:r>
-              <a:rPr lang="pt-PT" altLang="pt-PT" sz="1400" dirty="0">
+              <a:rPr lang="pt-PT" altLang="pt-PT" sz="1200" dirty="0">
                 <a:cs typeface="Arial" panose="020B0604020202020204" pitchFamily="34" charset="0"/>
               </a:rPr>
-              <a:t>Se corrermos o jogo, temos 3 inputs iniciais que são obrigatórios, o número de iterações, o tipo de </a:t>
-            </a:r>
-            <a:r>
-              <a:rPr lang="pt-PT" altLang="pt-PT" sz="1400" dirty="0" err="1">
+              <a:t>O </a:t>
+            </a:r>
+            <a:r>
+              <a:rPr lang="pt-PT" altLang="pt-PT" sz="1200" dirty="0" err="1">
                 <a:cs typeface="Arial" panose="020B0604020202020204" pitchFamily="34" charset="0"/>
               </a:rPr>
               <a:t>player</a:t>
             </a:r>
             <a:r>
-              <a:rPr lang="pt-PT" altLang="pt-PT" sz="1400" dirty="0">
+              <a:rPr lang="pt-PT" altLang="pt-PT" sz="1200" dirty="0">
                 <a:cs typeface="Arial" panose="020B0604020202020204" pitchFamily="34" charset="0"/>
               </a:rPr>
-              <a:t> 1 e o tipo de </a:t>
-            </a:r>
-            <a:r>
-              <a:rPr lang="pt-PT" altLang="pt-PT" sz="1400" dirty="0" err="1">
+              <a:t> </a:t>
+            </a:r>
+            <a:r>
+              <a:rPr lang="pt-PT" altLang="pt-PT" sz="1200" dirty="0" err="1">
                 <a:cs typeface="Arial" panose="020B0604020202020204" pitchFamily="34" charset="0"/>
               </a:rPr>
-              <a:t>player</a:t>
-            </a:r>
-            <a:r>
-              <a:rPr lang="pt-PT" altLang="pt-PT" sz="1400" dirty="0">
+              <a:t>Greedy</a:t>
+            </a:r>
+            <a:r>
+              <a:rPr lang="pt-PT" altLang="pt-PT" sz="1200" dirty="0">
                 <a:cs typeface="Arial" panose="020B0604020202020204" pitchFamily="34" charset="0"/>
               </a:rPr>
-              <a:t> 2, que são escolhidos tendo em conta a lista apresentada.</a:t>
+              <a:t> </a:t>
+            </a:r>
+            <a:r>
+              <a:rPr lang="pt-PT" altLang="pt-PT" sz="1200" dirty="0" err="1">
+                <a:cs typeface="Arial" panose="020B0604020202020204" pitchFamily="34" charset="0"/>
+              </a:rPr>
+              <a:t>trained</a:t>
+            </a:r>
+            <a:r>
+              <a:rPr lang="pt-PT" altLang="pt-PT" sz="1200" dirty="0">
+                <a:cs typeface="Arial" panose="020B0604020202020204" pitchFamily="34" charset="0"/>
+              </a:rPr>
+              <a:t>, é uma implementação do algoritmo </a:t>
+            </a:r>
+            <a:r>
+              <a:rPr lang="pt-PT" altLang="pt-PT" sz="1200" dirty="0" err="1">
+                <a:cs typeface="Arial" panose="020B0604020202020204" pitchFamily="34" charset="0"/>
+              </a:rPr>
+              <a:t>greedy</a:t>
+            </a:r>
+            <a:r>
+              <a:rPr lang="pt-PT" altLang="pt-PT" sz="1200" dirty="0">
+                <a:cs typeface="Arial" panose="020B0604020202020204" pitchFamily="34" charset="0"/>
+              </a:rPr>
+              <a:t>, que neste caso é treinado de forma a ter uma estratégia e não apostar com valor pré definidos.</a:t>
             </a:r>
           </a:p>
         </p:txBody>
@@ -25039,40 +25794,10 @@
           </a:p>
         </p:txBody>
       </p:sp>
-      <p:pic>
-        <p:nvPicPr>
-          <p:cNvPr id="5" name="Imagem 4">
-            <a:extLst>
-              <a:ext uri="{FF2B5EF4-FFF2-40B4-BE49-F238E27FC236}">
-                <a16:creationId xmlns:a16="http://schemas.microsoft.com/office/drawing/2014/main" id="{9A02A697-D3F5-D5E7-9625-B54168FE42B0}"/>
-              </a:ext>
-            </a:extLst>
-          </p:cNvPr>
-          <p:cNvPicPr>
-            <a:picLocks noChangeAspect="1"/>
-          </p:cNvPicPr>
-          <p:nvPr/>
-        </p:nvPicPr>
-        <p:blipFill>
-          <a:blip r:embed="rId7"/>
-          <a:stretch>
-            <a:fillRect/>
-          </a:stretch>
-        </p:blipFill>
-        <p:spPr>
-          <a:xfrm>
-            <a:off x="303021" y="2361861"/>
-            <a:ext cx="8610600" cy="2816907"/>
-          </a:xfrm>
-          <a:prstGeom prst="rect">
-            <a:avLst/>
-          </a:prstGeom>
-        </p:spPr>
-      </p:pic>
     </p:spTree>
     <p:extLst>
       <p:ext uri="{BB962C8B-B14F-4D97-AF65-F5344CB8AC3E}">
-        <p14:creationId xmlns:p14="http://schemas.microsoft.com/office/powerpoint/2010/main" val="2477214102"/>
+        <p14:creationId xmlns:p14="http://schemas.microsoft.com/office/powerpoint/2010/main" val="3907814730"/>
       </p:ext>
     </p:extLst>
   </p:cSld>
@@ -25161,7 +25886,31 @@
                 <a:latin typeface="Arial"/>
                 <a:cs typeface="Arial"/>
               </a:rPr>
-              <a:t> Execução</a:t>
+              <a:t> Código (</a:t>
+            </a:r>
+            <a:r>
+              <a:rPr lang="pt-PT" sz="2000" b="1" dirty="0" err="1">
+                <a:effectLst>
+                  <a:outerShdw blurRad="38100" dist="38100" dir="2700000" algn="tl">
+                    <a:srgbClr val="C0C0C0"/>
+                  </a:outerShdw>
+                </a:effectLst>
+                <a:latin typeface="Arial"/>
+                <a:cs typeface="Arial"/>
+              </a:rPr>
+              <a:t>IA’s</a:t>
+            </a:r>
+            <a:r>
+              <a:rPr lang="pt-PT" sz="2000" b="1" dirty="0">
+                <a:effectLst>
+                  <a:outerShdw blurRad="38100" dist="38100" dir="2700000" algn="tl">
+                    <a:srgbClr val="C0C0C0"/>
+                  </a:outerShdw>
+                </a:effectLst>
+                <a:latin typeface="Arial"/>
+                <a:cs typeface="Arial"/>
+              </a:rPr>
+              <a:t>/Jogadores)</a:t>
             </a:r>
             <a:endParaRPr lang="pt-PT" sz="2000" b="1" dirty="0">
               <a:effectLst>
@@ -25385,8 +26134,8 @@
         </p:nvSpPr>
         <p:spPr bwMode="auto">
           <a:xfrm>
-            <a:off x="2987212" y="1375027"/>
-            <a:ext cx="5639985" cy="1711302"/>
+            <a:off x="352350" y="1371600"/>
+            <a:ext cx="8372475" cy="375552"/>
           </a:xfrm>
           <a:prstGeom prst="rect">
             <a:avLst/>
@@ -25551,80 +26300,31 @@
               <a:rPr lang="pt-PT" altLang="pt-PT" sz="1400" dirty="0">
                 <a:cs typeface="Arial" panose="020B0604020202020204" pitchFamily="34" charset="0"/>
               </a:rPr>
-              <a:t>Ao correr o jogo com os jogadores “</a:t>
+              <a:t>CFR </a:t>
             </a:r>
             <a:r>
               <a:rPr lang="pt-PT" altLang="pt-PT" sz="1400" dirty="0" err="1">
                 <a:cs typeface="Arial" panose="020B0604020202020204" pitchFamily="34" charset="0"/>
               </a:rPr>
-              <a:t>Random</a:t>
+              <a:t>trainer</a:t>
             </a:r>
             <a:r>
               <a:rPr lang="pt-PT" altLang="pt-PT" sz="1400" dirty="0">
                 <a:cs typeface="Arial" panose="020B0604020202020204" pitchFamily="34" charset="0"/>
               </a:rPr>
-              <a:t>”, as iterações serão executadas, são apresentados par cada jogo as cartas todas, com o </a:t>
+              <a:t> </a:t>
             </a:r>
             <a:r>
               <a:rPr lang="pt-PT" altLang="pt-PT" sz="1400" dirty="0" err="1">
                 <a:cs typeface="Arial" panose="020B0604020202020204" pitchFamily="34" charset="0"/>
               </a:rPr>
-              <a:t>pot</a:t>
+              <a:t>class</a:t>
             </a:r>
             <a:r>
               <a:rPr lang="pt-PT" altLang="pt-PT" sz="1400" dirty="0">
                 <a:cs typeface="Arial" panose="020B0604020202020204" pitchFamily="34" charset="0"/>
               </a:rPr>
-              <a:t> e as </a:t>
-            </a:r>
-            <a:r>
-              <a:rPr lang="pt-PT" altLang="pt-PT" sz="1400" dirty="0" err="1">
-                <a:cs typeface="Arial" panose="020B0604020202020204" pitchFamily="34" charset="0"/>
-              </a:rPr>
-              <a:t>bets</a:t>
-            </a:r>
-            <a:r>
-              <a:rPr lang="pt-PT" altLang="pt-PT" sz="1400" dirty="0">
-                <a:cs typeface="Arial" panose="020B0604020202020204" pitchFamily="34" charset="0"/>
-              </a:rPr>
-              <a:t> por ronda. </a:t>
-            </a:r>
-          </a:p>
-          <a:p>
-            <a:pPr marL="171450" indent="-171450" algn="just">
-              <a:lnSpc>
-                <a:spcPct val="150000"/>
-              </a:lnSpc>
-            </a:pPr>
-            <a:r>
-              <a:rPr lang="pt-PT" altLang="pt-PT" sz="1400" dirty="0">
-                <a:cs typeface="Arial" panose="020B0604020202020204" pitchFamily="34" charset="0"/>
-              </a:rPr>
-              <a:t>No fim, os resultados do jogo apresentam o </a:t>
-            </a:r>
-            <a:r>
-              <a:rPr lang="pt-PT" altLang="pt-PT" sz="1400" dirty="0" err="1">
-                <a:cs typeface="Arial" panose="020B0604020202020204" pitchFamily="34" charset="0"/>
-              </a:rPr>
-              <a:t>profit</a:t>
-            </a:r>
-            <a:r>
-              <a:rPr lang="pt-PT" altLang="pt-PT" sz="1400" dirty="0">
-                <a:cs typeface="Arial" panose="020B0604020202020204" pitchFamily="34" charset="0"/>
-              </a:rPr>
-              <a:t> total de cada jogador e o </a:t>
-            </a:r>
-            <a:r>
-              <a:rPr lang="pt-PT" altLang="pt-PT" sz="1400" dirty="0" err="1">
-                <a:cs typeface="Arial" panose="020B0604020202020204" pitchFamily="34" charset="0"/>
-              </a:rPr>
-              <a:t>profit</a:t>
-            </a:r>
-            <a:r>
-              <a:rPr lang="pt-PT" altLang="pt-PT" sz="1400" dirty="0">
-                <a:cs typeface="Arial" panose="020B0604020202020204" pitchFamily="34" charset="0"/>
-              </a:rPr>
-              <a:t> médio.</a:t>
+              <a:t>.</a:t>
             </a:r>
           </a:p>
         </p:txBody>
@@ -26059,70 +26759,10 @@
           </a:p>
         </p:txBody>
       </p:sp>
-      <p:pic>
-        <p:nvPicPr>
-          <p:cNvPr id="6" name="Imagem 5">
-            <a:extLst>
-              <a:ext uri="{FF2B5EF4-FFF2-40B4-BE49-F238E27FC236}">
-                <a16:creationId xmlns:a16="http://schemas.microsoft.com/office/drawing/2014/main" id="{A92AE9AF-4456-9AD7-912B-3ACA3418CD18}"/>
-              </a:ext>
-            </a:extLst>
-          </p:cNvPr>
-          <p:cNvPicPr>
-            <a:picLocks noChangeAspect="1"/>
-          </p:cNvPicPr>
-          <p:nvPr/>
-        </p:nvPicPr>
-        <p:blipFill>
-          <a:blip r:embed="rId7"/>
-          <a:stretch>
-            <a:fillRect/>
-          </a:stretch>
-        </p:blipFill>
-        <p:spPr>
-          <a:xfrm>
-            <a:off x="306388" y="1134340"/>
-            <a:ext cx="2512237" cy="5247077"/>
-          </a:xfrm>
-          <a:prstGeom prst="rect">
-            <a:avLst/>
-          </a:prstGeom>
-        </p:spPr>
-      </p:pic>
-      <p:pic>
-        <p:nvPicPr>
-          <p:cNvPr id="9" name="Imagem 8">
-            <a:extLst>
-              <a:ext uri="{FF2B5EF4-FFF2-40B4-BE49-F238E27FC236}">
-                <a16:creationId xmlns:a16="http://schemas.microsoft.com/office/drawing/2014/main" id="{EC9F4587-C202-3687-1D0F-70CF206230D4}"/>
-              </a:ext>
-            </a:extLst>
-          </p:cNvPr>
-          <p:cNvPicPr>
-            <a:picLocks noChangeAspect="1"/>
-          </p:cNvPicPr>
-          <p:nvPr/>
-        </p:nvPicPr>
-        <p:blipFill>
-          <a:blip r:embed="rId8"/>
-          <a:stretch>
-            <a:fillRect/>
-          </a:stretch>
-        </p:blipFill>
-        <p:spPr>
-          <a:xfrm>
-            <a:off x="3023788" y="4140836"/>
-            <a:ext cx="3758137" cy="2240581"/>
-          </a:xfrm>
-          <a:prstGeom prst="rect">
-            <a:avLst/>
-          </a:prstGeom>
-        </p:spPr>
-      </p:pic>
     </p:spTree>
     <p:extLst>
       <p:ext uri="{BB962C8B-B14F-4D97-AF65-F5344CB8AC3E}">
-        <p14:creationId xmlns:p14="http://schemas.microsoft.com/office/powerpoint/2010/main" val="2366797112"/>
+        <p14:creationId xmlns:p14="http://schemas.microsoft.com/office/powerpoint/2010/main" val="3394072776"/>
       </p:ext>
     </p:extLst>
   </p:cSld>
@@ -26435,8 +27075,8 @@
         </p:nvSpPr>
         <p:spPr bwMode="auto">
           <a:xfrm>
-            <a:off x="3581400" y="2133600"/>
-            <a:ext cx="5045797" cy="1021883"/>
+            <a:off x="352350" y="1383316"/>
+            <a:ext cx="8372475" cy="698717"/>
           </a:xfrm>
           <a:prstGeom prst="rect">
             <a:avLst/>
@@ -26601,7 +27241,7 @@
               <a:rPr lang="pt-PT" altLang="pt-PT" sz="1400" dirty="0">
                 <a:cs typeface="Arial" panose="020B0604020202020204" pitchFamily="34" charset="0"/>
               </a:rPr>
-              <a:t>Se selecionamos o </a:t>
+              <a:t>Se corrermos o jogo, temos 3 inputs iniciais que são obrigatórios, o número de iterações, o tipo de </a:t>
             </a:r>
             <a:r>
               <a:rPr lang="pt-PT" altLang="pt-PT" sz="1400" dirty="0" err="1">
@@ -26613,31 +27253,19 @@
               <a:rPr lang="pt-PT" altLang="pt-PT" sz="1400" dirty="0">
                 <a:cs typeface="Arial" panose="020B0604020202020204" pitchFamily="34" charset="0"/>
               </a:rPr>
-              <a:t> </a:t>
+              <a:t> 1 e o tipo de </a:t>
             </a:r>
             <a:r>
               <a:rPr lang="pt-PT" altLang="pt-PT" sz="1400" dirty="0" err="1">
                 <a:cs typeface="Arial" panose="020B0604020202020204" pitchFamily="34" charset="0"/>
               </a:rPr>
-              <a:t>Human</a:t>
+              <a:t>player</a:t>
             </a:r>
             <a:r>
               <a:rPr lang="pt-PT" altLang="pt-PT" sz="1400" dirty="0">
                 <a:cs typeface="Arial" panose="020B0604020202020204" pitchFamily="34" charset="0"/>
               </a:rPr>
-              <a:t>, temos de ser nós a introduzir as ações como input e no final é apresentado o resultado para cada </a:t>
-            </a:r>
-            <a:r>
-              <a:rPr lang="pt-PT" altLang="pt-PT" sz="1400" dirty="0" err="1">
-                <a:cs typeface="Arial" panose="020B0604020202020204" pitchFamily="34" charset="0"/>
-              </a:rPr>
-              <a:t>player</a:t>
-            </a:r>
-            <a:r>
-              <a:rPr lang="pt-PT" altLang="pt-PT" sz="1400" dirty="0">
-                <a:cs typeface="Arial" panose="020B0604020202020204" pitchFamily="34" charset="0"/>
-              </a:rPr>
-              <a:t>.</a:t>
+              <a:t> 2, que são escolhidos tendo em conta a lista apresentada.</a:t>
             </a:r>
           </a:p>
         </p:txBody>
@@ -27077,7 +27705,7 @@
           <p:cNvPr id="5" name="Imagem 4">
             <a:extLst>
               <a:ext uri="{FF2B5EF4-FFF2-40B4-BE49-F238E27FC236}">
-                <a16:creationId xmlns:a16="http://schemas.microsoft.com/office/drawing/2014/main" id="{29CA763E-1491-500B-4F95-5C2408CA828E}"/>
+                <a16:creationId xmlns:a16="http://schemas.microsoft.com/office/drawing/2014/main" id="{9A02A697-D3F5-D5E7-9625-B54168FE42B0}"/>
               </a:ext>
             </a:extLst>
           </p:cNvPr>
@@ -27094,38 +27722,8 @@
         </p:blipFill>
         <p:spPr>
           <a:xfrm>
-            <a:off x="4572000" y="3918347"/>
-            <a:ext cx="2912197" cy="1973822"/>
-          </a:xfrm>
-          <a:prstGeom prst="rect">
-            <a:avLst/>
-          </a:prstGeom>
-        </p:spPr>
-      </p:pic>
-      <p:pic>
-        <p:nvPicPr>
-          <p:cNvPr id="10" name="Imagem 9">
-            <a:extLst>
-              <a:ext uri="{FF2B5EF4-FFF2-40B4-BE49-F238E27FC236}">
-                <a16:creationId xmlns:a16="http://schemas.microsoft.com/office/drawing/2014/main" id="{F80BDB7B-FB22-4FAE-60CA-2D0AACF36E15}"/>
-              </a:ext>
-            </a:extLst>
-          </p:cNvPr>
-          <p:cNvPicPr>
-            <a:picLocks noChangeAspect="1"/>
-          </p:cNvPicPr>
-          <p:nvPr/>
-        </p:nvPicPr>
-        <p:blipFill>
-          <a:blip r:embed="rId8"/>
-          <a:stretch>
-            <a:fillRect/>
-          </a:stretch>
-        </p:blipFill>
-        <p:spPr>
-          <a:xfrm>
-            <a:off x="306388" y="1411374"/>
-            <a:ext cx="3046412" cy="4434972"/>
+            <a:off x="303021" y="2361861"/>
+            <a:ext cx="8610600" cy="2816907"/>
           </a:xfrm>
           <a:prstGeom prst="rect">
             <a:avLst/>
@@ -27135,7 +27733,7 @@
     </p:spTree>
     <p:extLst>
       <p:ext uri="{BB962C8B-B14F-4D97-AF65-F5344CB8AC3E}">
-        <p14:creationId xmlns:p14="http://schemas.microsoft.com/office/powerpoint/2010/main" val="1203542931"/>
+        <p14:creationId xmlns:p14="http://schemas.microsoft.com/office/powerpoint/2010/main" val="2477214102"/>
       </p:ext>
     </p:extLst>
   </p:cSld>
@@ -27164,90 +27762,6 @@
       </p:grpSpPr>
       <p:sp>
         <p:nvSpPr>
-          <p:cNvPr id="10243" name="Text Box 10"/>
-          <p:cNvSpPr txBox="1">
-            <a:spLocks noChangeArrowheads="1"/>
-          </p:cNvSpPr>
-          <p:nvPr/>
-        </p:nvSpPr>
-        <p:spPr bwMode="auto">
-          <a:xfrm>
-            <a:off x="8288338" y="6296025"/>
-            <a:ext cx="827087" cy="366713"/>
-          </a:xfrm>
-          <a:prstGeom prst="rect">
-            <a:avLst/>
-          </a:prstGeom>
-          <a:noFill/>
-          <a:ln w="9525">
-            <a:noFill/>
-            <a:miter lim="800000"/>
-            <a:headEnd/>
-            <a:tailEnd/>
-          </a:ln>
-        </p:spPr>
-        <p:txBody>
-          <a:bodyPr>
-            <a:spAutoFit/>
-          </a:bodyPr>
-          <a:lstStyle/>
-          <a:p>
-            <a:pPr>
-              <a:spcBef>
-                <a:spcPct val="50000"/>
-              </a:spcBef>
-            </a:pPr>
-            <a:endParaRPr lang="pt-PT"/>
-          </a:p>
-        </p:txBody>
-      </p:sp>
-      <p:sp>
-        <p:nvSpPr>
-          <p:cNvPr id="10244" name="Rectangle 11"/>
-          <p:cNvSpPr>
-            <a:spLocks noChangeArrowheads="1"/>
-          </p:cNvSpPr>
-          <p:nvPr/>
-        </p:nvSpPr>
-        <p:spPr bwMode="auto">
-          <a:xfrm>
-            <a:off x="8327571" y="6496091"/>
-            <a:ext cx="936625" cy="260350"/>
-          </a:xfrm>
-          <a:prstGeom prst="rect">
-            <a:avLst/>
-          </a:prstGeom>
-          <a:noFill/>
-          <a:ln w="9525">
-            <a:noFill/>
-            <a:miter lim="800000"/>
-            <a:headEnd/>
-            <a:tailEnd/>
-          </a:ln>
-        </p:spPr>
-        <p:txBody>
-          <a:bodyPr anchor="ctr"/>
-          <a:lstStyle/>
-          <a:p>
-            <a:pPr algn="ctr"/>
-            <a:r>
-              <a:rPr lang="pt-PT" sz="1000" dirty="0"/>
-              <a:t>- </a:t>
-            </a:r>
-            <a:fld id="{1234D2FF-8FB9-47A1-B8C9-42A5F500BA2F}" type="slidenum">
-              <a:rPr lang="pt-PT" sz="1000"/>
-              <a:pPr algn="ctr"/>
-              <a:t>28</a:t>
-            </a:fld>
-            <a:r>
-              <a:rPr lang="pt-PT" sz="1000" dirty="0"/>
-              <a:t> -</a:t>
-            </a:r>
-          </a:p>
-        </p:txBody>
-      </p:sp>
-      <p:sp>
-        <p:nvSpPr>
           <p:cNvPr id="9229" name="Text Box 13"/>
           <p:cNvSpPr txBox="1">
             <a:spLocks noChangeArrowheads="1"/>
@@ -27256,8 +27770,8 @@
         </p:nvSpPr>
         <p:spPr bwMode="auto">
           <a:xfrm>
-            <a:off x="321965" y="295051"/>
-            <a:ext cx="6018212" cy="369332"/>
+            <a:off x="306388" y="284606"/>
+            <a:ext cx="6981825" cy="400050"/>
           </a:xfrm>
           <a:prstGeom prst="rect">
             <a:avLst/>
@@ -27272,7 +27786,7 @@
           <a:effectLst/>
         </p:spPr>
         <p:txBody>
-          <a:bodyPr wrap="square">
+          <a:bodyPr>
             <a:spAutoFit/>
           </a:bodyPr>
           <a:lstStyle/>
@@ -27284,7 +27798,7 @@
               <a:defRPr/>
             </a:pPr>
             <a:r>
-              <a:rPr lang="pt-PT" b="1" dirty="0">
+              <a:rPr lang="pt-PT" sz="2000" b="1" dirty="0">
                 <a:solidFill>
                   <a:srgbClr val="C00000"/>
                 </a:solidFill>
@@ -27299,7 +27813,7 @@
               <a:t>■</a:t>
             </a:r>
             <a:r>
-              <a:rPr lang="pt-PT" b="1" dirty="0">
+              <a:rPr lang="pt-PT" sz="2000" b="1" dirty="0">
                 <a:effectLst>
                   <a:outerShdw blurRad="38100" dist="38100" dir="2700000" algn="tl">
                     <a:srgbClr val="C0C0C0"/>
@@ -27308,9 +27822,9 @@
                 <a:latin typeface="Arial"/>
                 <a:cs typeface="Arial"/>
               </a:rPr>
-              <a:t> Ferramentas usadas</a:t>
-            </a:r>
-            <a:endParaRPr lang="pt-PT" b="1" dirty="0">
+              <a:t> Execução</a:t>
+            </a:r>
+            <a:endParaRPr lang="pt-PT" sz="2000" b="1" dirty="0">
               <a:effectLst>
                 <a:outerShdw blurRad="38100" dist="38100" dir="2700000" algn="tl">
                   <a:srgbClr val="C0C0C0"/>
@@ -27516,12 +28030,368 @@
           </a:prstGeom>
         </p:spPr>
       </p:pic>
+      <p:sp>
+        <p:nvSpPr>
+          <p:cNvPr id="14" name="Text Box 19">
+            <a:extLst>
+              <a:ext uri="{FF2B5EF4-FFF2-40B4-BE49-F238E27FC236}">
+                <a16:creationId xmlns:a16="http://schemas.microsoft.com/office/drawing/2014/main" id="{F916920E-C12B-4637-810C-A4B2E6C310C8}"/>
+              </a:ext>
+            </a:extLst>
+          </p:cNvPr>
+          <p:cNvSpPr txBox="1">
+            <a:spLocks noChangeArrowheads="1"/>
+          </p:cNvSpPr>
+          <p:nvPr/>
+        </p:nvSpPr>
+        <p:spPr bwMode="auto">
+          <a:xfrm>
+            <a:off x="2987212" y="1375027"/>
+            <a:ext cx="5639985" cy="1711302"/>
+          </a:xfrm>
+          <a:prstGeom prst="rect">
+            <a:avLst/>
+          </a:prstGeom>
+          <a:noFill/>
+          <a:ln>
+            <a:noFill/>
+          </a:ln>
+          <a:extLst>
+            <a:ext uri="{909E8E84-426E-40DD-AFC4-6F175D3DCCD1}">
+              <a14:hiddenFill xmlns:a14="http://schemas.microsoft.com/office/drawing/2010/main">
+                <a:solidFill>
+                  <a:srgbClr val="FFFFFF"/>
+                </a:solidFill>
+              </a14:hiddenFill>
+            </a:ext>
+            <a:ext uri="{91240B29-F687-4F45-9708-019B960494DF}">
+              <a14:hiddenLine xmlns:a14="http://schemas.microsoft.com/office/drawing/2010/main" w="9525">
+                <a:solidFill>
+                  <a:srgbClr val="000000"/>
+                </a:solidFill>
+                <a:miter lim="800000"/>
+                <a:headEnd/>
+                <a:tailEnd/>
+              </a14:hiddenLine>
+            </a:ext>
+          </a:extLst>
+        </p:spPr>
+        <p:txBody>
+          <a:bodyPr wrap="square">
+            <a:spAutoFit/>
+          </a:bodyPr>
+          <a:lstStyle>
+            <a:lvl1pPr>
+              <a:spcBef>
+                <a:spcPct val="20000"/>
+              </a:spcBef>
+              <a:buChar char="•"/>
+              <a:defRPr sz="3200">
+                <a:solidFill>
+                  <a:schemeClr val="tx1"/>
+                </a:solidFill>
+                <a:latin typeface="Arial" panose="020B0604020202020204" pitchFamily="34" charset="0"/>
+              </a:defRPr>
+            </a:lvl1pPr>
+            <a:lvl2pPr marL="742950" indent="-285750">
+              <a:spcBef>
+                <a:spcPct val="20000"/>
+              </a:spcBef>
+              <a:buChar char="–"/>
+              <a:defRPr sz="2800">
+                <a:solidFill>
+                  <a:schemeClr val="tx1"/>
+                </a:solidFill>
+                <a:latin typeface="Arial" panose="020B0604020202020204" pitchFamily="34" charset="0"/>
+              </a:defRPr>
+            </a:lvl2pPr>
+            <a:lvl3pPr marL="1143000" indent="-228600">
+              <a:spcBef>
+                <a:spcPct val="20000"/>
+              </a:spcBef>
+              <a:buChar char="•"/>
+              <a:defRPr sz="2400">
+                <a:solidFill>
+                  <a:schemeClr val="tx1"/>
+                </a:solidFill>
+                <a:latin typeface="Arial" panose="020B0604020202020204" pitchFamily="34" charset="0"/>
+              </a:defRPr>
+            </a:lvl3pPr>
+            <a:lvl4pPr>
+              <a:spcBef>
+                <a:spcPct val="20000"/>
+              </a:spcBef>
+              <a:buChar char="–"/>
+              <a:defRPr sz="2000">
+                <a:solidFill>
+                  <a:schemeClr val="tx1"/>
+                </a:solidFill>
+                <a:latin typeface="Arial" panose="020B0604020202020204" pitchFamily="34" charset="0"/>
+              </a:defRPr>
+            </a:lvl4pPr>
+            <a:lvl5pPr marL="2057400" indent="-228600">
+              <a:spcBef>
+                <a:spcPct val="20000"/>
+              </a:spcBef>
+              <a:buChar char="»"/>
+              <a:defRPr sz="2000">
+                <a:solidFill>
+                  <a:schemeClr val="tx1"/>
+                </a:solidFill>
+                <a:latin typeface="Arial" panose="020B0604020202020204" pitchFamily="34" charset="0"/>
+              </a:defRPr>
+            </a:lvl5pPr>
+            <a:lvl6pPr marL="2514600" indent="-228600" eaLnBrk="0" fontAlgn="base" hangingPunct="0">
+              <a:spcBef>
+                <a:spcPct val="20000"/>
+              </a:spcBef>
+              <a:spcAft>
+                <a:spcPct val="0"/>
+              </a:spcAft>
+              <a:buChar char="»"/>
+              <a:defRPr sz="2000">
+                <a:solidFill>
+                  <a:schemeClr val="tx1"/>
+                </a:solidFill>
+                <a:latin typeface="Arial" panose="020B0604020202020204" pitchFamily="34" charset="0"/>
+              </a:defRPr>
+            </a:lvl6pPr>
+            <a:lvl7pPr marL="2971800" indent="-228600" eaLnBrk="0" fontAlgn="base" hangingPunct="0">
+              <a:spcBef>
+                <a:spcPct val="20000"/>
+              </a:spcBef>
+              <a:spcAft>
+                <a:spcPct val="0"/>
+              </a:spcAft>
+              <a:buChar char="»"/>
+              <a:defRPr sz="2000">
+                <a:solidFill>
+                  <a:schemeClr val="tx1"/>
+                </a:solidFill>
+                <a:latin typeface="Arial" panose="020B0604020202020204" pitchFamily="34" charset="0"/>
+              </a:defRPr>
+            </a:lvl7pPr>
+            <a:lvl8pPr marL="3429000" indent="-228600" eaLnBrk="0" fontAlgn="base" hangingPunct="0">
+              <a:spcBef>
+                <a:spcPct val="20000"/>
+              </a:spcBef>
+              <a:spcAft>
+                <a:spcPct val="0"/>
+              </a:spcAft>
+              <a:buChar char="»"/>
+              <a:defRPr sz="2000">
+                <a:solidFill>
+                  <a:schemeClr val="tx1"/>
+                </a:solidFill>
+                <a:latin typeface="Arial" panose="020B0604020202020204" pitchFamily="34" charset="0"/>
+              </a:defRPr>
+            </a:lvl8pPr>
+            <a:lvl9pPr marL="3886200" indent="-228600" eaLnBrk="0" fontAlgn="base" hangingPunct="0">
+              <a:spcBef>
+                <a:spcPct val="20000"/>
+              </a:spcBef>
+              <a:spcAft>
+                <a:spcPct val="0"/>
+              </a:spcAft>
+              <a:buChar char="»"/>
+              <a:defRPr sz="2000">
+                <a:solidFill>
+                  <a:schemeClr val="tx1"/>
+                </a:solidFill>
+                <a:latin typeface="Arial" panose="020B0604020202020204" pitchFamily="34" charset="0"/>
+              </a:defRPr>
+            </a:lvl9pPr>
+          </a:lstStyle>
+          <a:p>
+            <a:pPr marL="171450" indent="-171450" algn="just">
+              <a:lnSpc>
+                <a:spcPct val="150000"/>
+              </a:lnSpc>
+            </a:pPr>
+            <a:r>
+              <a:rPr lang="pt-PT" altLang="pt-PT" sz="1400" dirty="0">
+                <a:cs typeface="Arial" panose="020B0604020202020204" pitchFamily="34" charset="0"/>
+              </a:rPr>
+              <a:t>Ao correr o jogo com os jogadores “</a:t>
+            </a:r>
+            <a:r>
+              <a:rPr lang="pt-PT" altLang="pt-PT" sz="1400" dirty="0" err="1">
+                <a:cs typeface="Arial" panose="020B0604020202020204" pitchFamily="34" charset="0"/>
+              </a:rPr>
+              <a:t>Random</a:t>
+            </a:r>
+            <a:r>
+              <a:rPr lang="pt-PT" altLang="pt-PT" sz="1400" dirty="0">
+                <a:cs typeface="Arial" panose="020B0604020202020204" pitchFamily="34" charset="0"/>
+              </a:rPr>
+              <a:t>”, as iterações serão executadas, são apresentados par cada jogo as cartas todas, com o </a:t>
+            </a:r>
+            <a:r>
+              <a:rPr lang="pt-PT" altLang="pt-PT" sz="1400" dirty="0" err="1">
+                <a:cs typeface="Arial" panose="020B0604020202020204" pitchFamily="34" charset="0"/>
+              </a:rPr>
+              <a:t>pot</a:t>
+            </a:r>
+            <a:r>
+              <a:rPr lang="pt-PT" altLang="pt-PT" sz="1400" dirty="0">
+                <a:cs typeface="Arial" panose="020B0604020202020204" pitchFamily="34" charset="0"/>
+              </a:rPr>
+              <a:t> e as </a:t>
+            </a:r>
+            <a:r>
+              <a:rPr lang="pt-PT" altLang="pt-PT" sz="1400" dirty="0" err="1">
+                <a:cs typeface="Arial" panose="020B0604020202020204" pitchFamily="34" charset="0"/>
+              </a:rPr>
+              <a:t>bets</a:t>
+            </a:r>
+            <a:r>
+              <a:rPr lang="pt-PT" altLang="pt-PT" sz="1400" dirty="0">
+                <a:cs typeface="Arial" panose="020B0604020202020204" pitchFamily="34" charset="0"/>
+              </a:rPr>
+              <a:t> por ronda. </a:t>
+            </a:r>
+          </a:p>
+          <a:p>
+            <a:pPr marL="171450" indent="-171450" algn="just">
+              <a:lnSpc>
+                <a:spcPct val="150000"/>
+              </a:lnSpc>
+            </a:pPr>
+            <a:r>
+              <a:rPr lang="pt-PT" altLang="pt-PT" sz="1400" dirty="0">
+                <a:cs typeface="Arial" panose="020B0604020202020204" pitchFamily="34" charset="0"/>
+              </a:rPr>
+              <a:t>No fim, os resultados do jogo apresentam o </a:t>
+            </a:r>
+            <a:r>
+              <a:rPr lang="pt-PT" altLang="pt-PT" sz="1400" dirty="0" err="1">
+                <a:cs typeface="Arial" panose="020B0604020202020204" pitchFamily="34" charset="0"/>
+              </a:rPr>
+              <a:t>profit</a:t>
+            </a:r>
+            <a:r>
+              <a:rPr lang="pt-PT" altLang="pt-PT" sz="1400" dirty="0">
+                <a:cs typeface="Arial" panose="020B0604020202020204" pitchFamily="34" charset="0"/>
+              </a:rPr>
+              <a:t> total de cada jogador e o </a:t>
+            </a:r>
+            <a:r>
+              <a:rPr lang="pt-PT" altLang="pt-PT" sz="1400" dirty="0" err="1">
+                <a:cs typeface="Arial" panose="020B0604020202020204" pitchFamily="34" charset="0"/>
+              </a:rPr>
+              <a:t>profit</a:t>
+            </a:r>
+            <a:r>
+              <a:rPr lang="pt-PT" altLang="pt-PT" sz="1400" dirty="0">
+                <a:cs typeface="Arial" panose="020B0604020202020204" pitchFamily="34" charset="0"/>
+              </a:rPr>
+              <a:t> médio.</a:t>
+            </a:r>
+          </a:p>
+        </p:txBody>
+      </p:sp>
+      <p:sp>
+        <p:nvSpPr>
+          <p:cNvPr id="15" name="Text Box 10">
+            <a:extLst>
+              <a:ext uri="{FF2B5EF4-FFF2-40B4-BE49-F238E27FC236}">
+                <a16:creationId xmlns:a16="http://schemas.microsoft.com/office/drawing/2014/main" id="{2AE8AC60-74C9-4824-90A3-A23A5C2A3A39}"/>
+              </a:ext>
+            </a:extLst>
+          </p:cNvPr>
+          <p:cNvSpPr txBox="1">
+            <a:spLocks noChangeArrowheads="1"/>
+          </p:cNvSpPr>
+          <p:nvPr/>
+        </p:nvSpPr>
+        <p:spPr bwMode="auto">
+          <a:xfrm>
+            <a:off x="8288338" y="6296025"/>
+            <a:ext cx="827087" cy="366713"/>
+          </a:xfrm>
+          <a:prstGeom prst="rect">
+            <a:avLst/>
+          </a:prstGeom>
+          <a:noFill/>
+          <a:ln w="9525">
+            <a:noFill/>
+            <a:miter lim="800000"/>
+            <a:headEnd/>
+            <a:tailEnd/>
+          </a:ln>
+        </p:spPr>
+        <p:txBody>
+          <a:bodyPr>
+            <a:spAutoFit/>
+          </a:bodyPr>
+          <a:lstStyle/>
+          <a:p>
+            <a:pPr>
+              <a:spcBef>
+                <a:spcPct val="50000"/>
+              </a:spcBef>
+            </a:pPr>
+            <a:endParaRPr lang="pt-PT"/>
+          </a:p>
+        </p:txBody>
+      </p:sp>
+      <p:sp>
+        <p:nvSpPr>
+          <p:cNvPr id="16" name="Rectangle 11">
+            <a:extLst>
+              <a:ext uri="{FF2B5EF4-FFF2-40B4-BE49-F238E27FC236}">
+                <a16:creationId xmlns:a16="http://schemas.microsoft.com/office/drawing/2014/main" id="{07A20E72-4407-4F3E-98C6-99518A20CF4B}"/>
+              </a:ext>
+            </a:extLst>
+          </p:cNvPr>
+          <p:cNvSpPr>
+            <a:spLocks noChangeArrowheads="1"/>
+          </p:cNvSpPr>
+          <p:nvPr/>
+        </p:nvSpPr>
+        <p:spPr bwMode="auto">
+          <a:xfrm>
+            <a:off x="8327571" y="6496091"/>
+            <a:ext cx="936625" cy="260350"/>
+          </a:xfrm>
+          <a:prstGeom prst="rect">
+            <a:avLst/>
+          </a:prstGeom>
+          <a:noFill/>
+          <a:ln w="9525">
+            <a:noFill/>
+            <a:miter lim="800000"/>
+            <a:headEnd/>
+            <a:tailEnd/>
+          </a:ln>
+        </p:spPr>
+        <p:txBody>
+          <a:bodyPr anchor="ctr"/>
+          <a:lstStyle/>
+          <a:p>
+            <a:pPr algn="ctr"/>
+            <a:r>
+              <a:rPr lang="pt-PT" sz="1000" dirty="0"/>
+              <a:t>- </a:t>
+            </a:r>
+            <a:fld id="{1234D2FF-8FB9-47A1-B8C9-42A5F500BA2F}" type="slidenum">
+              <a:rPr lang="pt-PT" sz="1000"/>
+              <a:pPr algn="ctr"/>
+              <a:t>28</a:t>
+            </a:fld>
+            <a:r>
+              <a:rPr lang="pt-PT" sz="1000" dirty="0"/>
+              <a:t> -</a:t>
+            </a:r>
+          </a:p>
+        </p:txBody>
+      </p:sp>
       <p:pic>
         <p:nvPicPr>
-          <p:cNvPr id="9" name="Imagem 8">
+          <p:cNvPr id="17" name="Imagem 16">
             <a:extLst>
               <a:ext uri="{FF2B5EF4-FFF2-40B4-BE49-F238E27FC236}">
-                <a16:creationId xmlns:a16="http://schemas.microsoft.com/office/drawing/2014/main" id="{81982921-1900-46B5-BE82-07BECCD63918}"/>
+                <a16:creationId xmlns:a16="http://schemas.microsoft.com/office/drawing/2014/main" id="{AED8EEE7-4A6C-417E-A3EF-6BF0EA2102A5}"/>
               </a:ext>
             </a:extLst>
           </p:cNvPr>
@@ -27548,10 +28418,10 @@
       </p:pic>
       <p:pic>
         <p:nvPicPr>
-          <p:cNvPr id="13" name="Imagem 12">
+          <p:cNvPr id="21" name="Imagem 20">
             <a:extLst>
               <a:ext uri="{FF2B5EF4-FFF2-40B4-BE49-F238E27FC236}">
-                <a16:creationId xmlns:a16="http://schemas.microsoft.com/office/drawing/2014/main" id="{BE263CB9-5E3B-4385-9450-974CDF0F6C7D}"/>
+                <a16:creationId xmlns:a16="http://schemas.microsoft.com/office/drawing/2014/main" id="{3E33BC33-E477-4247-B106-480F5560B061}"/>
               </a:ext>
             </a:extLst>
           </p:cNvPr>
@@ -27582,106 +28452,12 @@
           </a:prstGeom>
         </p:spPr>
       </p:pic>
-      <p:pic>
-        <p:nvPicPr>
-          <p:cNvPr id="1026" name="Picture 2" descr="Press and Media Resources - Docker">
+      <p:sp>
+        <p:nvSpPr>
+          <p:cNvPr id="2" name="Subtítulo 2">
             <a:extLst>
               <a:ext uri="{FF2B5EF4-FFF2-40B4-BE49-F238E27FC236}">
-                <a16:creationId xmlns:a16="http://schemas.microsoft.com/office/drawing/2014/main" id="{A6F0833E-0C02-F5E5-CEE7-FC9D8BEBD252}"/>
-              </a:ext>
-            </a:extLst>
-          </p:cNvPr>
-          <p:cNvPicPr>
-            <a:picLocks noChangeAspect="1" noChangeArrowheads="1"/>
-          </p:cNvPicPr>
-          <p:nvPr/>
-        </p:nvPicPr>
-        <p:blipFill>
-          <a:blip r:embed="rId7" cstate="print">
-            <a:extLst>
-              <a:ext uri="{28A0092B-C50C-407E-A947-70E740481C1C}">
-                <a14:useLocalDpi xmlns:a14="http://schemas.microsoft.com/office/drawing/2010/main" val="0"/>
-              </a:ext>
-            </a:extLst>
-          </a:blip>
-          <a:srcRect/>
-          <a:stretch>
-            <a:fillRect/>
-          </a:stretch>
-        </p:blipFill>
-        <p:spPr bwMode="auto">
-          <a:xfrm>
-            <a:off x="3335223" y="3570958"/>
-            <a:ext cx="2457268" cy="2102476"/>
-          </a:xfrm>
-          <a:prstGeom prst="rect">
-            <a:avLst/>
-          </a:prstGeom>
-          <a:noFill/>
-          <a:extLst>
-            <a:ext uri="{909E8E84-426E-40DD-AFC4-6F175D3DCCD1}">
-              <a14:hiddenFill xmlns:a14="http://schemas.microsoft.com/office/drawing/2010/main">
-                <a:solidFill>
-                  <a:srgbClr val="FFFFFF"/>
-                </a:solidFill>
-              </a14:hiddenFill>
-            </a:ext>
-          </a:extLst>
-        </p:spPr>
-      </p:pic>
-      <p:pic>
-        <p:nvPicPr>
-          <p:cNvPr id="1030" name="Picture 6">
-            <a:extLst>
-              <a:ext uri="{FF2B5EF4-FFF2-40B4-BE49-F238E27FC236}">
-                <a16:creationId xmlns:a16="http://schemas.microsoft.com/office/drawing/2014/main" id="{1E5F9801-8247-EA64-887F-F08040D6969E}"/>
-              </a:ext>
-            </a:extLst>
-          </p:cNvPr>
-          <p:cNvPicPr>
-            <a:picLocks noChangeAspect="1" noChangeArrowheads="1"/>
-          </p:cNvPicPr>
-          <p:nvPr/>
-        </p:nvPicPr>
-        <p:blipFill>
-          <a:blip r:embed="rId8" cstate="print">
-            <a:extLst>
-              <a:ext uri="{28A0092B-C50C-407E-A947-70E740481C1C}">
-                <a14:useLocalDpi xmlns:a14="http://schemas.microsoft.com/office/drawing/2010/main" val="0"/>
-              </a:ext>
-            </a:extLst>
-          </a:blip>
-          <a:srcRect/>
-          <a:stretch>
-            <a:fillRect/>
-          </a:stretch>
-        </p:blipFill>
-        <p:spPr bwMode="auto">
-          <a:xfrm>
-            <a:off x="6548689" y="1471331"/>
-            <a:ext cx="1778882" cy="1778882"/>
-          </a:xfrm>
-          <a:prstGeom prst="rect">
-            <a:avLst/>
-          </a:prstGeom>
-          <a:noFill/>
-          <a:extLst>
-            <a:ext uri="{909E8E84-426E-40DD-AFC4-6F175D3DCCD1}">
-              <a14:hiddenFill xmlns:a14="http://schemas.microsoft.com/office/drawing/2010/main">
-                <a:solidFill>
-                  <a:srgbClr val="FFFFFF"/>
-                </a:solidFill>
-              </a14:hiddenFill>
-            </a:ext>
-          </a:extLst>
-        </p:spPr>
-      </p:pic>
-      <p:sp>
-        <p:nvSpPr>
-          <p:cNvPr id="3" name="Subtítulo 2">
-            <a:extLst>
-              <a:ext uri="{FF2B5EF4-FFF2-40B4-BE49-F238E27FC236}">
-                <a16:creationId xmlns:a16="http://schemas.microsoft.com/office/drawing/2014/main" id="{BEFD1B97-3779-DDCC-502C-C273EC191C9F}"/>
+                <a16:creationId xmlns:a16="http://schemas.microsoft.com/office/drawing/2014/main" id="{D2221523-554F-0C2D-83D7-662B67950BC9}"/>
               </a:ext>
             </a:extLst>
           </p:cNvPr>
@@ -27692,7 +28468,7 @@
         </p:nvSpPr>
         <p:spPr>
           <a:xfrm>
-            <a:off x="1003499" y="6573464"/>
+            <a:off x="836017" y="6524516"/>
             <a:ext cx="7698382" cy="162409"/>
           </a:xfrm>
           <a:prstGeom prst="rect">
@@ -27904,12 +28680,52 @@
           </a:p>
         </p:txBody>
       </p:sp>
+      <p:sp>
+        <p:nvSpPr>
+          <p:cNvPr id="4" name="CaixaDeTexto 3">
+            <a:extLst>
+              <a:ext uri="{FF2B5EF4-FFF2-40B4-BE49-F238E27FC236}">
+                <a16:creationId xmlns:a16="http://schemas.microsoft.com/office/drawing/2014/main" id="{DFCC3996-5448-B87E-F4D6-D6C8DC8C7472}"/>
+              </a:ext>
+            </a:extLst>
+          </p:cNvPr>
+          <p:cNvSpPr txBox="1"/>
+          <p:nvPr/>
+        </p:nvSpPr>
+        <p:spPr>
+          <a:xfrm>
+            <a:off x="306388" y="663590"/>
+            <a:ext cx="5567089" cy="276999"/>
+          </a:xfrm>
+          <a:prstGeom prst="rect">
+            <a:avLst/>
+          </a:prstGeom>
+          <a:noFill/>
+        </p:spPr>
+        <p:txBody>
+          <a:bodyPr wrap="square">
+            <a:spAutoFit/>
+          </a:bodyPr>
+          <a:lstStyle/>
+          <a:p>
+            <a:r>
+              <a:rPr lang="pt-PT" sz="1200" b="1" dirty="0">
+                <a:latin typeface="Arial" charset="0"/>
+                <a:ea typeface="Arial" charset="0"/>
+                <a:cs typeface="Arial" charset="0"/>
+              </a:rPr>
+              <a:t>Trabalho Prático 1 – Pesquisa de soluções em jogos</a:t>
+            </a:r>
+            <a:endParaRPr lang="pt-PT" sz="1200" b="1" dirty="0"/>
+          </a:p>
+        </p:txBody>
+      </p:sp>
       <p:pic>
         <p:nvPicPr>
-          <p:cNvPr id="5" name="Imagem 4">
+          <p:cNvPr id="6" name="Imagem 5">
             <a:extLst>
               <a:ext uri="{FF2B5EF4-FFF2-40B4-BE49-F238E27FC236}">
-                <a16:creationId xmlns:a16="http://schemas.microsoft.com/office/drawing/2014/main" id="{ED471A09-C673-0BC4-D3D0-67FB19793AA7}"/>
+                <a16:creationId xmlns:a16="http://schemas.microsoft.com/office/drawing/2014/main" id="{A92AE9AF-4456-9AD7-912B-3ACA3418CD18}"/>
               </a:ext>
             </a:extLst>
           </p:cNvPr>
@@ -27919,21 +28735,45 @@
           <p:nvPr/>
         </p:nvPicPr>
         <p:blipFill>
-          <a:blip r:embed="rId9" cstate="print">
-            <a:extLst>
-              <a:ext uri="{28A0092B-C50C-407E-A947-70E740481C1C}">
-                <a14:useLocalDpi xmlns:a14="http://schemas.microsoft.com/office/drawing/2010/main" val="0"/>
-              </a:ext>
-            </a:extLst>
-          </a:blip>
+          <a:blip r:embed="rId7"/>
           <a:stretch>
             <a:fillRect/>
           </a:stretch>
         </p:blipFill>
         <p:spPr>
           <a:xfrm>
-            <a:off x="685800" y="1442263"/>
-            <a:ext cx="1942641" cy="2128694"/>
+            <a:off x="306388" y="1134340"/>
+            <a:ext cx="2512237" cy="5247077"/>
+          </a:xfrm>
+          <a:prstGeom prst="rect">
+            <a:avLst/>
+          </a:prstGeom>
+        </p:spPr>
+      </p:pic>
+      <p:pic>
+        <p:nvPicPr>
+          <p:cNvPr id="9" name="Imagem 8">
+            <a:extLst>
+              <a:ext uri="{FF2B5EF4-FFF2-40B4-BE49-F238E27FC236}">
+                <a16:creationId xmlns:a16="http://schemas.microsoft.com/office/drawing/2014/main" id="{EC9F4587-C202-3687-1D0F-70CF206230D4}"/>
+              </a:ext>
+            </a:extLst>
+          </p:cNvPr>
+          <p:cNvPicPr>
+            <a:picLocks noChangeAspect="1"/>
+          </p:cNvPicPr>
+          <p:nvPr/>
+        </p:nvPicPr>
+        <p:blipFill>
+          <a:blip r:embed="rId8"/>
+          <a:stretch>
+            <a:fillRect/>
+          </a:stretch>
+        </p:blipFill>
+        <p:spPr>
+          <a:xfrm>
+            <a:off x="3023788" y="4140836"/>
+            <a:ext cx="3758137" cy="2240581"/>
           </a:xfrm>
           <a:prstGeom prst="rect">
             <a:avLst/>
@@ -27943,7 +28783,7 @@
     </p:spTree>
     <p:extLst>
       <p:ext uri="{BB962C8B-B14F-4D97-AF65-F5344CB8AC3E}">
-        <p14:creationId xmlns:p14="http://schemas.microsoft.com/office/powerpoint/2010/main" val="110629547"/>
+        <p14:creationId xmlns:p14="http://schemas.microsoft.com/office/powerpoint/2010/main" val="2366797112"/>
       </p:ext>
     </p:extLst>
   </p:cSld>
@@ -27970,16 +28810,256 @@
           <a:chExt cx="0" cy="0"/>
         </a:xfrm>
       </p:grpSpPr>
+      <p:sp>
+        <p:nvSpPr>
+          <p:cNvPr id="9229" name="Text Box 13"/>
+          <p:cNvSpPr txBox="1">
+            <a:spLocks noChangeArrowheads="1"/>
+          </p:cNvSpPr>
+          <p:nvPr/>
+        </p:nvSpPr>
+        <p:spPr bwMode="auto">
+          <a:xfrm>
+            <a:off x="306388" y="284606"/>
+            <a:ext cx="6981825" cy="400050"/>
+          </a:xfrm>
+          <a:prstGeom prst="rect">
+            <a:avLst/>
+          </a:prstGeom>
+          <a:noFill/>
+          <a:ln w="9525">
+            <a:noFill/>
+            <a:miter lim="800000"/>
+            <a:headEnd/>
+            <a:tailEnd/>
+          </a:ln>
+          <a:effectLst/>
+        </p:spPr>
+        <p:txBody>
+          <a:bodyPr>
+            <a:spAutoFit/>
+          </a:bodyPr>
+          <a:lstStyle/>
+          <a:p>
+            <a:pPr>
+              <a:spcBef>
+                <a:spcPct val="50000"/>
+              </a:spcBef>
+              <a:defRPr/>
+            </a:pPr>
+            <a:r>
+              <a:rPr lang="pt-PT" sz="2000" b="1" dirty="0">
+                <a:solidFill>
+                  <a:srgbClr val="C00000"/>
+                </a:solidFill>
+                <a:effectLst>
+                  <a:outerShdw blurRad="38100" dist="38100" dir="2700000" algn="tl">
+                    <a:srgbClr val="C0C0C0"/>
+                  </a:outerShdw>
+                </a:effectLst>
+                <a:latin typeface="Arial"/>
+                <a:cs typeface="Arial"/>
+              </a:rPr>
+              <a:t>■</a:t>
+            </a:r>
+            <a:r>
+              <a:rPr lang="pt-PT" sz="2000" b="1" dirty="0">
+                <a:effectLst>
+                  <a:outerShdw blurRad="38100" dist="38100" dir="2700000" algn="tl">
+                    <a:srgbClr val="C0C0C0"/>
+                  </a:outerShdw>
+                </a:effectLst>
+                <a:latin typeface="Arial"/>
+                <a:cs typeface="Arial"/>
+              </a:rPr>
+              <a:t> Execução</a:t>
+            </a:r>
+            <a:endParaRPr lang="pt-PT" sz="2000" b="1" dirty="0">
+              <a:effectLst>
+                <a:outerShdw blurRad="38100" dist="38100" dir="2700000" algn="tl">
+                  <a:srgbClr val="C0C0C0"/>
+                </a:outerShdw>
+              </a:effectLst>
+              <a:latin typeface="Arial" charset="0"/>
+            </a:endParaRPr>
+          </a:p>
+        </p:txBody>
+      </p:sp>
+      <p:sp>
+        <p:nvSpPr>
+          <p:cNvPr id="10247" name="Line 15"/>
+          <p:cNvSpPr>
+            <a:spLocks noChangeShapeType="1"/>
+          </p:cNvSpPr>
+          <p:nvPr/>
+        </p:nvSpPr>
+        <p:spPr bwMode="auto">
+          <a:xfrm>
+            <a:off x="250825" y="0"/>
+            <a:ext cx="0" cy="765175"/>
+          </a:xfrm>
+          <a:prstGeom prst="line">
+            <a:avLst/>
+          </a:prstGeom>
+          <a:noFill/>
+          <a:ln w="25400">
+            <a:solidFill>
+              <a:schemeClr val="tx1"/>
+            </a:solidFill>
+            <a:round/>
+            <a:headEnd/>
+            <a:tailEnd/>
+          </a:ln>
+        </p:spPr>
+        <p:txBody>
+          <a:bodyPr/>
+          <a:lstStyle/>
+          <a:p>
+            <a:endParaRPr lang="pt-PT"/>
+          </a:p>
+        </p:txBody>
+      </p:sp>
+      <p:sp>
+        <p:nvSpPr>
+          <p:cNvPr id="9237" name="Text Box 21"/>
+          <p:cNvSpPr txBox="1">
+            <a:spLocks noChangeArrowheads="1"/>
+          </p:cNvSpPr>
+          <p:nvPr/>
+        </p:nvSpPr>
+        <p:spPr bwMode="auto">
+          <a:xfrm>
+            <a:off x="260350" y="44450"/>
+            <a:ext cx="6981825" cy="304800"/>
+          </a:xfrm>
+          <a:prstGeom prst="rect">
+            <a:avLst/>
+          </a:prstGeom>
+          <a:noFill/>
+          <a:ln w="9525">
+            <a:noFill/>
+            <a:miter lim="800000"/>
+            <a:headEnd/>
+            <a:tailEnd/>
+          </a:ln>
+          <a:effectLst/>
+        </p:spPr>
+        <p:txBody>
+          <a:bodyPr>
+            <a:spAutoFit/>
+          </a:bodyPr>
+          <a:lstStyle/>
+          <a:p>
+            <a:pPr>
+              <a:spcBef>
+                <a:spcPct val="50000"/>
+              </a:spcBef>
+              <a:defRPr/>
+            </a:pPr>
+            <a:endParaRPr lang="pt-PT" sz="1400" b="1" dirty="0">
+              <a:solidFill>
+                <a:srgbClr val="FF3300"/>
+              </a:solidFill>
+              <a:effectLst>
+                <a:outerShdw blurRad="38100" dist="38100" dir="2700000" algn="tl">
+                  <a:srgbClr val="C0C0C0"/>
+                </a:outerShdw>
+              </a:effectLst>
+              <a:latin typeface="Arial" charset="0"/>
+            </a:endParaRPr>
+          </a:p>
+        </p:txBody>
+      </p:sp>
       <p:pic>
         <p:nvPicPr>
-          <p:cNvPr id="2" name="Imagem 1"/>
+          <p:cNvPr id="7" name="Imagem 6">
+            <a:extLst>
+              <a:ext uri="{FF2B5EF4-FFF2-40B4-BE49-F238E27FC236}">
+                <a16:creationId xmlns:a16="http://schemas.microsoft.com/office/drawing/2014/main" id="{54D42837-E70D-4C64-A8A7-E7F751502B92}"/>
+              </a:ext>
+            </a:extLst>
+          </p:cNvPr>
           <p:cNvPicPr>
             <a:picLocks noChangeAspect="1"/>
           </p:cNvPicPr>
           <p:nvPr/>
         </p:nvPicPr>
         <p:blipFill>
-          <a:blip r:embed="rId2">
+          <a:blip r:embed="rId3"/>
+          <a:stretch>
+            <a:fillRect/>
+          </a:stretch>
+        </p:blipFill>
+        <p:spPr>
+          <a:xfrm>
+            <a:off x="101225" y="904241"/>
+            <a:ext cx="9014192" cy="266482"/>
+          </a:xfrm>
+          <a:prstGeom prst="rect">
+            <a:avLst/>
+          </a:prstGeom>
+        </p:spPr>
+      </p:pic>
+      <p:sp>
+        <p:nvSpPr>
+          <p:cNvPr id="18" name="Rectângulo 19">
+            <a:extLst>
+              <a:ext uri="{FF2B5EF4-FFF2-40B4-BE49-F238E27FC236}">
+                <a16:creationId xmlns:a16="http://schemas.microsoft.com/office/drawing/2014/main" id="{CC873ECC-2D88-4A22-91F1-E738DF9BE5E9}"/>
+              </a:ext>
+            </a:extLst>
+          </p:cNvPr>
+          <p:cNvSpPr/>
+          <p:nvPr/>
+        </p:nvSpPr>
+        <p:spPr>
+          <a:xfrm>
+            <a:off x="5535613" y="610184"/>
+            <a:ext cx="3505200" cy="261610"/>
+          </a:xfrm>
+          <a:prstGeom prst="rect">
+            <a:avLst/>
+          </a:prstGeom>
+        </p:spPr>
+        <p:txBody>
+          <a:bodyPr wrap="square">
+            <a:spAutoFit/>
+          </a:bodyPr>
+          <a:lstStyle/>
+          <a:p>
+            <a:pPr algn="r"/>
+            <a:r>
+              <a:rPr lang="pt-PT" sz="1100" b="1" cap="all" dirty="0">
+                <a:highlight>
+                  <a:srgbClr val="FFFF00"/>
+                </a:highlight>
+              </a:rPr>
+              <a:t>ENGENHARIA INFORMÁTICA</a:t>
+            </a:r>
+            <a:endParaRPr lang="pt-PT" sz="1100" dirty="0">
+              <a:highlight>
+                <a:srgbClr val="FFFF00"/>
+              </a:highlight>
+            </a:endParaRPr>
+          </a:p>
+        </p:txBody>
+      </p:sp>
+      <p:pic>
+        <p:nvPicPr>
+          <p:cNvPr id="20" name="Imagem 19">
+            <a:extLst>
+              <a:ext uri="{FF2B5EF4-FFF2-40B4-BE49-F238E27FC236}">
+                <a16:creationId xmlns:a16="http://schemas.microsoft.com/office/drawing/2014/main" id="{698D1AFC-0FD6-4DFA-A381-805A758D4B13}"/>
+              </a:ext>
+            </a:extLst>
+          </p:cNvPr>
+          <p:cNvPicPr>
+            <a:picLocks noChangeAspect="1"/>
+          </p:cNvPicPr>
+          <p:nvPr/>
+        </p:nvPicPr>
+        <p:blipFill>
+          <a:blip r:embed="rId4" cstate="print">
             <a:extLst>
               <a:ext uri="{28A0092B-C50C-407E-A947-70E740481C1C}">
                 <a14:useLocalDpi xmlns:a14="http://schemas.microsoft.com/office/drawing/2010/main" val="0"/>
@@ -27992,8 +29072,8 @@
         </p:blipFill>
         <p:spPr>
           <a:xfrm>
-            <a:off x="0" y="0"/>
-            <a:ext cx="9144000" cy="6858000"/>
+            <a:off x="6404047" y="81007"/>
+            <a:ext cx="2689589" cy="668346"/>
           </a:xfrm>
           <a:prstGeom prst="rect">
             <a:avLst/>
@@ -28002,58 +29082,369 @@
       </p:pic>
       <p:sp>
         <p:nvSpPr>
-          <p:cNvPr id="3" name="Subtítulo 2"/>
-          <p:cNvSpPr>
-            <a:spLocks noGrp="1"/>
+          <p:cNvPr id="14" name="Text Box 19">
+            <a:extLst>
+              <a:ext uri="{FF2B5EF4-FFF2-40B4-BE49-F238E27FC236}">
+                <a16:creationId xmlns:a16="http://schemas.microsoft.com/office/drawing/2014/main" id="{F916920E-C12B-4637-810C-A4B2E6C310C8}"/>
+              </a:ext>
+            </a:extLst>
+          </p:cNvPr>
+          <p:cNvSpPr txBox="1">
+            <a:spLocks noChangeArrowheads="1"/>
           </p:cNvSpPr>
-          <p:nvPr>
-            <p:ph type="subTitle" idx="1"/>
-          </p:nvPr>
-        </p:nvSpPr>
-        <p:spPr>
-          <a:xfrm>
-            <a:off x="2000250" y="5867400"/>
-            <a:ext cx="5143500" cy="489738"/>
-          </a:xfrm>
+          <p:nvPr/>
+        </p:nvSpPr>
+        <p:spPr bwMode="auto">
+          <a:xfrm>
+            <a:off x="3581400" y="2133600"/>
+            <a:ext cx="5045797" cy="1021883"/>
+          </a:xfrm>
+          <a:prstGeom prst="rect">
+            <a:avLst/>
+          </a:prstGeom>
+          <a:noFill/>
+          <a:ln>
+            <a:noFill/>
+          </a:ln>
+          <a:extLst>
+            <a:ext uri="{909E8E84-426E-40DD-AFC4-6F175D3DCCD1}">
+              <a14:hiddenFill xmlns:a14="http://schemas.microsoft.com/office/drawing/2010/main">
+                <a:solidFill>
+                  <a:srgbClr val="FFFFFF"/>
+                </a:solidFill>
+              </a14:hiddenFill>
+            </a:ext>
+            <a:ext uri="{91240B29-F687-4F45-9708-019B960494DF}">
+              <a14:hiddenLine xmlns:a14="http://schemas.microsoft.com/office/drawing/2010/main" w="9525">
+                <a:solidFill>
+                  <a:srgbClr val="000000"/>
+                </a:solidFill>
+                <a:miter lim="800000"/>
+                <a:headEnd/>
+                <a:tailEnd/>
+              </a14:hiddenLine>
+            </a:ext>
+          </a:extLst>
+        </p:spPr>
+        <p:txBody>
+          <a:bodyPr wrap="square">
+            <a:spAutoFit/>
+          </a:bodyPr>
+          <a:lstStyle>
+            <a:lvl1pPr>
+              <a:spcBef>
+                <a:spcPct val="20000"/>
+              </a:spcBef>
+              <a:buChar char="•"/>
+              <a:defRPr sz="3200">
+                <a:solidFill>
+                  <a:schemeClr val="tx1"/>
+                </a:solidFill>
+                <a:latin typeface="Arial" panose="020B0604020202020204" pitchFamily="34" charset="0"/>
+              </a:defRPr>
+            </a:lvl1pPr>
+            <a:lvl2pPr marL="742950" indent="-285750">
+              <a:spcBef>
+                <a:spcPct val="20000"/>
+              </a:spcBef>
+              <a:buChar char="–"/>
+              <a:defRPr sz="2800">
+                <a:solidFill>
+                  <a:schemeClr val="tx1"/>
+                </a:solidFill>
+                <a:latin typeface="Arial" panose="020B0604020202020204" pitchFamily="34" charset="0"/>
+              </a:defRPr>
+            </a:lvl2pPr>
+            <a:lvl3pPr marL="1143000" indent="-228600">
+              <a:spcBef>
+                <a:spcPct val="20000"/>
+              </a:spcBef>
+              <a:buChar char="•"/>
+              <a:defRPr sz="2400">
+                <a:solidFill>
+                  <a:schemeClr val="tx1"/>
+                </a:solidFill>
+                <a:latin typeface="Arial" panose="020B0604020202020204" pitchFamily="34" charset="0"/>
+              </a:defRPr>
+            </a:lvl3pPr>
+            <a:lvl4pPr>
+              <a:spcBef>
+                <a:spcPct val="20000"/>
+              </a:spcBef>
+              <a:buChar char="–"/>
+              <a:defRPr sz="2000">
+                <a:solidFill>
+                  <a:schemeClr val="tx1"/>
+                </a:solidFill>
+                <a:latin typeface="Arial" panose="020B0604020202020204" pitchFamily="34" charset="0"/>
+              </a:defRPr>
+            </a:lvl4pPr>
+            <a:lvl5pPr marL="2057400" indent="-228600">
+              <a:spcBef>
+                <a:spcPct val="20000"/>
+              </a:spcBef>
+              <a:buChar char="»"/>
+              <a:defRPr sz="2000">
+                <a:solidFill>
+                  <a:schemeClr val="tx1"/>
+                </a:solidFill>
+                <a:latin typeface="Arial" panose="020B0604020202020204" pitchFamily="34" charset="0"/>
+              </a:defRPr>
+            </a:lvl5pPr>
+            <a:lvl6pPr marL="2514600" indent="-228600" eaLnBrk="0" fontAlgn="base" hangingPunct="0">
+              <a:spcBef>
+                <a:spcPct val="20000"/>
+              </a:spcBef>
+              <a:spcAft>
+                <a:spcPct val="0"/>
+              </a:spcAft>
+              <a:buChar char="»"/>
+              <a:defRPr sz="2000">
+                <a:solidFill>
+                  <a:schemeClr val="tx1"/>
+                </a:solidFill>
+                <a:latin typeface="Arial" panose="020B0604020202020204" pitchFamily="34" charset="0"/>
+              </a:defRPr>
+            </a:lvl6pPr>
+            <a:lvl7pPr marL="2971800" indent="-228600" eaLnBrk="0" fontAlgn="base" hangingPunct="0">
+              <a:spcBef>
+                <a:spcPct val="20000"/>
+              </a:spcBef>
+              <a:spcAft>
+                <a:spcPct val="0"/>
+              </a:spcAft>
+              <a:buChar char="»"/>
+              <a:defRPr sz="2000">
+                <a:solidFill>
+                  <a:schemeClr val="tx1"/>
+                </a:solidFill>
+                <a:latin typeface="Arial" panose="020B0604020202020204" pitchFamily="34" charset="0"/>
+              </a:defRPr>
+            </a:lvl7pPr>
+            <a:lvl8pPr marL="3429000" indent="-228600" eaLnBrk="0" fontAlgn="base" hangingPunct="0">
+              <a:spcBef>
+                <a:spcPct val="20000"/>
+              </a:spcBef>
+              <a:spcAft>
+                <a:spcPct val="0"/>
+              </a:spcAft>
+              <a:buChar char="»"/>
+              <a:defRPr sz="2000">
+                <a:solidFill>
+                  <a:schemeClr val="tx1"/>
+                </a:solidFill>
+                <a:latin typeface="Arial" panose="020B0604020202020204" pitchFamily="34" charset="0"/>
+              </a:defRPr>
+            </a:lvl8pPr>
+            <a:lvl9pPr marL="3886200" indent="-228600" eaLnBrk="0" fontAlgn="base" hangingPunct="0">
+              <a:spcBef>
+                <a:spcPct val="20000"/>
+              </a:spcBef>
+              <a:spcAft>
+                <a:spcPct val="0"/>
+              </a:spcAft>
+              <a:buChar char="»"/>
+              <a:defRPr sz="2000">
+                <a:solidFill>
+                  <a:schemeClr val="tx1"/>
+                </a:solidFill>
+                <a:latin typeface="Arial" panose="020B0604020202020204" pitchFamily="34" charset="0"/>
+              </a:defRPr>
+            </a:lvl9pPr>
+          </a:lstStyle>
+          <a:p>
+            <a:pPr marL="171450" indent="-171450" algn="just">
+              <a:lnSpc>
+                <a:spcPct val="150000"/>
+              </a:lnSpc>
+            </a:pPr>
+            <a:r>
+              <a:rPr lang="pt-PT" altLang="pt-PT" sz="1400" dirty="0">
+                <a:cs typeface="Arial" panose="020B0604020202020204" pitchFamily="34" charset="0"/>
+              </a:rPr>
+              <a:t>Se selecionamos o </a:t>
+            </a:r>
+            <a:r>
+              <a:rPr lang="pt-PT" altLang="pt-PT" sz="1400" dirty="0" err="1">
+                <a:cs typeface="Arial" panose="020B0604020202020204" pitchFamily="34" charset="0"/>
+              </a:rPr>
+              <a:t>player</a:t>
+            </a:r>
+            <a:r>
+              <a:rPr lang="pt-PT" altLang="pt-PT" sz="1400" dirty="0">
+                <a:cs typeface="Arial" panose="020B0604020202020204" pitchFamily="34" charset="0"/>
+              </a:rPr>
+              <a:t> </a:t>
+            </a:r>
+            <a:r>
+              <a:rPr lang="pt-PT" altLang="pt-PT" sz="1400" dirty="0" err="1">
+                <a:cs typeface="Arial" panose="020B0604020202020204" pitchFamily="34" charset="0"/>
+              </a:rPr>
+              <a:t>Human</a:t>
+            </a:r>
+            <a:r>
+              <a:rPr lang="pt-PT" altLang="pt-PT" sz="1400" dirty="0">
+                <a:cs typeface="Arial" panose="020B0604020202020204" pitchFamily="34" charset="0"/>
+              </a:rPr>
+              <a:t>, temos de ser nós a introduzir as ações como input e no final é apresentado o resultado para cada </a:t>
+            </a:r>
+            <a:r>
+              <a:rPr lang="pt-PT" altLang="pt-PT" sz="1400" dirty="0" err="1">
+                <a:cs typeface="Arial" panose="020B0604020202020204" pitchFamily="34" charset="0"/>
+              </a:rPr>
+              <a:t>player</a:t>
+            </a:r>
+            <a:r>
+              <a:rPr lang="pt-PT" altLang="pt-PT" sz="1400" dirty="0">
+                <a:cs typeface="Arial" panose="020B0604020202020204" pitchFamily="34" charset="0"/>
+              </a:rPr>
+              <a:t>.</a:t>
+            </a:r>
+          </a:p>
+        </p:txBody>
+      </p:sp>
+      <p:sp>
+        <p:nvSpPr>
+          <p:cNvPr id="15" name="Text Box 10">
+            <a:extLst>
+              <a:ext uri="{FF2B5EF4-FFF2-40B4-BE49-F238E27FC236}">
+                <a16:creationId xmlns:a16="http://schemas.microsoft.com/office/drawing/2014/main" id="{2AE8AC60-74C9-4824-90A3-A23A5C2A3A39}"/>
+              </a:ext>
+            </a:extLst>
+          </p:cNvPr>
+          <p:cNvSpPr txBox="1">
+            <a:spLocks noChangeArrowheads="1"/>
+          </p:cNvSpPr>
+          <p:nvPr/>
+        </p:nvSpPr>
+        <p:spPr bwMode="auto">
+          <a:xfrm>
+            <a:off x="8288338" y="6296025"/>
+            <a:ext cx="827087" cy="366713"/>
+          </a:xfrm>
+          <a:prstGeom prst="rect">
+            <a:avLst/>
+          </a:prstGeom>
+          <a:noFill/>
+          <a:ln w="9525">
+            <a:noFill/>
+            <a:miter lim="800000"/>
+            <a:headEnd/>
+            <a:tailEnd/>
+          </a:ln>
         </p:spPr>
         <p:txBody>
           <a:bodyPr>
-            <a:normAutofit/>
+            <a:spAutoFit/>
           </a:bodyPr>
           <a:lstStyle/>
           <a:p>
-            <a:r>
-              <a:rPr lang="pt-PT" sz="1500" dirty="0" err="1">
-                <a:solidFill>
-                  <a:schemeClr val="bg1"/>
-                </a:solidFill>
-                <a:latin typeface="Arial" charset="0"/>
-                <a:ea typeface="Arial" charset="0"/>
-                <a:cs typeface="Arial" charset="0"/>
-              </a:rPr>
-              <a:t>www.ipvc.pt</a:t>
-            </a:r>
-            <a:endParaRPr lang="pt-PT" sz="1500" dirty="0">
-              <a:solidFill>
-                <a:schemeClr val="bg1"/>
-              </a:solidFill>
-              <a:latin typeface="Arial" charset="0"/>
-              <a:ea typeface="Arial" charset="0"/>
-              <a:cs typeface="Arial" charset="0"/>
-            </a:endParaRPr>
+            <a:pPr>
+              <a:spcBef>
+                <a:spcPct val="50000"/>
+              </a:spcBef>
+            </a:pPr>
+            <a:endParaRPr lang="pt-PT"/>
+          </a:p>
+        </p:txBody>
+      </p:sp>
+      <p:sp>
+        <p:nvSpPr>
+          <p:cNvPr id="16" name="Rectangle 11">
+            <a:extLst>
+              <a:ext uri="{FF2B5EF4-FFF2-40B4-BE49-F238E27FC236}">
+                <a16:creationId xmlns:a16="http://schemas.microsoft.com/office/drawing/2014/main" id="{07A20E72-4407-4F3E-98C6-99518A20CF4B}"/>
+              </a:ext>
+            </a:extLst>
+          </p:cNvPr>
+          <p:cNvSpPr>
+            <a:spLocks noChangeArrowheads="1"/>
+          </p:cNvSpPr>
+          <p:nvPr/>
+        </p:nvSpPr>
+        <p:spPr bwMode="auto">
+          <a:xfrm>
+            <a:off x="8327571" y="6496091"/>
+            <a:ext cx="936625" cy="260350"/>
+          </a:xfrm>
+          <a:prstGeom prst="rect">
+            <a:avLst/>
+          </a:prstGeom>
+          <a:noFill/>
+          <a:ln w="9525">
+            <a:noFill/>
+            <a:miter lim="800000"/>
+            <a:headEnd/>
+            <a:tailEnd/>
+          </a:ln>
+        </p:spPr>
+        <p:txBody>
+          <a:bodyPr anchor="ctr"/>
+          <a:lstStyle/>
+          <a:p>
+            <a:pPr algn="ctr"/>
+            <a:r>
+              <a:rPr lang="pt-PT" sz="1000" dirty="0"/>
+              <a:t>- </a:t>
+            </a:r>
+            <a:fld id="{1234D2FF-8FB9-47A1-B8C9-42A5F500BA2F}" type="slidenum">
+              <a:rPr lang="pt-PT" sz="1000"/>
+              <a:pPr algn="ctr"/>
+              <a:t>29</a:t>
+            </a:fld>
+            <a:r>
+              <a:rPr lang="pt-PT" sz="1000" dirty="0"/>
+              <a:t> -</a:t>
+            </a:r>
           </a:p>
         </p:txBody>
       </p:sp>
       <p:pic>
         <p:nvPicPr>
-          <p:cNvPr id="4" name="Imagem 3"/>
+          <p:cNvPr id="17" name="Imagem 16">
+            <a:extLst>
+              <a:ext uri="{FF2B5EF4-FFF2-40B4-BE49-F238E27FC236}">
+                <a16:creationId xmlns:a16="http://schemas.microsoft.com/office/drawing/2014/main" id="{AED8EEE7-4A6C-417E-A3EF-6BF0EA2102A5}"/>
+              </a:ext>
+            </a:extLst>
+          </p:cNvPr>
           <p:cNvPicPr>
             <a:picLocks noChangeAspect="1"/>
           </p:cNvPicPr>
           <p:nvPr/>
         </p:nvPicPr>
         <p:blipFill>
-          <a:blip r:embed="rId3">
+          <a:blip r:embed="rId5"/>
+          <a:stretch>
+            <a:fillRect/>
+          </a:stretch>
+        </p:blipFill>
+        <p:spPr>
+          <a:xfrm>
+            <a:off x="0" y="6320212"/>
+            <a:ext cx="9144000" cy="253252"/>
+          </a:xfrm>
+          <a:prstGeom prst="rect">
+            <a:avLst/>
+          </a:prstGeom>
+        </p:spPr>
+      </p:pic>
+      <p:pic>
+        <p:nvPicPr>
+          <p:cNvPr id="21" name="Imagem 20">
+            <a:extLst>
+              <a:ext uri="{FF2B5EF4-FFF2-40B4-BE49-F238E27FC236}">
+                <a16:creationId xmlns:a16="http://schemas.microsoft.com/office/drawing/2014/main" id="{3E33BC33-E477-4247-B106-480F5560B061}"/>
+              </a:ext>
+            </a:extLst>
+          </p:cNvPr>
+          <p:cNvPicPr>
+            <a:picLocks noChangeAspect="1"/>
+          </p:cNvPicPr>
+          <p:nvPr/>
+        </p:nvPicPr>
+        <p:blipFill>
+          <a:blip r:embed="rId6" cstate="print">
             <a:extLst>
               <a:ext uri="{28A0092B-C50C-407E-A947-70E740481C1C}">
                 <a14:useLocalDpi xmlns:a14="http://schemas.microsoft.com/office/drawing/2010/main" val="0"/>
@@ -28066,8 +29457,336 @@
         </p:blipFill>
         <p:spPr>
           <a:xfrm>
-            <a:off x="2547606" y="3409950"/>
-            <a:ext cx="4048787" cy="1006100"/>
+            <a:off x="238125" y="6488336"/>
+            <a:ext cx="545959" cy="199802"/>
+          </a:xfrm>
+          <a:prstGeom prst="rect">
+            <a:avLst/>
+          </a:prstGeom>
+        </p:spPr>
+      </p:pic>
+      <p:sp>
+        <p:nvSpPr>
+          <p:cNvPr id="2" name="Subtítulo 2">
+            <a:extLst>
+              <a:ext uri="{FF2B5EF4-FFF2-40B4-BE49-F238E27FC236}">
+                <a16:creationId xmlns:a16="http://schemas.microsoft.com/office/drawing/2014/main" id="{D2221523-554F-0C2D-83D7-662B67950BC9}"/>
+              </a:ext>
+            </a:extLst>
+          </p:cNvPr>
+          <p:cNvSpPr txBox="1">
+            <a:spLocks/>
+          </p:cNvSpPr>
+          <p:nvPr/>
+        </p:nvSpPr>
+        <p:spPr>
+          <a:xfrm>
+            <a:off x="836017" y="6524516"/>
+            <a:ext cx="7698382" cy="162409"/>
+          </a:xfrm>
+          <a:prstGeom prst="rect">
+            <a:avLst/>
+          </a:prstGeom>
+        </p:spPr>
+        <p:txBody>
+          <a:bodyPr vert="horz" lIns="68580" tIns="34290" rIns="68580" bIns="34290" rtlCol="0">
+            <a:normAutofit fontScale="92500" lnSpcReduction="20000"/>
+          </a:bodyPr>
+          <a:lstStyle>
+            <a:lvl1pPr marL="0" indent="0" algn="ctr" defTabSz="914400" rtl="0" eaLnBrk="1" latinLnBrk="0" hangingPunct="1">
+              <a:lnSpc>
+                <a:spcPct val="90000"/>
+              </a:lnSpc>
+              <a:spcBef>
+                <a:spcPts val="1000"/>
+              </a:spcBef>
+              <a:buFont typeface="Arial" panose="020B0604020202020204" pitchFamily="34" charset="0"/>
+              <a:buNone/>
+              <a:defRPr sz="2400" kern="1200">
+                <a:solidFill>
+                  <a:schemeClr val="tx1"/>
+                </a:solidFill>
+                <a:latin typeface="+mn-lt"/>
+                <a:ea typeface="+mn-ea"/>
+                <a:cs typeface="+mn-cs"/>
+              </a:defRPr>
+            </a:lvl1pPr>
+            <a:lvl2pPr marL="457200" indent="0" algn="ctr" defTabSz="914400" rtl="0" eaLnBrk="1" latinLnBrk="0" hangingPunct="1">
+              <a:lnSpc>
+                <a:spcPct val="90000"/>
+              </a:lnSpc>
+              <a:spcBef>
+                <a:spcPts val="500"/>
+              </a:spcBef>
+              <a:buFont typeface="Arial" panose="020B0604020202020204" pitchFamily="34" charset="0"/>
+              <a:buNone/>
+              <a:defRPr sz="2000" kern="1200">
+                <a:solidFill>
+                  <a:schemeClr val="tx1"/>
+                </a:solidFill>
+                <a:latin typeface="+mn-lt"/>
+                <a:ea typeface="+mn-ea"/>
+                <a:cs typeface="+mn-cs"/>
+              </a:defRPr>
+            </a:lvl2pPr>
+            <a:lvl3pPr marL="914400" indent="0" algn="ctr" defTabSz="914400" rtl="0" eaLnBrk="1" latinLnBrk="0" hangingPunct="1">
+              <a:lnSpc>
+                <a:spcPct val="90000"/>
+              </a:lnSpc>
+              <a:spcBef>
+                <a:spcPts val="500"/>
+              </a:spcBef>
+              <a:buFont typeface="Arial" panose="020B0604020202020204" pitchFamily="34" charset="0"/>
+              <a:buNone/>
+              <a:defRPr sz="1800" kern="1200">
+                <a:solidFill>
+                  <a:schemeClr val="tx1"/>
+                </a:solidFill>
+                <a:latin typeface="+mn-lt"/>
+                <a:ea typeface="+mn-ea"/>
+                <a:cs typeface="+mn-cs"/>
+              </a:defRPr>
+            </a:lvl3pPr>
+            <a:lvl4pPr marL="1371600" indent="0" algn="ctr" defTabSz="914400" rtl="0" eaLnBrk="1" latinLnBrk="0" hangingPunct="1">
+              <a:lnSpc>
+                <a:spcPct val="90000"/>
+              </a:lnSpc>
+              <a:spcBef>
+                <a:spcPts val="500"/>
+              </a:spcBef>
+              <a:buFont typeface="Arial" panose="020B0604020202020204" pitchFamily="34" charset="0"/>
+              <a:buNone/>
+              <a:defRPr sz="1600" kern="1200">
+                <a:solidFill>
+                  <a:schemeClr val="tx1"/>
+                </a:solidFill>
+                <a:latin typeface="+mn-lt"/>
+                <a:ea typeface="+mn-ea"/>
+                <a:cs typeface="+mn-cs"/>
+              </a:defRPr>
+            </a:lvl4pPr>
+            <a:lvl5pPr marL="1828800" indent="0" algn="ctr" defTabSz="914400" rtl="0" eaLnBrk="1" latinLnBrk="0" hangingPunct="1">
+              <a:lnSpc>
+                <a:spcPct val="90000"/>
+              </a:lnSpc>
+              <a:spcBef>
+                <a:spcPts val="500"/>
+              </a:spcBef>
+              <a:buFont typeface="Arial" panose="020B0604020202020204" pitchFamily="34" charset="0"/>
+              <a:buNone/>
+              <a:defRPr sz="1600" kern="1200">
+                <a:solidFill>
+                  <a:schemeClr val="tx1"/>
+                </a:solidFill>
+                <a:latin typeface="+mn-lt"/>
+                <a:ea typeface="+mn-ea"/>
+                <a:cs typeface="+mn-cs"/>
+              </a:defRPr>
+            </a:lvl5pPr>
+            <a:lvl6pPr marL="2286000" indent="0" algn="ctr" defTabSz="914400" rtl="0" eaLnBrk="1" latinLnBrk="0" hangingPunct="1">
+              <a:lnSpc>
+                <a:spcPct val="90000"/>
+              </a:lnSpc>
+              <a:spcBef>
+                <a:spcPts val="500"/>
+              </a:spcBef>
+              <a:buFont typeface="Arial" panose="020B0604020202020204" pitchFamily="34" charset="0"/>
+              <a:buNone/>
+              <a:defRPr sz="1600" kern="1200">
+                <a:solidFill>
+                  <a:schemeClr val="tx1"/>
+                </a:solidFill>
+                <a:latin typeface="+mn-lt"/>
+                <a:ea typeface="+mn-ea"/>
+                <a:cs typeface="+mn-cs"/>
+              </a:defRPr>
+            </a:lvl6pPr>
+            <a:lvl7pPr marL="2743200" indent="0" algn="ctr" defTabSz="914400" rtl="0" eaLnBrk="1" latinLnBrk="0" hangingPunct="1">
+              <a:lnSpc>
+                <a:spcPct val="90000"/>
+              </a:lnSpc>
+              <a:spcBef>
+                <a:spcPts val="500"/>
+              </a:spcBef>
+              <a:buFont typeface="Arial" panose="020B0604020202020204" pitchFamily="34" charset="0"/>
+              <a:buNone/>
+              <a:defRPr sz="1600" kern="1200">
+                <a:solidFill>
+                  <a:schemeClr val="tx1"/>
+                </a:solidFill>
+                <a:latin typeface="+mn-lt"/>
+                <a:ea typeface="+mn-ea"/>
+                <a:cs typeface="+mn-cs"/>
+              </a:defRPr>
+            </a:lvl7pPr>
+            <a:lvl8pPr marL="3200400" indent="0" algn="ctr" defTabSz="914400" rtl="0" eaLnBrk="1" latinLnBrk="0" hangingPunct="1">
+              <a:lnSpc>
+                <a:spcPct val="90000"/>
+              </a:lnSpc>
+              <a:spcBef>
+                <a:spcPts val="500"/>
+              </a:spcBef>
+              <a:buFont typeface="Arial" panose="020B0604020202020204" pitchFamily="34" charset="0"/>
+              <a:buNone/>
+              <a:defRPr sz="1600" kern="1200">
+                <a:solidFill>
+                  <a:schemeClr val="tx1"/>
+                </a:solidFill>
+                <a:latin typeface="+mn-lt"/>
+                <a:ea typeface="+mn-ea"/>
+                <a:cs typeface="+mn-cs"/>
+              </a:defRPr>
+            </a:lvl8pPr>
+            <a:lvl9pPr marL="3657600" indent="0" algn="ctr" defTabSz="914400" rtl="0" eaLnBrk="1" latinLnBrk="0" hangingPunct="1">
+              <a:lnSpc>
+                <a:spcPct val="90000"/>
+              </a:lnSpc>
+              <a:spcBef>
+                <a:spcPts val="500"/>
+              </a:spcBef>
+              <a:buFont typeface="Arial" panose="020B0604020202020204" pitchFamily="34" charset="0"/>
+              <a:buNone/>
+              <a:defRPr sz="1600" kern="1200">
+                <a:solidFill>
+                  <a:schemeClr val="tx1"/>
+                </a:solidFill>
+                <a:latin typeface="+mn-lt"/>
+                <a:ea typeface="+mn-ea"/>
+                <a:cs typeface="+mn-cs"/>
+              </a:defRPr>
+            </a:lvl9pPr>
+          </a:lstStyle>
+          <a:p>
+            <a:pPr algn="l"/>
+            <a:r>
+              <a:rPr lang="pt-PT" sz="900" dirty="0">
+                <a:latin typeface="Arial" charset="0"/>
+                <a:ea typeface="Arial" charset="0"/>
+                <a:cs typeface="Arial" charset="0"/>
+              </a:rPr>
+              <a:t>@2023, 24585 – Alexandre Santos, 24589 – Domingos Silva | </a:t>
+            </a:r>
+            <a:r>
+              <a:rPr lang="pt-PT" sz="900" b="1" dirty="0">
+                <a:solidFill>
+                  <a:srgbClr val="C00000"/>
+                </a:solidFill>
+                <a:latin typeface="Arial" charset="0"/>
+                <a:ea typeface="Arial" charset="0"/>
+                <a:cs typeface="Arial" charset="0"/>
+              </a:rPr>
+              <a:t>Unidade Curricular: INTELIGÊNCIA ARTIFICIAL </a:t>
+            </a:r>
+            <a:r>
+              <a:rPr lang="pt-PT" sz="900" dirty="0">
+                <a:latin typeface="Arial" charset="0"/>
+                <a:ea typeface="Arial" charset="0"/>
+                <a:cs typeface="Arial" charset="0"/>
+              </a:rPr>
+              <a:t>– Ano Letivo 2022/2023 </a:t>
+            </a:r>
+            <a:endParaRPr lang="pt-PT" sz="900" b="1" dirty="0">
+              <a:latin typeface="Arial" charset="0"/>
+              <a:ea typeface="Arial" charset="0"/>
+              <a:cs typeface="Arial" charset="0"/>
+            </a:endParaRPr>
+          </a:p>
+        </p:txBody>
+      </p:sp>
+      <p:sp>
+        <p:nvSpPr>
+          <p:cNvPr id="4" name="CaixaDeTexto 3">
+            <a:extLst>
+              <a:ext uri="{FF2B5EF4-FFF2-40B4-BE49-F238E27FC236}">
+                <a16:creationId xmlns:a16="http://schemas.microsoft.com/office/drawing/2014/main" id="{DFCC3996-5448-B87E-F4D6-D6C8DC8C7472}"/>
+              </a:ext>
+            </a:extLst>
+          </p:cNvPr>
+          <p:cNvSpPr txBox="1"/>
+          <p:nvPr/>
+        </p:nvSpPr>
+        <p:spPr>
+          <a:xfrm>
+            <a:off x="306388" y="663590"/>
+            <a:ext cx="5567089" cy="276999"/>
+          </a:xfrm>
+          <a:prstGeom prst="rect">
+            <a:avLst/>
+          </a:prstGeom>
+          <a:noFill/>
+        </p:spPr>
+        <p:txBody>
+          <a:bodyPr wrap="square">
+            <a:spAutoFit/>
+          </a:bodyPr>
+          <a:lstStyle/>
+          <a:p>
+            <a:r>
+              <a:rPr lang="pt-PT" sz="1200" b="1" dirty="0">
+                <a:latin typeface="Arial" charset="0"/>
+                <a:ea typeface="Arial" charset="0"/>
+                <a:cs typeface="Arial" charset="0"/>
+              </a:rPr>
+              <a:t>Trabalho Prático 1 – Pesquisa de soluções em jogos</a:t>
+            </a:r>
+            <a:endParaRPr lang="pt-PT" sz="1200" b="1" dirty="0"/>
+          </a:p>
+        </p:txBody>
+      </p:sp>
+      <p:pic>
+        <p:nvPicPr>
+          <p:cNvPr id="5" name="Imagem 4">
+            <a:extLst>
+              <a:ext uri="{FF2B5EF4-FFF2-40B4-BE49-F238E27FC236}">
+                <a16:creationId xmlns:a16="http://schemas.microsoft.com/office/drawing/2014/main" id="{29CA763E-1491-500B-4F95-5C2408CA828E}"/>
+              </a:ext>
+            </a:extLst>
+          </p:cNvPr>
+          <p:cNvPicPr>
+            <a:picLocks noChangeAspect="1"/>
+          </p:cNvPicPr>
+          <p:nvPr/>
+        </p:nvPicPr>
+        <p:blipFill>
+          <a:blip r:embed="rId7"/>
+          <a:stretch>
+            <a:fillRect/>
+          </a:stretch>
+        </p:blipFill>
+        <p:spPr>
+          <a:xfrm>
+            <a:off x="4572000" y="3918347"/>
+            <a:ext cx="2912197" cy="1973822"/>
+          </a:xfrm>
+          <a:prstGeom prst="rect">
+            <a:avLst/>
+          </a:prstGeom>
+        </p:spPr>
+      </p:pic>
+      <p:pic>
+        <p:nvPicPr>
+          <p:cNvPr id="10" name="Imagem 9">
+            <a:extLst>
+              <a:ext uri="{FF2B5EF4-FFF2-40B4-BE49-F238E27FC236}">
+                <a16:creationId xmlns:a16="http://schemas.microsoft.com/office/drawing/2014/main" id="{F80BDB7B-FB22-4FAE-60CA-2D0AACF36E15}"/>
+              </a:ext>
+            </a:extLst>
+          </p:cNvPr>
+          <p:cNvPicPr>
+            <a:picLocks noChangeAspect="1"/>
+          </p:cNvPicPr>
+          <p:nvPr/>
+        </p:nvPicPr>
+        <p:blipFill>
+          <a:blip r:embed="rId8"/>
+          <a:stretch>
+            <a:fillRect/>
+          </a:stretch>
+        </p:blipFill>
+        <p:spPr>
+          <a:xfrm>
+            <a:off x="306388" y="1411374"/>
+            <a:ext cx="3046412" cy="4434972"/>
           </a:xfrm>
           <a:prstGeom prst="rect">
             <a:avLst/>
@@ -28077,7 +29796,7 @@
     </p:spTree>
     <p:extLst>
       <p:ext uri="{BB962C8B-B14F-4D97-AF65-F5344CB8AC3E}">
-        <p14:creationId xmlns:p14="http://schemas.microsoft.com/office/powerpoint/2010/main" val="947259978"/>
+        <p14:creationId xmlns:p14="http://schemas.microsoft.com/office/powerpoint/2010/main" val="1203542931"/>
       </p:ext>
     </p:extLst>
   </p:cSld>
@@ -29157,6 +30876,948 @@
     <p:extLst>
       <p:ext uri="{BB962C8B-B14F-4D97-AF65-F5344CB8AC3E}">
         <p14:creationId xmlns:p14="http://schemas.microsoft.com/office/powerpoint/2010/main" val="489330155"/>
+      </p:ext>
+    </p:extLst>
+  </p:cSld>
+  <p:clrMapOvr>
+    <a:masterClrMapping/>
+  </p:clrMapOvr>
+</p:sld>
+</file>
+
+<file path=ppt/slides/slide30.xml><?xml version="1.0" encoding="utf-8"?>
+<p:sld xmlns:a="http://schemas.openxmlformats.org/drawingml/2006/main" xmlns:r="http://schemas.openxmlformats.org/officeDocument/2006/relationships" xmlns:p="http://schemas.openxmlformats.org/presentationml/2006/main">
+  <p:cSld>
+    <p:spTree>
+      <p:nvGrpSpPr>
+        <p:cNvPr id="1" name=""/>
+        <p:cNvGrpSpPr/>
+        <p:nvPr/>
+      </p:nvGrpSpPr>
+      <p:grpSpPr>
+        <a:xfrm>
+          <a:off x="0" y="0"/>
+          <a:ext cx="0" cy="0"/>
+          <a:chOff x="0" y="0"/>
+          <a:chExt cx="0" cy="0"/>
+        </a:xfrm>
+      </p:grpSpPr>
+      <p:sp>
+        <p:nvSpPr>
+          <p:cNvPr id="10243" name="Text Box 10"/>
+          <p:cNvSpPr txBox="1">
+            <a:spLocks noChangeArrowheads="1"/>
+          </p:cNvSpPr>
+          <p:nvPr/>
+        </p:nvSpPr>
+        <p:spPr bwMode="auto">
+          <a:xfrm>
+            <a:off x="8288338" y="6296025"/>
+            <a:ext cx="827087" cy="366713"/>
+          </a:xfrm>
+          <a:prstGeom prst="rect">
+            <a:avLst/>
+          </a:prstGeom>
+          <a:noFill/>
+          <a:ln w="9525">
+            <a:noFill/>
+            <a:miter lim="800000"/>
+            <a:headEnd/>
+            <a:tailEnd/>
+          </a:ln>
+        </p:spPr>
+        <p:txBody>
+          <a:bodyPr>
+            <a:spAutoFit/>
+          </a:bodyPr>
+          <a:lstStyle/>
+          <a:p>
+            <a:pPr>
+              <a:spcBef>
+                <a:spcPct val="50000"/>
+              </a:spcBef>
+            </a:pPr>
+            <a:endParaRPr lang="pt-PT"/>
+          </a:p>
+        </p:txBody>
+      </p:sp>
+      <p:sp>
+        <p:nvSpPr>
+          <p:cNvPr id="10244" name="Rectangle 11"/>
+          <p:cNvSpPr>
+            <a:spLocks noChangeArrowheads="1"/>
+          </p:cNvSpPr>
+          <p:nvPr/>
+        </p:nvSpPr>
+        <p:spPr bwMode="auto">
+          <a:xfrm>
+            <a:off x="8327571" y="6496091"/>
+            <a:ext cx="936625" cy="260350"/>
+          </a:xfrm>
+          <a:prstGeom prst="rect">
+            <a:avLst/>
+          </a:prstGeom>
+          <a:noFill/>
+          <a:ln w="9525">
+            <a:noFill/>
+            <a:miter lim="800000"/>
+            <a:headEnd/>
+            <a:tailEnd/>
+          </a:ln>
+        </p:spPr>
+        <p:txBody>
+          <a:bodyPr anchor="ctr"/>
+          <a:lstStyle/>
+          <a:p>
+            <a:pPr algn="ctr"/>
+            <a:r>
+              <a:rPr lang="pt-PT" sz="1000" dirty="0"/>
+              <a:t>- </a:t>
+            </a:r>
+            <a:fld id="{1234D2FF-8FB9-47A1-B8C9-42A5F500BA2F}" type="slidenum">
+              <a:rPr lang="pt-PT" sz="1000"/>
+              <a:pPr algn="ctr"/>
+              <a:t>30</a:t>
+            </a:fld>
+            <a:r>
+              <a:rPr lang="pt-PT" sz="1000" dirty="0"/>
+              <a:t> -</a:t>
+            </a:r>
+          </a:p>
+        </p:txBody>
+      </p:sp>
+      <p:sp>
+        <p:nvSpPr>
+          <p:cNvPr id="9229" name="Text Box 13"/>
+          <p:cNvSpPr txBox="1">
+            <a:spLocks noChangeArrowheads="1"/>
+          </p:cNvSpPr>
+          <p:nvPr/>
+        </p:nvSpPr>
+        <p:spPr bwMode="auto">
+          <a:xfrm>
+            <a:off x="321965" y="295051"/>
+            <a:ext cx="6018212" cy="369332"/>
+          </a:xfrm>
+          <a:prstGeom prst="rect">
+            <a:avLst/>
+          </a:prstGeom>
+          <a:noFill/>
+          <a:ln w="9525">
+            <a:noFill/>
+            <a:miter lim="800000"/>
+            <a:headEnd/>
+            <a:tailEnd/>
+          </a:ln>
+          <a:effectLst/>
+        </p:spPr>
+        <p:txBody>
+          <a:bodyPr wrap="square">
+            <a:spAutoFit/>
+          </a:bodyPr>
+          <a:lstStyle/>
+          <a:p>
+            <a:pPr>
+              <a:spcBef>
+                <a:spcPct val="50000"/>
+              </a:spcBef>
+              <a:defRPr/>
+            </a:pPr>
+            <a:r>
+              <a:rPr lang="pt-PT" b="1" dirty="0">
+                <a:solidFill>
+                  <a:srgbClr val="C00000"/>
+                </a:solidFill>
+                <a:effectLst>
+                  <a:outerShdw blurRad="38100" dist="38100" dir="2700000" algn="tl">
+                    <a:srgbClr val="C0C0C0"/>
+                  </a:outerShdw>
+                </a:effectLst>
+                <a:latin typeface="Arial"/>
+                <a:cs typeface="Arial"/>
+              </a:rPr>
+              <a:t>■</a:t>
+            </a:r>
+            <a:r>
+              <a:rPr lang="pt-PT" b="1" dirty="0">
+                <a:effectLst>
+                  <a:outerShdw blurRad="38100" dist="38100" dir="2700000" algn="tl">
+                    <a:srgbClr val="C0C0C0"/>
+                  </a:outerShdw>
+                </a:effectLst>
+                <a:latin typeface="Arial"/>
+                <a:cs typeface="Arial"/>
+              </a:rPr>
+              <a:t> Ferramentas usadas</a:t>
+            </a:r>
+            <a:endParaRPr lang="pt-PT" b="1" dirty="0">
+              <a:effectLst>
+                <a:outerShdw blurRad="38100" dist="38100" dir="2700000" algn="tl">
+                  <a:srgbClr val="C0C0C0"/>
+                </a:outerShdw>
+              </a:effectLst>
+              <a:latin typeface="Arial" charset="0"/>
+            </a:endParaRPr>
+          </a:p>
+        </p:txBody>
+      </p:sp>
+      <p:sp>
+        <p:nvSpPr>
+          <p:cNvPr id="10247" name="Line 15"/>
+          <p:cNvSpPr>
+            <a:spLocks noChangeShapeType="1"/>
+          </p:cNvSpPr>
+          <p:nvPr/>
+        </p:nvSpPr>
+        <p:spPr bwMode="auto">
+          <a:xfrm>
+            <a:off x="250825" y="0"/>
+            <a:ext cx="0" cy="765175"/>
+          </a:xfrm>
+          <a:prstGeom prst="line">
+            <a:avLst/>
+          </a:prstGeom>
+          <a:noFill/>
+          <a:ln w="25400">
+            <a:solidFill>
+              <a:schemeClr val="tx1"/>
+            </a:solidFill>
+            <a:round/>
+            <a:headEnd/>
+            <a:tailEnd/>
+          </a:ln>
+        </p:spPr>
+        <p:txBody>
+          <a:bodyPr/>
+          <a:lstStyle/>
+          <a:p>
+            <a:endParaRPr lang="pt-PT"/>
+          </a:p>
+        </p:txBody>
+      </p:sp>
+      <p:sp>
+        <p:nvSpPr>
+          <p:cNvPr id="9237" name="Text Box 21"/>
+          <p:cNvSpPr txBox="1">
+            <a:spLocks noChangeArrowheads="1"/>
+          </p:cNvSpPr>
+          <p:nvPr/>
+        </p:nvSpPr>
+        <p:spPr bwMode="auto">
+          <a:xfrm>
+            <a:off x="260350" y="44450"/>
+            <a:ext cx="6981825" cy="304800"/>
+          </a:xfrm>
+          <a:prstGeom prst="rect">
+            <a:avLst/>
+          </a:prstGeom>
+          <a:noFill/>
+          <a:ln w="9525">
+            <a:noFill/>
+            <a:miter lim="800000"/>
+            <a:headEnd/>
+            <a:tailEnd/>
+          </a:ln>
+          <a:effectLst/>
+        </p:spPr>
+        <p:txBody>
+          <a:bodyPr>
+            <a:spAutoFit/>
+          </a:bodyPr>
+          <a:lstStyle/>
+          <a:p>
+            <a:pPr>
+              <a:spcBef>
+                <a:spcPct val="50000"/>
+              </a:spcBef>
+              <a:defRPr/>
+            </a:pPr>
+            <a:endParaRPr lang="pt-PT" sz="1400" b="1" dirty="0">
+              <a:solidFill>
+                <a:srgbClr val="FF3300"/>
+              </a:solidFill>
+              <a:effectLst>
+                <a:outerShdw blurRad="38100" dist="38100" dir="2700000" algn="tl">
+                  <a:srgbClr val="C0C0C0"/>
+                </a:outerShdw>
+              </a:effectLst>
+              <a:latin typeface="Arial" charset="0"/>
+            </a:endParaRPr>
+          </a:p>
+        </p:txBody>
+      </p:sp>
+      <p:pic>
+        <p:nvPicPr>
+          <p:cNvPr id="7" name="Imagem 6">
+            <a:extLst>
+              <a:ext uri="{FF2B5EF4-FFF2-40B4-BE49-F238E27FC236}">
+                <a16:creationId xmlns:a16="http://schemas.microsoft.com/office/drawing/2014/main" id="{54D42837-E70D-4C64-A8A7-E7F751502B92}"/>
+              </a:ext>
+            </a:extLst>
+          </p:cNvPr>
+          <p:cNvPicPr>
+            <a:picLocks noChangeAspect="1"/>
+          </p:cNvPicPr>
+          <p:nvPr/>
+        </p:nvPicPr>
+        <p:blipFill>
+          <a:blip r:embed="rId3"/>
+          <a:stretch>
+            <a:fillRect/>
+          </a:stretch>
+        </p:blipFill>
+        <p:spPr>
+          <a:xfrm>
+            <a:off x="101225" y="904241"/>
+            <a:ext cx="9014192" cy="266482"/>
+          </a:xfrm>
+          <a:prstGeom prst="rect">
+            <a:avLst/>
+          </a:prstGeom>
+        </p:spPr>
+      </p:pic>
+      <p:sp>
+        <p:nvSpPr>
+          <p:cNvPr id="18" name="Rectângulo 19">
+            <a:extLst>
+              <a:ext uri="{FF2B5EF4-FFF2-40B4-BE49-F238E27FC236}">
+                <a16:creationId xmlns:a16="http://schemas.microsoft.com/office/drawing/2014/main" id="{CC873ECC-2D88-4A22-91F1-E738DF9BE5E9}"/>
+              </a:ext>
+            </a:extLst>
+          </p:cNvPr>
+          <p:cNvSpPr/>
+          <p:nvPr/>
+        </p:nvSpPr>
+        <p:spPr>
+          <a:xfrm>
+            <a:off x="5535613" y="610184"/>
+            <a:ext cx="3505200" cy="261610"/>
+          </a:xfrm>
+          <a:prstGeom prst="rect">
+            <a:avLst/>
+          </a:prstGeom>
+        </p:spPr>
+        <p:txBody>
+          <a:bodyPr wrap="square">
+            <a:spAutoFit/>
+          </a:bodyPr>
+          <a:lstStyle/>
+          <a:p>
+            <a:pPr algn="r"/>
+            <a:r>
+              <a:rPr lang="pt-PT" sz="1100" b="1" cap="all" dirty="0">
+                <a:highlight>
+                  <a:srgbClr val="FFFF00"/>
+                </a:highlight>
+              </a:rPr>
+              <a:t>ENGENHARIA INFORMÁTICA</a:t>
+            </a:r>
+            <a:endParaRPr lang="pt-PT" sz="1100" dirty="0">
+              <a:highlight>
+                <a:srgbClr val="FFFF00"/>
+              </a:highlight>
+            </a:endParaRPr>
+          </a:p>
+        </p:txBody>
+      </p:sp>
+      <p:pic>
+        <p:nvPicPr>
+          <p:cNvPr id="20" name="Imagem 19">
+            <a:extLst>
+              <a:ext uri="{FF2B5EF4-FFF2-40B4-BE49-F238E27FC236}">
+                <a16:creationId xmlns:a16="http://schemas.microsoft.com/office/drawing/2014/main" id="{698D1AFC-0FD6-4DFA-A381-805A758D4B13}"/>
+              </a:ext>
+            </a:extLst>
+          </p:cNvPr>
+          <p:cNvPicPr>
+            <a:picLocks noChangeAspect="1"/>
+          </p:cNvPicPr>
+          <p:nvPr/>
+        </p:nvPicPr>
+        <p:blipFill>
+          <a:blip r:embed="rId4" cstate="print">
+            <a:extLst>
+              <a:ext uri="{28A0092B-C50C-407E-A947-70E740481C1C}">
+                <a14:useLocalDpi xmlns:a14="http://schemas.microsoft.com/office/drawing/2010/main" val="0"/>
+              </a:ext>
+            </a:extLst>
+          </a:blip>
+          <a:stretch>
+            <a:fillRect/>
+          </a:stretch>
+        </p:blipFill>
+        <p:spPr>
+          <a:xfrm>
+            <a:off x="6404047" y="81007"/>
+            <a:ext cx="2689589" cy="668346"/>
+          </a:xfrm>
+          <a:prstGeom prst="rect">
+            <a:avLst/>
+          </a:prstGeom>
+        </p:spPr>
+      </p:pic>
+      <p:pic>
+        <p:nvPicPr>
+          <p:cNvPr id="9" name="Imagem 8">
+            <a:extLst>
+              <a:ext uri="{FF2B5EF4-FFF2-40B4-BE49-F238E27FC236}">
+                <a16:creationId xmlns:a16="http://schemas.microsoft.com/office/drawing/2014/main" id="{81982921-1900-46B5-BE82-07BECCD63918}"/>
+              </a:ext>
+            </a:extLst>
+          </p:cNvPr>
+          <p:cNvPicPr>
+            <a:picLocks noChangeAspect="1"/>
+          </p:cNvPicPr>
+          <p:nvPr/>
+        </p:nvPicPr>
+        <p:blipFill>
+          <a:blip r:embed="rId5"/>
+          <a:stretch>
+            <a:fillRect/>
+          </a:stretch>
+        </p:blipFill>
+        <p:spPr>
+          <a:xfrm>
+            <a:off x="0" y="6320212"/>
+            <a:ext cx="9144000" cy="253252"/>
+          </a:xfrm>
+          <a:prstGeom prst="rect">
+            <a:avLst/>
+          </a:prstGeom>
+        </p:spPr>
+      </p:pic>
+      <p:pic>
+        <p:nvPicPr>
+          <p:cNvPr id="13" name="Imagem 12">
+            <a:extLst>
+              <a:ext uri="{FF2B5EF4-FFF2-40B4-BE49-F238E27FC236}">
+                <a16:creationId xmlns:a16="http://schemas.microsoft.com/office/drawing/2014/main" id="{BE263CB9-5E3B-4385-9450-974CDF0F6C7D}"/>
+              </a:ext>
+            </a:extLst>
+          </p:cNvPr>
+          <p:cNvPicPr>
+            <a:picLocks noChangeAspect="1"/>
+          </p:cNvPicPr>
+          <p:nvPr/>
+        </p:nvPicPr>
+        <p:blipFill>
+          <a:blip r:embed="rId6" cstate="print">
+            <a:extLst>
+              <a:ext uri="{28A0092B-C50C-407E-A947-70E740481C1C}">
+                <a14:useLocalDpi xmlns:a14="http://schemas.microsoft.com/office/drawing/2010/main" val="0"/>
+              </a:ext>
+            </a:extLst>
+          </a:blip>
+          <a:stretch>
+            <a:fillRect/>
+          </a:stretch>
+        </p:blipFill>
+        <p:spPr>
+          <a:xfrm>
+            <a:off x="238125" y="6488336"/>
+            <a:ext cx="545959" cy="199802"/>
+          </a:xfrm>
+          <a:prstGeom prst="rect">
+            <a:avLst/>
+          </a:prstGeom>
+        </p:spPr>
+      </p:pic>
+      <p:pic>
+        <p:nvPicPr>
+          <p:cNvPr id="1026" name="Picture 2" descr="Press and Media Resources - Docker">
+            <a:extLst>
+              <a:ext uri="{FF2B5EF4-FFF2-40B4-BE49-F238E27FC236}">
+                <a16:creationId xmlns:a16="http://schemas.microsoft.com/office/drawing/2014/main" id="{A6F0833E-0C02-F5E5-CEE7-FC9D8BEBD252}"/>
+              </a:ext>
+            </a:extLst>
+          </p:cNvPr>
+          <p:cNvPicPr>
+            <a:picLocks noChangeAspect="1" noChangeArrowheads="1"/>
+          </p:cNvPicPr>
+          <p:nvPr/>
+        </p:nvPicPr>
+        <p:blipFill>
+          <a:blip r:embed="rId7" cstate="print">
+            <a:extLst>
+              <a:ext uri="{28A0092B-C50C-407E-A947-70E740481C1C}">
+                <a14:useLocalDpi xmlns:a14="http://schemas.microsoft.com/office/drawing/2010/main" val="0"/>
+              </a:ext>
+            </a:extLst>
+          </a:blip>
+          <a:srcRect/>
+          <a:stretch>
+            <a:fillRect/>
+          </a:stretch>
+        </p:blipFill>
+        <p:spPr bwMode="auto">
+          <a:xfrm>
+            <a:off x="3335223" y="3570958"/>
+            <a:ext cx="2457268" cy="2102476"/>
+          </a:xfrm>
+          <a:prstGeom prst="rect">
+            <a:avLst/>
+          </a:prstGeom>
+          <a:noFill/>
+          <a:extLst>
+            <a:ext uri="{909E8E84-426E-40DD-AFC4-6F175D3DCCD1}">
+              <a14:hiddenFill xmlns:a14="http://schemas.microsoft.com/office/drawing/2010/main">
+                <a:solidFill>
+                  <a:srgbClr val="FFFFFF"/>
+                </a:solidFill>
+              </a14:hiddenFill>
+            </a:ext>
+          </a:extLst>
+        </p:spPr>
+      </p:pic>
+      <p:pic>
+        <p:nvPicPr>
+          <p:cNvPr id="1030" name="Picture 6">
+            <a:extLst>
+              <a:ext uri="{FF2B5EF4-FFF2-40B4-BE49-F238E27FC236}">
+                <a16:creationId xmlns:a16="http://schemas.microsoft.com/office/drawing/2014/main" id="{1E5F9801-8247-EA64-887F-F08040D6969E}"/>
+              </a:ext>
+            </a:extLst>
+          </p:cNvPr>
+          <p:cNvPicPr>
+            <a:picLocks noChangeAspect="1" noChangeArrowheads="1"/>
+          </p:cNvPicPr>
+          <p:nvPr/>
+        </p:nvPicPr>
+        <p:blipFill>
+          <a:blip r:embed="rId8" cstate="print">
+            <a:extLst>
+              <a:ext uri="{28A0092B-C50C-407E-A947-70E740481C1C}">
+                <a14:useLocalDpi xmlns:a14="http://schemas.microsoft.com/office/drawing/2010/main" val="0"/>
+              </a:ext>
+            </a:extLst>
+          </a:blip>
+          <a:srcRect/>
+          <a:stretch>
+            <a:fillRect/>
+          </a:stretch>
+        </p:blipFill>
+        <p:spPr bwMode="auto">
+          <a:xfrm>
+            <a:off x="6548689" y="1471331"/>
+            <a:ext cx="1778882" cy="1778882"/>
+          </a:xfrm>
+          <a:prstGeom prst="rect">
+            <a:avLst/>
+          </a:prstGeom>
+          <a:noFill/>
+          <a:extLst>
+            <a:ext uri="{909E8E84-426E-40DD-AFC4-6F175D3DCCD1}">
+              <a14:hiddenFill xmlns:a14="http://schemas.microsoft.com/office/drawing/2010/main">
+                <a:solidFill>
+                  <a:srgbClr val="FFFFFF"/>
+                </a:solidFill>
+              </a14:hiddenFill>
+            </a:ext>
+          </a:extLst>
+        </p:spPr>
+      </p:pic>
+      <p:sp>
+        <p:nvSpPr>
+          <p:cNvPr id="3" name="Subtítulo 2">
+            <a:extLst>
+              <a:ext uri="{FF2B5EF4-FFF2-40B4-BE49-F238E27FC236}">
+                <a16:creationId xmlns:a16="http://schemas.microsoft.com/office/drawing/2014/main" id="{BEFD1B97-3779-DDCC-502C-C273EC191C9F}"/>
+              </a:ext>
+            </a:extLst>
+          </p:cNvPr>
+          <p:cNvSpPr txBox="1">
+            <a:spLocks/>
+          </p:cNvSpPr>
+          <p:nvPr/>
+        </p:nvSpPr>
+        <p:spPr>
+          <a:xfrm>
+            <a:off x="1003499" y="6573464"/>
+            <a:ext cx="7698382" cy="162409"/>
+          </a:xfrm>
+          <a:prstGeom prst="rect">
+            <a:avLst/>
+          </a:prstGeom>
+        </p:spPr>
+        <p:txBody>
+          <a:bodyPr vert="horz" lIns="68580" tIns="34290" rIns="68580" bIns="34290" rtlCol="0">
+            <a:normAutofit fontScale="92500" lnSpcReduction="20000"/>
+          </a:bodyPr>
+          <a:lstStyle>
+            <a:lvl1pPr marL="0" indent="0" algn="ctr" defTabSz="914400" rtl="0" eaLnBrk="1" latinLnBrk="0" hangingPunct="1">
+              <a:lnSpc>
+                <a:spcPct val="90000"/>
+              </a:lnSpc>
+              <a:spcBef>
+                <a:spcPts val="1000"/>
+              </a:spcBef>
+              <a:buFont typeface="Arial" panose="020B0604020202020204" pitchFamily="34" charset="0"/>
+              <a:buNone/>
+              <a:defRPr sz="2400" kern="1200">
+                <a:solidFill>
+                  <a:schemeClr val="tx1"/>
+                </a:solidFill>
+                <a:latin typeface="+mn-lt"/>
+                <a:ea typeface="+mn-ea"/>
+                <a:cs typeface="+mn-cs"/>
+              </a:defRPr>
+            </a:lvl1pPr>
+            <a:lvl2pPr marL="457200" indent="0" algn="ctr" defTabSz="914400" rtl="0" eaLnBrk="1" latinLnBrk="0" hangingPunct="1">
+              <a:lnSpc>
+                <a:spcPct val="90000"/>
+              </a:lnSpc>
+              <a:spcBef>
+                <a:spcPts val="500"/>
+              </a:spcBef>
+              <a:buFont typeface="Arial" panose="020B0604020202020204" pitchFamily="34" charset="0"/>
+              <a:buNone/>
+              <a:defRPr sz="2000" kern="1200">
+                <a:solidFill>
+                  <a:schemeClr val="tx1"/>
+                </a:solidFill>
+                <a:latin typeface="+mn-lt"/>
+                <a:ea typeface="+mn-ea"/>
+                <a:cs typeface="+mn-cs"/>
+              </a:defRPr>
+            </a:lvl2pPr>
+            <a:lvl3pPr marL="914400" indent="0" algn="ctr" defTabSz="914400" rtl="0" eaLnBrk="1" latinLnBrk="0" hangingPunct="1">
+              <a:lnSpc>
+                <a:spcPct val="90000"/>
+              </a:lnSpc>
+              <a:spcBef>
+                <a:spcPts val="500"/>
+              </a:spcBef>
+              <a:buFont typeface="Arial" panose="020B0604020202020204" pitchFamily="34" charset="0"/>
+              <a:buNone/>
+              <a:defRPr sz="1800" kern="1200">
+                <a:solidFill>
+                  <a:schemeClr val="tx1"/>
+                </a:solidFill>
+                <a:latin typeface="+mn-lt"/>
+                <a:ea typeface="+mn-ea"/>
+                <a:cs typeface="+mn-cs"/>
+              </a:defRPr>
+            </a:lvl3pPr>
+            <a:lvl4pPr marL="1371600" indent="0" algn="ctr" defTabSz="914400" rtl="0" eaLnBrk="1" latinLnBrk="0" hangingPunct="1">
+              <a:lnSpc>
+                <a:spcPct val="90000"/>
+              </a:lnSpc>
+              <a:spcBef>
+                <a:spcPts val="500"/>
+              </a:spcBef>
+              <a:buFont typeface="Arial" panose="020B0604020202020204" pitchFamily="34" charset="0"/>
+              <a:buNone/>
+              <a:defRPr sz="1600" kern="1200">
+                <a:solidFill>
+                  <a:schemeClr val="tx1"/>
+                </a:solidFill>
+                <a:latin typeface="+mn-lt"/>
+                <a:ea typeface="+mn-ea"/>
+                <a:cs typeface="+mn-cs"/>
+              </a:defRPr>
+            </a:lvl4pPr>
+            <a:lvl5pPr marL="1828800" indent="0" algn="ctr" defTabSz="914400" rtl="0" eaLnBrk="1" latinLnBrk="0" hangingPunct="1">
+              <a:lnSpc>
+                <a:spcPct val="90000"/>
+              </a:lnSpc>
+              <a:spcBef>
+                <a:spcPts val="500"/>
+              </a:spcBef>
+              <a:buFont typeface="Arial" panose="020B0604020202020204" pitchFamily="34" charset="0"/>
+              <a:buNone/>
+              <a:defRPr sz="1600" kern="1200">
+                <a:solidFill>
+                  <a:schemeClr val="tx1"/>
+                </a:solidFill>
+                <a:latin typeface="+mn-lt"/>
+                <a:ea typeface="+mn-ea"/>
+                <a:cs typeface="+mn-cs"/>
+              </a:defRPr>
+            </a:lvl5pPr>
+            <a:lvl6pPr marL="2286000" indent="0" algn="ctr" defTabSz="914400" rtl="0" eaLnBrk="1" latinLnBrk="0" hangingPunct="1">
+              <a:lnSpc>
+                <a:spcPct val="90000"/>
+              </a:lnSpc>
+              <a:spcBef>
+                <a:spcPts val="500"/>
+              </a:spcBef>
+              <a:buFont typeface="Arial" panose="020B0604020202020204" pitchFamily="34" charset="0"/>
+              <a:buNone/>
+              <a:defRPr sz="1600" kern="1200">
+                <a:solidFill>
+                  <a:schemeClr val="tx1"/>
+                </a:solidFill>
+                <a:latin typeface="+mn-lt"/>
+                <a:ea typeface="+mn-ea"/>
+                <a:cs typeface="+mn-cs"/>
+              </a:defRPr>
+            </a:lvl6pPr>
+            <a:lvl7pPr marL="2743200" indent="0" algn="ctr" defTabSz="914400" rtl="0" eaLnBrk="1" latinLnBrk="0" hangingPunct="1">
+              <a:lnSpc>
+                <a:spcPct val="90000"/>
+              </a:lnSpc>
+              <a:spcBef>
+                <a:spcPts val="500"/>
+              </a:spcBef>
+              <a:buFont typeface="Arial" panose="020B0604020202020204" pitchFamily="34" charset="0"/>
+              <a:buNone/>
+              <a:defRPr sz="1600" kern="1200">
+                <a:solidFill>
+                  <a:schemeClr val="tx1"/>
+                </a:solidFill>
+                <a:latin typeface="+mn-lt"/>
+                <a:ea typeface="+mn-ea"/>
+                <a:cs typeface="+mn-cs"/>
+              </a:defRPr>
+            </a:lvl7pPr>
+            <a:lvl8pPr marL="3200400" indent="0" algn="ctr" defTabSz="914400" rtl="0" eaLnBrk="1" latinLnBrk="0" hangingPunct="1">
+              <a:lnSpc>
+                <a:spcPct val="90000"/>
+              </a:lnSpc>
+              <a:spcBef>
+                <a:spcPts val="500"/>
+              </a:spcBef>
+              <a:buFont typeface="Arial" panose="020B0604020202020204" pitchFamily="34" charset="0"/>
+              <a:buNone/>
+              <a:defRPr sz="1600" kern="1200">
+                <a:solidFill>
+                  <a:schemeClr val="tx1"/>
+                </a:solidFill>
+                <a:latin typeface="+mn-lt"/>
+                <a:ea typeface="+mn-ea"/>
+                <a:cs typeface="+mn-cs"/>
+              </a:defRPr>
+            </a:lvl8pPr>
+            <a:lvl9pPr marL="3657600" indent="0" algn="ctr" defTabSz="914400" rtl="0" eaLnBrk="1" latinLnBrk="0" hangingPunct="1">
+              <a:lnSpc>
+                <a:spcPct val="90000"/>
+              </a:lnSpc>
+              <a:spcBef>
+                <a:spcPts val="500"/>
+              </a:spcBef>
+              <a:buFont typeface="Arial" panose="020B0604020202020204" pitchFamily="34" charset="0"/>
+              <a:buNone/>
+              <a:defRPr sz="1600" kern="1200">
+                <a:solidFill>
+                  <a:schemeClr val="tx1"/>
+                </a:solidFill>
+                <a:latin typeface="+mn-lt"/>
+                <a:ea typeface="+mn-ea"/>
+                <a:cs typeface="+mn-cs"/>
+              </a:defRPr>
+            </a:lvl9pPr>
+          </a:lstStyle>
+          <a:p>
+            <a:pPr algn="l"/>
+            <a:r>
+              <a:rPr lang="pt-PT" sz="900" dirty="0">
+                <a:latin typeface="Arial" charset="0"/>
+                <a:ea typeface="Arial" charset="0"/>
+                <a:cs typeface="Arial" charset="0"/>
+              </a:rPr>
+              <a:t>@2023, 24585 – Alexandre Santos, 24589 – Domingos Silva | </a:t>
+            </a:r>
+            <a:r>
+              <a:rPr lang="pt-PT" sz="900" b="1" dirty="0">
+                <a:solidFill>
+                  <a:srgbClr val="C00000"/>
+                </a:solidFill>
+                <a:latin typeface="Arial" charset="0"/>
+                <a:ea typeface="Arial" charset="0"/>
+                <a:cs typeface="Arial" charset="0"/>
+              </a:rPr>
+              <a:t>Unidade Curricular: INTELIGÊNCIA ARTIFICIAL </a:t>
+            </a:r>
+            <a:r>
+              <a:rPr lang="pt-PT" sz="900" dirty="0">
+                <a:latin typeface="Arial" charset="0"/>
+                <a:ea typeface="Arial" charset="0"/>
+                <a:cs typeface="Arial" charset="0"/>
+              </a:rPr>
+              <a:t>– Ano Letivo 2022/2023 </a:t>
+            </a:r>
+            <a:endParaRPr lang="pt-PT" sz="900" b="1" dirty="0">
+              <a:latin typeface="Arial" charset="0"/>
+              <a:ea typeface="Arial" charset="0"/>
+              <a:cs typeface="Arial" charset="0"/>
+            </a:endParaRPr>
+          </a:p>
+        </p:txBody>
+      </p:sp>
+      <p:pic>
+        <p:nvPicPr>
+          <p:cNvPr id="5" name="Imagem 4">
+            <a:extLst>
+              <a:ext uri="{FF2B5EF4-FFF2-40B4-BE49-F238E27FC236}">
+                <a16:creationId xmlns:a16="http://schemas.microsoft.com/office/drawing/2014/main" id="{ED471A09-C673-0BC4-D3D0-67FB19793AA7}"/>
+              </a:ext>
+            </a:extLst>
+          </p:cNvPr>
+          <p:cNvPicPr>
+            <a:picLocks noChangeAspect="1"/>
+          </p:cNvPicPr>
+          <p:nvPr/>
+        </p:nvPicPr>
+        <p:blipFill>
+          <a:blip r:embed="rId9" cstate="print">
+            <a:extLst>
+              <a:ext uri="{28A0092B-C50C-407E-A947-70E740481C1C}">
+                <a14:useLocalDpi xmlns:a14="http://schemas.microsoft.com/office/drawing/2010/main" val="0"/>
+              </a:ext>
+            </a:extLst>
+          </a:blip>
+          <a:stretch>
+            <a:fillRect/>
+          </a:stretch>
+        </p:blipFill>
+        <p:spPr>
+          <a:xfrm>
+            <a:off x="685800" y="1442263"/>
+            <a:ext cx="1942641" cy="2128694"/>
+          </a:xfrm>
+          <a:prstGeom prst="rect">
+            <a:avLst/>
+          </a:prstGeom>
+        </p:spPr>
+      </p:pic>
+    </p:spTree>
+    <p:extLst>
+      <p:ext uri="{BB962C8B-B14F-4D97-AF65-F5344CB8AC3E}">
+        <p14:creationId xmlns:p14="http://schemas.microsoft.com/office/powerpoint/2010/main" val="110629547"/>
+      </p:ext>
+    </p:extLst>
+  </p:cSld>
+  <p:clrMapOvr>
+    <a:masterClrMapping/>
+  </p:clrMapOvr>
+</p:sld>
+</file>
+
+<file path=ppt/slides/slide31.xml><?xml version="1.0" encoding="utf-8"?>
+<p:sld xmlns:a="http://schemas.openxmlformats.org/drawingml/2006/main" xmlns:r="http://schemas.openxmlformats.org/officeDocument/2006/relationships" xmlns:p="http://schemas.openxmlformats.org/presentationml/2006/main">
+  <p:cSld>
+    <p:spTree>
+      <p:nvGrpSpPr>
+        <p:cNvPr id="1" name=""/>
+        <p:cNvGrpSpPr/>
+        <p:nvPr/>
+      </p:nvGrpSpPr>
+      <p:grpSpPr>
+        <a:xfrm>
+          <a:off x="0" y="0"/>
+          <a:ext cx="0" cy="0"/>
+          <a:chOff x="0" y="0"/>
+          <a:chExt cx="0" cy="0"/>
+        </a:xfrm>
+      </p:grpSpPr>
+      <p:pic>
+        <p:nvPicPr>
+          <p:cNvPr id="2" name="Imagem 1"/>
+          <p:cNvPicPr>
+            <a:picLocks noChangeAspect="1"/>
+          </p:cNvPicPr>
+          <p:nvPr/>
+        </p:nvPicPr>
+        <p:blipFill>
+          <a:blip r:embed="rId2">
+            <a:extLst>
+              <a:ext uri="{28A0092B-C50C-407E-A947-70E740481C1C}">
+                <a14:useLocalDpi xmlns:a14="http://schemas.microsoft.com/office/drawing/2010/main" val="0"/>
+              </a:ext>
+            </a:extLst>
+          </a:blip>
+          <a:stretch>
+            <a:fillRect/>
+          </a:stretch>
+        </p:blipFill>
+        <p:spPr>
+          <a:xfrm>
+            <a:off x="0" y="0"/>
+            <a:ext cx="9144000" cy="6858000"/>
+          </a:xfrm>
+          <a:prstGeom prst="rect">
+            <a:avLst/>
+          </a:prstGeom>
+        </p:spPr>
+      </p:pic>
+      <p:sp>
+        <p:nvSpPr>
+          <p:cNvPr id="3" name="Subtítulo 2"/>
+          <p:cNvSpPr>
+            <a:spLocks noGrp="1"/>
+          </p:cNvSpPr>
+          <p:nvPr>
+            <p:ph type="subTitle" idx="1"/>
+          </p:nvPr>
+        </p:nvSpPr>
+        <p:spPr>
+          <a:xfrm>
+            <a:off x="2000250" y="5867400"/>
+            <a:ext cx="5143500" cy="489738"/>
+          </a:xfrm>
+        </p:spPr>
+        <p:txBody>
+          <a:bodyPr>
+            <a:normAutofit/>
+          </a:bodyPr>
+          <a:lstStyle/>
+          <a:p>
+            <a:r>
+              <a:rPr lang="pt-PT" sz="1500" dirty="0" err="1">
+                <a:solidFill>
+                  <a:schemeClr val="bg1"/>
+                </a:solidFill>
+                <a:latin typeface="Arial" charset="0"/>
+                <a:ea typeface="Arial" charset="0"/>
+                <a:cs typeface="Arial" charset="0"/>
+              </a:rPr>
+              <a:t>www.ipvc.pt</a:t>
+            </a:r>
+            <a:endParaRPr lang="pt-PT" sz="1500" dirty="0">
+              <a:solidFill>
+                <a:schemeClr val="bg1"/>
+              </a:solidFill>
+              <a:latin typeface="Arial" charset="0"/>
+              <a:ea typeface="Arial" charset="0"/>
+              <a:cs typeface="Arial" charset="0"/>
+            </a:endParaRPr>
+          </a:p>
+        </p:txBody>
+      </p:sp>
+      <p:pic>
+        <p:nvPicPr>
+          <p:cNvPr id="4" name="Imagem 3"/>
+          <p:cNvPicPr>
+            <a:picLocks noChangeAspect="1"/>
+          </p:cNvPicPr>
+          <p:nvPr/>
+        </p:nvPicPr>
+        <p:blipFill>
+          <a:blip r:embed="rId3">
+            <a:extLst>
+              <a:ext uri="{28A0092B-C50C-407E-A947-70E740481C1C}">
+                <a14:useLocalDpi xmlns:a14="http://schemas.microsoft.com/office/drawing/2010/main" val="0"/>
+              </a:ext>
+            </a:extLst>
+          </a:blip>
+          <a:stretch>
+            <a:fillRect/>
+          </a:stretch>
+        </p:blipFill>
+        <p:spPr>
+          <a:xfrm>
+            <a:off x="2547606" y="3409950"/>
+            <a:ext cx="4048787" cy="1006100"/>
+          </a:xfrm>
+          <a:prstGeom prst="rect">
+            <a:avLst/>
+          </a:prstGeom>
+        </p:spPr>
+      </p:pic>
+    </p:spTree>
+    <p:extLst>
+      <p:ext uri="{BB962C8B-B14F-4D97-AF65-F5344CB8AC3E}">
+        <p14:creationId xmlns:p14="http://schemas.microsoft.com/office/powerpoint/2010/main" val="947259978"/>
       </p:ext>
     </p:extLst>
   </p:cSld>
@@ -34988,7 +37649,7 @@
         </p:blipFill>
         <p:spPr>
           <a:xfrm>
-            <a:off x="784084" y="3016079"/>
+            <a:off x="5657227" y="1135187"/>
             <a:ext cx="3306156" cy="3276898"/>
           </a:xfrm>
           <a:prstGeom prst="rect">
@@ -34998,10 +37659,10 @@
       </p:pic>
       <p:pic>
         <p:nvPicPr>
-          <p:cNvPr id="10" name="Imagem 9" descr="Uma imagem com texto, monitor, cobertura, captura de ecrã&#10;&#10;Descrição gerada automaticamente">
+          <p:cNvPr id="5" name="Imagem 4">
             <a:extLst>
               <a:ext uri="{FF2B5EF4-FFF2-40B4-BE49-F238E27FC236}">
-                <a16:creationId xmlns:a16="http://schemas.microsoft.com/office/drawing/2014/main" id="{63864722-4EF6-DD28-ADBF-0196D036D6F2}"/>
+                <a16:creationId xmlns:a16="http://schemas.microsoft.com/office/drawing/2014/main" id="{C9EF23DA-AEA3-F149-4C94-137B45B6EC48}"/>
               </a:ext>
             </a:extLst>
           </p:cNvPr>
@@ -35011,21 +37672,45 @@
           <p:nvPr/>
         </p:nvPicPr>
         <p:blipFill>
-          <a:blip r:embed="rId8">
-            <a:extLst>
-              <a:ext uri="{28A0092B-C50C-407E-A947-70E740481C1C}">
-                <a14:useLocalDpi xmlns:a14="http://schemas.microsoft.com/office/drawing/2010/main" val="0"/>
-              </a:ext>
-            </a:extLst>
-          </a:blip>
+          <a:blip r:embed="rId8"/>
           <a:stretch>
             <a:fillRect/>
           </a:stretch>
         </p:blipFill>
         <p:spPr>
           <a:xfrm>
-            <a:off x="5563172" y="1130277"/>
-            <a:ext cx="2879731" cy="5177841"/>
+            <a:off x="776464" y="2761502"/>
+            <a:ext cx="1926877" cy="3417086"/>
+          </a:xfrm>
+          <a:prstGeom prst="rect">
+            <a:avLst/>
+          </a:prstGeom>
+        </p:spPr>
+      </p:pic>
+      <p:pic>
+        <p:nvPicPr>
+          <p:cNvPr id="9" name="Imagem 8">
+            <a:extLst>
+              <a:ext uri="{FF2B5EF4-FFF2-40B4-BE49-F238E27FC236}">
+                <a16:creationId xmlns:a16="http://schemas.microsoft.com/office/drawing/2014/main" id="{A0F8881D-8A37-1B21-38E7-5522DA08C59D}"/>
+              </a:ext>
+            </a:extLst>
+          </p:cNvPr>
+          <p:cNvPicPr>
+            <a:picLocks noChangeAspect="1"/>
+          </p:cNvPicPr>
+          <p:nvPr/>
+        </p:nvPicPr>
+        <p:blipFill>
+          <a:blip r:embed="rId9"/>
+          <a:stretch>
+            <a:fillRect/>
+          </a:stretch>
+        </p:blipFill>
+        <p:spPr>
+          <a:xfrm>
+            <a:off x="3208064" y="2761502"/>
+            <a:ext cx="1880253" cy="2581012"/>
           </a:xfrm>
           <a:prstGeom prst="rect">
             <a:avLst/>
@@ -35062,6 +37747,36 @@
           <a:chExt cx="0" cy="0"/>
         </a:xfrm>
       </p:grpSpPr>
+      <p:pic>
+        <p:nvPicPr>
+          <p:cNvPr id="9" name="Imagem 8">
+            <a:extLst>
+              <a:ext uri="{FF2B5EF4-FFF2-40B4-BE49-F238E27FC236}">
+                <a16:creationId xmlns:a16="http://schemas.microsoft.com/office/drawing/2014/main" id="{518AE809-06DB-3DA1-E455-6B7A679F74D8}"/>
+              </a:ext>
+            </a:extLst>
+          </p:cNvPr>
+          <p:cNvPicPr>
+            <a:picLocks noChangeAspect="1"/>
+          </p:cNvPicPr>
+          <p:nvPr/>
+        </p:nvPicPr>
+        <p:blipFill>
+          <a:blip r:embed="rId3"/>
+          <a:stretch>
+            <a:fillRect/>
+          </a:stretch>
+        </p:blipFill>
+        <p:spPr>
+          <a:xfrm>
+            <a:off x="4602539" y="1295407"/>
+            <a:ext cx="4438276" cy="4796407"/>
+          </a:xfrm>
+          <a:prstGeom prst="rect">
+            <a:avLst/>
+          </a:prstGeom>
+        </p:spPr>
+      </p:pic>
       <p:sp>
         <p:nvSpPr>
           <p:cNvPr id="14" name="Text Box 19">
@@ -35079,7 +37794,7 @@
         <p:spPr bwMode="auto">
           <a:xfrm>
             <a:off x="62111" y="1189254"/>
-            <a:ext cx="4540428" cy="4988738"/>
+            <a:ext cx="4540428" cy="4711739"/>
           </a:xfrm>
           <a:prstGeom prst="rect">
             <a:avLst/>
@@ -35256,13 +37971,13 @@
               <a:rPr lang="pt-PT" altLang="pt-PT" sz="1200" dirty="0">
                 <a:cs typeface="Arial" panose="020B0604020202020204" pitchFamily="34" charset="0"/>
               </a:rPr>
-              <a:t>, é o método </a:t>
+              <a:t>, é o </a:t>
             </a:r>
             <a:r>
               <a:rPr lang="pt-PT" altLang="pt-PT" sz="1200" dirty="0" err="1">
                 <a:cs typeface="Arial" panose="020B0604020202020204" pitchFamily="34" charset="0"/>
               </a:rPr>
-              <a:t>update</a:t>
+              <a:t>Update</a:t>
             </a:r>
             <a:r>
               <a:rPr lang="pt-PT" altLang="pt-PT" sz="1200" dirty="0">
@@ -35339,13 +38054,13 @@
               <a:rPr lang="pt-PT" altLang="pt-PT" sz="1200" dirty="0" err="1">
                 <a:cs typeface="Arial" panose="020B0604020202020204" pitchFamily="34" charset="0"/>
               </a:rPr>
-              <a:t>calculate_hand_value</a:t>
+              <a:t>calculate</a:t>
             </a:r>
             <a:r>
               <a:rPr lang="pt-PT" altLang="pt-PT" sz="1200" dirty="0">
                 <a:cs typeface="Arial" panose="020B0604020202020204" pitchFamily="34" charset="0"/>
               </a:rPr>
-              <a:t> que calcula o valor de cada mão em função das cartas comunitárias atuais, mantendo o valor das mãos sempre atualizado.</a:t>
+              <a:t> serve de ponte entre a combinação das cartas e a classe com os métodos de avaliação e será explicada num dos próximos slides.</a:t>
             </a:r>
           </a:p>
           <a:p>
@@ -35550,7 +38265,7 @@
           <p:nvPr/>
         </p:nvPicPr>
         <p:blipFill>
-          <a:blip r:embed="rId3"/>
+          <a:blip r:embed="rId4"/>
           <a:stretch>
             <a:fillRect/>
           </a:stretch>
@@ -35624,7 +38339,7 @@
           <p:nvPr/>
         </p:nvPicPr>
         <p:blipFill>
-          <a:blip r:embed="rId4" cstate="print">
+          <a:blip r:embed="rId5" cstate="print">
             <a:extLst>
               <a:ext uri="{28A0092B-C50C-407E-A947-70E740481C1C}">
                 <a14:useLocalDpi xmlns:a14="http://schemas.microsoft.com/office/drawing/2010/main" val="0"/>
@@ -35756,7 +38471,7 @@
           <p:nvPr/>
         </p:nvPicPr>
         <p:blipFill>
-          <a:blip r:embed="rId5"/>
+          <a:blip r:embed="rId6"/>
           <a:stretch>
             <a:fillRect/>
           </a:stretch>
@@ -35786,7 +38501,7 @@
           <p:nvPr/>
         </p:nvPicPr>
         <p:blipFill>
-          <a:blip r:embed="rId6" cstate="print">
+          <a:blip r:embed="rId7" cstate="print">
             <a:extLst>
               <a:ext uri="{28A0092B-C50C-407E-A947-70E740481C1C}">
                 <a14:useLocalDpi xmlns:a14="http://schemas.microsoft.com/office/drawing/2010/main" val="0"/>
@@ -36075,42 +38790,6 @@
           </a:p>
         </p:txBody>
       </p:sp>
-      <p:pic>
-        <p:nvPicPr>
-          <p:cNvPr id="5" name="Imagem 4" descr="Uma imagem com texto&#10;&#10;Descrição gerada automaticamente">
-            <a:extLst>
-              <a:ext uri="{FF2B5EF4-FFF2-40B4-BE49-F238E27FC236}">
-                <a16:creationId xmlns:a16="http://schemas.microsoft.com/office/drawing/2014/main" id="{A5F6612B-2AB1-ED72-DBCA-C2D4837492F5}"/>
-              </a:ext>
-            </a:extLst>
-          </p:cNvPr>
-          <p:cNvPicPr>
-            <a:picLocks noChangeAspect="1"/>
-          </p:cNvPicPr>
-          <p:nvPr/>
-        </p:nvPicPr>
-        <p:blipFill>
-          <a:blip r:embed="rId7">
-            <a:extLst>
-              <a:ext uri="{28A0092B-C50C-407E-A947-70E740481C1C}">
-                <a14:useLocalDpi xmlns:a14="http://schemas.microsoft.com/office/drawing/2010/main" val="0"/>
-              </a:ext>
-            </a:extLst>
-          </a:blip>
-          <a:stretch>
-            <a:fillRect/>
-          </a:stretch>
-        </p:blipFill>
-        <p:spPr>
-          <a:xfrm>
-            <a:off x="4682666" y="1124460"/>
-            <a:ext cx="4273804" cy="5277928"/>
-          </a:xfrm>
-          <a:prstGeom prst="rect">
-            <a:avLst/>
-          </a:prstGeom>
-        </p:spPr>
-      </p:pic>
       <p:sp>
         <p:nvSpPr>
           <p:cNvPr id="28" name="Retângulo 27">
@@ -36125,7 +38804,7 @@
         </p:nvSpPr>
         <p:spPr>
           <a:xfrm>
-            <a:off x="260350" y="2438401"/>
+            <a:off x="260350" y="2183661"/>
             <a:ext cx="4263361" cy="1147390"/>
           </a:xfrm>
           <a:prstGeom prst="rect">
@@ -36177,7 +38856,7 @@
         </p:nvSpPr>
         <p:spPr>
           <a:xfrm>
-            <a:off x="5029200" y="1855962"/>
+            <a:off x="4953002" y="2073886"/>
             <a:ext cx="1374847" cy="152635"/>
           </a:xfrm>
           <a:prstGeom prst="rect">
@@ -36229,8 +38908,8 @@
         </p:nvSpPr>
         <p:spPr>
           <a:xfrm>
-            <a:off x="5032248" y="2285766"/>
-            <a:ext cx="1374847" cy="152635"/>
+            <a:off x="4953000" y="2374999"/>
+            <a:ext cx="1451049" cy="160376"/>
           </a:xfrm>
           <a:prstGeom prst="rect">
             <a:avLst/>
@@ -36281,8 +38960,8 @@
         </p:nvSpPr>
         <p:spPr>
           <a:xfrm>
-            <a:off x="5029199" y="3044795"/>
-            <a:ext cx="1374847" cy="157148"/>
+            <a:off x="4956976" y="2988372"/>
+            <a:ext cx="1447073" cy="155510"/>
           </a:xfrm>
           <a:prstGeom prst="rect">
             <a:avLst/>
@@ -36333,8 +39012,8 @@
         </p:nvSpPr>
         <p:spPr>
           <a:xfrm>
-            <a:off x="5029198" y="3804170"/>
-            <a:ext cx="1374847" cy="157148"/>
+            <a:off x="4991100" y="3602004"/>
+            <a:ext cx="1447073" cy="138425"/>
           </a:xfrm>
           <a:prstGeom prst="rect">
             <a:avLst/>
@@ -36385,7 +39064,7 @@
         </p:nvSpPr>
         <p:spPr>
           <a:xfrm>
-            <a:off x="250825" y="3644882"/>
+            <a:off x="250825" y="3352062"/>
             <a:ext cx="4272886" cy="735977"/>
           </a:xfrm>
           <a:prstGeom prst="rect">
@@ -36437,7 +39116,7 @@
         </p:nvSpPr>
         <p:spPr>
           <a:xfrm>
-            <a:off x="5181600" y="2593181"/>
+            <a:off x="5181601" y="2678782"/>
             <a:ext cx="2060575" cy="157148"/>
           </a:xfrm>
           <a:prstGeom prst="rect">
@@ -36489,8 +39168,8 @@
         </p:nvSpPr>
         <p:spPr>
           <a:xfrm>
-            <a:off x="5194300" y="3348093"/>
-            <a:ext cx="2060575" cy="157148"/>
+            <a:off x="5181602" y="3287653"/>
+            <a:ext cx="2060575" cy="184959"/>
           </a:xfrm>
           <a:prstGeom prst="rect">
             <a:avLst/>
@@ -36541,8 +39220,8 @@
         </p:nvSpPr>
         <p:spPr>
           <a:xfrm>
-            <a:off x="5207000" y="4103005"/>
-            <a:ext cx="2413000" cy="442897"/>
+            <a:off x="5181602" y="3924101"/>
+            <a:ext cx="2438400" cy="435626"/>
           </a:xfrm>
           <a:prstGeom prst="rect">
             <a:avLst/>
@@ -36593,7 +39272,7 @@
         </p:nvSpPr>
         <p:spPr>
           <a:xfrm>
-            <a:off x="250825" y="4470240"/>
+            <a:off x="260350" y="4191000"/>
             <a:ext cx="4272886" cy="1092360"/>
           </a:xfrm>
           <a:prstGeom prst="rect">
@@ -36649,8 +39328,8 @@
         </p:nvSpPr>
         <p:spPr>
           <a:xfrm>
-            <a:off x="5207000" y="4567711"/>
-            <a:ext cx="2413000" cy="138425"/>
+            <a:off x="5181602" y="4383914"/>
+            <a:ext cx="736600" cy="131809"/>
           </a:xfrm>
           <a:prstGeom prst="rect">
             <a:avLst/>
@@ -36701,8 +39380,8 @@
         </p:nvSpPr>
         <p:spPr>
           <a:xfrm>
-            <a:off x="5194300" y="3524059"/>
-            <a:ext cx="2197100" cy="120824"/>
+            <a:off x="5181602" y="3472613"/>
+            <a:ext cx="762000" cy="105203"/>
           </a:xfrm>
           <a:prstGeom prst="rect">
             <a:avLst/>
@@ -36753,8 +39432,8 @@
         </p:nvSpPr>
         <p:spPr>
           <a:xfrm>
-            <a:off x="5181600" y="2761395"/>
-            <a:ext cx="2197100" cy="120824"/>
+            <a:off x="5181602" y="2849592"/>
+            <a:ext cx="762000" cy="125182"/>
           </a:xfrm>
           <a:prstGeom prst="rect">
             <a:avLst/>
